--- a/docs/proj3_template.pptx
+++ b/docs/proj3_template.pptx
@@ -1,34 +1,34 @@
 
 <file path=ppt/presentation.xml><?xml version="1.0" encoding="utf-8"?>
-<p:presentation xmlns:a="http://schemas.openxmlformats.org/drawingml/2006/main" xmlns:r="http://schemas.openxmlformats.org/officeDocument/2006/relationships" xmlns:mc="http://schemas.openxmlformats.org/markup-compatibility/2006" xmlns:mv="urn:schemas-microsoft-com:mac:vml" xmlns:p="http://schemas.openxmlformats.org/presentationml/2006/main" xmlns:c="http://schemas.openxmlformats.org/drawingml/2006/chart" xmlns:dgm="http://schemas.openxmlformats.org/drawingml/2006/diagram" xmlns:o="urn:schemas-microsoft-com:office:office" xmlns:v="urn:schemas-microsoft-com:vml" xmlns:pvml="urn:schemas-microsoft-com:office:powerpoint" xmlns:com="http://schemas.openxmlformats.org/drawingml/2006/compatibility" xmlns:p14="http://schemas.microsoft.com/office/powerpoint/2010/main" xmlns:p15="http://schemas.microsoft.com/office/powerpoint/2012/main" xmlns:ahyp="http://schemas.microsoft.com/office/drawing/2018/hyperlinkcolor" autoCompressPictures="0" strictFirstAndLastChars="0" saveSubsetFonts="1">
+<p:presentation xmlns:a="http://schemas.openxmlformats.org/drawingml/2006/main" xmlns:r="http://schemas.openxmlformats.org/officeDocument/2006/relationships" xmlns:p="http://schemas.openxmlformats.org/presentationml/2006/main" strictFirstAndLastChars="0" saveSubsetFonts="1" autoCompressPictures="0">
   <p:sldMasterIdLst>
-    <p:sldMasterId id="2147483648" r:id="rId4"/>
+    <p:sldMasterId id="2147483648" r:id="rId1"/>
   </p:sldMasterIdLst>
   <p:notesMasterIdLst>
-    <p:notesMasterId r:id="rId5"/>
+    <p:notesMasterId r:id="rId18"/>
   </p:notesMasterIdLst>
   <p:sldIdLst>
-    <p:sldId id="256" r:id="rId6"/>
-    <p:sldId id="257" r:id="rId7"/>
-    <p:sldId id="258" r:id="rId8"/>
-    <p:sldId id="259" r:id="rId9"/>
-    <p:sldId id="260" r:id="rId10"/>
-    <p:sldId id="261" r:id="rId11"/>
-    <p:sldId id="262" r:id="rId12"/>
-    <p:sldId id="263" r:id="rId13"/>
-    <p:sldId id="264" r:id="rId14"/>
-    <p:sldId id="265" r:id="rId15"/>
-    <p:sldId id="266" r:id="rId16"/>
-    <p:sldId id="267" r:id="rId17"/>
-    <p:sldId id="268" r:id="rId18"/>
-    <p:sldId id="269" r:id="rId19"/>
-    <p:sldId id="270" r:id="rId20"/>
-    <p:sldId id="271" r:id="rId21"/>
+    <p:sldId id="256" r:id="rId2"/>
+    <p:sldId id="257" r:id="rId3"/>
+    <p:sldId id="258" r:id="rId4"/>
+    <p:sldId id="259" r:id="rId5"/>
+    <p:sldId id="260" r:id="rId6"/>
+    <p:sldId id="261" r:id="rId7"/>
+    <p:sldId id="262" r:id="rId8"/>
+    <p:sldId id="263" r:id="rId9"/>
+    <p:sldId id="264" r:id="rId10"/>
+    <p:sldId id="265" r:id="rId11"/>
+    <p:sldId id="266" r:id="rId12"/>
+    <p:sldId id="267" r:id="rId13"/>
+    <p:sldId id="268" r:id="rId14"/>
+    <p:sldId id="269" r:id="rId15"/>
+    <p:sldId id="270" r:id="rId16"/>
+    <p:sldId id="271" r:id="rId17"/>
   </p:sldIdLst>
-  <p:sldSz cy="5143500" cx="9144000"/>
+  <p:sldSz cx="9144000" cy="5143500" type="screen16x9"/>
   <p:notesSz cx="6858000" cy="9144000"/>
   <p:defaultTextStyle>
-    <a:defPPr lvl="0" marR="0" rtl="0" algn="l">
+    <a:defPPr marR="0" lvl="0" algn="l" rtl="0">
       <a:lnSpc>
         <a:spcPct val="100000"/>
       </a:lnSpc>
@@ -39,7 +39,7 @@
         <a:spcPts val="0"/>
       </a:spcAft>
     </a:defPPr>
-    <a:lvl1pPr lvl="0" marR="0" rtl="0" algn="l">
+    <a:lvl1pPr marR="0" lvl="0" algn="l" rtl="0">
       <a:lnSpc>
         <a:spcPct val="100000"/>
       </a:lnSpc>
@@ -53,7 +53,7 @@
         <a:srgbClr val="000000"/>
       </a:buClr>
       <a:buFont typeface="Arial"/>
-      <a:defRPr b="0" i="0" sz="1400" u="none" cap="none" strike="noStrike">
+      <a:defRPr sz="1400" b="0" i="0" u="none" strike="noStrike" cap="none">
         <a:solidFill>
           <a:srgbClr val="000000"/>
         </a:solidFill>
@@ -63,7 +63,7 @@
         <a:sym typeface="Arial"/>
       </a:defRPr>
     </a:lvl1pPr>
-    <a:lvl2pPr lvl="1" marR="0" rtl="0" algn="l">
+    <a:lvl2pPr marR="0" lvl="1" algn="l" rtl="0">
       <a:lnSpc>
         <a:spcPct val="100000"/>
       </a:lnSpc>
@@ -77,7 +77,7 @@
         <a:srgbClr val="000000"/>
       </a:buClr>
       <a:buFont typeface="Arial"/>
-      <a:defRPr b="0" i="0" sz="1400" u="none" cap="none" strike="noStrike">
+      <a:defRPr sz="1400" b="0" i="0" u="none" strike="noStrike" cap="none">
         <a:solidFill>
           <a:srgbClr val="000000"/>
         </a:solidFill>
@@ -87,7 +87,7 @@
         <a:sym typeface="Arial"/>
       </a:defRPr>
     </a:lvl2pPr>
-    <a:lvl3pPr lvl="2" marR="0" rtl="0" algn="l">
+    <a:lvl3pPr marR="0" lvl="2" algn="l" rtl="0">
       <a:lnSpc>
         <a:spcPct val="100000"/>
       </a:lnSpc>
@@ -101,7 +101,7 @@
         <a:srgbClr val="000000"/>
       </a:buClr>
       <a:buFont typeface="Arial"/>
-      <a:defRPr b="0" i="0" sz="1400" u="none" cap="none" strike="noStrike">
+      <a:defRPr sz="1400" b="0" i="0" u="none" strike="noStrike" cap="none">
         <a:solidFill>
           <a:srgbClr val="000000"/>
         </a:solidFill>
@@ -111,7 +111,7 @@
         <a:sym typeface="Arial"/>
       </a:defRPr>
     </a:lvl3pPr>
-    <a:lvl4pPr lvl="3" marR="0" rtl="0" algn="l">
+    <a:lvl4pPr marR="0" lvl="3" algn="l" rtl="0">
       <a:lnSpc>
         <a:spcPct val="100000"/>
       </a:lnSpc>
@@ -125,7 +125,7 @@
         <a:srgbClr val="000000"/>
       </a:buClr>
       <a:buFont typeface="Arial"/>
-      <a:defRPr b="0" i="0" sz="1400" u="none" cap="none" strike="noStrike">
+      <a:defRPr sz="1400" b="0" i="0" u="none" strike="noStrike" cap="none">
         <a:solidFill>
           <a:srgbClr val="000000"/>
         </a:solidFill>
@@ -135,7 +135,7 @@
         <a:sym typeface="Arial"/>
       </a:defRPr>
     </a:lvl4pPr>
-    <a:lvl5pPr lvl="4" marR="0" rtl="0" algn="l">
+    <a:lvl5pPr marR="0" lvl="4" algn="l" rtl="0">
       <a:lnSpc>
         <a:spcPct val="100000"/>
       </a:lnSpc>
@@ -149,7 +149,7 @@
         <a:srgbClr val="000000"/>
       </a:buClr>
       <a:buFont typeface="Arial"/>
-      <a:defRPr b="0" i="0" sz="1400" u="none" cap="none" strike="noStrike">
+      <a:defRPr sz="1400" b="0" i="0" u="none" strike="noStrike" cap="none">
         <a:solidFill>
           <a:srgbClr val="000000"/>
         </a:solidFill>
@@ -159,7 +159,7 @@
         <a:sym typeface="Arial"/>
       </a:defRPr>
     </a:lvl5pPr>
-    <a:lvl6pPr lvl="5" marR="0" rtl="0" algn="l">
+    <a:lvl6pPr marR="0" lvl="5" algn="l" rtl="0">
       <a:lnSpc>
         <a:spcPct val="100000"/>
       </a:lnSpc>
@@ -173,7 +173,7 @@
         <a:srgbClr val="000000"/>
       </a:buClr>
       <a:buFont typeface="Arial"/>
-      <a:defRPr b="0" i="0" sz="1400" u="none" cap="none" strike="noStrike">
+      <a:defRPr sz="1400" b="0" i="0" u="none" strike="noStrike" cap="none">
         <a:solidFill>
           <a:srgbClr val="000000"/>
         </a:solidFill>
@@ -183,7 +183,7 @@
         <a:sym typeface="Arial"/>
       </a:defRPr>
     </a:lvl6pPr>
-    <a:lvl7pPr lvl="6" marR="0" rtl="0" algn="l">
+    <a:lvl7pPr marR="0" lvl="6" algn="l" rtl="0">
       <a:lnSpc>
         <a:spcPct val="100000"/>
       </a:lnSpc>
@@ -197,7 +197,7 @@
         <a:srgbClr val="000000"/>
       </a:buClr>
       <a:buFont typeface="Arial"/>
-      <a:defRPr b="0" i="0" sz="1400" u="none" cap="none" strike="noStrike">
+      <a:defRPr sz="1400" b="0" i="0" u="none" strike="noStrike" cap="none">
         <a:solidFill>
           <a:srgbClr val="000000"/>
         </a:solidFill>
@@ -207,7 +207,7 @@
         <a:sym typeface="Arial"/>
       </a:defRPr>
     </a:lvl7pPr>
-    <a:lvl8pPr lvl="7" marR="0" rtl="0" algn="l">
+    <a:lvl8pPr marR="0" lvl="7" algn="l" rtl="0">
       <a:lnSpc>
         <a:spcPct val="100000"/>
       </a:lnSpc>
@@ -221,7 +221,7 @@
         <a:srgbClr val="000000"/>
       </a:buClr>
       <a:buFont typeface="Arial"/>
-      <a:defRPr b="0" i="0" sz="1400" u="none" cap="none" strike="noStrike">
+      <a:defRPr sz="1400" b="0" i="0" u="none" strike="noStrike" cap="none">
         <a:solidFill>
           <a:srgbClr val="000000"/>
         </a:solidFill>
@@ -231,7 +231,7 @@
         <a:sym typeface="Arial"/>
       </a:defRPr>
     </a:lvl8pPr>
-    <a:lvl9pPr lvl="8" marR="0" rtl="0" algn="l">
+    <a:lvl9pPr marR="0" lvl="8" algn="l" rtl="0">
       <a:lnSpc>
         <a:spcPct val="100000"/>
       </a:lnSpc>
@@ -245,7 +245,7 @@
         <a:srgbClr val="000000"/>
       </a:buClr>
       <a:buFont typeface="Arial"/>
-      <a:defRPr b="0" i="0" sz="1400" u="none" cap="none" strike="noStrike">
+      <a:defRPr sz="1400" b="0" i="0" u="none" strike="noStrike" cap="none">
         <a:solidFill>
           <a:srgbClr val="000000"/>
         </a:solidFill>
@@ -258,7 +258,7 @@
   </p:defaultTextStyle>
   <p:extLst>
     <p:ext uri="{EFAFB233-063F-42B5-8137-9DF3F51BA10A}">
-      <p15:sldGuideLst>
+      <p15:sldGuideLst xmlns:p15="http://schemas.microsoft.com/office/powerpoint/2012/main">
         <p15:guide id="1" orient="horz" pos="1620">
           <p15:clr>
             <a:srgbClr val="A4A3A4"/>
@@ -272,25 +272,26 @@
       </p15:sldGuideLst>
     </p:ext>
     <p:ext uri="http://customooxmlschemas.google.com/">
-      <go:slidesCustomData xmlns:go="http://customooxmlschemas.google.com/" r:id="rId22" roundtripDataSignature="AMtx7mil/KIhr3QggQAe0TlUnjNvitrpZQ=="/>
+      <go:slidesCustomData xmlns:go="http://customooxmlschemas.google.com/" xmlns:ahyp="http://schemas.microsoft.com/office/drawing/2018/hyperlinkcolor" xmlns:p15="http://schemas.microsoft.com/office/powerpoint/2012/main" xmlns:p14="http://schemas.microsoft.com/office/powerpoint/2010/main" xmlns:com="http://schemas.openxmlformats.org/drawingml/2006/compatibility" xmlns:pvml="urn:schemas-microsoft-com:office:powerpoint" xmlns:v="urn:schemas-microsoft-com:vml" xmlns:o="urn:schemas-microsoft-com:office:office" xmlns:dgm="http://schemas.openxmlformats.org/drawingml/2006/diagram" xmlns:c="http://schemas.openxmlformats.org/drawingml/2006/chart" xmlns:mv="urn:schemas-microsoft-com:mac:vml" xmlns:mc="http://schemas.openxmlformats.org/markup-compatibility/2006" xmlns="" r:id="rId22" roundtripDataSignature="AMtx7mil/KIhr3QggQAe0TlUnjNvitrpZQ=="/>
     </p:ext>
   </p:extLst>
 </p:presentation>
 </file>
 
 <file path=ppt/notesMasters/notesMaster1.xml><?xml version="1.0" encoding="utf-8"?>
-<p:notesMaster xmlns:a="http://schemas.openxmlformats.org/drawingml/2006/main" xmlns:r="http://schemas.openxmlformats.org/officeDocument/2006/relationships" xmlns:mc="http://schemas.openxmlformats.org/markup-compatibility/2006" xmlns:mv="urn:schemas-microsoft-com:mac:vml" xmlns:p="http://schemas.openxmlformats.org/presentationml/2006/main" xmlns:c="http://schemas.openxmlformats.org/drawingml/2006/chart" xmlns:dgm="http://schemas.openxmlformats.org/drawingml/2006/diagram" xmlns:o="urn:schemas-microsoft-com:office:office" xmlns:v="urn:schemas-microsoft-com:vml" xmlns:pvml="urn:schemas-microsoft-com:office:powerpoint" xmlns:com="http://schemas.openxmlformats.org/drawingml/2006/compatibility" xmlns:p14="http://schemas.microsoft.com/office/powerpoint/2010/main" xmlns:p15="http://schemas.microsoft.com/office/powerpoint/2012/main" xmlns:ahyp="http://schemas.microsoft.com/office/drawing/2018/hyperlinkcolor">
+<p:notesMaster xmlns:a="http://schemas.openxmlformats.org/drawingml/2006/main" xmlns:r="http://schemas.openxmlformats.org/officeDocument/2006/relationships" xmlns:p="http://schemas.openxmlformats.org/presentationml/2006/main">
   <p:cSld>
     <p:bg>
       <p:bgPr>
         <a:solidFill>
           <a:schemeClr val="lt1"/>
         </a:solidFill>
+        <a:effectLst/>
       </p:bgPr>
     </p:bg>
     <p:spTree>
       <p:nvGrpSpPr>
-        <p:cNvPr id="2" name="Shape 2"/>
+        <p:cNvPr id="1" name="Shape 2"/>
         <p:cNvGrpSpPr/>
         <p:nvPr/>
       </p:nvGrpSpPr>
@@ -305,9 +306,11 @@
       <p:sp>
         <p:nvSpPr>
           <p:cNvPr id="3" name="Google Shape;3;n"/>
-          <p:cNvSpPr/>
+          <p:cNvSpPr>
+            <a:spLocks noGrp="1" noRot="1" noChangeAspect="1"/>
+          </p:cNvSpPr>
           <p:nvPr>
-            <p:ph idx="2" type="sldImg"/>
+            <p:ph type="sldImg" idx="2"/>
           </p:nvPr>
         </p:nvSpPr>
         <p:spPr>
@@ -316,9 +319,13 @@
             <a:ext cx="6096075" cy="3429000"/>
           </a:xfrm>
           <a:custGeom>
-            <a:rect b="b" l="l" r="r" t="t"/>
+            <a:avLst/>
+            <a:gdLst/>
+            <a:ahLst/>
+            <a:cxnLst/>
+            <a:rect l="l" t="t" r="r" b="b"/>
             <a:pathLst>
-              <a:path extrusionOk="0" h="120000" w="120000">
+              <a:path w="120000" h="120000" extrusionOk="0">
                 <a:moveTo>
                   <a:pt x="0" y="0"/>
                 </a:moveTo>
@@ -336,23 +343,25 @@
             </a:pathLst>
           </a:custGeom>
           <a:noFill/>
-          <a:ln cap="flat" cmpd="sng" w="9525">
+          <a:ln w="9525" cap="flat" cmpd="sng">
             <a:solidFill>
               <a:srgbClr val="000000"/>
             </a:solidFill>
             <a:prstDash val="solid"/>
             <a:round/>
-            <a:headEnd len="sm" w="sm" type="none"/>
-            <a:tailEnd len="sm" w="sm" type="none"/>
+            <a:headEnd type="none" w="sm" len="sm"/>
+            <a:tailEnd type="none" w="sm" len="sm"/>
           </a:ln>
         </p:spPr>
       </p:sp>
       <p:sp>
         <p:nvSpPr>
           <p:cNvPr id="4" name="Google Shape;4;n"/>
-          <p:cNvSpPr txBox="1"/>
+          <p:cNvSpPr txBox="1">
+            <a:spLocks noGrp="1"/>
+          </p:cNvSpPr>
           <p:nvPr>
-            <p:ph idx="1" type="body"/>
+            <p:ph type="body" idx="1"/>
           </p:nvPr>
         </p:nvSpPr>
         <p:spPr>
@@ -369,11 +378,11 @@
           </a:ln>
         </p:spPr>
         <p:txBody>
-          <a:bodyPr anchorCtr="0" anchor="t" bIns="91425" lIns="91425" spcFirstLastPara="1" rIns="91425" wrap="square" tIns="91425">
+          <a:bodyPr spcFirstLastPara="1" wrap="square" lIns="91425" tIns="91425" rIns="91425" bIns="91425" anchor="t" anchorCtr="0">
             <a:noAutofit/>
           </a:bodyPr>
           <a:lstStyle>
-            <a:lvl1pPr indent="-298450" lvl="0" marL="457200" marR="0" rtl="0" algn="l">
+            <a:lvl1pPr marL="457200" marR="0" lvl="0" indent="-298450" algn="l" rtl="0">
               <a:lnSpc>
                 <a:spcPct val="100000"/>
               </a:lnSpc>
@@ -389,7 +398,7 @@
               <a:buSzPts val="1100"/>
               <a:buFont typeface="Arial"/>
               <a:buChar char="●"/>
-              <a:defRPr b="0" i="0" sz="1100" u="none" cap="none" strike="noStrike">
+              <a:defRPr sz="1100" b="0" i="0" u="none" strike="noStrike" cap="none">
                 <a:solidFill>
                   <a:srgbClr val="000000"/>
                 </a:solidFill>
@@ -399,7 +408,7 @@
                 <a:sym typeface="Arial"/>
               </a:defRPr>
             </a:lvl1pPr>
-            <a:lvl2pPr indent="-298450" lvl="1" marL="914400" marR="0" rtl="0" algn="l">
+            <a:lvl2pPr marL="914400" marR="0" lvl="1" indent="-298450" algn="l" rtl="0">
               <a:lnSpc>
                 <a:spcPct val="100000"/>
               </a:lnSpc>
@@ -415,7 +424,7 @@
               <a:buSzPts val="1100"/>
               <a:buFont typeface="Arial"/>
               <a:buChar char="○"/>
-              <a:defRPr b="0" i="0" sz="1100" u="none" cap="none" strike="noStrike">
+              <a:defRPr sz="1100" b="0" i="0" u="none" strike="noStrike" cap="none">
                 <a:solidFill>
                   <a:srgbClr val="000000"/>
                 </a:solidFill>
@@ -425,7 +434,7 @@
                 <a:sym typeface="Arial"/>
               </a:defRPr>
             </a:lvl2pPr>
-            <a:lvl3pPr indent="-298450" lvl="2" marL="1371600" marR="0" rtl="0" algn="l">
+            <a:lvl3pPr marL="1371600" marR="0" lvl="2" indent="-298450" algn="l" rtl="0">
               <a:lnSpc>
                 <a:spcPct val="100000"/>
               </a:lnSpc>
@@ -441,7 +450,7 @@
               <a:buSzPts val="1100"/>
               <a:buFont typeface="Arial"/>
               <a:buChar char="■"/>
-              <a:defRPr b="0" i="0" sz="1100" u="none" cap="none" strike="noStrike">
+              <a:defRPr sz="1100" b="0" i="0" u="none" strike="noStrike" cap="none">
                 <a:solidFill>
                   <a:srgbClr val="000000"/>
                 </a:solidFill>
@@ -451,7 +460,7 @@
                 <a:sym typeface="Arial"/>
               </a:defRPr>
             </a:lvl3pPr>
-            <a:lvl4pPr indent="-298450" lvl="3" marL="1828800" marR="0" rtl="0" algn="l">
+            <a:lvl4pPr marL="1828800" marR="0" lvl="3" indent="-298450" algn="l" rtl="0">
               <a:lnSpc>
                 <a:spcPct val="100000"/>
               </a:lnSpc>
@@ -467,7 +476,7 @@
               <a:buSzPts val="1100"/>
               <a:buFont typeface="Arial"/>
               <a:buChar char="●"/>
-              <a:defRPr b="0" i="0" sz="1100" u="none" cap="none" strike="noStrike">
+              <a:defRPr sz="1100" b="0" i="0" u="none" strike="noStrike" cap="none">
                 <a:solidFill>
                   <a:srgbClr val="000000"/>
                 </a:solidFill>
@@ -477,7 +486,7 @@
                 <a:sym typeface="Arial"/>
               </a:defRPr>
             </a:lvl4pPr>
-            <a:lvl5pPr indent="-298450" lvl="4" marL="2286000" marR="0" rtl="0" algn="l">
+            <a:lvl5pPr marL="2286000" marR="0" lvl="4" indent="-298450" algn="l" rtl="0">
               <a:lnSpc>
                 <a:spcPct val="100000"/>
               </a:lnSpc>
@@ -493,7 +502,7 @@
               <a:buSzPts val="1100"/>
               <a:buFont typeface="Arial"/>
               <a:buChar char="○"/>
-              <a:defRPr b="0" i="0" sz="1100" u="none" cap="none" strike="noStrike">
+              <a:defRPr sz="1100" b="0" i="0" u="none" strike="noStrike" cap="none">
                 <a:solidFill>
                   <a:srgbClr val="000000"/>
                 </a:solidFill>
@@ -503,7 +512,7 @@
                 <a:sym typeface="Arial"/>
               </a:defRPr>
             </a:lvl5pPr>
-            <a:lvl6pPr indent="-298450" lvl="5" marL="2743200" marR="0" rtl="0" algn="l">
+            <a:lvl6pPr marL="2743200" marR="0" lvl="5" indent="-298450" algn="l" rtl="0">
               <a:lnSpc>
                 <a:spcPct val="100000"/>
               </a:lnSpc>
@@ -519,7 +528,7 @@
               <a:buSzPts val="1100"/>
               <a:buFont typeface="Arial"/>
               <a:buChar char="■"/>
-              <a:defRPr b="0" i="0" sz="1100" u="none" cap="none" strike="noStrike">
+              <a:defRPr sz="1100" b="0" i="0" u="none" strike="noStrike" cap="none">
                 <a:solidFill>
                   <a:srgbClr val="000000"/>
                 </a:solidFill>
@@ -529,7 +538,7 @@
                 <a:sym typeface="Arial"/>
               </a:defRPr>
             </a:lvl6pPr>
-            <a:lvl7pPr indent="-298450" lvl="6" marL="3200400" marR="0" rtl="0" algn="l">
+            <a:lvl7pPr marL="3200400" marR="0" lvl="6" indent="-298450" algn="l" rtl="0">
               <a:lnSpc>
                 <a:spcPct val="100000"/>
               </a:lnSpc>
@@ -545,7 +554,7 @@
               <a:buSzPts val="1100"/>
               <a:buFont typeface="Arial"/>
               <a:buChar char="●"/>
-              <a:defRPr b="0" i="0" sz="1100" u="none" cap="none" strike="noStrike">
+              <a:defRPr sz="1100" b="0" i="0" u="none" strike="noStrike" cap="none">
                 <a:solidFill>
                   <a:srgbClr val="000000"/>
                 </a:solidFill>
@@ -555,7 +564,7 @@
                 <a:sym typeface="Arial"/>
               </a:defRPr>
             </a:lvl7pPr>
-            <a:lvl8pPr indent="-298450" lvl="7" marL="3657600" marR="0" rtl="0" algn="l">
+            <a:lvl8pPr marL="3657600" marR="0" lvl="7" indent="-298450" algn="l" rtl="0">
               <a:lnSpc>
                 <a:spcPct val="100000"/>
               </a:lnSpc>
@@ -571,7 +580,7 @@
               <a:buSzPts val="1100"/>
               <a:buFont typeface="Arial"/>
               <a:buChar char="○"/>
-              <a:defRPr b="0" i="0" sz="1100" u="none" cap="none" strike="noStrike">
+              <a:defRPr sz="1100" b="0" i="0" u="none" strike="noStrike" cap="none">
                 <a:solidFill>
                   <a:srgbClr val="000000"/>
                 </a:solidFill>
@@ -581,7 +590,7 @@
                 <a:sym typeface="Arial"/>
               </a:defRPr>
             </a:lvl8pPr>
-            <a:lvl9pPr indent="-298450" lvl="8" marL="4114800" marR="0" rtl="0" algn="l">
+            <a:lvl9pPr marL="4114800" marR="0" lvl="8" indent="-298450" algn="l" rtl="0">
               <a:lnSpc>
                 <a:spcPct val="100000"/>
               </a:lnSpc>
@@ -597,7 +606,7 @@
               <a:buSzPts val="1100"/>
               <a:buFont typeface="Arial"/>
               <a:buChar char="■"/>
-              <a:defRPr b="0" i="0" sz="1100" u="none" cap="none" strike="noStrike">
+              <a:defRPr sz="1100" b="0" i="0" u="none" strike="noStrike" cap="none">
                 <a:solidFill>
                   <a:srgbClr val="000000"/>
                 </a:solidFill>
@@ -608,14 +617,16 @@
               </a:defRPr>
             </a:lvl9pPr>
           </a:lstStyle>
-          <a:p/>
+          <a:p>
+            <a:endParaRPr/>
+          </a:p>
         </p:txBody>
       </p:sp>
     </p:spTree>
   </p:cSld>
-  <p:clrMap accent1="accent1" accent2="accent2" accent3="accent3" accent4="accent4" accent5="accent5" accent6="accent6" bg1="lt1" bg2="dk2" tx1="dk1" tx2="lt2" folHlink="folHlink" hlink="hlink"/>
+  <p:clrMap bg1="lt1" tx1="dk1" bg2="dk2" tx2="lt2" accent1="accent1" accent2="accent2" accent3="accent3" accent4="accent4" accent5="accent5" accent6="accent6" hlink="hlink" folHlink="folHlink"/>
   <p:notesStyle>
-    <a:defPPr lvl="0" marR="0" rtl="0" algn="l">
+    <a:defPPr marR="0" lvl="0" algn="l" rtl="0">
       <a:lnSpc>
         <a:spcPct val="100000"/>
       </a:lnSpc>
@@ -626,7 +637,7 @@
         <a:spcPts val="0"/>
       </a:spcAft>
     </a:defPPr>
-    <a:lvl1pPr lvl="0" marR="0" rtl="0" algn="l">
+    <a:lvl1pPr marR="0" lvl="0" algn="l" rtl="0">
       <a:lnSpc>
         <a:spcPct val="100000"/>
       </a:lnSpc>
@@ -640,7 +651,7 @@
         <a:srgbClr val="000000"/>
       </a:buClr>
       <a:buFont typeface="Arial"/>
-      <a:defRPr b="0" i="0" sz="1400" u="none" cap="none" strike="noStrike">
+      <a:defRPr sz="1400" b="0" i="0" u="none" strike="noStrike" cap="none">
         <a:solidFill>
           <a:srgbClr val="000000"/>
         </a:solidFill>
@@ -650,7 +661,7 @@
         <a:sym typeface="Arial"/>
       </a:defRPr>
     </a:lvl1pPr>
-    <a:lvl2pPr lvl="1" marR="0" rtl="0" algn="l">
+    <a:lvl2pPr marR="0" lvl="1" algn="l" rtl="0">
       <a:lnSpc>
         <a:spcPct val="100000"/>
       </a:lnSpc>
@@ -664,7 +675,7 @@
         <a:srgbClr val="000000"/>
       </a:buClr>
       <a:buFont typeface="Arial"/>
-      <a:defRPr b="0" i="0" sz="1400" u="none" cap="none" strike="noStrike">
+      <a:defRPr sz="1400" b="0" i="0" u="none" strike="noStrike" cap="none">
         <a:solidFill>
           <a:srgbClr val="000000"/>
         </a:solidFill>
@@ -674,7 +685,7 @@
         <a:sym typeface="Arial"/>
       </a:defRPr>
     </a:lvl2pPr>
-    <a:lvl3pPr lvl="2" marR="0" rtl="0" algn="l">
+    <a:lvl3pPr marR="0" lvl="2" algn="l" rtl="0">
       <a:lnSpc>
         <a:spcPct val="100000"/>
       </a:lnSpc>
@@ -688,7 +699,7 @@
         <a:srgbClr val="000000"/>
       </a:buClr>
       <a:buFont typeface="Arial"/>
-      <a:defRPr b="0" i="0" sz="1400" u="none" cap="none" strike="noStrike">
+      <a:defRPr sz="1400" b="0" i="0" u="none" strike="noStrike" cap="none">
         <a:solidFill>
           <a:srgbClr val="000000"/>
         </a:solidFill>
@@ -698,7 +709,7 @@
         <a:sym typeface="Arial"/>
       </a:defRPr>
     </a:lvl3pPr>
-    <a:lvl4pPr lvl="3" marR="0" rtl="0" algn="l">
+    <a:lvl4pPr marR="0" lvl="3" algn="l" rtl="0">
       <a:lnSpc>
         <a:spcPct val="100000"/>
       </a:lnSpc>
@@ -712,7 +723,7 @@
         <a:srgbClr val="000000"/>
       </a:buClr>
       <a:buFont typeface="Arial"/>
-      <a:defRPr b="0" i="0" sz="1400" u="none" cap="none" strike="noStrike">
+      <a:defRPr sz="1400" b="0" i="0" u="none" strike="noStrike" cap="none">
         <a:solidFill>
           <a:srgbClr val="000000"/>
         </a:solidFill>
@@ -722,7 +733,7 @@
         <a:sym typeface="Arial"/>
       </a:defRPr>
     </a:lvl4pPr>
-    <a:lvl5pPr lvl="4" marR="0" rtl="0" algn="l">
+    <a:lvl5pPr marR="0" lvl="4" algn="l" rtl="0">
       <a:lnSpc>
         <a:spcPct val="100000"/>
       </a:lnSpc>
@@ -736,7 +747,7 @@
         <a:srgbClr val="000000"/>
       </a:buClr>
       <a:buFont typeface="Arial"/>
-      <a:defRPr b="0" i="0" sz="1400" u="none" cap="none" strike="noStrike">
+      <a:defRPr sz="1400" b="0" i="0" u="none" strike="noStrike" cap="none">
         <a:solidFill>
           <a:srgbClr val="000000"/>
         </a:solidFill>
@@ -746,7 +757,7 @@
         <a:sym typeface="Arial"/>
       </a:defRPr>
     </a:lvl5pPr>
-    <a:lvl6pPr lvl="5" marR="0" rtl="0" algn="l">
+    <a:lvl6pPr marR="0" lvl="5" algn="l" rtl="0">
       <a:lnSpc>
         <a:spcPct val="100000"/>
       </a:lnSpc>
@@ -760,7 +771,7 @@
         <a:srgbClr val="000000"/>
       </a:buClr>
       <a:buFont typeface="Arial"/>
-      <a:defRPr b="0" i="0" sz="1400" u="none" cap="none" strike="noStrike">
+      <a:defRPr sz="1400" b="0" i="0" u="none" strike="noStrike" cap="none">
         <a:solidFill>
           <a:srgbClr val="000000"/>
         </a:solidFill>
@@ -770,7 +781,7 @@
         <a:sym typeface="Arial"/>
       </a:defRPr>
     </a:lvl6pPr>
-    <a:lvl7pPr lvl="6" marR="0" rtl="0" algn="l">
+    <a:lvl7pPr marR="0" lvl="6" algn="l" rtl="0">
       <a:lnSpc>
         <a:spcPct val="100000"/>
       </a:lnSpc>
@@ -784,7 +795,7 @@
         <a:srgbClr val="000000"/>
       </a:buClr>
       <a:buFont typeface="Arial"/>
-      <a:defRPr b="0" i="0" sz="1400" u="none" cap="none" strike="noStrike">
+      <a:defRPr sz="1400" b="0" i="0" u="none" strike="noStrike" cap="none">
         <a:solidFill>
           <a:srgbClr val="000000"/>
         </a:solidFill>
@@ -794,7 +805,7 @@
         <a:sym typeface="Arial"/>
       </a:defRPr>
     </a:lvl7pPr>
-    <a:lvl8pPr lvl="7" marR="0" rtl="0" algn="l">
+    <a:lvl8pPr marR="0" lvl="7" algn="l" rtl="0">
       <a:lnSpc>
         <a:spcPct val="100000"/>
       </a:lnSpc>
@@ -808,7 +819,7 @@
         <a:srgbClr val="000000"/>
       </a:buClr>
       <a:buFont typeface="Arial"/>
-      <a:defRPr b="0" i="0" sz="1400" u="none" cap="none" strike="noStrike">
+      <a:defRPr sz="1400" b="0" i="0" u="none" strike="noStrike" cap="none">
         <a:solidFill>
           <a:srgbClr val="000000"/>
         </a:solidFill>
@@ -818,7 +829,7 @@
         <a:sym typeface="Arial"/>
       </a:defRPr>
     </a:lvl8pPr>
-    <a:lvl9pPr lvl="8" marR="0" rtl="0" algn="l">
+    <a:lvl9pPr marR="0" lvl="8" algn="l" rtl="0">
       <a:lnSpc>
         <a:spcPct val="100000"/>
       </a:lnSpc>
@@ -832,7 +843,7 @@
         <a:srgbClr val="000000"/>
       </a:buClr>
       <a:buFont typeface="Arial"/>
-      <a:defRPr b="0" i="0" sz="1400" u="none" cap="none" strike="noStrike">
+      <a:defRPr sz="1400" b="0" i="0" u="none" strike="noStrike" cap="none">
         <a:solidFill>
           <a:srgbClr val="000000"/>
         </a:solidFill>
@@ -847,11 +858,11 @@
 </file>
 
 <file path=ppt/notesSlides/notesSlide1.xml><?xml version="1.0" encoding="utf-8"?>
-<p:notes xmlns:a="http://schemas.openxmlformats.org/drawingml/2006/main" xmlns:r="http://schemas.openxmlformats.org/officeDocument/2006/relationships" xmlns:mc="http://schemas.openxmlformats.org/markup-compatibility/2006" xmlns:mv="urn:schemas-microsoft-com:mac:vml" xmlns:p="http://schemas.openxmlformats.org/presentationml/2006/main" xmlns:c="http://schemas.openxmlformats.org/drawingml/2006/chart" xmlns:dgm="http://schemas.openxmlformats.org/drawingml/2006/diagram" xmlns:o="urn:schemas-microsoft-com:office:office" xmlns:v="urn:schemas-microsoft-com:vml" xmlns:pvml="urn:schemas-microsoft-com:office:powerpoint" xmlns:com="http://schemas.openxmlformats.org/drawingml/2006/compatibility" xmlns:p14="http://schemas.microsoft.com/office/powerpoint/2010/main" xmlns:p15="http://schemas.microsoft.com/office/powerpoint/2012/main" xmlns:ahyp="http://schemas.microsoft.com/office/drawing/2018/hyperlinkcolor" showMasterPhAnim="0" showMasterSp="0">
+<p:notes xmlns:a="http://schemas.openxmlformats.org/drawingml/2006/main" xmlns:r="http://schemas.openxmlformats.org/officeDocument/2006/relationships" xmlns:p="http://schemas.openxmlformats.org/presentationml/2006/main" showMasterSp="0" showMasterPhAnim="0">
   <p:cSld>
     <p:spTree>
       <p:nvGrpSpPr>
-        <p:cNvPr id="54" name="Shape 54"/>
+        <p:cNvPr id="1" name="Shape 54"/>
         <p:cNvGrpSpPr/>
         <p:nvPr/>
       </p:nvGrpSpPr>
@@ -866,9 +877,11 @@
       <p:sp>
         <p:nvSpPr>
           <p:cNvPr id="55" name="Google Shape;55;p1:notes"/>
-          <p:cNvSpPr txBox="1"/>
+          <p:cNvSpPr txBox="1">
+            <a:spLocks noGrp="1"/>
+          </p:cNvSpPr>
           <p:nvPr>
-            <p:ph idx="1" type="body"/>
+            <p:ph type="body" idx="1"/>
           </p:nvPr>
         </p:nvSpPr>
         <p:spPr>
@@ -885,12 +898,12 @@
           </a:ln>
         </p:spPr>
         <p:txBody>
-          <a:bodyPr anchorCtr="0" anchor="t" bIns="81475" lIns="81475" spcFirstLastPara="1" rIns="81475" wrap="square" tIns="81475">
+          <a:bodyPr spcFirstLastPara="1" wrap="square" lIns="81475" tIns="81475" rIns="81475" bIns="81475" anchor="t" anchorCtr="0">
             <a:noAutofit/>
           </a:bodyPr>
           <a:lstStyle/>
           <a:p>
-            <a:pPr indent="0" lvl="0" marL="0" rtl="0" algn="l">
+            <a:pPr marL="0" lvl="0" indent="0" algn="l" rtl="0">
               <a:lnSpc>
                 <a:spcPct val="100000"/>
               </a:lnSpc>
@@ -903,9 +916,6 @@
               <a:buSzPts val="1100"/>
               <a:buNone/>
             </a:pPr>
-            <a:r>
-              <a:t/>
-            </a:r>
             <a:endParaRPr/>
           </a:p>
         </p:txBody>
@@ -913,9 +923,11 @@
       <p:sp>
         <p:nvSpPr>
           <p:cNvPr id="56" name="Google Shape;56;p1:notes"/>
-          <p:cNvSpPr/>
+          <p:cNvSpPr>
+            <a:spLocks noGrp="1" noRot="1" noChangeAspect="1"/>
+          </p:cNvSpPr>
           <p:nvPr>
-            <p:ph idx="2" type="sldImg"/>
+            <p:ph type="sldImg" idx="2"/>
           </p:nvPr>
         </p:nvSpPr>
         <p:spPr>
@@ -924,9 +936,13 @@
             <a:ext cx="6096000" cy="3429000"/>
           </a:xfrm>
           <a:custGeom>
-            <a:rect b="b" l="l" r="r" t="t"/>
+            <a:avLst/>
+            <a:gdLst/>
+            <a:ahLst/>
+            <a:cxnLst/>
+            <a:rect l="l" t="t" r="r" b="b"/>
             <a:pathLst>
-              <a:path extrusionOk="0" h="120000" w="120000">
+              <a:path w="120000" h="120000" extrusionOk="0">
                 <a:moveTo>
                   <a:pt x="0" y="0"/>
                 </a:moveTo>
@@ -944,14 +960,14 @@
             </a:pathLst>
           </a:custGeom>
           <a:noFill/>
-          <a:ln cap="flat" cmpd="sng" w="9525">
+          <a:ln w="9525" cap="flat" cmpd="sng">
             <a:solidFill>
               <a:srgbClr val="000000"/>
             </a:solidFill>
             <a:prstDash val="solid"/>
             <a:round/>
-            <a:headEnd len="sm" w="sm" type="none"/>
-            <a:tailEnd len="sm" w="sm" type="none"/>
+            <a:headEnd type="none" w="sm" len="sm"/>
+            <a:tailEnd type="none" w="sm" len="sm"/>
           </a:ln>
         </p:spPr>
       </p:sp>
@@ -964,11 +980,11 @@
 </file>
 
 <file path=ppt/notesSlides/notesSlide10.xml><?xml version="1.0" encoding="utf-8"?>
-<p:notes xmlns:a="http://schemas.openxmlformats.org/drawingml/2006/main" xmlns:r="http://schemas.openxmlformats.org/officeDocument/2006/relationships" xmlns:mc="http://schemas.openxmlformats.org/markup-compatibility/2006" xmlns:mv="urn:schemas-microsoft-com:mac:vml" xmlns:p="http://schemas.openxmlformats.org/presentationml/2006/main" xmlns:c="http://schemas.openxmlformats.org/drawingml/2006/chart" xmlns:dgm="http://schemas.openxmlformats.org/drawingml/2006/diagram" xmlns:o="urn:schemas-microsoft-com:office:office" xmlns:v="urn:schemas-microsoft-com:vml" xmlns:pvml="urn:schemas-microsoft-com:office:powerpoint" xmlns:com="http://schemas.openxmlformats.org/drawingml/2006/compatibility" xmlns:p14="http://schemas.microsoft.com/office/powerpoint/2010/main" xmlns:p15="http://schemas.microsoft.com/office/powerpoint/2012/main" xmlns:ahyp="http://schemas.microsoft.com/office/drawing/2018/hyperlinkcolor" showMasterPhAnim="0" showMasterSp="0">
+<p:notes xmlns:a="http://schemas.openxmlformats.org/drawingml/2006/main" xmlns:r="http://schemas.openxmlformats.org/officeDocument/2006/relationships" xmlns:p="http://schemas.openxmlformats.org/presentationml/2006/main" showMasterSp="0" showMasterPhAnim="0">
   <p:cSld>
     <p:spTree>
       <p:nvGrpSpPr>
-        <p:cNvPr id="113" name="Shape 113"/>
+        <p:cNvPr id="1" name="Shape 113"/>
         <p:cNvGrpSpPr/>
         <p:nvPr/>
       </p:nvGrpSpPr>
@@ -983,20 +999,26 @@
       <p:sp>
         <p:nvSpPr>
           <p:cNvPr id="114" name="Google Shape;114;p10:notes"/>
-          <p:cNvSpPr/>
+          <p:cNvSpPr>
+            <a:spLocks noGrp="1" noRot="1" noChangeAspect="1"/>
+          </p:cNvSpPr>
           <p:nvPr>
-            <p:ph idx="2" type="sldImg"/>
+            <p:ph type="sldImg" idx="2"/>
           </p:nvPr>
         </p:nvSpPr>
         <p:spPr>
           <a:xfrm>
-            <a:off x="381300" y="685800"/>
+            <a:off x="381000" y="685800"/>
             <a:ext cx="6096000" cy="3429000"/>
           </a:xfrm>
           <a:custGeom>
-            <a:rect b="b" l="l" r="r" t="t"/>
+            <a:avLst/>
+            <a:gdLst/>
+            <a:ahLst/>
+            <a:cxnLst/>
+            <a:rect l="l" t="t" r="r" b="b"/>
             <a:pathLst>
-              <a:path extrusionOk="0" h="120000" w="120000">
+              <a:path w="120000" h="120000" extrusionOk="0">
                 <a:moveTo>
                   <a:pt x="0" y="0"/>
                 </a:moveTo>
@@ -1014,23 +1036,25 @@
             </a:pathLst>
           </a:custGeom>
           <a:noFill/>
-          <a:ln cap="flat" cmpd="sng" w="9525">
+          <a:ln w="9525" cap="flat" cmpd="sng">
             <a:solidFill>
               <a:srgbClr val="000000"/>
             </a:solidFill>
             <a:prstDash val="solid"/>
             <a:round/>
-            <a:headEnd len="sm" w="sm" type="none"/>
-            <a:tailEnd len="sm" w="sm" type="none"/>
+            <a:headEnd type="none" w="sm" len="sm"/>
+            <a:tailEnd type="none" w="sm" len="sm"/>
           </a:ln>
         </p:spPr>
       </p:sp>
       <p:sp>
         <p:nvSpPr>
           <p:cNvPr id="115" name="Google Shape;115;p10:notes"/>
-          <p:cNvSpPr txBox="1"/>
+          <p:cNvSpPr txBox="1">
+            <a:spLocks noGrp="1"/>
+          </p:cNvSpPr>
           <p:nvPr>
-            <p:ph idx="1" type="body"/>
+            <p:ph type="body" idx="1"/>
           </p:nvPr>
         </p:nvSpPr>
         <p:spPr>
@@ -1047,12 +1071,12 @@
           </a:ln>
         </p:spPr>
         <p:txBody>
-          <a:bodyPr anchorCtr="0" anchor="t" bIns="91425" lIns="91425" spcFirstLastPara="1" rIns="91425" wrap="square" tIns="91425">
+          <a:bodyPr spcFirstLastPara="1" wrap="square" lIns="91425" tIns="91425" rIns="91425" bIns="91425" anchor="t" anchorCtr="0">
             <a:noAutofit/>
           </a:bodyPr>
           <a:lstStyle/>
           <a:p>
-            <a:pPr indent="0" lvl="0" marL="0" rtl="0" algn="l">
+            <a:pPr marL="0" lvl="0" indent="0" algn="l" rtl="0">
               <a:lnSpc>
                 <a:spcPct val="115000"/>
               </a:lnSpc>
@@ -1065,9 +1089,6 @@
               <a:buSzPts val="1100"/>
               <a:buNone/>
             </a:pPr>
-            <a:r>
-              <a:t/>
-            </a:r>
             <a:endParaRPr/>
           </a:p>
         </p:txBody>
@@ -1081,11 +1102,11 @@
 </file>
 
 <file path=ppt/notesSlides/notesSlide11.xml><?xml version="1.0" encoding="utf-8"?>
-<p:notes xmlns:a="http://schemas.openxmlformats.org/drawingml/2006/main" xmlns:r="http://schemas.openxmlformats.org/officeDocument/2006/relationships" xmlns:mc="http://schemas.openxmlformats.org/markup-compatibility/2006" xmlns:mv="urn:schemas-microsoft-com:mac:vml" xmlns:p="http://schemas.openxmlformats.org/presentationml/2006/main" xmlns:c="http://schemas.openxmlformats.org/drawingml/2006/chart" xmlns:dgm="http://schemas.openxmlformats.org/drawingml/2006/diagram" xmlns:o="urn:schemas-microsoft-com:office:office" xmlns:v="urn:schemas-microsoft-com:vml" xmlns:pvml="urn:schemas-microsoft-com:office:powerpoint" xmlns:com="http://schemas.openxmlformats.org/drawingml/2006/compatibility" xmlns:p14="http://schemas.microsoft.com/office/powerpoint/2010/main" xmlns:p15="http://schemas.microsoft.com/office/powerpoint/2012/main" xmlns:ahyp="http://schemas.microsoft.com/office/drawing/2018/hyperlinkcolor" showMasterPhAnim="0" showMasterSp="0">
+<p:notes xmlns:a="http://schemas.openxmlformats.org/drawingml/2006/main" xmlns:r="http://schemas.openxmlformats.org/officeDocument/2006/relationships" xmlns:p="http://schemas.openxmlformats.org/presentationml/2006/main" showMasterSp="0" showMasterPhAnim="0">
   <p:cSld>
     <p:spTree>
       <p:nvGrpSpPr>
-        <p:cNvPr id="120" name="Shape 120"/>
+        <p:cNvPr id="1" name="Shape 120"/>
         <p:cNvGrpSpPr/>
         <p:nvPr/>
       </p:nvGrpSpPr>
@@ -1100,9 +1121,11 @@
       <p:sp>
         <p:nvSpPr>
           <p:cNvPr id="121" name="Google Shape;121;p11:notes"/>
-          <p:cNvSpPr/>
+          <p:cNvSpPr>
+            <a:spLocks noGrp="1" noRot="1" noChangeAspect="1"/>
+          </p:cNvSpPr>
           <p:nvPr>
-            <p:ph idx="2" type="sldImg"/>
+            <p:ph type="sldImg" idx="2"/>
           </p:nvPr>
         </p:nvSpPr>
         <p:spPr>
@@ -1111,9 +1134,13 @@
             <a:ext cx="6096000" cy="3429000"/>
           </a:xfrm>
           <a:custGeom>
-            <a:rect b="b" l="l" r="r" t="t"/>
+            <a:avLst/>
+            <a:gdLst/>
+            <a:ahLst/>
+            <a:cxnLst/>
+            <a:rect l="l" t="t" r="r" b="b"/>
             <a:pathLst>
-              <a:path extrusionOk="0" h="120000" w="120000">
+              <a:path w="120000" h="120000" extrusionOk="0">
                 <a:moveTo>
                   <a:pt x="0" y="0"/>
                 </a:moveTo>
@@ -1131,23 +1158,25 @@
             </a:pathLst>
           </a:custGeom>
           <a:noFill/>
-          <a:ln cap="flat" cmpd="sng" w="9525">
+          <a:ln w="9525" cap="flat" cmpd="sng">
             <a:solidFill>
               <a:srgbClr val="000000"/>
             </a:solidFill>
             <a:prstDash val="solid"/>
             <a:round/>
-            <a:headEnd len="sm" w="sm" type="none"/>
-            <a:tailEnd len="sm" w="sm" type="none"/>
+            <a:headEnd type="none" w="sm" len="sm"/>
+            <a:tailEnd type="none" w="sm" len="sm"/>
           </a:ln>
         </p:spPr>
       </p:sp>
       <p:sp>
         <p:nvSpPr>
           <p:cNvPr id="122" name="Google Shape;122;p11:notes"/>
-          <p:cNvSpPr txBox="1"/>
+          <p:cNvSpPr txBox="1">
+            <a:spLocks noGrp="1"/>
+          </p:cNvSpPr>
           <p:nvPr>
-            <p:ph idx="1" type="body"/>
+            <p:ph type="body" idx="1"/>
           </p:nvPr>
         </p:nvSpPr>
         <p:spPr>
@@ -1164,12 +1193,12 @@
           </a:ln>
         </p:spPr>
         <p:txBody>
-          <a:bodyPr anchorCtr="0" anchor="t" bIns="91425" lIns="91425" spcFirstLastPara="1" rIns="91425" wrap="square" tIns="91425">
+          <a:bodyPr spcFirstLastPara="1" wrap="square" lIns="91425" tIns="91425" rIns="91425" bIns="91425" anchor="t" anchorCtr="0">
             <a:noAutofit/>
           </a:bodyPr>
           <a:lstStyle/>
           <a:p>
-            <a:pPr indent="0" lvl="0" marL="0" rtl="0" algn="l">
+            <a:pPr marL="0" lvl="0" indent="0" algn="l" rtl="0">
               <a:lnSpc>
                 <a:spcPct val="100000"/>
               </a:lnSpc>
@@ -1182,9 +1211,6 @@
               <a:buSzPts val="1100"/>
               <a:buNone/>
             </a:pPr>
-            <a:r>
-              <a:t/>
-            </a:r>
             <a:endParaRPr/>
           </a:p>
         </p:txBody>
@@ -1198,11 +1224,11 @@
 </file>
 
 <file path=ppt/notesSlides/notesSlide12.xml><?xml version="1.0" encoding="utf-8"?>
-<p:notes xmlns:a="http://schemas.openxmlformats.org/drawingml/2006/main" xmlns:r="http://schemas.openxmlformats.org/officeDocument/2006/relationships" xmlns:mc="http://schemas.openxmlformats.org/markup-compatibility/2006" xmlns:mv="urn:schemas-microsoft-com:mac:vml" xmlns:p="http://schemas.openxmlformats.org/presentationml/2006/main" xmlns:c="http://schemas.openxmlformats.org/drawingml/2006/chart" xmlns:dgm="http://schemas.openxmlformats.org/drawingml/2006/diagram" xmlns:o="urn:schemas-microsoft-com:office:office" xmlns:v="urn:schemas-microsoft-com:vml" xmlns:pvml="urn:schemas-microsoft-com:office:powerpoint" xmlns:com="http://schemas.openxmlformats.org/drawingml/2006/compatibility" xmlns:p14="http://schemas.microsoft.com/office/powerpoint/2010/main" xmlns:p15="http://schemas.microsoft.com/office/powerpoint/2012/main" xmlns:ahyp="http://schemas.microsoft.com/office/drawing/2018/hyperlinkcolor" showMasterPhAnim="0" showMasterSp="0">
+<p:notes xmlns:a="http://schemas.openxmlformats.org/drawingml/2006/main" xmlns:r="http://schemas.openxmlformats.org/officeDocument/2006/relationships" xmlns:p="http://schemas.openxmlformats.org/presentationml/2006/main" showMasterSp="0" showMasterPhAnim="0">
   <p:cSld>
     <p:spTree>
       <p:nvGrpSpPr>
-        <p:cNvPr id="127" name="Shape 127"/>
+        <p:cNvPr id="1" name="Shape 127"/>
         <p:cNvGrpSpPr/>
         <p:nvPr/>
       </p:nvGrpSpPr>
@@ -1217,9 +1243,11 @@
       <p:sp>
         <p:nvSpPr>
           <p:cNvPr id="128" name="Google Shape;128;p12:notes"/>
-          <p:cNvSpPr/>
+          <p:cNvSpPr>
+            <a:spLocks noGrp="1" noRot="1" noChangeAspect="1"/>
+          </p:cNvSpPr>
           <p:nvPr>
-            <p:ph idx="2" type="sldImg"/>
+            <p:ph type="sldImg" idx="2"/>
           </p:nvPr>
         </p:nvSpPr>
         <p:spPr>
@@ -1228,9 +1256,13 @@
             <a:ext cx="6096000" cy="3429000"/>
           </a:xfrm>
           <a:custGeom>
-            <a:rect b="b" l="l" r="r" t="t"/>
+            <a:avLst/>
+            <a:gdLst/>
+            <a:ahLst/>
+            <a:cxnLst/>
+            <a:rect l="l" t="t" r="r" b="b"/>
             <a:pathLst>
-              <a:path extrusionOk="0" h="120000" w="120000">
+              <a:path w="120000" h="120000" extrusionOk="0">
                 <a:moveTo>
                   <a:pt x="0" y="0"/>
                 </a:moveTo>
@@ -1248,23 +1280,25 @@
             </a:pathLst>
           </a:custGeom>
           <a:noFill/>
-          <a:ln cap="flat" cmpd="sng" w="9525">
+          <a:ln w="9525" cap="flat" cmpd="sng">
             <a:solidFill>
               <a:srgbClr val="000000"/>
             </a:solidFill>
             <a:prstDash val="solid"/>
             <a:round/>
-            <a:headEnd len="sm" w="sm" type="none"/>
-            <a:tailEnd len="sm" w="sm" type="none"/>
+            <a:headEnd type="none" w="sm" len="sm"/>
+            <a:tailEnd type="none" w="sm" len="sm"/>
           </a:ln>
         </p:spPr>
       </p:sp>
       <p:sp>
         <p:nvSpPr>
           <p:cNvPr id="129" name="Google Shape;129;p12:notes"/>
-          <p:cNvSpPr txBox="1"/>
+          <p:cNvSpPr txBox="1">
+            <a:spLocks noGrp="1"/>
+          </p:cNvSpPr>
           <p:nvPr>
-            <p:ph idx="1" type="body"/>
+            <p:ph type="body" idx="1"/>
           </p:nvPr>
         </p:nvSpPr>
         <p:spPr>
@@ -1281,12 +1315,12 @@
           </a:ln>
         </p:spPr>
         <p:txBody>
-          <a:bodyPr anchorCtr="0" anchor="t" bIns="91425" lIns="91425" spcFirstLastPara="1" rIns="91425" wrap="square" tIns="91425">
+          <a:bodyPr spcFirstLastPara="1" wrap="square" lIns="91425" tIns="91425" rIns="91425" bIns="91425" anchor="t" anchorCtr="0">
             <a:noAutofit/>
           </a:bodyPr>
           <a:lstStyle/>
           <a:p>
-            <a:pPr indent="0" lvl="0" marL="0" rtl="0" algn="l">
+            <a:pPr marL="0" lvl="0" indent="0" algn="l" rtl="0">
               <a:lnSpc>
                 <a:spcPct val="100000"/>
               </a:lnSpc>
@@ -1303,9 +1337,6 @@
               <a:buFont typeface="Arial"/>
               <a:buNone/>
             </a:pPr>
-            <a:r>
-              <a:t/>
-            </a:r>
             <a:endParaRPr/>
           </a:p>
         </p:txBody>
@@ -1319,11 +1350,11 @@
 </file>
 
 <file path=ppt/notesSlides/notesSlide13.xml><?xml version="1.0" encoding="utf-8"?>
-<p:notes xmlns:a="http://schemas.openxmlformats.org/drawingml/2006/main" xmlns:r="http://schemas.openxmlformats.org/officeDocument/2006/relationships" xmlns:mc="http://schemas.openxmlformats.org/markup-compatibility/2006" xmlns:mv="urn:schemas-microsoft-com:mac:vml" xmlns:p="http://schemas.openxmlformats.org/presentationml/2006/main" xmlns:c="http://schemas.openxmlformats.org/drawingml/2006/chart" xmlns:dgm="http://schemas.openxmlformats.org/drawingml/2006/diagram" xmlns:o="urn:schemas-microsoft-com:office:office" xmlns:v="urn:schemas-microsoft-com:vml" xmlns:pvml="urn:schemas-microsoft-com:office:powerpoint" xmlns:com="http://schemas.openxmlformats.org/drawingml/2006/compatibility" xmlns:p14="http://schemas.microsoft.com/office/powerpoint/2010/main" xmlns:p15="http://schemas.microsoft.com/office/powerpoint/2012/main" xmlns:ahyp="http://schemas.microsoft.com/office/drawing/2018/hyperlinkcolor" showMasterPhAnim="0" showMasterSp="0">
+<p:notes xmlns:a="http://schemas.openxmlformats.org/drawingml/2006/main" xmlns:r="http://schemas.openxmlformats.org/officeDocument/2006/relationships" xmlns:p="http://schemas.openxmlformats.org/presentationml/2006/main" showMasterSp="0" showMasterPhAnim="0">
   <p:cSld>
     <p:spTree>
       <p:nvGrpSpPr>
-        <p:cNvPr id="134" name="Shape 134"/>
+        <p:cNvPr id="1" name="Shape 134"/>
         <p:cNvGrpSpPr/>
         <p:nvPr/>
       </p:nvGrpSpPr>
@@ -1338,9 +1369,11 @@
       <p:sp>
         <p:nvSpPr>
           <p:cNvPr id="135" name="Google Shape;135;p13:notes"/>
-          <p:cNvSpPr txBox="1"/>
+          <p:cNvSpPr txBox="1">
+            <a:spLocks noGrp="1"/>
+          </p:cNvSpPr>
           <p:nvPr>
-            <p:ph idx="1" type="body"/>
+            <p:ph type="body" idx="1"/>
           </p:nvPr>
         </p:nvSpPr>
         <p:spPr>
@@ -1357,12 +1390,12 @@
           </a:ln>
         </p:spPr>
         <p:txBody>
-          <a:bodyPr anchorCtr="0" anchor="t" bIns="81475" lIns="81475" spcFirstLastPara="1" rIns="81475" wrap="square" tIns="81475">
+          <a:bodyPr spcFirstLastPara="1" wrap="square" lIns="81475" tIns="81475" rIns="81475" bIns="81475" anchor="t" anchorCtr="0">
             <a:noAutofit/>
           </a:bodyPr>
           <a:lstStyle/>
           <a:p>
-            <a:pPr indent="0" lvl="0" marL="0" rtl="0" algn="l">
+            <a:pPr marL="0" lvl="0" indent="0" algn="l" rtl="0">
               <a:lnSpc>
                 <a:spcPct val="100000"/>
               </a:lnSpc>
@@ -1375,9 +1408,6 @@
               <a:buSzPts val="1100"/>
               <a:buNone/>
             </a:pPr>
-            <a:r>
-              <a:t/>
-            </a:r>
             <a:endParaRPr/>
           </a:p>
         </p:txBody>
@@ -1385,9 +1415,11 @@
       <p:sp>
         <p:nvSpPr>
           <p:cNvPr id="136" name="Google Shape;136;p13:notes"/>
-          <p:cNvSpPr/>
+          <p:cNvSpPr>
+            <a:spLocks noGrp="1" noRot="1" noChangeAspect="1"/>
+          </p:cNvSpPr>
           <p:nvPr>
-            <p:ph idx="2" type="sldImg"/>
+            <p:ph type="sldImg" idx="2"/>
           </p:nvPr>
         </p:nvSpPr>
         <p:spPr>
@@ -1396,9 +1428,13 @@
             <a:ext cx="4572300" cy="3429000"/>
           </a:xfrm>
           <a:custGeom>
-            <a:rect b="b" l="l" r="r" t="t"/>
+            <a:avLst/>
+            <a:gdLst/>
+            <a:ahLst/>
+            <a:cxnLst/>
+            <a:rect l="l" t="t" r="r" b="b"/>
             <a:pathLst>
-              <a:path extrusionOk="0" h="120000" w="120000">
+              <a:path w="120000" h="120000" extrusionOk="0">
                 <a:moveTo>
                   <a:pt x="0" y="0"/>
                 </a:moveTo>
@@ -1416,14 +1452,14 @@
             </a:pathLst>
           </a:custGeom>
           <a:noFill/>
-          <a:ln cap="flat" cmpd="sng" w="9525">
+          <a:ln w="9525" cap="flat" cmpd="sng">
             <a:solidFill>
               <a:srgbClr val="000000"/>
             </a:solidFill>
             <a:prstDash val="solid"/>
             <a:round/>
-            <a:headEnd len="sm" w="sm" type="none"/>
-            <a:tailEnd len="sm" w="sm" type="none"/>
+            <a:headEnd type="none" w="sm" len="sm"/>
+            <a:tailEnd type="none" w="sm" len="sm"/>
           </a:ln>
         </p:spPr>
       </p:sp>
@@ -1436,11 +1472,11 @@
 </file>
 
 <file path=ppt/notesSlides/notesSlide14.xml><?xml version="1.0" encoding="utf-8"?>
-<p:notes xmlns:a="http://schemas.openxmlformats.org/drawingml/2006/main" xmlns:r="http://schemas.openxmlformats.org/officeDocument/2006/relationships" xmlns:mc="http://schemas.openxmlformats.org/markup-compatibility/2006" xmlns:mv="urn:schemas-microsoft-com:mac:vml" xmlns:p="http://schemas.openxmlformats.org/presentationml/2006/main" xmlns:c="http://schemas.openxmlformats.org/drawingml/2006/chart" xmlns:dgm="http://schemas.openxmlformats.org/drawingml/2006/diagram" xmlns:o="urn:schemas-microsoft-com:office:office" xmlns:v="urn:schemas-microsoft-com:vml" xmlns:pvml="urn:schemas-microsoft-com:office:powerpoint" xmlns:com="http://schemas.openxmlformats.org/drawingml/2006/compatibility" xmlns:p14="http://schemas.microsoft.com/office/powerpoint/2010/main" xmlns:p15="http://schemas.microsoft.com/office/powerpoint/2012/main" xmlns:ahyp="http://schemas.microsoft.com/office/drawing/2018/hyperlinkcolor" showMasterPhAnim="0" showMasterSp="0">
+<p:notes xmlns:a="http://schemas.openxmlformats.org/drawingml/2006/main" xmlns:r="http://schemas.openxmlformats.org/officeDocument/2006/relationships" xmlns:p="http://schemas.openxmlformats.org/presentationml/2006/main" showMasterSp="0" showMasterPhAnim="0">
   <p:cSld>
     <p:spTree>
       <p:nvGrpSpPr>
-        <p:cNvPr id="140" name="Shape 140"/>
+        <p:cNvPr id="1" name="Shape 140"/>
         <p:cNvGrpSpPr/>
         <p:nvPr/>
       </p:nvGrpSpPr>
@@ -1455,9 +1491,11 @@
       <p:sp>
         <p:nvSpPr>
           <p:cNvPr id="141" name="Google Shape;141;p14:notes"/>
-          <p:cNvSpPr txBox="1"/>
+          <p:cNvSpPr txBox="1">
+            <a:spLocks noGrp="1"/>
+          </p:cNvSpPr>
           <p:nvPr>
-            <p:ph idx="1" type="body"/>
+            <p:ph type="body" idx="1"/>
           </p:nvPr>
         </p:nvSpPr>
         <p:spPr>
@@ -1474,12 +1512,12 @@
           </a:ln>
         </p:spPr>
         <p:txBody>
-          <a:bodyPr anchorCtr="0" anchor="t" bIns="81475" lIns="81475" spcFirstLastPara="1" rIns="81475" wrap="square" tIns="81475">
+          <a:bodyPr spcFirstLastPara="1" wrap="square" lIns="81475" tIns="81475" rIns="81475" bIns="81475" anchor="t" anchorCtr="0">
             <a:noAutofit/>
           </a:bodyPr>
           <a:lstStyle/>
           <a:p>
-            <a:pPr indent="0" lvl="0" marL="0" rtl="0" algn="l">
+            <a:pPr marL="0" lvl="0" indent="0" algn="l" rtl="0">
               <a:lnSpc>
                 <a:spcPct val="100000"/>
               </a:lnSpc>
@@ -1492,9 +1530,6 @@
               <a:buSzPts val="1100"/>
               <a:buNone/>
             </a:pPr>
-            <a:r>
-              <a:t/>
-            </a:r>
             <a:endParaRPr/>
           </a:p>
         </p:txBody>
@@ -1502,9 +1537,11 @@
       <p:sp>
         <p:nvSpPr>
           <p:cNvPr id="142" name="Google Shape;142;p14:notes"/>
-          <p:cNvSpPr/>
+          <p:cNvSpPr>
+            <a:spLocks noGrp="1" noRot="1" noChangeAspect="1"/>
+          </p:cNvSpPr>
           <p:nvPr>
-            <p:ph idx="2" type="sldImg"/>
+            <p:ph type="sldImg" idx="2"/>
           </p:nvPr>
         </p:nvSpPr>
         <p:spPr>
@@ -1513,9 +1550,13 @@
             <a:ext cx="4572300" cy="3429000"/>
           </a:xfrm>
           <a:custGeom>
-            <a:rect b="b" l="l" r="r" t="t"/>
+            <a:avLst/>
+            <a:gdLst/>
+            <a:ahLst/>
+            <a:cxnLst/>
+            <a:rect l="l" t="t" r="r" b="b"/>
             <a:pathLst>
-              <a:path extrusionOk="0" h="120000" w="120000">
+              <a:path w="120000" h="120000" extrusionOk="0">
                 <a:moveTo>
                   <a:pt x="0" y="0"/>
                 </a:moveTo>
@@ -1533,14 +1574,14 @@
             </a:pathLst>
           </a:custGeom>
           <a:noFill/>
-          <a:ln cap="flat" cmpd="sng" w="9525">
+          <a:ln w="9525" cap="flat" cmpd="sng">
             <a:solidFill>
               <a:srgbClr val="000000"/>
             </a:solidFill>
             <a:prstDash val="solid"/>
             <a:round/>
-            <a:headEnd len="sm" w="sm" type="none"/>
-            <a:tailEnd len="sm" w="sm" type="none"/>
+            <a:headEnd type="none" w="sm" len="sm"/>
+            <a:tailEnd type="none" w="sm" len="sm"/>
           </a:ln>
         </p:spPr>
       </p:sp>
@@ -1553,11 +1594,11 @@
 </file>
 
 <file path=ppt/notesSlides/notesSlide15.xml><?xml version="1.0" encoding="utf-8"?>
-<p:notes xmlns:a="http://schemas.openxmlformats.org/drawingml/2006/main" xmlns:r="http://schemas.openxmlformats.org/officeDocument/2006/relationships" xmlns:mc="http://schemas.openxmlformats.org/markup-compatibility/2006" xmlns:mv="urn:schemas-microsoft-com:mac:vml" xmlns:p="http://schemas.openxmlformats.org/presentationml/2006/main" xmlns:c="http://schemas.openxmlformats.org/drawingml/2006/chart" xmlns:dgm="http://schemas.openxmlformats.org/drawingml/2006/diagram" xmlns:o="urn:schemas-microsoft-com:office:office" xmlns:v="urn:schemas-microsoft-com:vml" xmlns:pvml="urn:schemas-microsoft-com:office:powerpoint" xmlns:com="http://schemas.openxmlformats.org/drawingml/2006/compatibility" xmlns:p14="http://schemas.microsoft.com/office/powerpoint/2010/main" xmlns:p15="http://schemas.microsoft.com/office/powerpoint/2012/main" xmlns:ahyp="http://schemas.microsoft.com/office/drawing/2018/hyperlinkcolor" showMasterPhAnim="0" showMasterSp="0">
+<p:notes xmlns:a="http://schemas.openxmlformats.org/drawingml/2006/main" xmlns:r="http://schemas.openxmlformats.org/officeDocument/2006/relationships" xmlns:p="http://schemas.openxmlformats.org/presentationml/2006/main" showMasterSp="0" showMasterPhAnim="0">
   <p:cSld>
     <p:spTree>
       <p:nvGrpSpPr>
-        <p:cNvPr id="146" name="Shape 146"/>
+        <p:cNvPr id="1" name="Shape 146"/>
         <p:cNvGrpSpPr/>
         <p:nvPr/>
       </p:nvGrpSpPr>
@@ -1572,9 +1613,11 @@
       <p:sp>
         <p:nvSpPr>
           <p:cNvPr id="147" name="Google Shape;147;g1174d7d1715_0_0:notes"/>
-          <p:cNvSpPr/>
+          <p:cNvSpPr>
+            <a:spLocks noGrp="1" noRot="1" noChangeAspect="1"/>
+          </p:cNvSpPr>
           <p:nvPr>
-            <p:ph idx="2" type="sldImg"/>
+            <p:ph type="sldImg" idx="2"/>
           </p:nvPr>
         </p:nvSpPr>
         <p:spPr>
@@ -1583,9 +1626,13 @@
             <a:ext cx="6096000" cy="3429000"/>
           </a:xfrm>
           <a:custGeom>
-            <a:rect b="b" l="l" r="r" t="t"/>
+            <a:avLst/>
+            <a:gdLst/>
+            <a:ahLst/>
+            <a:cxnLst/>
+            <a:rect l="l" t="t" r="r" b="b"/>
             <a:pathLst>
-              <a:path extrusionOk="0" h="120000" w="120000">
+              <a:path w="120000" h="120000" extrusionOk="0">
                 <a:moveTo>
                   <a:pt x="0" y="0"/>
                 </a:moveTo>
@@ -1607,9 +1654,11 @@
       <p:sp>
         <p:nvSpPr>
           <p:cNvPr id="148" name="Google Shape;148;g1174d7d1715_0_0:notes"/>
-          <p:cNvSpPr txBox="1"/>
+          <p:cNvSpPr txBox="1">
+            <a:spLocks noGrp="1"/>
+          </p:cNvSpPr>
           <p:nvPr>
-            <p:ph idx="1" type="body"/>
+            <p:ph type="body" idx="1"/>
           </p:nvPr>
         </p:nvSpPr>
         <p:spPr>
@@ -1622,12 +1671,12 @@
           </a:prstGeom>
         </p:spPr>
         <p:txBody>
-          <a:bodyPr anchorCtr="0" anchor="t" bIns="91425" lIns="91425" spcFirstLastPara="1" rIns="91425" wrap="square" tIns="91425">
+          <a:bodyPr spcFirstLastPara="1" wrap="square" lIns="91425" tIns="91425" rIns="91425" bIns="91425" anchor="t" anchorCtr="0">
             <a:noAutofit/>
           </a:bodyPr>
           <a:lstStyle/>
           <a:p>
-            <a:pPr indent="0" lvl="0" marL="0" rtl="0" algn="l">
+            <a:pPr marL="0" lvl="0" indent="0" algn="l" rtl="0">
               <a:spcBef>
                 <a:spcPts val="0"/>
               </a:spcBef>
@@ -1636,9 +1685,6 @@
               </a:spcAft>
               <a:buNone/>
             </a:pPr>
-            <a:r>
-              <a:t/>
-            </a:r>
             <a:endParaRPr/>
           </a:p>
         </p:txBody>
@@ -1652,11 +1698,11 @@
 </file>
 
 <file path=ppt/notesSlides/notesSlide16.xml><?xml version="1.0" encoding="utf-8"?>
-<p:notes xmlns:a="http://schemas.openxmlformats.org/drawingml/2006/main" xmlns:r="http://schemas.openxmlformats.org/officeDocument/2006/relationships" xmlns:mc="http://schemas.openxmlformats.org/markup-compatibility/2006" xmlns:mv="urn:schemas-microsoft-com:mac:vml" xmlns:p="http://schemas.openxmlformats.org/presentationml/2006/main" xmlns:c="http://schemas.openxmlformats.org/drawingml/2006/chart" xmlns:dgm="http://schemas.openxmlformats.org/drawingml/2006/diagram" xmlns:o="urn:schemas-microsoft-com:office:office" xmlns:v="urn:schemas-microsoft-com:vml" xmlns:pvml="urn:schemas-microsoft-com:office:powerpoint" xmlns:com="http://schemas.openxmlformats.org/drawingml/2006/compatibility" xmlns:p14="http://schemas.microsoft.com/office/powerpoint/2010/main" xmlns:p15="http://schemas.microsoft.com/office/powerpoint/2012/main" xmlns:ahyp="http://schemas.microsoft.com/office/drawing/2018/hyperlinkcolor" showMasterPhAnim="0" showMasterSp="0">
+<p:notes xmlns:a="http://schemas.openxmlformats.org/drawingml/2006/main" xmlns:r="http://schemas.openxmlformats.org/officeDocument/2006/relationships" xmlns:p="http://schemas.openxmlformats.org/presentationml/2006/main" showMasterSp="0" showMasterPhAnim="0">
   <p:cSld>
     <p:spTree>
       <p:nvGrpSpPr>
-        <p:cNvPr id="152" name="Shape 152"/>
+        <p:cNvPr id="1" name="Shape 152"/>
         <p:cNvGrpSpPr/>
         <p:nvPr/>
       </p:nvGrpSpPr>
@@ -1671,9 +1717,11 @@
       <p:sp>
         <p:nvSpPr>
           <p:cNvPr id="153" name="Google Shape;153;g1174d7d1715_0_5:notes"/>
-          <p:cNvSpPr/>
+          <p:cNvSpPr>
+            <a:spLocks noGrp="1" noRot="1" noChangeAspect="1"/>
+          </p:cNvSpPr>
           <p:nvPr>
-            <p:ph idx="2" type="sldImg"/>
+            <p:ph type="sldImg" idx="2"/>
           </p:nvPr>
         </p:nvSpPr>
         <p:spPr>
@@ -1682,9 +1730,13 @@
             <a:ext cx="6096000" cy="3429000"/>
           </a:xfrm>
           <a:custGeom>
-            <a:rect b="b" l="l" r="r" t="t"/>
+            <a:avLst/>
+            <a:gdLst/>
+            <a:ahLst/>
+            <a:cxnLst/>
+            <a:rect l="l" t="t" r="r" b="b"/>
             <a:pathLst>
-              <a:path extrusionOk="0" h="120000" w="120000">
+              <a:path w="120000" h="120000" extrusionOk="0">
                 <a:moveTo>
                   <a:pt x="0" y="0"/>
                 </a:moveTo>
@@ -1706,9 +1758,11 @@
       <p:sp>
         <p:nvSpPr>
           <p:cNvPr id="154" name="Google Shape;154;g1174d7d1715_0_5:notes"/>
-          <p:cNvSpPr txBox="1"/>
+          <p:cNvSpPr txBox="1">
+            <a:spLocks noGrp="1"/>
+          </p:cNvSpPr>
           <p:nvPr>
-            <p:ph idx="1" type="body"/>
+            <p:ph type="body" idx="1"/>
           </p:nvPr>
         </p:nvSpPr>
         <p:spPr>
@@ -1721,12 +1775,12 @@
           </a:prstGeom>
         </p:spPr>
         <p:txBody>
-          <a:bodyPr anchorCtr="0" anchor="t" bIns="91425" lIns="91425" spcFirstLastPara="1" rIns="91425" wrap="square" tIns="91425">
+          <a:bodyPr spcFirstLastPara="1" wrap="square" lIns="91425" tIns="91425" rIns="91425" bIns="91425" anchor="t" anchorCtr="0">
             <a:noAutofit/>
           </a:bodyPr>
           <a:lstStyle/>
           <a:p>
-            <a:pPr indent="0" lvl="0" marL="0" rtl="0" algn="l">
+            <a:pPr marL="0" lvl="0" indent="0" algn="l" rtl="0">
               <a:spcBef>
                 <a:spcPts val="0"/>
               </a:spcBef>
@@ -1735,9 +1789,6 @@
               </a:spcAft>
               <a:buNone/>
             </a:pPr>
-            <a:r>
-              <a:t/>
-            </a:r>
             <a:endParaRPr/>
           </a:p>
         </p:txBody>
@@ -1751,11 +1802,11 @@
 </file>
 
 <file path=ppt/notesSlides/notesSlide2.xml><?xml version="1.0" encoding="utf-8"?>
-<p:notes xmlns:a="http://schemas.openxmlformats.org/drawingml/2006/main" xmlns:r="http://schemas.openxmlformats.org/officeDocument/2006/relationships" xmlns:mc="http://schemas.openxmlformats.org/markup-compatibility/2006" xmlns:mv="urn:schemas-microsoft-com:mac:vml" xmlns:p="http://schemas.openxmlformats.org/presentationml/2006/main" xmlns:c="http://schemas.openxmlformats.org/drawingml/2006/chart" xmlns:dgm="http://schemas.openxmlformats.org/drawingml/2006/diagram" xmlns:o="urn:schemas-microsoft-com:office:office" xmlns:v="urn:schemas-microsoft-com:vml" xmlns:pvml="urn:schemas-microsoft-com:office:powerpoint" xmlns:com="http://schemas.openxmlformats.org/drawingml/2006/compatibility" xmlns:p14="http://schemas.microsoft.com/office/powerpoint/2010/main" xmlns:p15="http://schemas.microsoft.com/office/powerpoint/2012/main" xmlns:ahyp="http://schemas.microsoft.com/office/drawing/2018/hyperlinkcolor" showMasterPhAnim="0" showMasterSp="0">
+<p:notes xmlns:a="http://schemas.openxmlformats.org/drawingml/2006/main" xmlns:r="http://schemas.openxmlformats.org/officeDocument/2006/relationships" xmlns:p="http://schemas.openxmlformats.org/presentationml/2006/main" showMasterSp="0" showMasterPhAnim="0">
   <p:cSld>
     <p:spTree>
       <p:nvGrpSpPr>
-        <p:cNvPr id="60" name="Shape 60"/>
+        <p:cNvPr id="1" name="Shape 60"/>
         <p:cNvGrpSpPr/>
         <p:nvPr/>
       </p:nvGrpSpPr>
@@ -1770,9 +1821,11 @@
       <p:sp>
         <p:nvSpPr>
           <p:cNvPr id="61" name="Google Shape;61;p2:notes"/>
-          <p:cNvSpPr/>
+          <p:cNvSpPr>
+            <a:spLocks noGrp="1" noRot="1" noChangeAspect="1"/>
+          </p:cNvSpPr>
           <p:nvPr>
-            <p:ph idx="2" type="sldImg"/>
+            <p:ph type="sldImg" idx="2"/>
           </p:nvPr>
         </p:nvSpPr>
         <p:spPr>
@@ -1781,9 +1834,13 @@
             <a:ext cx="6096000" cy="3429000"/>
           </a:xfrm>
           <a:custGeom>
-            <a:rect b="b" l="l" r="r" t="t"/>
+            <a:avLst/>
+            <a:gdLst/>
+            <a:ahLst/>
+            <a:cxnLst/>
+            <a:rect l="l" t="t" r="r" b="b"/>
             <a:pathLst>
-              <a:path extrusionOk="0" h="120000" w="120000">
+              <a:path w="120000" h="120000" extrusionOk="0">
                 <a:moveTo>
                   <a:pt x="0" y="0"/>
                 </a:moveTo>
@@ -1801,23 +1858,25 @@
             </a:pathLst>
           </a:custGeom>
           <a:noFill/>
-          <a:ln cap="flat" cmpd="sng" w="9525">
+          <a:ln w="9525" cap="flat" cmpd="sng">
             <a:solidFill>
               <a:srgbClr val="000000"/>
             </a:solidFill>
             <a:prstDash val="solid"/>
             <a:round/>
-            <a:headEnd len="sm" w="sm" type="none"/>
-            <a:tailEnd len="sm" w="sm" type="none"/>
+            <a:headEnd type="none" w="sm" len="sm"/>
+            <a:tailEnd type="none" w="sm" len="sm"/>
           </a:ln>
         </p:spPr>
       </p:sp>
       <p:sp>
         <p:nvSpPr>
           <p:cNvPr id="62" name="Google Shape;62;p2:notes"/>
-          <p:cNvSpPr txBox="1"/>
+          <p:cNvSpPr txBox="1">
+            <a:spLocks noGrp="1"/>
+          </p:cNvSpPr>
           <p:nvPr>
-            <p:ph idx="1" type="body"/>
+            <p:ph type="body" idx="1"/>
           </p:nvPr>
         </p:nvSpPr>
         <p:spPr>
@@ -1834,12 +1893,12 @@
           </a:ln>
         </p:spPr>
         <p:txBody>
-          <a:bodyPr anchorCtr="0" anchor="t" bIns="91425" lIns="91425" spcFirstLastPara="1" rIns="91425" wrap="square" tIns="91425">
+          <a:bodyPr spcFirstLastPara="1" wrap="square" lIns="91425" tIns="91425" rIns="91425" bIns="91425" anchor="t" anchorCtr="0">
             <a:noAutofit/>
           </a:bodyPr>
           <a:lstStyle/>
           <a:p>
-            <a:pPr indent="0" lvl="0" marL="0" rtl="0" algn="l">
+            <a:pPr marL="0" lvl="0" indent="0" algn="l" rtl="0">
               <a:lnSpc>
                 <a:spcPct val="100000"/>
               </a:lnSpc>
@@ -1852,9 +1911,6 @@
               <a:buSzPts val="1100"/>
               <a:buNone/>
             </a:pPr>
-            <a:r>
-              <a:t/>
-            </a:r>
             <a:endParaRPr/>
           </a:p>
         </p:txBody>
@@ -1868,11 +1924,11 @@
 </file>
 
 <file path=ppt/notesSlides/notesSlide3.xml><?xml version="1.0" encoding="utf-8"?>
-<p:notes xmlns:a="http://schemas.openxmlformats.org/drawingml/2006/main" xmlns:r="http://schemas.openxmlformats.org/officeDocument/2006/relationships" xmlns:mc="http://schemas.openxmlformats.org/markup-compatibility/2006" xmlns:mv="urn:schemas-microsoft-com:mac:vml" xmlns:p="http://schemas.openxmlformats.org/presentationml/2006/main" xmlns:c="http://schemas.openxmlformats.org/drawingml/2006/chart" xmlns:dgm="http://schemas.openxmlformats.org/drawingml/2006/diagram" xmlns:o="urn:schemas-microsoft-com:office:office" xmlns:v="urn:schemas-microsoft-com:vml" xmlns:pvml="urn:schemas-microsoft-com:office:powerpoint" xmlns:com="http://schemas.openxmlformats.org/drawingml/2006/compatibility" xmlns:p14="http://schemas.microsoft.com/office/powerpoint/2010/main" xmlns:p15="http://schemas.microsoft.com/office/powerpoint/2012/main" xmlns:ahyp="http://schemas.microsoft.com/office/drawing/2018/hyperlinkcolor" showMasterPhAnim="0" showMasterSp="0">
+<p:notes xmlns:a="http://schemas.openxmlformats.org/drawingml/2006/main" xmlns:r="http://schemas.openxmlformats.org/officeDocument/2006/relationships" xmlns:p="http://schemas.openxmlformats.org/presentationml/2006/main" showMasterSp="0" showMasterPhAnim="0">
   <p:cSld>
     <p:spTree>
       <p:nvGrpSpPr>
-        <p:cNvPr id="67" name="Shape 67"/>
+        <p:cNvPr id="1" name="Shape 67"/>
         <p:cNvGrpSpPr/>
         <p:nvPr/>
       </p:nvGrpSpPr>
@@ -1887,9 +1943,11 @@
       <p:sp>
         <p:nvSpPr>
           <p:cNvPr id="68" name="Google Shape;68;p3:notes"/>
-          <p:cNvSpPr/>
+          <p:cNvSpPr>
+            <a:spLocks noGrp="1" noRot="1" noChangeAspect="1"/>
+          </p:cNvSpPr>
           <p:nvPr>
-            <p:ph idx="2" type="sldImg"/>
+            <p:ph type="sldImg" idx="2"/>
           </p:nvPr>
         </p:nvSpPr>
         <p:spPr>
@@ -1898,9 +1956,13 @@
             <a:ext cx="6096000" cy="3429000"/>
           </a:xfrm>
           <a:custGeom>
-            <a:rect b="b" l="l" r="r" t="t"/>
+            <a:avLst/>
+            <a:gdLst/>
+            <a:ahLst/>
+            <a:cxnLst/>
+            <a:rect l="l" t="t" r="r" b="b"/>
             <a:pathLst>
-              <a:path extrusionOk="0" h="120000" w="120000">
+              <a:path w="120000" h="120000" extrusionOk="0">
                 <a:moveTo>
                   <a:pt x="0" y="0"/>
                 </a:moveTo>
@@ -1918,23 +1980,25 @@
             </a:pathLst>
           </a:custGeom>
           <a:noFill/>
-          <a:ln cap="flat" cmpd="sng" w="9525">
+          <a:ln w="9525" cap="flat" cmpd="sng">
             <a:solidFill>
               <a:srgbClr val="000000"/>
             </a:solidFill>
             <a:prstDash val="solid"/>
             <a:round/>
-            <a:headEnd len="sm" w="sm" type="none"/>
-            <a:tailEnd len="sm" w="sm" type="none"/>
+            <a:headEnd type="none" w="sm" len="sm"/>
+            <a:tailEnd type="none" w="sm" len="sm"/>
           </a:ln>
         </p:spPr>
       </p:sp>
       <p:sp>
         <p:nvSpPr>
           <p:cNvPr id="69" name="Google Shape;69;p3:notes"/>
-          <p:cNvSpPr txBox="1"/>
+          <p:cNvSpPr txBox="1">
+            <a:spLocks noGrp="1"/>
+          </p:cNvSpPr>
           <p:nvPr>
-            <p:ph idx="1" type="body"/>
+            <p:ph type="body" idx="1"/>
           </p:nvPr>
         </p:nvSpPr>
         <p:spPr>
@@ -1951,12 +2015,12 @@
           </a:ln>
         </p:spPr>
         <p:txBody>
-          <a:bodyPr anchorCtr="0" anchor="t" bIns="91425" lIns="91425" spcFirstLastPara="1" rIns="91425" wrap="square" tIns="91425">
+          <a:bodyPr spcFirstLastPara="1" wrap="square" lIns="91425" tIns="91425" rIns="91425" bIns="91425" anchor="t" anchorCtr="0">
             <a:noAutofit/>
           </a:bodyPr>
           <a:lstStyle/>
           <a:p>
-            <a:pPr indent="0" lvl="0" marL="0" rtl="0" algn="l">
+            <a:pPr marL="0" lvl="0" indent="0" algn="l" rtl="0">
               <a:lnSpc>
                 <a:spcPct val="100000"/>
               </a:lnSpc>
@@ -1969,9 +2033,6 @@
               <a:buSzPts val="1100"/>
               <a:buNone/>
             </a:pPr>
-            <a:r>
-              <a:t/>
-            </a:r>
             <a:endParaRPr/>
           </a:p>
         </p:txBody>
@@ -1985,11 +2046,11 @@
 </file>
 
 <file path=ppt/notesSlides/notesSlide4.xml><?xml version="1.0" encoding="utf-8"?>
-<p:notes xmlns:a="http://schemas.openxmlformats.org/drawingml/2006/main" xmlns:r="http://schemas.openxmlformats.org/officeDocument/2006/relationships" xmlns:mc="http://schemas.openxmlformats.org/markup-compatibility/2006" xmlns:mv="urn:schemas-microsoft-com:mac:vml" xmlns:p="http://schemas.openxmlformats.org/presentationml/2006/main" xmlns:c="http://schemas.openxmlformats.org/drawingml/2006/chart" xmlns:dgm="http://schemas.openxmlformats.org/drawingml/2006/diagram" xmlns:o="urn:schemas-microsoft-com:office:office" xmlns:v="urn:schemas-microsoft-com:vml" xmlns:pvml="urn:schemas-microsoft-com:office:powerpoint" xmlns:com="http://schemas.openxmlformats.org/drawingml/2006/compatibility" xmlns:p14="http://schemas.microsoft.com/office/powerpoint/2010/main" xmlns:p15="http://schemas.microsoft.com/office/powerpoint/2012/main" xmlns:ahyp="http://schemas.microsoft.com/office/drawing/2018/hyperlinkcolor" showMasterPhAnim="0" showMasterSp="0">
+<p:notes xmlns:a="http://schemas.openxmlformats.org/drawingml/2006/main" xmlns:r="http://schemas.openxmlformats.org/officeDocument/2006/relationships" xmlns:p="http://schemas.openxmlformats.org/presentationml/2006/main" showMasterSp="0" showMasterPhAnim="0">
   <p:cSld>
     <p:spTree>
       <p:nvGrpSpPr>
-        <p:cNvPr id="74" name="Shape 74"/>
+        <p:cNvPr id="1" name="Shape 74"/>
         <p:cNvGrpSpPr/>
         <p:nvPr/>
       </p:nvGrpSpPr>
@@ -2004,9 +2065,11 @@
       <p:sp>
         <p:nvSpPr>
           <p:cNvPr id="75" name="Google Shape;75;p4:notes"/>
-          <p:cNvSpPr/>
+          <p:cNvSpPr>
+            <a:spLocks noGrp="1" noRot="1" noChangeAspect="1"/>
+          </p:cNvSpPr>
           <p:nvPr>
-            <p:ph idx="2" type="sldImg"/>
+            <p:ph type="sldImg" idx="2"/>
           </p:nvPr>
         </p:nvSpPr>
         <p:spPr>
@@ -2015,9 +2078,13 @@
             <a:ext cx="6096000" cy="3429000"/>
           </a:xfrm>
           <a:custGeom>
-            <a:rect b="b" l="l" r="r" t="t"/>
+            <a:avLst/>
+            <a:gdLst/>
+            <a:ahLst/>
+            <a:cxnLst/>
+            <a:rect l="l" t="t" r="r" b="b"/>
             <a:pathLst>
-              <a:path extrusionOk="0" h="120000" w="120000">
+              <a:path w="120000" h="120000" extrusionOk="0">
                 <a:moveTo>
                   <a:pt x="0" y="0"/>
                 </a:moveTo>
@@ -2035,23 +2102,25 @@
             </a:pathLst>
           </a:custGeom>
           <a:noFill/>
-          <a:ln cap="flat" cmpd="sng" w="9525">
+          <a:ln w="9525" cap="flat" cmpd="sng">
             <a:solidFill>
               <a:srgbClr val="000000"/>
             </a:solidFill>
             <a:prstDash val="solid"/>
             <a:round/>
-            <a:headEnd len="sm" w="sm" type="none"/>
-            <a:tailEnd len="sm" w="sm" type="none"/>
+            <a:headEnd type="none" w="sm" len="sm"/>
+            <a:tailEnd type="none" w="sm" len="sm"/>
           </a:ln>
         </p:spPr>
       </p:sp>
       <p:sp>
         <p:nvSpPr>
           <p:cNvPr id="76" name="Google Shape;76;p4:notes"/>
-          <p:cNvSpPr txBox="1"/>
+          <p:cNvSpPr txBox="1">
+            <a:spLocks noGrp="1"/>
+          </p:cNvSpPr>
           <p:nvPr>
-            <p:ph idx="1" type="body"/>
+            <p:ph type="body" idx="1"/>
           </p:nvPr>
         </p:nvSpPr>
         <p:spPr>
@@ -2068,12 +2137,12 @@
           </a:ln>
         </p:spPr>
         <p:txBody>
-          <a:bodyPr anchorCtr="0" anchor="t" bIns="91425" lIns="91425" spcFirstLastPara="1" rIns="91425" wrap="square" tIns="91425">
+          <a:bodyPr spcFirstLastPara="1" wrap="square" lIns="91425" tIns="91425" rIns="91425" bIns="91425" anchor="t" anchorCtr="0">
             <a:noAutofit/>
           </a:bodyPr>
           <a:lstStyle/>
           <a:p>
-            <a:pPr indent="0" lvl="0" marL="0" rtl="0" algn="l">
+            <a:pPr marL="0" lvl="0" indent="0" algn="l" rtl="0">
               <a:lnSpc>
                 <a:spcPct val="100000"/>
               </a:lnSpc>
@@ -2086,9 +2155,6 @@
               <a:buSzPts val="1100"/>
               <a:buNone/>
             </a:pPr>
-            <a:r>
-              <a:t/>
-            </a:r>
             <a:endParaRPr/>
           </a:p>
         </p:txBody>
@@ -2102,11 +2168,11 @@
 </file>
 
 <file path=ppt/notesSlides/notesSlide5.xml><?xml version="1.0" encoding="utf-8"?>
-<p:notes xmlns:a="http://schemas.openxmlformats.org/drawingml/2006/main" xmlns:r="http://schemas.openxmlformats.org/officeDocument/2006/relationships" xmlns:mc="http://schemas.openxmlformats.org/markup-compatibility/2006" xmlns:mv="urn:schemas-microsoft-com:mac:vml" xmlns:p="http://schemas.openxmlformats.org/presentationml/2006/main" xmlns:c="http://schemas.openxmlformats.org/drawingml/2006/chart" xmlns:dgm="http://schemas.openxmlformats.org/drawingml/2006/diagram" xmlns:o="urn:schemas-microsoft-com:office:office" xmlns:v="urn:schemas-microsoft-com:vml" xmlns:pvml="urn:schemas-microsoft-com:office:powerpoint" xmlns:com="http://schemas.openxmlformats.org/drawingml/2006/compatibility" xmlns:p14="http://schemas.microsoft.com/office/powerpoint/2010/main" xmlns:p15="http://schemas.microsoft.com/office/powerpoint/2012/main" xmlns:ahyp="http://schemas.microsoft.com/office/drawing/2018/hyperlinkcolor" showMasterPhAnim="0" showMasterSp="0">
+<p:notes xmlns:a="http://schemas.openxmlformats.org/drawingml/2006/main" xmlns:r="http://schemas.openxmlformats.org/officeDocument/2006/relationships" xmlns:p="http://schemas.openxmlformats.org/presentationml/2006/main" showMasterSp="0" showMasterPhAnim="0">
   <p:cSld>
     <p:spTree>
       <p:nvGrpSpPr>
-        <p:cNvPr id="81" name="Shape 81"/>
+        <p:cNvPr id="1" name="Shape 81"/>
         <p:cNvGrpSpPr/>
         <p:nvPr/>
       </p:nvGrpSpPr>
@@ -2121,9 +2187,11 @@
       <p:sp>
         <p:nvSpPr>
           <p:cNvPr id="82" name="Google Shape;82;p5:notes"/>
-          <p:cNvSpPr/>
+          <p:cNvSpPr>
+            <a:spLocks noGrp="1" noRot="1" noChangeAspect="1"/>
+          </p:cNvSpPr>
           <p:nvPr>
-            <p:ph idx="2" type="sldImg"/>
+            <p:ph type="sldImg" idx="2"/>
           </p:nvPr>
         </p:nvSpPr>
         <p:spPr>
@@ -2132,9 +2200,13 @@
             <a:ext cx="6096000" cy="3429000"/>
           </a:xfrm>
           <a:custGeom>
-            <a:rect b="b" l="l" r="r" t="t"/>
+            <a:avLst/>
+            <a:gdLst/>
+            <a:ahLst/>
+            <a:cxnLst/>
+            <a:rect l="l" t="t" r="r" b="b"/>
             <a:pathLst>
-              <a:path extrusionOk="0" h="120000" w="120000">
+              <a:path w="120000" h="120000" extrusionOk="0">
                 <a:moveTo>
                   <a:pt x="0" y="0"/>
                 </a:moveTo>
@@ -2152,23 +2224,25 @@
             </a:pathLst>
           </a:custGeom>
           <a:noFill/>
-          <a:ln cap="flat" cmpd="sng" w="9525">
+          <a:ln w="9525" cap="flat" cmpd="sng">
             <a:solidFill>
               <a:srgbClr val="000000"/>
             </a:solidFill>
             <a:prstDash val="solid"/>
             <a:round/>
-            <a:headEnd len="sm" w="sm" type="none"/>
-            <a:tailEnd len="sm" w="sm" type="none"/>
+            <a:headEnd type="none" w="sm" len="sm"/>
+            <a:tailEnd type="none" w="sm" len="sm"/>
           </a:ln>
         </p:spPr>
       </p:sp>
       <p:sp>
         <p:nvSpPr>
           <p:cNvPr id="83" name="Google Shape;83;p5:notes"/>
-          <p:cNvSpPr txBox="1"/>
+          <p:cNvSpPr txBox="1">
+            <a:spLocks noGrp="1"/>
+          </p:cNvSpPr>
           <p:nvPr>
-            <p:ph idx="1" type="body"/>
+            <p:ph type="body" idx="1"/>
           </p:nvPr>
         </p:nvSpPr>
         <p:spPr>
@@ -2185,12 +2259,12 @@
           </a:ln>
         </p:spPr>
         <p:txBody>
-          <a:bodyPr anchorCtr="0" anchor="t" bIns="91425" lIns="91425" spcFirstLastPara="1" rIns="91425" wrap="square" tIns="91425">
+          <a:bodyPr spcFirstLastPara="1" wrap="square" lIns="91425" tIns="91425" rIns="91425" bIns="91425" anchor="t" anchorCtr="0">
             <a:noAutofit/>
           </a:bodyPr>
           <a:lstStyle/>
           <a:p>
-            <a:pPr indent="0" lvl="0" marL="0" rtl="0" algn="l">
+            <a:pPr marL="0" lvl="0" indent="0" algn="l" rtl="0">
               <a:lnSpc>
                 <a:spcPct val="100000"/>
               </a:lnSpc>
@@ -2203,9 +2277,6 @@
               <a:buSzPts val="1100"/>
               <a:buNone/>
             </a:pPr>
-            <a:r>
-              <a:t/>
-            </a:r>
             <a:endParaRPr/>
           </a:p>
         </p:txBody>
@@ -2219,11 +2290,11 @@
 </file>
 
 <file path=ppt/notesSlides/notesSlide6.xml><?xml version="1.0" encoding="utf-8"?>
-<p:notes xmlns:a="http://schemas.openxmlformats.org/drawingml/2006/main" xmlns:r="http://schemas.openxmlformats.org/officeDocument/2006/relationships" xmlns:mc="http://schemas.openxmlformats.org/markup-compatibility/2006" xmlns:mv="urn:schemas-microsoft-com:mac:vml" xmlns:p="http://schemas.openxmlformats.org/presentationml/2006/main" xmlns:c="http://schemas.openxmlformats.org/drawingml/2006/chart" xmlns:dgm="http://schemas.openxmlformats.org/drawingml/2006/diagram" xmlns:o="urn:schemas-microsoft-com:office:office" xmlns:v="urn:schemas-microsoft-com:vml" xmlns:pvml="urn:schemas-microsoft-com:office:powerpoint" xmlns:com="http://schemas.openxmlformats.org/drawingml/2006/compatibility" xmlns:p14="http://schemas.microsoft.com/office/powerpoint/2010/main" xmlns:p15="http://schemas.microsoft.com/office/powerpoint/2012/main" xmlns:ahyp="http://schemas.microsoft.com/office/drawing/2018/hyperlinkcolor" showMasterPhAnim="0" showMasterSp="0">
+<p:notes xmlns:a="http://schemas.openxmlformats.org/drawingml/2006/main" xmlns:r="http://schemas.openxmlformats.org/officeDocument/2006/relationships" xmlns:p="http://schemas.openxmlformats.org/presentationml/2006/main" showMasterSp="0" showMasterPhAnim="0">
   <p:cSld>
     <p:spTree>
       <p:nvGrpSpPr>
-        <p:cNvPr id="87" name="Shape 87"/>
+        <p:cNvPr id="1" name="Shape 87"/>
         <p:cNvGrpSpPr/>
         <p:nvPr/>
       </p:nvGrpSpPr>
@@ -2238,9 +2309,11 @@
       <p:sp>
         <p:nvSpPr>
           <p:cNvPr id="88" name="Google Shape;88;p6:notes"/>
-          <p:cNvSpPr/>
+          <p:cNvSpPr>
+            <a:spLocks noGrp="1" noRot="1" noChangeAspect="1"/>
+          </p:cNvSpPr>
           <p:nvPr>
-            <p:ph idx="2" type="sldImg"/>
+            <p:ph type="sldImg" idx="2"/>
           </p:nvPr>
         </p:nvSpPr>
         <p:spPr>
@@ -2249,9 +2322,13 @@
             <a:ext cx="6096000" cy="3429000"/>
           </a:xfrm>
           <a:custGeom>
-            <a:rect b="b" l="l" r="r" t="t"/>
+            <a:avLst/>
+            <a:gdLst/>
+            <a:ahLst/>
+            <a:cxnLst/>
+            <a:rect l="l" t="t" r="r" b="b"/>
             <a:pathLst>
-              <a:path extrusionOk="0" h="120000" w="120000">
+              <a:path w="120000" h="120000" extrusionOk="0">
                 <a:moveTo>
                   <a:pt x="0" y="0"/>
                 </a:moveTo>
@@ -2269,23 +2346,25 @@
             </a:pathLst>
           </a:custGeom>
           <a:noFill/>
-          <a:ln cap="flat" cmpd="sng" w="9525">
+          <a:ln w="9525" cap="flat" cmpd="sng">
             <a:solidFill>
               <a:srgbClr val="000000"/>
             </a:solidFill>
             <a:prstDash val="solid"/>
             <a:round/>
-            <a:headEnd len="sm" w="sm" type="none"/>
-            <a:tailEnd len="sm" w="sm" type="none"/>
+            <a:headEnd type="none" w="sm" len="sm"/>
+            <a:tailEnd type="none" w="sm" len="sm"/>
           </a:ln>
         </p:spPr>
       </p:sp>
       <p:sp>
         <p:nvSpPr>
           <p:cNvPr id="89" name="Google Shape;89;p6:notes"/>
-          <p:cNvSpPr txBox="1"/>
+          <p:cNvSpPr txBox="1">
+            <a:spLocks noGrp="1"/>
+          </p:cNvSpPr>
           <p:nvPr>
-            <p:ph idx="1" type="body"/>
+            <p:ph type="body" idx="1"/>
           </p:nvPr>
         </p:nvSpPr>
         <p:spPr>
@@ -2302,12 +2381,12 @@
           </a:ln>
         </p:spPr>
         <p:txBody>
-          <a:bodyPr anchorCtr="0" anchor="t" bIns="91425" lIns="91425" spcFirstLastPara="1" rIns="91425" wrap="square" tIns="91425">
+          <a:bodyPr spcFirstLastPara="1" wrap="square" lIns="91425" tIns="91425" rIns="91425" bIns="91425" anchor="t" anchorCtr="0">
             <a:noAutofit/>
           </a:bodyPr>
           <a:lstStyle/>
           <a:p>
-            <a:pPr indent="0" lvl="0" marL="0" rtl="0" algn="l">
+            <a:pPr marL="0" lvl="0" indent="0" algn="l" rtl="0">
               <a:lnSpc>
                 <a:spcPct val="115000"/>
               </a:lnSpc>
@@ -2320,9 +2399,6 @@
               <a:buSzPts val="1100"/>
               <a:buNone/>
             </a:pPr>
-            <a:r>
-              <a:t/>
-            </a:r>
             <a:endParaRPr/>
           </a:p>
         </p:txBody>
@@ -2336,11 +2412,11 @@
 </file>
 
 <file path=ppt/notesSlides/notesSlide7.xml><?xml version="1.0" encoding="utf-8"?>
-<p:notes xmlns:a="http://schemas.openxmlformats.org/drawingml/2006/main" xmlns:r="http://schemas.openxmlformats.org/officeDocument/2006/relationships" xmlns:mc="http://schemas.openxmlformats.org/markup-compatibility/2006" xmlns:mv="urn:schemas-microsoft-com:mac:vml" xmlns:p="http://schemas.openxmlformats.org/presentationml/2006/main" xmlns:c="http://schemas.openxmlformats.org/drawingml/2006/chart" xmlns:dgm="http://schemas.openxmlformats.org/drawingml/2006/diagram" xmlns:o="urn:schemas-microsoft-com:office:office" xmlns:v="urn:schemas-microsoft-com:vml" xmlns:pvml="urn:schemas-microsoft-com:office:powerpoint" xmlns:com="http://schemas.openxmlformats.org/drawingml/2006/compatibility" xmlns:p14="http://schemas.microsoft.com/office/powerpoint/2010/main" xmlns:p15="http://schemas.microsoft.com/office/powerpoint/2012/main" xmlns:ahyp="http://schemas.microsoft.com/office/drawing/2018/hyperlinkcolor" showMasterPhAnim="0" showMasterSp="0">
+<p:notes xmlns:a="http://schemas.openxmlformats.org/drawingml/2006/main" xmlns:r="http://schemas.openxmlformats.org/officeDocument/2006/relationships" xmlns:p="http://schemas.openxmlformats.org/presentationml/2006/main" showMasterSp="0" showMasterPhAnim="0">
   <p:cSld>
     <p:spTree>
       <p:nvGrpSpPr>
-        <p:cNvPr id="94" name="Shape 94"/>
+        <p:cNvPr id="1" name="Shape 94"/>
         <p:cNvGrpSpPr/>
         <p:nvPr/>
       </p:nvGrpSpPr>
@@ -2355,9 +2431,11 @@
       <p:sp>
         <p:nvSpPr>
           <p:cNvPr id="95" name="Google Shape;95;p7:notes"/>
-          <p:cNvSpPr/>
+          <p:cNvSpPr>
+            <a:spLocks noGrp="1" noRot="1" noChangeAspect="1"/>
+          </p:cNvSpPr>
           <p:nvPr>
-            <p:ph idx="2" type="sldImg"/>
+            <p:ph type="sldImg" idx="2"/>
           </p:nvPr>
         </p:nvSpPr>
         <p:spPr>
@@ -2366,9 +2444,13 @@
             <a:ext cx="6096000" cy="3429000"/>
           </a:xfrm>
           <a:custGeom>
-            <a:rect b="b" l="l" r="r" t="t"/>
+            <a:avLst/>
+            <a:gdLst/>
+            <a:ahLst/>
+            <a:cxnLst/>
+            <a:rect l="l" t="t" r="r" b="b"/>
             <a:pathLst>
-              <a:path extrusionOk="0" h="120000" w="120000">
+              <a:path w="120000" h="120000" extrusionOk="0">
                 <a:moveTo>
                   <a:pt x="0" y="0"/>
                 </a:moveTo>
@@ -2386,23 +2468,25 @@
             </a:pathLst>
           </a:custGeom>
           <a:noFill/>
-          <a:ln cap="flat" cmpd="sng" w="9525">
+          <a:ln w="9525" cap="flat" cmpd="sng">
             <a:solidFill>
               <a:srgbClr val="000000"/>
             </a:solidFill>
             <a:prstDash val="solid"/>
             <a:round/>
-            <a:headEnd len="sm" w="sm" type="none"/>
-            <a:tailEnd len="sm" w="sm" type="none"/>
+            <a:headEnd type="none" w="sm" len="sm"/>
+            <a:tailEnd type="none" w="sm" len="sm"/>
           </a:ln>
         </p:spPr>
       </p:sp>
       <p:sp>
         <p:nvSpPr>
           <p:cNvPr id="96" name="Google Shape;96;p7:notes"/>
-          <p:cNvSpPr txBox="1"/>
+          <p:cNvSpPr txBox="1">
+            <a:spLocks noGrp="1"/>
+          </p:cNvSpPr>
           <p:nvPr>
-            <p:ph idx="1" type="body"/>
+            <p:ph type="body" idx="1"/>
           </p:nvPr>
         </p:nvSpPr>
         <p:spPr>
@@ -2419,12 +2503,12 @@
           </a:ln>
         </p:spPr>
         <p:txBody>
-          <a:bodyPr anchorCtr="0" anchor="t" bIns="91425" lIns="91425" spcFirstLastPara="1" rIns="91425" wrap="square" tIns="91425">
+          <a:bodyPr spcFirstLastPara="1" wrap="square" lIns="91425" tIns="91425" rIns="91425" bIns="91425" anchor="t" anchorCtr="0">
             <a:noAutofit/>
           </a:bodyPr>
           <a:lstStyle/>
           <a:p>
-            <a:pPr indent="0" lvl="0" marL="0" rtl="0" algn="l">
+            <a:pPr marL="0" lvl="0" indent="0" algn="l" rtl="0">
               <a:lnSpc>
                 <a:spcPct val="100000"/>
               </a:lnSpc>
@@ -2437,9 +2521,6 @@
               <a:buSzPts val="1100"/>
               <a:buNone/>
             </a:pPr>
-            <a:r>
-              <a:t/>
-            </a:r>
             <a:endParaRPr/>
           </a:p>
         </p:txBody>
@@ -2453,11 +2534,11 @@
 </file>
 
 <file path=ppt/notesSlides/notesSlide8.xml><?xml version="1.0" encoding="utf-8"?>
-<p:notes xmlns:a="http://schemas.openxmlformats.org/drawingml/2006/main" xmlns:r="http://schemas.openxmlformats.org/officeDocument/2006/relationships" xmlns:mc="http://schemas.openxmlformats.org/markup-compatibility/2006" xmlns:mv="urn:schemas-microsoft-com:mac:vml" xmlns:p="http://schemas.openxmlformats.org/presentationml/2006/main" xmlns:c="http://schemas.openxmlformats.org/drawingml/2006/chart" xmlns:dgm="http://schemas.openxmlformats.org/drawingml/2006/diagram" xmlns:o="urn:schemas-microsoft-com:office:office" xmlns:v="urn:schemas-microsoft-com:vml" xmlns:pvml="urn:schemas-microsoft-com:office:powerpoint" xmlns:com="http://schemas.openxmlformats.org/drawingml/2006/compatibility" xmlns:p14="http://schemas.microsoft.com/office/powerpoint/2010/main" xmlns:p15="http://schemas.microsoft.com/office/powerpoint/2012/main" xmlns:ahyp="http://schemas.microsoft.com/office/drawing/2018/hyperlinkcolor" showMasterPhAnim="0" showMasterSp="0">
+<p:notes xmlns:a="http://schemas.openxmlformats.org/drawingml/2006/main" xmlns:r="http://schemas.openxmlformats.org/officeDocument/2006/relationships" xmlns:p="http://schemas.openxmlformats.org/presentationml/2006/main" showMasterSp="0" showMasterPhAnim="0">
   <p:cSld>
     <p:spTree>
       <p:nvGrpSpPr>
-        <p:cNvPr id="101" name="Shape 101"/>
+        <p:cNvPr id="1" name="Shape 101"/>
         <p:cNvGrpSpPr/>
         <p:nvPr/>
       </p:nvGrpSpPr>
@@ -2472,9 +2553,11 @@
       <p:sp>
         <p:nvSpPr>
           <p:cNvPr id="102" name="Google Shape;102;p8:notes"/>
-          <p:cNvSpPr/>
+          <p:cNvSpPr>
+            <a:spLocks noGrp="1" noRot="1" noChangeAspect="1"/>
+          </p:cNvSpPr>
           <p:nvPr>
-            <p:ph idx="2" type="sldImg"/>
+            <p:ph type="sldImg" idx="2"/>
           </p:nvPr>
         </p:nvSpPr>
         <p:spPr>
@@ -2483,9 +2566,13 @@
             <a:ext cx="6096000" cy="3429000"/>
           </a:xfrm>
           <a:custGeom>
-            <a:rect b="b" l="l" r="r" t="t"/>
+            <a:avLst/>
+            <a:gdLst/>
+            <a:ahLst/>
+            <a:cxnLst/>
+            <a:rect l="l" t="t" r="r" b="b"/>
             <a:pathLst>
-              <a:path extrusionOk="0" h="120000" w="120000">
+              <a:path w="120000" h="120000" extrusionOk="0">
                 <a:moveTo>
                   <a:pt x="0" y="0"/>
                 </a:moveTo>
@@ -2503,23 +2590,25 @@
             </a:pathLst>
           </a:custGeom>
           <a:noFill/>
-          <a:ln cap="flat" cmpd="sng" w="9525">
+          <a:ln w="9525" cap="flat" cmpd="sng">
             <a:solidFill>
               <a:srgbClr val="000000"/>
             </a:solidFill>
             <a:prstDash val="solid"/>
             <a:round/>
-            <a:headEnd len="sm" w="sm" type="none"/>
-            <a:tailEnd len="sm" w="sm" type="none"/>
+            <a:headEnd type="none" w="sm" len="sm"/>
+            <a:tailEnd type="none" w="sm" len="sm"/>
           </a:ln>
         </p:spPr>
       </p:sp>
       <p:sp>
         <p:nvSpPr>
           <p:cNvPr id="103" name="Google Shape;103;p8:notes"/>
-          <p:cNvSpPr txBox="1"/>
+          <p:cNvSpPr txBox="1">
+            <a:spLocks noGrp="1"/>
+          </p:cNvSpPr>
           <p:nvPr>
-            <p:ph idx="1" type="body"/>
+            <p:ph type="body" idx="1"/>
           </p:nvPr>
         </p:nvSpPr>
         <p:spPr>
@@ -2536,12 +2625,12 @@
           </a:ln>
         </p:spPr>
         <p:txBody>
-          <a:bodyPr anchorCtr="0" anchor="t" bIns="91425" lIns="91425" spcFirstLastPara="1" rIns="91425" wrap="square" tIns="91425">
+          <a:bodyPr spcFirstLastPara="1" wrap="square" lIns="91425" tIns="91425" rIns="91425" bIns="91425" anchor="t" anchorCtr="0">
             <a:noAutofit/>
           </a:bodyPr>
           <a:lstStyle/>
           <a:p>
-            <a:pPr indent="0" lvl="0" marL="0" rtl="0" algn="l">
+            <a:pPr marL="0" lvl="0" indent="0" algn="l" rtl="0">
               <a:lnSpc>
                 <a:spcPct val="100000"/>
               </a:lnSpc>
@@ -2554,9 +2643,6 @@
               <a:buSzPts val="1100"/>
               <a:buNone/>
             </a:pPr>
-            <a:r>
-              <a:t/>
-            </a:r>
             <a:endParaRPr/>
           </a:p>
         </p:txBody>
@@ -2570,11 +2656,11 @@
 </file>
 
 <file path=ppt/notesSlides/notesSlide9.xml><?xml version="1.0" encoding="utf-8"?>
-<p:notes xmlns:a="http://schemas.openxmlformats.org/drawingml/2006/main" xmlns:r="http://schemas.openxmlformats.org/officeDocument/2006/relationships" xmlns:mc="http://schemas.openxmlformats.org/markup-compatibility/2006" xmlns:mv="urn:schemas-microsoft-com:mac:vml" xmlns:p="http://schemas.openxmlformats.org/presentationml/2006/main" xmlns:c="http://schemas.openxmlformats.org/drawingml/2006/chart" xmlns:dgm="http://schemas.openxmlformats.org/drawingml/2006/diagram" xmlns:o="urn:schemas-microsoft-com:office:office" xmlns:v="urn:schemas-microsoft-com:vml" xmlns:pvml="urn:schemas-microsoft-com:office:powerpoint" xmlns:com="http://schemas.openxmlformats.org/drawingml/2006/compatibility" xmlns:p14="http://schemas.microsoft.com/office/powerpoint/2010/main" xmlns:p15="http://schemas.microsoft.com/office/powerpoint/2012/main" xmlns:ahyp="http://schemas.microsoft.com/office/drawing/2018/hyperlinkcolor" showMasterPhAnim="0" showMasterSp="0">
+<p:notes xmlns:a="http://schemas.openxmlformats.org/drawingml/2006/main" xmlns:r="http://schemas.openxmlformats.org/officeDocument/2006/relationships" xmlns:p="http://schemas.openxmlformats.org/presentationml/2006/main" showMasterSp="0" showMasterPhAnim="0">
   <p:cSld>
     <p:spTree>
       <p:nvGrpSpPr>
-        <p:cNvPr id="107" name="Shape 107"/>
+        <p:cNvPr id="1" name="Shape 107"/>
         <p:cNvGrpSpPr/>
         <p:nvPr/>
       </p:nvGrpSpPr>
@@ -2589,9 +2675,11 @@
       <p:sp>
         <p:nvSpPr>
           <p:cNvPr id="108" name="Google Shape;108;p9:notes"/>
-          <p:cNvSpPr/>
+          <p:cNvSpPr>
+            <a:spLocks noGrp="1" noRot="1" noChangeAspect="1"/>
+          </p:cNvSpPr>
           <p:nvPr>
-            <p:ph idx="2" type="sldImg"/>
+            <p:ph type="sldImg" idx="2"/>
           </p:nvPr>
         </p:nvSpPr>
         <p:spPr>
@@ -2600,9 +2688,13 @@
             <a:ext cx="6096000" cy="3429000"/>
           </a:xfrm>
           <a:custGeom>
-            <a:rect b="b" l="l" r="r" t="t"/>
+            <a:avLst/>
+            <a:gdLst/>
+            <a:ahLst/>
+            <a:cxnLst/>
+            <a:rect l="l" t="t" r="r" b="b"/>
             <a:pathLst>
-              <a:path extrusionOk="0" h="120000" w="120000">
+              <a:path w="120000" h="120000" extrusionOk="0">
                 <a:moveTo>
                   <a:pt x="0" y="0"/>
                 </a:moveTo>
@@ -2620,23 +2712,25 @@
             </a:pathLst>
           </a:custGeom>
           <a:noFill/>
-          <a:ln cap="flat" cmpd="sng" w="9525">
+          <a:ln w="9525" cap="flat" cmpd="sng">
             <a:solidFill>
               <a:srgbClr val="000000"/>
             </a:solidFill>
             <a:prstDash val="solid"/>
             <a:round/>
-            <a:headEnd len="sm" w="sm" type="none"/>
-            <a:tailEnd len="sm" w="sm" type="none"/>
+            <a:headEnd type="none" w="sm" len="sm"/>
+            <a:tailEnd type="none" w="sm" len="sm"/>
           </a:ln>
         </p:spPr>
       </p:sp>
       <p:sp>
         <p:nvSpPr>
           <p:cNvPr id="109" name="Google Shape;109;p9:notes"/>
-          <p:cNvSpPr txBox="1"/>
+          <p:cNvSpPr txBox="1">
+            <a:spLocks noGrp="1"/>
+          </p:cNvSpPr>
           <p:nvPr>
-            <p:ph idx="1" type="body"/>
+            <p:ph type="body" idx="1"/>
           </p:nvPr>
         </p:nvSpPr>
         <p:spPr>
@@ -2653,12 +2747,12 @@
           </a:ln>
         </p:spPr>
         <p:txBody>
-          <a:bodyPr anchorCtr="0" anchor="t" bIns="91425" lIns="91425" spcFirstLastPara="1" rIns="91425" wrap="square" tIns="91425">
+          <a:bodyPr spcFirstLastPara="1" wrap="square" lIns="91425" tIns="91425" rIns="91425" bIns="91425" anchor="t" anchorCtr="0">
             <a:noAutofit/>
           </a:bodyPr>
           <a:lstStyle/>
           <a:p>
-            <a:pPr indent="0" lvl="0" marL="0" rtl="0" algn="l">
+            <a:pPr marL="0" lvl="0" indent="0" algn="l" rtl="0">
               <a:lnSpc>
                 <a:spcPct val="100000"/>
               </a:lnSpc>
@@ -2671,9 +2765,6 @@
               <a:buSzPts val="1100"/>
               <a:buNone/>
             </a:pPr>
-            <a:r>
-              <a:t/>
-            </a:r>
             <a:endParaRPr/>
           </a:p>
         </p:txBody>
@@ -2687,11 +2778,11 @@
 </file>
 
 <file path=ppt/slideLayouts/slideLayout1.xml><?xml version="1.0" encoding="utf-8"?>
-<p:sldLayout xmlns:a="http://schemas.openxmlformats.org/drawingml/2006/main" xmlns:r="http://schemas.openxmlformats.org/officeDocument/2006/relationships" xmlns:mc="http://schemas.openxmlformats.org/markup-compatibility/2006" xmlns:mv="urn:schemas-microsoft-com:mac:vml" xmlns:p="http://schemas.openxmlformats.org/presentationml/2006/main" xmlns:c="http://schemas.openxmlformats.org/drawingml/2006/chart" xmlns:dgm="http://schemas.openxmlformats.org/drawingml/2006/diagram" xmlns:o="urn:schemas-microsoft-com:office:office" xmlns:v="urn:schemas-microsoft-com:vml" xmlns:pvml="urn:schemas-microsoft-com:office:powerpoint" xmlns:com="http://schemas.openxmlformats.org/drawingml/2006/compatibility" xmlns:p14="http://schemas.microsoft.com/office/powerpoint/2010/main" xmlns:p15="http://schemas.microsoft.com/office/powerpoint/2012/main" xmlns:ahyp="http://schemas.microsoft.com/office/drawing/2018/hyperlinkcolor" matchingName="Blank" type="blank">
+<p:sldLayout xmlns:a="http://schemas.openxmlformats.org/drawingml/2006/main" xmlns:r="http://schemas.openxmlformats.org/officeDocument/2006/relationships" xmlns:p="http://schemas.openxmlformats.org/presentationml/2006/main" matchingName="Blank" type="blank">
   <p:cSld name="BLANK">
     <p:spTree>
       <p:nvGrpSpPr>
-        <p:cNvPr id="9" name="Shape 9"/>
+        <p:cNvPr id="1" name="Shape 9"/>
         <p:cNvGrpSpPr/>
         <p:nvPr/>
       </p:nvGrpSpPr>
@@ -2706,9 +2797,11 @@
       <p:sp>
         <p:nvSpPr>
           <p:cNvPr id="10" name="Google Shape;10;p16"/>
-          <p:cNvSpPr txBox="1"/>
+          <p:cNvSpPr txBox="1">
+            <a:spLocks noGrp="1"/>
+          </p:cNvSpPr>
           <p:nvPr>
-            <p:ph idx="12" type="sldNum"/>
+            <p:ph type="sldNum" idx="12"/>
           </p:nvPr>
         </p:nvSpPr>
         <p:spPr>
@@ -2725,11 +2818,11 @@
           </a:ln>
         </p:spPr>
         <p:txBody>
-          <a:bodyPr anchorCtr="0" anchor="ctr" bIns="91425" lIns="91425" spcFirstLastPara="1" rIns="91425" wrap="square" tIns="91425">
+          <a:bodyPr spcFirstLastPara="1" wrap="square" lIns="91425" tIns="91425" rIns="91425" bIns="91425" anchor="ctr" anchorCtr="0">
             <a:normAutofit/>
           </a:bodyPr>
           <a:lstStyle>
-            <a:lvl1pPr indent="0" lvl="0" marL="0" marR="0" algn="r">
+            <a:lvl1pPr marL="0" marR="0" lvl="0" indent="0" algn="r">
               <a:lnSpc>
                 <a:spcPct val="100000"/>
               </a:lnSpc>
@@ -2745,7 +2838,7 @@
               <a:buSzPts val="1000"/>
               <a:buFont typeface="Arial"/>
               <a:buNone/>
-              <a:defRPr b="0" i="0" sz="1000" u="none" cap="none" strike="noStrike">
+              <a:defRPr sz="1000" b="0" i="0" u="none" strike="noStrike" cap="none">
                 <a:solidFill>
                   <a:schemeClr val="dk2"/>
                 </a:solidFill>
@@ -2755,7 +2848,7 @@
                 <a:sym typeface="Arial"/>
               </a:defRPr>
             </a:lvl1pPr>
-            <a:lvl2pPr indent="0" lvl="1" marL="0" marR="0" algn="r">
+            <a:lvl2pPr marL="0" marR="0" lvl="1" indent="0" algn="r">
               <a:lnSpc>
                 <a:spcPct val="100000"/>
               </a:lnSpc>
@@ -2771,7 +2864,7 @@
               <a:buSzPts val="1000"/>
               <a:buFont typeface="Arial"/>
               <a:buNone/>
-              <a:defRPr b="0" i="0" sz="1000" u="none" cap="none" strike="noStrike">
+              <a:defRPr sz="1000" b="0" i="0" u="none" strike="noStrike" cap="none">
                 <a:solidFill>
                   <a:schemeClr val="dk2"/>
                 </a:solidFill>
@@ -2781,7 +2874,7 @@
                 <a:sym typeface="Arial"/>
               </a:defRPr>
             </a:lvl2pPr>
-            <a:lvl3pPr indent="0" lvl="2" marL="0" marR="0" algn="r">
+            <a:lvl3pPr marL="0" marR="0" lvl="2" indent="0" algn="r">
               <a:lnSpc>
                 <a:spcPct val="100000"/>
               </a:lnSpc>
@@ -2797,7 +2890,7 @@
               <a:buSzPts val="1000"/>
               <a:buFont typeface="Arial"/>
               <a:buNone/>
-              <a:defRPr b="0" i="0" sz="1000" u="none" cap="none" strike="noStrike">
+              <a:defRPr sz="1000" b="0" i="0" u="none" strike="noStrike" cap="none">
                 <a:solidFill>
                   <a:schemeClr val="dk2"/>
                 </a:solidFill>
@@ -2807,7 +2900,7 @@
                 <a:sym typeface="Arial"/>
               </a:defRPr>
             </a:lvl3pPr>
-            <a:lvl4pPr indent="0" lvl="3" marL="0" marR="0" algn="r">
+            <a:lvl4pPr marL="0" marR="0" lvl="3" indent="0" algn="r">
               <a:lnSpc>
                 <a:spcPct val="100000"/>
               </a:lnSpc>
@@ -2823,7 +2916,7 @@
               <a:buSzPts val="1000"/>
               <a:buFont typeface="Arial"/>
               <a:buNone/>
-              <a:defRPr b="0" i="0" sz="1000" u="none" cap="none" strike="noStrike">
+              <a:defRPr sz="1000" b="0" i="0" u="none" strike="noStrike" cap="none">
                 <a:solidFill>
                   <a:schemeClr val="dk2"/>
                 </a:solidFill>
@@ -2833,7 +2926,7 @@
                 <a:sym typeface="Arial"/>
               </a:defRPr>
             </a:lvl4pPr>
-            <a:lvl5pPr indent="0" lvl="4" marL="0" marR="0" algn="r">
+            <a:lvl5pPr marL="0" marR="0" lvl="4" indent="0" algn="r">
               <a:lnSpc>
                 <a:spcPct val="100000"/>
               </a:lnSpc>
@@ -2849,7 +2942,7 @@
               <a:buSzPts val="1000"/>
               <a:buFont typeface="Arial"/>
               <a:buNone/>
-              <a:defRPr b="0" i="0" sz="1000" u="none" cap="none" strike="noStrike">
+              <a:defRPr sz="1000" b="0" i="0" u="none" strike="noStrike" cap="none">
                 <a:solidFill>
                   <a:schemeClr val="dk2"/>
                 </a:solidFill>
@@ -2859,7 +2952,7 @@
                 <a:sym typeface="Arial"/>
               </a:defRPr>
             </a:lvl5pPr>
-            <a:lvl6pPr indent="0" lvl="5" marL="0" marR="0" algn="r">
+            <a:lvl6pPr marL="0" marR="0" lvl="5" indent="0" algn="r">
               <a:lnSpc>
                 <a:spcPct val="100000"/>
               </a:lnSpc>
@@ -2875,7 +2968,7 @@
               <a:buSzPts val="1000"/>
               <a:buFont typeface="Arial"/>
               <a:buNone/>
-              <a:defRPr b="0" i="0" sz="1000" u="none" cap="none" strike="noStrike">
+              <a:defRPr sz="1000" b="0" i="0" u="none" strike="noStrike" cap="none">
                 <a:solidFill>
                   <a:schemeClr val="dk2"/>
                 </a:solidFill>
@@ -2885,7 +2978,7 @@
                 <a:sym typeface="Arial"/>
               </a:defRPr>
             </a:lvl6pPr>
-            <a:lvl7pPr indent="0" lvl="6" marL="0" marR="0" algn="r">
+            <a:lvl7pPr marL="0" marR="0" lvl="6" indent="0" algn="r">
               <a:lnSpc>
                 <a:spcPct val="100000"/>
               </a:lnSpc>
@@ -2901,7 +2994,7 @@
               <a:buSzPts val="1000"/>
               <a:buFont typeface="Arial"/>
               <a:buNone/>
-              <a:defRPr b="0" i="0" sz="1000" u="none" cap="none" strike="noStrike">
+              <a:defRPr sz="1000" b="0" i="0" u="none" strike="noStrike" cap="none">
                 <a:solidFill>
                   <a:schemeClr val="dk2"/>
                 </a:solidFill>
@@ -2911,7 +3004,7 @@
                 <a:sym typeface="Arial"/>
               </a:defRPr>
             </a:lvl7pPr>
-            <a:lvl8pPr indent="0" lvl="7" marL="0" marR="0" algn="r">
+            <a:lvl8pPr marL="0" marR="0" lvl="7" indent="0" algn="r">
               <a:lnSpc>
                 <a:spcPct val="100000"/>
               </a:lnSpc>
@@ -2927,7 +3020,7 @@
               <a:buSzPts val="1000"/>
               <a:buFont typeface="Arial"/>
               <a:buNone/>
-              <a:defRPr b="0" i="0" sz="1000" u="none" cap="none" strike="noStrike">
+              <a:defRPr sz="1000" b="0" i="0" u="none" strike="noStrike" cap="none">
                 <a:solidFill>
                   <a:schemeClr val="dk2"/>
                 </a:solidFill>
@@ -2937,7 +3030,7 @@
                 <a:sym typeface="Arial"/>
               </a:defRPr>
             </a:lvl8pPr>
-            <a:lvl9pPr indent="0" lvl="8" marL="0" marR="0" algn="r">
+            <a:lvl9pPr marL="0" marR="0" lvl="8" indent="0" algn="r">
               <a:lnSpc>
                 <a:spcPct val="100000"/>
               </a:lnSpc>
@@ -2953,7 +3046,7 @@
               <a:buSzPts val="1000"/>
               <a:buFont typeface="Arial"/>
               <a:buNone/>
-              <a:defRPr b="0" i="0" sz="1000" u="none" cap="none" strike="noStrike">
+              <a:defRPr sz="1000" b="0" i="0" u="none" strike="noStrike" cap="none">
                 <a:solidFill>
                   <a:schemeClr val="dk2"/>
                 </a:solidFill>
@@ -2965,7 +3058,7 @@
             </a:lvl9pPr>
           </a:lstStyle>
           <a:p>
-            <a:pPr indent="0" lvl="0" marL="0" rtl="0" algn="r">
+            <a:pPr marL="0" lvl="0" indent="0" algn="r" rtl="0">
               <a:spcBef>
                 <a:spcPts val="0"/>
               </a:spcBef>
@@ -2991,11 +3084,11 @@
 </file>
 
 <file path=ppt/slideLayouts/slideLayout10.xml><?xml version="1.0" encoding="utf-8"?>
-<p:sldLayout xmlns:a="http://schemas.openxmlformats.org/drawingml/2006/main" xmlns:r="http://schemas.openxmlformats.org/officeDocument/2006/relationships" xmlns:mc="http://schemas.openxmlformats.org/markup-compatibility/2006" xmlns:mv="urn:schemas-microsoft-com:mac:vml" xmlns:p="http://schemas.openxmlformats.org/presentationml/2006/main" xmlns:c="http://schemas.openxmlformats.org/drawingml/2006/chart" xmlns:dgm="http://schemas.openxmlformats.org/drawingml/2006/diagram" xmlns:o="urn:schemas-microsoft-com:office:office" xmlns:v="urn:schemas-microsoft-com:vml" xmlns:pvml="urn:schemas-microsoft-com:office:powerpoint" xmlns:com="http://schemas.openxmlformats.org/drawingml/2006/compatibility" xmlns:p14="http://schemas.microsoft.com/office/powerpoint/2010/main" xmlns:p15="http://schemas.microsoft.com/office/powerpoint/2012/main" xmlns:ahyp="http://schemas.microsoft.com/office/drawing/2018/hyperlinkcolor" matchingName="Caption">
+<p:sldLayout xmlns:a="http://schemas.openxmlformats.org/drawingml/2006/main" xmlns:r="http://schemas.openxmlformats.org/officeDocument/2006/relationships" xmlns:p="http://schemas.openxmlformats.org/presentationml/2006/main" matchingName="Caption">
   <p:cSld name="CAPTION_ONLY">
     <p:spTree>
       <p:nvGrpSpPr>
-        <p:cNvPr id="43" name="Shape 43"/>
+        <p:cNvPr id="1" name="Shape 43"/>
         <p:cNvGrpSpPr/>
         <p:nvPr/>
       </p:nvGrpSpPr>
@@ -3010,9 +3103,11 @@
       <p:sp>
         <p:nvSpPr>
           <p:cNvPr id="44" name="Google Shape;44;p25"/>
-          <p:cNvSpPr txBox="1"/>
+          <p:cNvSpPr txBox="1">
+            <a:spLocks noGrp="1"/>
+          </p:cNvSpPr>
           <p:nvPr>
-            <p:ph idx="1" type="body"/>
+            <p:ph type="body" idx="1"/>
           </p:nvPr>
         </p:nvSpPr>
         <p:spPr>
@@ -3029,11 +3124,11 @@
           </a:ln>
         </p:spPr>
         <p:txBody>
-          <a:bodyPr anchorCtr="0" anchor="ctr" bIns="91425" lIns="91425" spcFirstLastPara="1" rIns="91425" wrap="square" tIns="91425">
+          <a:bodyPr spcFirstLastPara="1" wrap="square" lIns="91425" tIns="91425" rIns="91425" bIns="91425" anchor="ctr" anchorCtr="0">
             <a:normAutofit/>
           </a:bodyPr>
           <a:lstStyle>
-            <a:lvl1pPr indent="-228600" lvl="0" marL="457200" algn="l">
+            <a:lvl1pPr marL="457200" lvl="0" indent="-228600" algn="l">
               <a:lnSpc>
                 <a:spcPct val="100000"/>
               </a:lnSpc>
@@ -3048,15 +3143,19 @@
               <a:defRPr/>
             </a:lvl1pPr>
           </a:lstStyle>
-          <a:p/>
+          <a:p>
+            <a:endParaRPr/>
+          </a:p>
         </p:txBody>
       </p:sp>
       <p:sp>
         <p:nvSpPr>
           <p:cNvPr id="45" name="Google Shape;45;p25"/>
-          <p:cNvSpPr txBox="1"/>
+          <p:cNvSpPr txBox="1">
+            <a:spLocks noGrp="1"/>
+          </p:cNvSpPr>
           <p:nvPr>
-            <p:ph idx="12" type="sldNum"/>
+            <p:ph type="sldNum" idx="12"/>
           </p:nvPr>
         </p:nvSpPr>
         <p:spPr>
@@ -3073,11 +3172,11 @@
           </a:ln>
         </p:spPr>
         <p:txBody>
-          <a:bodyPr anchorCtr="0" anchor="ctr" bIns="91425" lIns="91425" spcFirstLastPara="1" rIns="91425" wrap="square" tIns="91425">
+          <a:bodyPr spcFirstLastPara="1" wrap="square" lIns="91425" tIns="91425" rIns="91425" bIns="91425" anchor="ctr" anchorCtr="0">
             <a:normAutofit/>
           </a:bodyPr>
           <a:lstStyle>
-            <a:lvl1pPr indent="0" lvl="0" marL="0" marR="0" algn="r">
+            <a:lvl1pPr marL="0" marR="0" lvl="0" indent="0" algn="r">
               <a:lnSpc>
                 <a:spcPct val="100000"/>
               </a:lnSpc>
@@ -3093,7 +3192,7 @@
               <a:buSzPts val="1000"/>
               <a:buFont typeface="Arial"/>
               <a:buNone/>
-              <a:defRPr b="0" i="0" sz="1000" u="none" cap="none" strike="noStrike">
+              <a:defRPr sz="1000" b="0" i="0" u="none" strike="noStrike" cap="none">
                 <a:solidFill>
                   <a:schemeClr val="dk2"/>
                 </a:solidFill>
@@ -3103,7 +3202,7 @@
                 <a:sym typeface="Arial"/>
               </a:defRPr>
             </a:lvl1pPr>
-            <a:lvl2pPr indent="0" lvl="1" marL="0" marR="0" algn="r">
+            <a:lvl2pPr marL="0" marR="0" lvl="1" indent="0" algn="r">
               <a:lnSpc>
                 <a:spcPct val="100000"/>
               </a:lnSpc>
@@ -3119,7 +3218,7 @@
               <a:buSzPts val="1000"/>
               <a:buFont typeface="Arial"/>
               <a:buNone/>
-              <a:defRPr b="0" i="0" sz="1000" u="none" cap="none" strike="noStrike">
+              <a:defRPr sz="1000" b="0" i="0" u="none" strike="noStrike" cap="none">
                 <a:solidFill>
                   <a:schemeClr val="dk2"/>
                 </a:solidFill>
@@ -3129,7 +3228,7 @@
                 <a:sym typeface="Arial"/>
               </a:defRPr>
             </a:lvl2pPr>
-            <a:lvl3pPr indent="0" lvl="2" marL="0" marR="0" algn="r">
+            <a:lvl3pPr marL="0" marR="0" lvl="2" indent="0" algn="r">
               <a:lnSpc>
                 <a:spcPct val="100000"/>
               </a:lnSpc>
@@ -3145,7 +3244,7 @@
               <a:buSzPts val="1000"/>
               <a:buFont typeface="Arial"/>
               <a:buNone/>
-              <a:defRPr b="0" i="0" sz="1000" u="none" cap="none" strike="noStrike">
+              <a:defRPr sz="1000" b="0" i="0" u="none" strike="noStrike" cap="none">
                 <a:solidFill>
                   <a:schemeClr val="dk2"/>
                 </a:solidFill>
@@ -3155,7 +3254,7 @@
                 <a:sym typeface="Arial"/>
               </a:defRPr>
             </a:lvl3pPr>
-            <a:lvl4pPr indent="0" lvl="3" marL="0" marR="0" algn="r">
+            <a:lvl4pPr marL="0" marR="0" lvl="3" indent="0" algn="r">
               <a:lnSpc>
                 <a:spcPct val="100000"/>
               </a:lnSpc>
@@ -3171,7 +3270,7 @@
               <a:buSzPts val="1000"/>
               <a:buFont typeface="Arial"/>
               <a:buNone/>
-              <a:defRPr b="0" i="0" sz="1000" u="none" cap="none" strike="noStrike">
+              <a:defRPr sz="1000" b="0" i="0" u="none" strike="noStrike" cap="none">
                 <a:solidFill>
                   <a:schemeClr val="dk2"/>
                 </a:solidFill>
@@ -3181,7 +3280,7 @@
                 <a:sym typeface="Arial"/>
               </a:defRPr>
             </a:lvl4pPr>
-            <a:lvl5pPr indent="0" lvl="4" marL="0" marR="0" algn="r">
+            <a:lvl5pPr marL="0" marR="0" lvl="4" indent="0" algn="r">
               <a:lnSpc>
                 <a:spcPct val="100000"/>
               </a:lnSpc>
@@ -3197,7 +3296,7 @@
               <a:buSzPts val="1000"/>
               <a:buFont typeface="Arial"/>
               <a:buNone/>
-              <a:defRPr b="0" i="0" sz="1000" u="none" cap="none" strike="noStrike">
+              <a:defRPr sz="1000" b="0" i="0" u="none" strike="noStrike" cap="none">
                 <a:solidFill>
                   <a:schemeClr val="dk2"/>
                 </a:solidFill>
@@ -3207,7 +3306,7 @@
                 <a:sym typeface="Arial"/>
               </a:defRPr>
             </a:lvl5pPr>
-            <a:lvl6pPr indent="0" lvl="5" marL="0" marR="0" algn="r">
+            <a:lvl6pPr marL="0" marR="0" lvl="5" indent="0" algn="r">
               <a:lnSpc>
                 <a:spcPct val="100000"/>
               </a:lnSpc>
@@ -3223,7 +3322,7 @@
               <a:buSzPts val="1000"/>
               <a:buFont typeface="Arial"/>
               <a:buNone/>
-              <a:defRPr b="0" i="0" sz="1000" u="none" cap="none" strike="noStrike">
+              <a:defRPr sz="1000" b="0" i="0" u="none" strike="noStrike" cap="none">
                 <a:solidFill>
                   <a:schemeClr val="dk2"/>
                 </a:solidFill>
@@ -3233,7 +3332,7 @@
                 <a:sym typeface="Arial"/>
               </a:defRPr>
             </a:lvl6pPr>
-            <a:lvl7pPr indent="0" lvl="6" marL="0" marR="0" algn="r">
+            <a:lvl7pPr marL="0" marR="0" lvl="6" indent="0" algn="r">
               <a:lnSpc>
                 <a:spcPct val="100000"/>
               </a:lnSpc>
@@ -3249,7 +3348,7 @@
               <a:buSzPts val="1000"/>
               <a:buFont typeface="Arial"/>
               <a:buNone/>
-              <a:defRPr b="0" i="0" sz="1000" u="none" cap="none" strike="noStrike">
+              <a:defRPr sz="1000" b="0" i="0" u="none" strike="noStrike" cap="none">
                 <a:solidFill>
                   <a:schemeClr val="dk2"/>
                 </a:solidFill>
@@ -3259,7 +3358,7 @@
                 <a:sym typeface="Arial"/>
               </a:defRPr>
             </a:lvl7pPr>
-            <a:lvl8pPr indent="0" lvl="7" marL="0" marR="0" algn="r">
+            <a:lvl8pPr marL="0" marR="0" lvl="7" indent="0" algn="r">
               <a:lnSpc>
                 <a:spcPct val="100000"/>
               </a:lnSpc>
@@ -3275,7 +3374,7 @@
               <a:buSzPts val="1000"/>
               <a:buFont typeface="Arial"/>
               <a:buNone/>
-              <a:defRPr b="0" i="0" sz="1000" u="none" cap="none" strike="noStrike">
+              <a:defRPr sz="1000" b="0" i="0" u="none" strike="noStrike" cap="none">
                 <a:solidFill>
                   <a:schemeClr val="dk2"/>
                 </a:solidFill>
@@ -3285,7 +3384,7 @@
                 <a:sym typeface="Arial"/>
               </a:defRPr>
             </a:lvl8pPr>
-            <a:lvl9pPr indent="0" lvl="8" marL="0" marR="0" algn="r">
+            <a:lvl9pPr marL="0" marR="0" lvl="8" indent="0" algn="r">
               <a:lnSpc>
                 <a:spcPct val="100000"/>
               </a:lnSpc>
@@ -3301,7 +3400,7 @@
               <a:buSzPts val="1000"/>
               <a:buFont typeface="Arial"/>
               <a:buNone/>
-              <a:defRPr b="0" i="0" sz="1000" u="none" cap="none" strike="noStrike">
+              <a:defRPr sz="1000" b="0" i="0" u="none" strike="noStrike" cap="none">
                 <a:solidFill>
                   <a:schemeClr val="dk2"/>
                 </a:solidFill>
@@ -3313,7 +3412,7 @@
             </a:lvl9pPr>
           </a:lstStyle>
           <a:p>
-            <a:pPr indent="0" lvl="0" marL="0" rtl="0" algn="r">
+            <a:pPr marL="0" lvl="0" indent="0" algn="r" rtl="0">
               <a:spcBef>
                 <a:spcPts val="0"/>
               </a:spcBef>
@@ -3339,11 +3438,11 @@
 </file>
 
 <file path=ppt/slideLayouts/slideLayout11.xml><?xml version="1.0" encoding="utf-8"?>
-<p:sldLayout xmlns:a="http://schemas.openxmlformats.org/drawingml/2006/main" xmlns:r="http://schemas.openxmlformats.org/officeDocument/2006/relationships" xmlns:mc="http://schemas.openxmlformats.org/markup-compatibility/2006" xmlns:mv="urn:schemas-microsoft-com:mac:vml" xmlns:p="http://schemas.openxmlformats.org/presentationml/2006/main" xmlns:c="http://schemas.openxmlformats.org/drawingml/2006/chart" xmlns:dgm="http://schemas.openxmlformats.org/drawingml/2006/diagram" xmlns:o="urn:schemas-microsoft-com:office:office" xmlns:v="urn:schemas-microsoft-com:vml" xmlns:pvml="urn:schemas-microsoft-com:office:powerpoint" xmlns:com="http://schemas.openxmlformats.org/drawingml/2006/compatibility" xmlns:p14="http://schemas.microsoft.com/office/powerpoint/2010/main" xmlns:p15="http://schemas.microsoft.com/office/powerpoint/2012/main" xmlns:ahyp="http://schemas.microsoft.com/office/drawing/2018/hyperlinkcolor" matchingName="Big number">
+<p:sldLayout xmlns:a="http://schemas.openxmlformats.org/drawingml/2006/main" xmlns:r="http://schemas.openxmlformats.org/officeDocument/2006/relationships" xmlns:p="http://schemas.openxmlformats.org/presentationml/2006/main" matchingName="Big number">
   <p:cSld name="BIG_NUMBER">
     <p:spTree>
       <p:nvGrpSpPr>
-        <p:cNvPr id="46" name="Shape 46"/>
+        <p:cNvPr id="1" name="Shape 46"/>
         <p:cNvGrpSpPr/>
         <p:nvPr/>
       </p:nvGrpSpPr>
@@ -3358,9 +3457,11 @@
       <p:sp>
         <p:nvSpPr>
           <p:cNvPr id="47" name="Google Shape;47;p26"/>
-          <p:cNvSpPr txBox="1"/>
+          <p:cNvSpPr txBox="1">
+            <a:spLocks noGrp="1"/>
+          </p:cNvSpPr>
           <p:nvPr>
-            <p:ph hasCustomPrompt="1" type="title"/>
+            <p:ph type="title" hasCustomPrompt="1"/>
           </p:nvPr>
         </p:nvSpPr>
         <p:spPr>
@@ -3377,7 +3478,7 @@
           </a:ln>
         </p:spPr>
         <p:txBody>
-          <a:bodyPr anchorCtr="0" anchor="b" bIns="91425" lIns="91425" spcFirstLastPara="1" rIns="91425" wrap="square" tIns="91425">
+          <a:bodyPr spcFirstLastPara="1" wrap="square" lIns="91425" tIns="91425" rIns="91425" bIns="91425" anchor="b" anchorCtr="0">
             <a:normAutofit/>
           </a:bodyPr>
           <a:lstStyle>
@@ -3518,9 +3619,11 @@
       <p:sp>
         <p:nvSpPr>
           <p:cNvPr id="48" name="Google Shape;48;p26"/>
-          <p:cNvSpPr txBox="1"/>
+          <p:cNvSpPr txBox="1">
+            <a:spLocks noGrp="1"/>
+          </p:cNvSpPr>
           <p:nvPr>
-            <p:ph idx="1" type="body"/>
+            <p:ph type="body" idx="1"/>
           </p:nvPr>
         </p:nvSpPr>
         <p:spPr>
@@ -3537,11 +3640,11 @@
           </a:ln>
         </p:spPr>
         <p:txBody>
-          <a:bodyPr anchorCtr="0" anchor="t" bIns="91425" lIns="91425" spcFirstLastPara="1" rIns="91425" wrap="square" tIns="91425">
+          <a:bodyPr spcFirstLastPara="1" wrap="square" lIns="91425" tIns="91425" rIns="91425" bIns="91425" anchor="t" anchorCtr="0">
             <a:normAutofit/>
           </a:bodyPr>
           <a:lstStyle>
-            <a:lvl1pPr indent="-342900" lvl="0" marL="457200" algn="ctr">
+            <a:lvl1pPr marL="457200" lvl="0" indent="-342900" algn="ctr">
               <a:lnSpc>
                 <a:spcPct val="115000"/>
               </a:lnSpc>
@@ -3555,7 +3658,7 @@
               <a:buChar char="●"/>
               <a:defRPr/>
             </a:lvl1pPr>
-            <a:lvl2pPr indent="-317500" lvl="1" marL="914400" algn="ctr">
+            <a:lvl2pPr marL="914400" lvl="1" indent="-317500" algn="ctr">
               <a:lnSpc>
                 <a:spcPct val="115000"/>
               </a:lnSpc>
@@ -3569,7 +3672,7 @@
               <a:buChar char="○"/>
               <a:defRPr/>
             </a:lvl2pPr>
-            <a:lvl3pPr indent="-317500" lvl="2" marL="1371600" algn="ctr">
+            <a:lvl3pPr marL="1371600" lvl="2" indent="-317500" algn="ctr">
               <a:lnSpc>
                 <a:spcPct val="115000"/>
               </a:lnSpc>
@@ -3583,7 +3686,7 @@
               <a:buChar char="■"/>
               <a:defRPr/>
             </a:lvl3pPr>
-            <a:lvl4pPr indent="-317500" lvl="3" marL="1828800" algn="ctr">
+            <a:lvl4pPr marL="1828800" lvl="3" indent="-317500" algn="ctr">
               <a:lnSpc>
                 <a:spcPct val="115000"/>
               </a:lnSpc>
@@ -3597,7 +3700,7 @@
               <a:buChar char="●"/>
               <a:defRPr/>
             </a:lvl4pPr>
-            <a:lvl5pPr indent="-317500" lvl="4" marL="2286000" algn="ctr">
+            <a:lvl5pPr marL="2286000" lvl="4" indent="-317500" algn="ctr">
               <a:lnSpc>
                 <a:spcPct val="115000"/>
               </a:lnSpc>
@@ -3611,7 +3714,7 @@
               <a:buChar char="○"/>
               <a:defRPr/>
             </a:lvl5pPr>
-            <a:lvl6pPr indent="-317500" lvl="5" marL="2743200" algn="ctr">
+            <a:lvl6pPr marL="2743200" lvl="5" indent="-317500" algn="ctr">
               <a:lnSpc>
                 <a:spcPct val="115000"/>
               </a:lnSpc>
@@ -3625,7 +3728,7 @@
               <a:buChar char="■"/>
               <a:defRPr/>
             </a:lvl6pPr>
-            <a:lvl7pPr indent="-317500" lvl="6" marL="3200400" algn="ctr">
+            <a:lvl7pPr marL="3200400" lvl="6" indent="-317500" algn="ctr">
               <a:lnSpc>
                 <a:spcPct val="115000"/>
               </a:lnSpc>
@@ -3639,7 +3742,7 @@
               <a:buChar char="●"/>
               <a:defRPr/>
             </a:lvl7pPr>
-            <a:lvl8pPr indent="-317500" lvl="7" marL="3657600" algn="ctr">
+            <a:lvl8pPr marL="3657600" lvl="7" indent="-317500" algn="ctr">
               <a:lnSpc>
                 <a:spcPct val="115000"/>
               </a:lnSpc>
@@ -3653,7 +3756,7 @@
               <a:buChar char="○"/>
               <a:defRPr/>
             </a:lvl8pPr>
-            <a:lvl9pPr indent="-317500" lvl="8" marL="4114800" algn="ctr">
+            <a:lvl9pPr marL="4114800" lvl="8" indent="-317500" algn="ctr">
               <a:lnSpc>
                 <a:spcPct val="115000"/>
               </a:lnSpc>
@@ -3668,15 +3771,19 @@
               <a:defRPr/>
             </a:lvl9pPr>
           </a:lstStyle>
-          <a:p/>
+          <a:p>
+            <a:endParaRPr/>
+          </a:p>
         </p:txBody>
       </p:sp>
       <p:sp>
         <p:nvSpPr>
           <p:cNvPr id="49" name="Google Shape;49;p26"/>
-          <p:cNvSpPr txBox="1"/>
+          <p:cNvSpPr txBox="1">
+            <a:spLocks noGrp="1"/>
+          </p:cNvSpPr>
           <p:nvPr>
-            <p:ph idx="12" type="sldNum"/>
+            <p:ph type="sldNum" idx="12"/>
           </p:nvPr>
         </p:nvSpPr>
         <p:spPr>
@@ -3693,11 +3800,11 @@
           </a:ln>
         </p:spPr>
         <p:txBody>
-          <a:bodyPr anchorCtr="0" anchor="ctr" bIns="91425" lIns="91425" spcFirstLastPara="1" rIns="91425" wrap="square" tIns="91425">
+          <a:bodyPr spcFirstLastPara="1" wrap="square" lIns="91425" tIns="91425" rIns="91425" bIns="91425" anchor="ctr" anchorCtr="0">
             <a:normAutofit/>
           </a:bodyPr>
           <a:lstStyle>
-            <a:lvl1pPr indent="0" lvl="0" marL="0" marR="0" algn="r">
+            <a:lvl1pPr marL="0" marR="0" lvl="0" indent="0" algn="r">
               <a:lnSpc>
                 <a:spcPct val="100000"/>
               </a:lnSpc>
@@ -3713,7 +3820,7 @@
               <a:buSzPts val="1000"/>
               <a:buFont typeface="Arial"/>
               <a:buNone/>
-              <a:defRPr b="0" i="0" sz="1000" u="none" cap="none" strike="noStrike">
+              <a:defRPr sz="1000" b="0" i="0" u="none" strike="noStrike" cap="none">
                 <a:solidFill>
                   <a:schemeClr val="dk2"/>
                 </a:solidFill>
@@ -3723,7 +3830,7 @@
                 <a:sym typeface="Arial"/>
               </a:defRPr>
             </a:lvl1pPr>
-            <a:lvl2pPr indent="0" lvl="1" marL="0" marR="0" algn="r">
+            <a:lvl2pPr marL="0" marR="0" lvl="1" indent="0" algn="r">
               <a:lnSpc>
                 <a:spcPct val="100000"/>
               </a:lnSpc>
@@ -3739,7 +3846,7 @@
               <a:buSzPts val="1000"/>
               <a:buFont typeface="Arial"/>
               <a:buNone/>
-              <a:defRPr b="0" i="0" sz="1000" u="none" cap="none" strike="noStrike">
+              <a:defRPr sz="1000" b="0" i="0" u="none" strike="noStrike" cap="none">
                 <a:solidFill>
                   <a:schemeClr val="dk2"/>
                 </a:solidFill>
@@ -3749,7 +3856,7 @@
                 <a:sym typeface="Arial"/>
               </a:defRPr>
             </a:lvl2pPr>
-            <a:lvl3pPr indent="0" lvl="2" marL="0" marR="0" algn="r">
+            <a:lvl3pPr marL="0" marR="0" lvl="2" indent="0" algn="r">
               <a:lnSpc>
                 <a:spcPct val="100000"/>
               </a:lnSpc>
@@ -3765,7 +3872,7 @@
               <a:buSzPts val="1000"/>
               <a:buFont typeface="Arial"/>
               <a:buNone/>
-              <a:defRPr b="0" i="0" sz="1000" u="none" cap="none" strike="noStrike">
+              <a:defRPr sz="1000" b="0" i="0" u="none" strike="noStrike" cap="none">
                 <a:solidFill>
                   <a:schemeClr val="dk2"/>
                 </a:solidFill>
@@ -3775,7 +3882,7 @@
                 <a:sym typeface="Arial"/>
               </a:defRPr>
             </a:lvl3pPr>
-            <a:lvl4pPr indent="0" lvl="3" marL="0" marR="0" algn="r">
+            <a:lvl4pPr marL="0" marR="0" lvl="3" indent="0" algn="r">
               <a:lnSpc>
                 <a:spcPct val="100000"/>
               </a:lnSpc>
@@ -3791,7 +3898,7 @@
               <a:buSzPts val="1000"/>
               <a:buFont typeface="Arial"/>
               <a:buNone/>
-              <a:defRPr b="0" i="0" sz="1000" u="none" cap="none" strike="noStrike">
+              <a:defRPr sz="1000" b="0" i="0" u="none" strike="noStrike" cap="none">
                 <a:solidFill>
                   <a:schemeClr val="dk2"/>
                 </a:solidFill>
@@ -3801,7 +3908,7 @@
                 <a:sym typeface="Arial"/>
               </a:defRPr>
             </a:lvl4pPr>
-            <a:lvl5pPr indent="0" lvl="4" marL="0" marR="0" algn="r">
+            <a:lvl5pPr marL="0" marR="0" lvl="4" indent="0" algn="r">
               <a:lnSpc>
                 <a:spcPct val="100000"/>
               </a:lnSpc>
@@ -3817,7 +3924,7 @@
               <a:buSzPts val="1000"/>
               <a:buFont typeface="Arial"/>
               <a:buNone/>
-              <a:defRPr b="0" i="0" sz="1000" u="none" cap="none" strike="noStrike">
+              <a:defRPr sz="1000" b="0" i="0" u="none" strike="noStrike" cap="none">
                 <a:solidFill>
                   <a:schemeClr val="dk2"/>
                 </a:solidFill>
@@ -3827,7 +3934,7 @@
                 <a:sym typeface="Arial"/>
               </a:defRPr>
             </a:lvl5pPr>
-            <a:lvl6pPr indent="0" lvl="5" marL="0" marR="0" algn="r">
+            <a:lvl6pPr marL="0" marR="0" lvl="5" indent="0" algn="r">
               <a:lnSpc>
                 <a:spcPct val="100000"/>
               </a:lnSpc>
@@ -3843,7 +3950,7 @@
               <a:buSzPts val="1000"/>
               <a:buFont typeface="Arial"/>
               <a:buNone/>
-              <a:defRPr b="0" i="0" sz="1000" u="none" cap="none" strike="noStrike">
+              <a:defRPr sz="1000" b="0" i="0" u="none" strike="noStrike" cap="none">
                 <a:solidFill>
                   <a:schemeClr val="dk2"/>
                 </a:solidFill>
@@ -3853,7 +3960,7 @@
                 <a:sym typeface="Arial"/>
               </a:defRPr>
             </a:lvl6pPr>
-            <a:lvl7pPr indent="0" lvl="6" marL="0" marR="0" algn="r">
+            <a:lvl7pPr marL="0" marR="0" lvl="6" indent="0" algn="r">
               <a:lnSpc>
                 <a:spcPct val="100000"/>
               </a:lnSpc>
@@ -3869,7 +3976,7 @@
               <a:buSzPts val="1000"/>
               <a:buFont typeface="Arial"/>
               <a:buNone/>
-              <a:defRPr b="0" i="0" sz="1000" u="none" cap="none" strike="noStrike">
+              <a:defRPr sz="1000" b="0" i="0" u="none" strike="noStrike" cap="none">
                 <a:solidFill>
                   <a:schemeClr val="dk2"/>
                 </a:solidFill>
@@ -3879,7 +3986,7 @@
                 <a:sym typeface="Arial"/>
               </a:defRPr>
             </a:lvl7pPr>
-            <a:lvl8pPr indent="0" lvl="7" marL="0" marR="0" algn="r">
+            <a:lvl8pPr marL="0" marR="0" lvl="7" indent="0" algn="r">
               <a:lnSpc>
                 <a:spcPct val="100000"/>
               </a:lnSpc>
@@ -3895,7 +4002,7 @@
               <a:buSzPts val="1000"/>
               <a:buFont typeface="Arial"/>
               <a:buNone/>
-              <a:defRPr b="0" i="0" sz="1000" u="none" cap="none" strike="noStrike">
+              <a:defRPr sz="1000" b="0" i="0" u="none" strike="noStrike" cap="none">
                 <a:solidFill>
                   <a:schemeClr val="dk2"/>
                 </a:solidFill>
@@ -3905,7 +4012,7 @@
                 <a:sym typeface="Arial"/>
               </a:defRPr>
             </a:lvl8pPr>
-            <a:lvl9pPr indent="0" lvl="8" marL="0" marR="0" algn="r">
+            <a:lvl9pPr marL="0" marR="0" lvl="8" indent="0" algn="r">
               <a:lnSpc>
                 <a:spcPct val="100000"/>
               </a:lnSpc>
@@ -3921,7 +4028,7 @@
               <a:buSzPts val="1000"/>
               <a:buFont typeface="Arial"/>
               <a:buNone/>
-              <a:defRPr b="0" i="0" sz="1000" u="none" cap="none" strike="noStrike">
+              <a:defRPr sz="1000" b="0" i="0" u="none" strike="noStrike" cap="none">
                 <a:solidFill>
                   <a:schemeClr val="dk2"/>
                 </a:solidFill>
@@ -3933,7 +4040,7 @@
             </a:lvl9pPr>
           </a:lstStyle>
           <a:p>
-            <a:pPr indent="0" lvl="0" marL="0" rtl="0" algn="r">
+            <a:pPr marL="0" lvl="0" indent="0" algn="r" rtl="0">
               <a:spcBef>
                 <a:spcPts val="0"/>
               </a:spcBef>
@@ -3959,11 +4066,11 @@
 </file>
 
 <file path=ppt/slideLayouts/slideLayout12.xml><?xml version="1.0" encoding="utf-8"?>
-<p:sldLayout xmlns:a="http://schemas.openxmlformats.org/drawingml/2006/main" xmlns:r="http://schemas.openxmlformats.org/officeDocument/2006/relationships" xmlns:mc="http://schemas.openxmlformats.org/markup-compatibility/2006" xmlns:mv="urn:schemas-microsoft-com:mac:vml" xmlns:p="http://schemas.openxmlformats.org/presentationml/2006/main" xmlns:c="http://schemas.openxmlformats.org/drawingml/2006/chart" xmlns:dgm="http://schemas.openxmlformats.org/drawingml/2006/diagram" xmlns:o="urn:schemas-microsoft-com:office:office" xmlns:v="urn:schemas-microsoft-com:vml" xmlns:pvml="urn:schemas-microsoft-com:office:powerpoint" xmlns:com="http://schemas.openxmlformats.org/drawingml/2006/compatibility" xmlns:p14="http://schemas.microsoft.com/office/powerpoint/2010/main" xmlns:p15="http://schemas.microsoft.com/office/powerpoint/2012/main" xmlns:ahyp="http://schemas.microsoft.com/office/drawing/2018/hyperlinkcolor" matchingName="Title, 2 Content" type="twoObj">
+<p:sldLayout xmlns:a="http://schemas.openxmlformats.org/drawingml/2006/main" xmlns:r="http://schemas.openxmlformats.org/officeDocument/2006/relationships" xmlns:p="http://schemas.openxmlformats.org/presentationml/2006/main" matchingName="Title, 2 Content" type="twoObj">
   <p:cSld name="TWO_OBJECTS">
     <p:spTree>
       <p:nvGrpSpPr>
-        <p:cNvPr id="50" name="Shape 50"/>
+        <p:cNvPr id="1" name="Shape 50"/>
         <p:cNvGrpSpPr/>
         <p:nvPr/>
       </p:nvGrpSpPr>
@@ -3978,7 +4085,9 @@
       <p:sp>
         <p:nvSpPr>
           <p:cNvPr id="51" name="Google Shape;51;p27"/>
-          <p:cNvSpPr txBox="1"/>
+          <p:cNvSpPr txBox="1">
+            <a:spLocks noGrp="1"/>
+          </p:cNvSpPr>
           <p:nvPr>
             <p:ph type="title"/>
           </p:nvPr>
@@ -3997,7 +4106,7 @@
           </a:ln>
         </p:spPr>
         <p:txBody>
-          <a:bodyPr anchorCtr="0" anchor="ctr" bIns="0" lIns="0" spcFirstLastPara="1" rIns="0" wrap="square" tIns="0">
+          <a:bodyPr spcFirstLastPara="1" wrap="square" lIns="0" tIns="0" rIns="0" bIns="0" anchor="ctr" anchorCtr="0">
             <a:normAutofit/>
           </a:bodyPr>
           <a:lstStyle>
@@ -4131,15 +4240,19 @@
               <a:defRPr/>
             </a:lvl9pPr>
           </a:lstStyle>
-          <a:p/>
+          <a:p>
+            <a:endParaRPr/>
+          </a:p>
         </p:txBody>
       </p:sp>
       <p:sp>
         <p:nvSpPr>
           <p:cNvPr id="52" name="Google Shape;52;p27"/>
-          <p:cNvSpPr txBox="1"/>
+          <p:cNvSpPr txBox="1">
+            <a:spLocks noGrp="1"/>
+          </p:cNvSpPr>
           <p:nvPr>
-            <p:ph idx="1" type="body"/>
+            <p:ph type="body" idx="1"/>
           </p:nvPr>
         </p:nvSpPr>
         <p:spPr>
@@ -4156,11 +4269,11 @@
           </a:ln>
         </p:spPr>
         <p:txBody>
-          <a:bodyPr anchorCtr="0" anchor="t" bIns="0" lIns="0" spcFirstLastPara="1" rIns="0" wrap="square" tIns="0">
+          <a:bodyPr spcFirstLastPara="1" wrap="square" lIns="0" tIns="0" rIns="0" bIns="0" anchor="t" anchorCtr="0">
             <a:normAutofit/>
           </a:bodyPr>
           <a:lstStyle>
-            <a:lvl1pPr indent="-342900" lvl="0" marL="457200" algn="l">
+            <a:lvl1pPr marL="457200" lvl="0" indent="-342900" algn="l">
               <a:lnSpc>
                 <a:spcPct val="90000"/>
               </a:lnSpc>
@@ -4177,7 +4290,7 @@
               <a:buChar char="●"/>
               <a:defRPr/>
             </a:lvl1pPr>
-            <a:lvl2pPr indent="-342900" lvl="1" marL="914400" algn="l">
+            <a:lvl2pPr marL="914400" lvl="1" indent="-342900" algn="l">
               <a:lnSpc>
                 <a:spcPct val="90000"/>
               </a:lnSpc>
@@ -4194,7 +4307,7 @@
               <a:buChar char="○"/>
               <a:defRPr/>
             </a:lvl2pPr>
-            <a:lvl3pPr indent="-342900" lvl="2" marL="1371600" algn="l">
+            <a:lvl3pPr marL="1371600" lvl="2" indent="-342900" algn="l">
               <a:lnSpc>
                 <a:spcPct val="90000"/>
               </a:lnSpc>
@@ -4211,7 +4324,7 @@
               <a:buChar char="■"/>
               <a:defRPr/>
             </a:lvl3pPr>
-            <a:lvl4pPr indent="-342900" lvl="3" marL="1828800" algn="l">
+            <a:lvl4pPr marL="1828800" lvl="3" indent="-342900" algn="l">
               <a:lnSpc>
                 <a:spcPct val="90000"/>
               </a:lnSpc>
@@ -4228,7 +4341,7 @@
               <a:buChar char="●"/>
               <a:defRPr/>
             </a:lvl4pPr>
-            <a:lvl5pPr indent="-342900" lvl="4" marL="2286000" algn="l">
+            <a:lvl5pPr marL="2286000" lvl="4" indent="-342900" algn="l">
               <a:lnSpc>
                 <a:spcPct val="90000"/>
               </a:lnSpc>
@@ -4245,7 +4358,7 @@
               <a:buChar char="○"/>
               <a:defRPr/>
             </a:lvl5pPr>
-            <a:lvl6pPr indent="-342900" lvl="5" marL="2743200" algn="l">
+            <a:lvl6pPr marL="2743200" lvl="5" indent="-342900" algn="l">
               <a:lnSpc>
                 <a:spcPct val="90000"/>
               </a:lnSpc>
@@ -4262,7 +4375,7 @@
               <a:buChar char="■"/>
               <a:defRPr/>
             </a:lvl6pPr>
-            <a:lvl7pPr indent="-342900" lvl="6" marL="3200400" algn="l">
+            <a:lvl7pPr marL="3200400" lvl="6" indent="-342900" algn="l">
               <a:lnSpc>
                 <a:spcPct val="90000"/>
               </a:lnSpc>
@@ -4279,7 +4392,7 @@
               <a:buChar char="●"/>
               <a:defRPr/>
             </a:lvl7pPr>
-            <a:lvl8pPr indent="-342900" lvl="7" marL="3657600" algn="l">
+            <a:lvl8pPr marL="3657600" lvl="7" indent="-342900" algn="l">
               <a:lnSpc>
                 <a:spcPct val="90000"/>
               </a:lnSpc>
@@ -4296,7 +4409,7 @@
               <a:buChar char="○"/>
               <a:defRPr/>
             </a:lvl8pPr>
-            <a:lvl9pPr indent="-342900" lvl="8" marL="4114800" algn="l">
+            <a:lvl9pPr marL="4114800" lvl="8" indent="-342900" algn="l">
               <a:lnSpc>
                 <a:spcPct val="90000"/>
               </a:lnSpc>
@@ -4314,15 +4427,19 @@
               <a:defRPr/>
             </a:lvl9pPr>
           </a:lstStyle>
-          <a:p/>
+          <a:p>
+            <a:endParaRPr/>
+          </a:p>
         </p:txBody>
       </p:sp>
       <p:sp>
         <p:nvSpPr>
           <p:cNvPr id="53" name="Google Shape;53;p27"/>
-          <p:cNvSpPr txBox="1"/>
+          <p:cNvSpPr txBox="1">
+            <a:spLocks noGrp="1"/>
+          </p:cNvSpPr>
           <p:nvPr>
-            <p:ph idx="2" type="body"/>
+            <p:ph type="body" idx="2"/>
           </p:nvPr>
         </p:nvSpPr>
         <p:spPr>
@@ -4339,11 +4456,11 @@
           </a:ln>
         </p:spPr>
         <p:txBody>
-          <a:bodyPr anchorCtr="0" anchor="t" bIns="0" lIns="0" spcFirstLastPara="1" rIns="0" wrap="square" tIns="0">
+          <a:bodyPr spcFirstLastPara="1" wrap="square" lIns="0" tIns="0" rIns="0" bIns="0" anchor="t" anchorCtr="0">
             <a:normAutofit/>
           </a:bodyPr>
           <a:lstStyle>
-            <a:lvl1pPr indent="-342900" lvl="0" marL="457200" algn="l">
+            <a:lvl1pPr marL="457200" lvl="0" indent="-342900" algn="l">
               <a:lnSpc>
                 <a:spcPct val="90000"/>
               </a:lnSpc>
@@ -4360,7 +4477,7 @@
               <a:buChar char="●"/>
               <a:defRPr/>
             </a:lvl1pPr>
-            <a:lvl2pPr indent="-342900" lvl="1" marL="914400" algn="l">
+            <a:lvl2pPr marL="914400" lvl="1" indent="-342900" algn="l">
               <a:lnSpc>
                 <a:spcPct val="90000"/>
               </a:lnSpc>
@@ -4377,7 +4494,7 @@
               <a:buChar char="○"/>
               <a:defRPr/>
             </a:lvl2pPr>
-            <a:lvl3pPr indent="-342900" lvl="2" marL="1371600" algn="l">
+            <a:lvl3pPr marL="1371600" lvl="2" indent="-342900" algn="l">
               <a:lnSpc>
                 <a:spcPct val="90000"/>
               </a:lnSpc>
@@ -4394,7 +4511,7 @@
               <a:buChar char="■"/>
               <a:defRPr/>
             </a:lvl3pPr>
-            <a:lvl4pPr indent="-342900" lvl="3" marL="1828800" algn="l">
+            <a:lvl4pPr marL="1828800" lvl="3" indent="-342900" algn="l">
               <a:lnSpc>
                 <a:spcPct val="90000"/>
               </a:lnSpc>
@@ -4411,7 +4528,7 @@
               <a:buChar char="●"/>
               <a:defRPr/>
             </a:lvl4pPr>
-            <a:lvl5pPr indent="-342900" lvl="4" marL="2286000" algn="l">
+            <a:lvl5pPr marL="2286000" lvl="4" indent="-342900" algn="l">
               <a:lnSpc>
                 <a:spcPct val="90000"/>
               </a:lnSpc>
@@ -4428,7 +4545,7 @@
               <a:buChar char="○"/>
               <a:defRPr/>
             </a:lvl5pPr>
-            <a:lvl6pPr indent="-342900" lvl="5" marL="2743200" algn="l">
+            <a:lvl6pPr marL="2743200" lvl="5" indent="-342900" algn="l">
               <a:lnSpc>
                 <a:spcPct val="90000"/>
               </a:lnSpc>
@@ -4445,7 +4562,7 @@
               <a:buChar char="■"/>
               <a:defRPr/>
             </a:lvl6pPr>
-            <a:lvl7pPr indent="-342900" lvl="6" marL="3200400" algn="l">
+            <a:lvl7pPr marL="3200400" lvl="6" indent="-342900" algn="l">
               <a:lnSpc>
                 <a:spcPct val="90000"/>
               </a:lnSpc>
@@ -4462,7 +4579,7 @@
               <a:buChar char="●"/>
               <a:defRPr/>
             </a:lvl7pPr>
-            <a:lvl8pPr indent="-342900" lvl="7" marL="3657600" algn="l">
+            <a:lvl8pPr marL="3657600" lvl="7" indent="-342900" algn="l">
               <a:lnSpc>
                 <a:spcPct val="90000"/>
               </a:lnSpc>
@@ -4479,7 +4596,7 @@
               <a:buChar char="○"/>
               <a:defRPr/>
             </a:lvl8pPr>
-            <a:lvl9pPr indent="-342900" lvl="8" marL="4114800" algn="l">
+            <a:lvl9pPr marL="4114800" lvl="8" indent="-342900" algn="l">
               <a:lnSpc>
                 <a:spcPct val="90000"/>
               </a:lnSpc>
@@ -4497,7 +4614,9 @@
               <a:defRPr/>
             </a:lvl9pPr>
           </a:lstStyle>
-          <a:p/>
+          <a:p>
+            <a:endParaRPr/>
+          </a:p>
         </p:txBody>
       </p:sp>
     </p:spTree>
@@ -4509,11 +4628,11 @@
 </file>
 
 <file path=ppt/slideLayouts/slideLayout2.xml><?xml version="1.0" encoding="utf-8"?>
-<p:sldLayout xmlns:a="http://schemas.openxmlformats.org/drawingml/2006/main" xmlns:r="http://schemas.openxmlformats.org/officeDocument/2006/relationships" xmlns:mc="http://schemas.openxmlformats.org/markup-compatibility/2006" xmlns:mv="urn:schemas-microsoft-com:mac:vml" xmlns:p="http://schemas.openxmlformats.org/presentationml/2006/main" xmlns:c="http://schemas.openxmlformats.org/drawingml/2006/chart" xmlns:dgm="http://schemas.openxmlformats.org/drawingml/2006/diagram" xmlns:o="urn:schemas-microsoft-com:office:office" xmlns:v="urn:schemas-microsoft-com:vml" xmlns:pvml="urn:schemas-microsoft-com:office:powerpoint" xmlns:com="http://schemas.openxmlformats.org/drawingml/2006/compatibility" xmlns:p14="http://schemas.microsoft.com/office/powerpoint/2010/main" xmlns:p15="http://schemas.microsoft.com/office/powerpoint/2012/main" xmlns:ahyp="http://schemas.microsoft.com/office/drawing/2018/hyperlinkcolor" matchingName="Title and two columns" type="twoColTx">
+<p:sldLayout xmlns:a="http://schemas.openxmlformats.org/drawingml/2006/main" xmlns:r="http://schemas.openxmlformats.org/officeDocument/2006/relationships" xmlns:p="http://schemas.openxmlformats.org/presentationml/2006/main" matchingName="Title and two columns" type="twoColTx">
   <p:cSld name="TITLE_AND_TWO_COLUMNS">
     <p:spTree>
       <p:nvGrpSpPr>
-        <p:cNvPr id="11" name="Shape 11"/>
+        <p:cNvPr id="1" name="Shape 11"/>
         <p:cNvGrpSpPr/>
         <p:nvPr/>
       </p:nvGrpSpPr>
@@ -4528,7 +4647,9 @@
       <p:sp>
         <p:nvSpPr>
           <p:cNvPr id="12" name="Google Shape;12;p17"/>
-          <p:cNvSpPr txBox="1"/>
+          <p:cNvSpPr txBox="1">
+            <a:spLocks noGrp="1"/>
+          </p:cNvSpPr>
           <p:nvPr>
             <p:ph type="title"/>
           </p:nvPr>
@@ -4547,7 +4668,7 @@
           </a:ln>
         </p:spPr>
         <p:txBody>
-          <a:bodyPr anchorCtr="0" anchor="t" bIns="91425" lIns="91425" spcFirstLastPara="1" rIns="91425" wrap="square" tIns="91425">
+          <a:bodyPr spcFirstLastPara="1" wrap="square" lIns="91425" tIns="91425" rIns="91425" bIns="91425" anchor="t" anchorCtr="0">
             <a:normAutofit/>
           </a:bodyPr>
           <a:lstStyle>
@@ -4678,15 +4799,19 @@
               <a:defRPr/>
             </a:lvl9pPr>
           </a:lstStyle>
-          <a:p/>
+          <a:p>
+            <a:endParaRPr/>
+          </a:p>
         </p:txBody>
       </p:sp>
       <p:sp>
         <p:nvSpPr>
           <p:cNvPr id="13" name="Google Shape;13;p17"/>
-          <p:cNvSpPr txBox="1"/>
+          <p:cNvSpPr txBox="1">
+            <a:spLocks noGrp="1"/>
+          </p:cNvSpPr>
           <p:nvPr>
-            <p:ph idx="1" type="body"/>
+            <p:ph type="body" idx="1"/>
           </p:nvPr>
         </p:nvSpPr>
         <p:spPr>
@@ -4703,11 +4828,11 @@
           </a:ln>
         </p:spPr>
         <p:txBody>
-          <a:bodyPr anchorCtr="0" anchor="t" bIns="91425" lIns="91425" spcFirstLastPara="1" rIns="91425" wrap="square" tIns="91425">
+          <a:bodyPr spcFirstLastPara="1" wrap="square" lIns="91425" tIns="91425" rIns="91425" bIns="91425" anchor="t" anchorCtr="0">
             <a:normAutofit/>
           </a:bodyPr>
           <a:lstStyle>
-            <a:lvl1pPr indent="-317500" lvl="0" marL="457200" algn="l">
+            <a:lvl1pPr marL="457200" lvl="0" indent="-317500" algn="l">
               <a:lnSpc>
                 <a:spcPct val="115000"/>
               </a:lnSpc>
@@ -4721,7 +4846,7 @@
               <a:buChar char="●"/>
               <a:defRPr sz="1400"/>
             </a:lvl1pPr>
-            <a:lvl2pPr indent="-304800" lvl="1" marL="914400" algn="l">
+            <a:lvl2pPr marL="914400" lvl="1" indent="-304800" algn="l">
               <a:lnSpc>
                 <a:spcPct val="115000"/>
               </a:lnSpc>
@@ -4735,7 +4860,7 @@
               <a:buChar char="○"/>
               <a:defRPr sz="1200"/>
             </a:lvl2pPr>
-            <a:lvl3pPr indent="-304800" lvl="2" marL="1371600" algn="l">
+            <a:lvl3pPr marL="1371600" lvl="2" indent="-304800" algn="l">
               <a:lnSpc>
                 <a:spcPct val="115000"/>
               </a:lnSpc>
@@ -4749,7 +4874,7 @@
               <a:buChar char="■"/>
               <a:defRPr sz="1200"/>
             </a:lvl3pPr>
-            <a:lvl4pPr indent="-304800" lvl="3" marL="1828800" algn="l">
+            <a:lvl4pPr marL="1828800" lvl="3" indent="-304800" algn="l">
               <a:lnSpc>
                 <a:spcPct val="115000"/>
               </a:lnSpc>
@@ -4763,7 +4888,7 @@
               <a:buChar char="●"/>
               <a:defRPr sz="1200"/>
             </a:lvl4pPr>
-            <a:lvl5pPr indent="-304800" lvl="4" marL="2286000" algn="l">
+            <a:lvl5pPr marL="2286000" lvl="4" indent="-304800" algn="l">
               <a:lnSpc>
                 <a:spcPct val="115000"/>
               </a:lnSpc>
@@ -4777,7 +4902,7 @@
               <a:buChar char="○"/>
               <a:defRPr sz="1200"/>
             </a:lvl5pPr>
-            <a:lvl6pPr indent="-304800" lvl="5" marL="2743200" algn="l">
+            <a:lvl6pPr marL="2743200" lvl="5" indent="-304800" algn="l">
               <a:lnSpc>
                 <a:spcPct val="115000"/>
               </a:lnSpc>
@@ -4791,7 +4916,7 @@
               <a:buChar char="■"/>
               <a:defRPr sz="1200"/>
             </a:lvl6pPr>
-            <a:lvl7pPr indent="-304800" lvl="6" marL="3200400" algn="l">
+            <a:lvl7pPr marL="3200400" lvl="6" indent="-304800" algn="l">
               <a:lnSpc>
                 <a:spcPct val="115000"/>
               </a:lnSpc>
@@ -4805,7 +4930,7 @@
               <a:buChar char="●"/>
               <a:defRPr sz="1200"/>
             </a:lvl7pPr>
-            <a:lvl8pPr indent="-304800" lvl="7" marL="3657600" algn="l">
+            <a:lvl8pPr marL="3657600" lvl="7" indent="-304800" algn="l">
               <a:lnSpc>
                 <a:spcPct val="115000"/>
               </a:lnSpc>
@@ -4819,7 +4944,7 @@
               <a:buChar char="○"/>
               <a:defRPr sz="1200"/>
             </a:lvl8pPr>
-            <a:lvl9pPr indent="-304800" lvl="8" marL="4114800" algn="l">
+            <a:lvl9pPr marL="4114800" lvl="8" indent="-304800" algn="l">
               <a:lnSpc>
                 <a:spcPct val="115000"/>
               </a:lnSpc>
@@ -4834,15 +4959,19 @@
               <a:defRPr sz="1200"/>
             </a:lvl9pPr>
           </a:lstStyle>
-          <a:p/>
+          <a:p>
+            <a:endParaRPr/>
+          </a:p>
         </p:txBody>
       </p:sp>
       <p:sp>
         <p:nvSpPr>
           <p:cNvPr id="14" name="Google Shape;14;p17"/>
-          <p:cNvSpPr txBox="1"/>
+          <p:cNvSpPr txBox="1">
+            <a:spLocks noGrp="1"/>
+          </p:cNvSpPr>
           <p:nvPr>
-            <p:ph idx="2" type="body"/>
+            <p:ph type="body" idx="2"/>
           </p:nvPr>
         </p:nvSpPr>
         <p:spPr>
@@ -4859,11 +4988,11 @@
           </a:ln>
         </p:spPr>
         <p:txBody>
-          <a:bodyPr anchorCtr="0" anchor="t" bIns="91425" lIns="91425" spcFirstLastPara="1" rIns="91425" wrap="square" tIns="91425">
+          <a:bodyPr spcFirstLastPara="1" wrap="square" lIns="91425" tIns="91425" rIns="91425" bIns="91425" anchor="t" anchorCtr="0">
             <a:normAutofit/>
           </a:bodyPr>
           <a:lstStyle>
-            <a:lvl1pPr indent="-317500" lvl="0" marL="457200" algn="l">
+            <a:lvl1pPr marL="457200" lvl="0" indent="-317500" algn="l">
               <a:lnSpc>
                 <a:spcPct val="115000"/>
               </a:lnSpc>
@@ -4877,7 +5006,7 @@
               <a:buChar char="●"/>
               <a:defRPr sz="1400"/>
             </a:lvl1pPr>
-            <a:lvl2pPr indent="-304800" lvl="1" marL="914400" algn="l">
+            <a:lvl2pPr marL="914400" lvl="1" indent="-304800" algn="l">
               <a:lnSpc>
                 <a:spcPct val="115000"/>
               </a:lnSpc>
@@ -4891,7 +5020,7 @@
               <a:buChar char="○"/>
               <a:defRPr sz="1200"/>
             </a:lvl2pPr>
-            <a:lvl3pPr indent="-304800" lvl="2" marL="1371600" algn="l">
+            <a:lvl3pPr marL="1371600" lvl="2" indent="-304800" algn="l">
               <a:lnSpc>
                 <a:spcPct val="115000"/>
               </a:lnSpc>
@@ -4905,7 +5034,7 @@
               <a:buChar char="■"/>
               <a:defRPr sz="1200"/>
             </a:lvl3pPr>
-            <a:lvl4pPr indent="-304800" lvl="3" marL="1828800" algn="l">
+            <a:lvl4pPr marL="1828800" lvl="3" indent="-304800" algn="l">
               <a:lnSpc>
                 <a:spcPct val="115000"/>
               </a:lnSpc>
@@ -4919,7 +5048,7 @@
               <a:buChar char="●"/>
               <a:defRPr sz="1200"/>
             </a:lvl4pPr>
-            <a:lvl5pPr indent="-304800" lvl="4" marL="2286000" algn="l">
+            <a:lvl5pPr marL="2286000" lvl="4" indent="-304800" algn="l">
               <a:lnSpc>
                 <a:spcPct val="115000"/>
               </a:lnSpc>
@@ -4933,7 +5062,7 @@
               <a:buChar char="○"/>
               <a:defRPr sz="1200"/>
             </a:lvl5pPr>
-            <a:lvl6pPr indent="-304800" lvl="5" marL="2743200" algn="l">
+            <a:lvl6pPr marL="2743200" lvl="5" indent="-304800" algn="l">
               <a:lnSpc>
                 <a:spcPct val="115000"/>
               </a:lnSpc>
@@ -4947,7 +5076,7 @@
               <a:buChar char="■"/>
               <a:defRPr sz="1200"/>
             </a:lvl6pPr>
-            <a:lvl7pPr indent="-304800" lvl="6" marL="3200400" algn="l">
+            <a:lvl7pPr marL="3200400" lvl="6" indent="-304800" algn="l">
               <a:lnSpc>
                 <a:spcPct val="115000"/>
               </a:lnSpc>
@@ -4961,7 +5090,7 @@
               <a:buChar char="●"/>
               <a:defRPr sz="1200"/>
             </a:lvl7pPr>
-            <a:lvl8pPr indent="-304800" lvl="7" marL="3657600" algn="l">
+            <a:lvl8pPr marL="3657600" lvl="7" indent="-304800" algn="l">
               <a:lnSpc>
                 <a:spcPct val="115000"/>
               </a:lnSpc>
@@ -4975,7 +5104,7 @@
               <a:buChar char="○"/>
               <a:defRPr sz="1200"/>
             </a:lvl8pPr>
-            <a:lvl9pPr indent="-304800" lvl="8" marL="4114800" algn="l">
+            <a:lvl9pPr marL="4114800" lvl="8" indent="-304800" algn="l">
               <a:lnSpc>
                 <a:spcPct val="115000"/>
               </a:lnSpc>
@@ -4990,15 +5119,19 @@
               <a:defRPr sz="1200"/>
             </a:lvl9pPr>
           </a:lstStyle>
-          <a:p/>
+          <a:p>
+            <a:endParaRPr/>
+          </a:p>
         </p:txBody>
       </p:sp>
       <p:sp>
         <p:nvSpPr>
           <p:cNvPr id="15" name="Google Shape;15;p17"/>
-          <p:cNvSpPr txBox="1"/>
+          <p:cNvSpPr txBox="1">
+            <a:spLocks noGrp="1"/>
+          </p:cNvSpPr>
           <p:nvPr>
-            <p:ph idx="12" type="sldNum"/>
+            <p:ph type="sldNum" idx="12"/>
           </p:nvPr>
         </p:nvSpPr>
         <p:spPr>
@@ -5015,11 +5148,11 @@
           </a:ln>
         </p:spPr>
         <p:txBody>
-          <a:bodyPr anchorCtr="0" anchor="ctr" bIns="91425" lIns="91425" spcFirstLastPara="1" rIns="91425" wrap="square" tIns="91425">
+          <a:bodyPr spcFirstLastPara="1" wrap="square" lIns="91425" tIns="91425" rIns="91425" bIns="91425" anchor="ctr" anchorCtr="0">
             <a:normAutofit/>
           </a:bodyPr>
           <a:lstStyle>
-            <a:lvl1pPr indent="0" lvl="0" marL="0" marR="0" algn="r">
+            <a:lvl1pPr marL="0" marR="0" lvl="0" indent="0" algn="r">
               <a:lnSpc>
                 <a:spcPct val="100000"/>
               </a:lnSpc>
@@ -5035,7 +5168,7 @@
               <a:buSzPts val="1000"/>
               <a:buFont typeface="Arial"/>
               <a:buNone/>
-              <a:defRPr b="0" i="0" sz="1000" u="none" cap="none" strike="noStrike">
+              <a:defRPr sz="1000" b="0" i="0" u="none" strike="noStrike" cap="none">
                 <a:solidFill>
                   <a:schemeClr val="dk2"/>
                 </a:solidFill>
@@ -5045,7 +5178,7 @@
                 <a:sym typeface="Arial"/>
               </a:defRPr>
             </a:lvl1pPr>
-            <a:lvl2pPr indent="0" lvl="1" marL="0" marR="0" algn="r">
+            <a:lvl2pPr marL="0" marR="0" lvl="1" indent="0" algn="r">
               <a:lnSpc>
                 <a:spcPct val="100000"/>
               </a:lnSpc>
@@ -5061,7 +5194,7 @@
               <a:buSzPts val="1000"/>
               <a:buFont typeface="Arial"/>
               <a:buNone/>
-              <a:defRPr b="0" i="0" sz="1000" u="none" cap="none" strike="noStrike">
+              <a:defRPr sz="1000" b="0" i="0" u="none" strike="noStrike" cap="none">
                 <a:solidFill>
                   <a:schemeClr val="dk2"/>
                 </a:solidFill>
@@ -5071,7 +5204,7 @@
                 <a:sym typeface="Arial"/>
               </a:defRPr>
             </a:lvl2pPr>
-            <a:lvl3pPr indent="0" lvl="2" marL="0" marR="0" algn="r">
+            <a:lvl3pPr marL="0" marR="0" lvl="2" indent="0" algn="r">
               <a:lnSpc>
                 <a:spcPct val="100000"/>
               </a:lnSpc>
@@ -5087,7 +5220,7 @@
               <a:buSzPts val="1000"/>
               <a:buFont typeface="Arial"/>
               <a:buNone/>
-              <a:defRPr b="0" i="0" sz="1000" u="none" cap="none" strike="noStrike">
+              <a:defRPr sz="1000" b="0" i="0" u="none" strike="noStrike" cap="none">
                 <a:solidFill>
                   <a:schemeClr val="dk2"/>
                 </a:solidFill>
@@ -5097,7 +5230,7 @@
                 <a:sym typeface="Arial"/>
               </a:defRPr>
             </a:lvl3pPr>
-            <a:lvl4pPr indent="0" lvl="3" marL="0" marR="0" algn="r">
+            <a:lvl4pPr marL="0" marR="0" lvl="3" indent="0" algn="r">
               <a:lnSpc>
                 <a:spcPct val="100000"/>
               </a:lnSpc>
@@ -5113,7 +5246,7 @@
               <a:buSzPts val="1000"/>
               <a:buFont typeface="Arial"/>
               <a:buNone/>
-              <a:defRPr b="0" i="0" sz="1000" u="none" cap="none" strike="noStrike">
+              <a:defRPr sz="1000" b="0" i="0" u="none" strike="noStrike" cap="none">
                 <a:solidFill>
                   <a:schemeClr val="dk2"/>
                 </a:solidFill>
@@ -5123,7 +5256,7 @@
                 <a:sym typeface="Arial"/>
               </a:defRPr>
             </a:lvl4pPr>
-            <a:lvl5pPr indent="0" lvl="4" marL="0" marR="0" algn="r">
+            <a:lvl5pPr marL="0" marR="0" lvl="4" indent="0" algn="r">
               <a:lnSpc>
                 <a:spcPct val="100000"/>
               </a:lnSpc>
@@ -5139,7 +5272,7 @@
               <a:buSzPts val="1000"/>
               <a:buFont typeface="Arial"/>
               <a:buNone/>
-              <a:defRPr b="0" i="0" sz="1000" u="none" cap="none" strike="noStrike">
+              <a:defRPr sz="1000" b="0" i="0" u="none" strike="noStrike" cap="none">
                 <a:solidFill>
                   <a:schemeClr val="dk2"/>
                 </a:solidFill>
@@ -5149,7 +5282,7 @@
                 <a:sym typeface="Arial"/>
               </a:defRPr>
             </a:lvl5pPr>
-            <a:lvl6pPr indent="0" lvl="5" marL="0" marR="0" algn="r">
+            <a:lvl6pPr marL="0" marR="0" lvl="5" indent="0" algn="r">
               <a:lnSpc>
                 <a:spcPct val="100000"/>
               </a:lnSpc>
@@ -5165,7 +5298,7 @@
               <a:buSzPts val="1000"/>
               <a:buFont typeface="Arial"/>
               <a:buNone/>
-              <a:defRPr b="0" i="0" sz="1000" u="none" cap="none" strike="noStrike">
+              <a:defRPr sz="1000" b="0" i="0" u="none" strike="noStrike" cap="none">
                 <a:solidFill>
                   <a:schemeClr val="dk2"/>
                 </a:solidFill>
@@ -5175,7 +5308,7 @@
                 <a:sym typeface="Arial"/>
               </a:defRPr>
             </a:lvl6pPr>
-            <a:lvl7pPr indent="0" lvl="6" marL="0" marR="0" algn="r">
+            <a:lvl7pPr marL="0" marR="0" lvl="6" indent="0" algn="r">
               <a:lnSpc>
                 <a:spcPct val="100000"/>
               </a:lnSpc>
@@ -5191,7 +5324,7 @@
               <a:buSzPts val="1000"/>
               <a:buFont typeface="Arial"/>
               <a:buNone/>
-              <a:defRPr b="0" i="0" sz="1000" u="none" cap="none" strike="noStrike">
+              <a:defRPr sz="1000" b="0" i="0" u="none" strike="noStrike" cap="none">
                 <a:solidFill>
                   <a:schemeClr val="dk2"/>
                 </a:solidFill>
@@ -5201,7 +5334,7 @@
                 <a:sym typeface="Arial"/>
               </a:defRPr>
             </a:lvl7pPr>
-            <a:lvl8pPr indent="0" lvl="7" marL="0" marR="0" algn="r">
+            <a:lvl8pPr marL="0" marR="0" lvl="7" indent="0" algn="r">
               <a:lnSpc>
                 <a:spcPct val="100000"/>
               </a:lnSpc>
@@ -5217,7 +5350,7 @@
               <a:buSzPts val="1000"/>
               <a:buFont typeface="Arial"/>
               <a:buNone/>
-              <a:defRPr b="0" i="0" sz="1000" u="none" cap="none" strike="noStrike">
+              <a:defRPr sz="1000" b="0" i="0" u="none" strike="noStrike" cap="none">
                 <a:solidFill>
                   <a:schemeClr val="dk2"/>
                 </a:solidFill>
@@ -5227,7 +5360,7 @@
                 <a:sym typeface="Arial"/>
               </a:defRPr>
             </a:lvl8pPr>
-            <a:lvl9pPr indent="0" lvl="8" marL="0" marR="0" algn="r">
+            <a:lvl9pPr marL="0" marR="0" lvl="8" indent="0" algn="r">
               <a:lnSpc>
                 <a:spcPct val="100000"/>
               </a:lnSpc>
@@ -5243,7 +5376,7 @@
               <a:buSzPts val="1000"/>
               <a:buFont typeface="Arial"/>
               <a:buNone/>
-              <a:defRPr b="0" i="0" sz="1000" u="none" cap="none" strike="noStrike">
+              <a:defRPr sz="1000" b="0" i="0" u="none" strike="noStrike" cap="none">
                 <a:solidFill>
                   <a:schemeClr val="dk2"/>
                 </a:solidFill>
@@ -5255,7 +5388,7 @@
             </a:lvl9pPr>
           </a:lstStyle>
           <a:p>
-            <a:pPr indent="0" lvl="0" marL="0" rtl="0" algn="r">
+            <a:pPr marL="0" lvl="0" indent="0" algn="r" rtl="0">
               <a:spcBef>
                 <a:spcPts val="0"/>
               </a:spcBef>
@@ -5281,11 +5414,11 @@
 </file>
 
 <file path=ppt/slideLayouts/slideLayout3.xml><?xml version="1.0" encoding="utf-8"?>
-<p:sldLayout xmlns:a="http://schemas.openxmlformats.org/drawingml/2006/main" xmlns:r="http://schemas.openxmlformats.org/officeDocument/2006/relationships" xmlns:mc="http://schemas.openxmlformats.org/markup-compatibility/2006" xmlns:mv="urn:schemas-microsoft-com:mac:vml" xmlns:p="http://schemas.openxmlformats.org/presentationml/2006/main" xmlns:c="http://schemas.openxmlformats.org/drawingml/2006/chart" xmlns:dgm="http://schemas.openxmlformats.org/drawingml/2006/diagram" xmlns:o="urn:schemas-microsoft-com:office:office" xmlns:v="urn:schemas-microsoft-com:vml" xmlns:pvml="urn:schemas-microsoft-com:office:powerpoint" xmlns:com="http://schemas.openxmlformats.org/drawingml/2006/compatibility" xmlns:p14="http://schemas.microsoft.com/office/powerpoint/2010/main" xmlns:p15="http://schemas.microsoft.com/office/powerpoint/2012/main" xmlns:ahyp="http://schemas.microsoft.com/office/drawing/2018/hyperlinkcolor" matchingName="Title and body" type="tx">
+<p:sldLayout xmlns:a="http://schemas.openxmlformats.org/drawingml/2006/main" xmlns:r="http://schemas.openxmlformats.org/officeDocument/2006/relationships" xmlns:p="http://schemas.openxmlformats.org/presentationml/2006/main" matchingName="Title and body" type="tx">
   <p:cSld name="TITLE_AND_BODY">
     <p:spTree>
       <p:nvGrpSpPr>
-        <p:cNvPr id="16" name="Shape 16"/>
+        <p:cNvPr id="1" name="Shape 16"/>
         <p:cNvGrpSpPr/>
         <p:nvPr/>
       </p:nvGrpSpPr>
@@ -5300,7 +5433,9 @@
       <p:sp>
         <p:nvSpPr>
           <p:cNvPr id="17" name="Google Shape;17;p18"/>
-          <p:cNvSpPr txBox="1"/>
+          <p:cNvSpPr txBox="1">
+            <a:spLocks noGrp="1"/>
+          </p:cNvSpPr>
           <p:nvPr>
             <p:ph type="title"/>
           </p:nvPr>
@@ -5319,7 +5454,7 @@
           </a:ln>
         </p:spPr>
         <p:txBody>
-          <a:bodyPr anchorCtr="0" anchor="t" bIns="91425" lIns="91425" spcFirstLastPara="1" rIns="91425" wrap="square" tIns="91425">
+          <a:bodyPr spcFirstLastPara="1" wrap="square" lIns="91425" tIns="91425" rIns="91425" bIns="91425" anchor="t" anchorCtr="0">
             <a:normAutofit/>
           </a:bodyPr>
           <a:lstStyle>
@@ -5450,15 +5585,19 @@
               <a:defRPr/>
             </a:lvl9pPr>
           </a:lstStyle>
-          <a:p/>
+          <a:p>
+            <a:endParaRPr/>
+          </a:p>
         </p:txBody>
       </p:sp>
       <p:sp>
         <p:nvSpPr>
           <p:cNvPr id="18" name="Google Shape;18;p18"/>
-          <p:cNvSpPr txBox="1"/>
+          <p:cNvSpPr txBox="1">
+            <a:spLocks noGrp="1"/>
+          </p:cNvSpPr>
           <p:nvPr>
-            <p:ph idx="1" type="body"/>
+            <p:ph type="body" idx="1"/>
           </p:nvPr>
         </p:nvSpPr>
         <p:spPr>
@@ -5475,11 +5614,11 @@
           </a:ln>
         </p:spPr>
         <p:txBody>
-          <a:bodyPr anchorCtr="0" anchor="t" bIns="91425" lIns="91425" spcFirstLastPara="1" rIns="91425" wrap="square" tIns="91425">
+          <a:bodyPr spcFirstLastPara="1" wrap="square" lIns="91425" tIns="91425" rIns="91425" bIns="91425" anchor="t" anchorCtr="0">
             <a:normAutofit/>
           </a:bodyPr>
           <a:lstStyle>
-            <a:lvl1pPr indent="-342900" lvl="0" marL="457200" algn="l">
+            <a:lvl1pPr marL="457200" lvl="0" indent="-342900" algn="l">
               <a:lnSpc>
                 <a:spcPct val="115000"/>
               </a:lnSpc>
@@ -5493,7 +5632,7 @@
               <a:buChar char="●"/>
               <a:defRPr/>
             </a:lvl1pPr>
-            <a:lvl2pPr indent="-317500" lvl="1" marL="914400" algn="l">
+            <a:lvl2pPr marL="914400" lvl="1" indent="-317500" algn="l">
               <a:lnSpc>
                 <a:spcPct val="115000"/>
               </a:lnSpc>
@@ -5507,7 +5646,7 @@
               <a:buChar char="○"/>
               <a:defRPr/>
             </a:lvl2pPr>
-            <a:lvl3pPr indent="-317500" lvl="2" marL="1371600" algn="l">
+            <a:lvl3pPr marL="1371600" lvl="2" indent="-317500" algn="l">
               <a:lnSpc>
                 <a:spcPct val="115000"/>
               </a:lnSpc>
@@ -5521,7 +5660,7 @@
               <a:buChar char="■"/>
               <a:defRPr/>
             </a:lvl3pPr>
-            <a:lvl4pPr indent="-317500" lvl="3" marL="1828800" algn="l">
+            <a:lvl4pPr marL="1828800" lvl="3" indent="-317500" algn="l">
               <a:lnSpc>
                 <a:spcPct val="115000"/>
               </a:lnSpc>
@@ -5535,7 +5674,7 @@
               <a:buChar char="●"/>
               <a:defRPr/>
             </a:lvl4pPr>
-            <a:lvl5pPr indent="-317500" lvl="4" marL="2286000" algn="l">
+            <a:lvl5pPr marL="2286000" lvl="4" indent="-317500" algn="l">
               <a:lnSpc>
                 <a:spcPct val="115000"/>
               </a:lnSpc>
@@ -5549,7 +5688,7 @@
               <a:buChar char="○"/>
               <a:defRPr/>
             </a:lvl5pPr>
-            <a:lvl6pPr indent="-317500" lvl="5" marL="2743200" algn="l">
+            <a:lvl6pPr marL="2743200" lvl="5" indent="-317500" algn="l">
               <a:lnSpc>
                 <a:spcPct val="115000"/>
               </a:lnSpc>
@@ -5563,7 +5702,7 @@
               <a:buChar char="■"/>
               <a:defRPr/>
             </a:lvl6pPr>
-            <a:lvl7pPr indent="-317500" lvl="6" marL="3200400" algn="l">
+            <a:lvl7pPr marL="3200400" lvl="6" indent="-317500" algn="l">
               <a:lnSpc>
                 <a:spcPct val="115000"/>
               </a:lnSpc>
@@ -5577,7 +5716,7 @@
               <a:buChar char="●"/>
               <a:defRPr/>
             </a:lvl7pPr>
-            <a:lvl8pPr indent="-317500" lvl="7" marL="3657600" algn="l">
+            <a:lvl8pPr marL="3657600" lvl="7" indent="-317500" algn="l">
               <a:lnSpc>
                 <a:spcPct val="115000"/>
               </a:lnSpc>
@@ -5591,7 +5730,7 @@
               <a:buChar char="○"/>
               <a:defRPr/>
             </a:lvl8pPr>
-            <a:lvl9pPr indent="-317500" lvl="8" marL="4114800" algn="l">
+            <a:lvl9pPr marL="4114800" lvl="8" indent="-317500" algn="l">
               <a:lnSpc>
                 <a:spcPct val="115000"/>
               </a:lnSpc>
@@ -5606,15 +5745,19 @@
               <a:defRPr/>
             </a:lvl9pPr>
           </a:lstStyle>
-          <a:p/>
+          <a:p>
+            <a:endParaRPr/>
+          </a:p>
         </p:txBody>
       </p:sp>
       <p:sp>
         <p:nvSpPr>
           <p:cNvPr id="19" name="Google Shape;19;p18"/>
-          <p:cNvSpPr txBox="1"/>
+          <p:cNvSpPr txBox="1">
+            <a:spLocks noGrp="1"/>
+          </p:cNvSpPr>
           <p:nvPr>
-            <p:ph idx="12" type="sldNum"/>
+            <p:ph type="sldNum" idx="12"/>
           </p:nvPr>
         </p:nvSpPr>
         <p:spPr>
@@ -5631,11 +5774,11 @@
           </a:ln>
         </p:spPr>
         <p:txBody>
-          <a:bodyPr anchorCtr="0" anchor="ctr" bIns="91425" lIns="91425" spcFirstLastPara="1" rIns="91425" wrap="square" tIns="91425">
+          <a:bodyPr spcFirstLastPara="1" wrap="square" lIns="91425" tIns="91425" rIns="91425" bIns="91425" anchor="ctr" anchorCtr="0">
             <a:normAutofit/>
           </a:bodyPr>
           <a:lstStyle>
-            <a:lvl1pPr indent="0" lvl="0" marL="0" marR="0" algn="r">
+            <a:lvl1pPr marL="0" marR="0" lvl="0" indent="0" algn="r">
               <a:lnSpc>
                 <a:spcPct val="100000"/>
               </a:lnSpc>
@@ -5651,7 +5794,7 @@
               <a:buSzPts val="1000"/>
               <a:buFont typeface="Arial"/>
               <a:buNone/>
-              <a:defRPr b="0" i="0" sz="1000" u="none" cap="none" strike="noStrike">
+              <a:defRPr sz="1000" b="0" i="0" u="none" strike="noStrike" cap="none">
                 <a:solidFill>
                   <a:schemeClr val="dk2"/>
                 </a:solidFill>
@@ -5661,7 +5804,7 @@
                 <a:sym typeface="Arial"/>
               </a:defRPr>
             </a:lvl1pPr>
-            <a:lvl2pPr indent="0" lvl="1" marL="0" marR="0" algn="r">
+            <a:lvl2pPr marL="0" marR="0" lvl="1" indent="0" algn="r">
               <a:lnSpc>
                 <a:spcPct val="100000"/>
               </a:lnSpc>
@@ -5677,7 +5820,7 @@
               <a:buSzPts val="1000"/>
               <a:buFont typeface="Arial"/>
               <a:buNone/>
-              <a:defRPr b="0" i="0" sz="1000" u="none" cap="none" strike="noStrike">
+              <a:defRPr sz="1000" b="0" i="0" u="none" strike="noStrike" cap="none">
                 <a:solidFill>
                   <a:schemeClr val="dk2"/>
                 </a:solidFill>
@@ -5687,7 +5830,7 @@
                 <a:sym typeface="Arial"/>
               </a:defRPr>
             </a:lvl2pPr>
-            <a:lvl3pPr indent="0" lvl="2" marL="0" marR="0" algn="r">
+            <a:lvl3pPr marL="0" marR="0" lvl="2" indent="0" algn="r">
               <a:lnSpc>
                 <a:spcPct val="100000"/>
               </a:lnSpc>
@@ -5703,7 +5846,7 @@
               <a:buSzPts val="1000"/>
               <a:buFont typeface="Arial"/>
               <a:buNone/>
-              <a:defRPr b="0" i="0" sz="1000" u="none" cap="none" strike="noStrike">
+              <a:defRPr sz="1000" b="0" i="0" u="none" strike="noStrike" cap="none">
                 <a:solidFill>
                   <a:schemeClr val="dk2"/>
                 </a:solidFill>
@@ -5713,7 +5856,7 @@
                 <a:sym typeface="Arial"/>
               </a:defRPr>
             </a:lvl3pPr>
-            <a:lvl4pPr indent="0" lvl="3" marL="0" marR="0" algn="r">
+            <a:lvl4pPr marL="0" marR="0" lvl="3" indent="0" algn="r">
               <a:lnSpc>
                 <a:spcPct val="100000"/>
               </a:lnSpc>
@@ -5729,7 +5872,7 @@
               <a:buSzPts val="1000"/>
               <a:buFont typeface="Arial"/>
               <a:buNone/>
-              <a:defRPr b="0" i="0" sz="1000" u="none" cap="none" strike="noStrike">
+              <a:defRPr sz="1000" b="0" i="0" u="none" strike="noStrike" cap="none">
                 <a:solidFill>
                   <a:schemeClr val="dk2"/>
                 </a:solidFill>
@@ -5739,7 +5882,7 @@
                 <a:sym typeface="Arial"/>
               </a:defRPr>
             </a:lvl4pPr>
-            <a:lvl5pPr indent="0" lvl="4" marL="0" marR="0" algn="r">
+            <a:lvl5pPr marL="0" marR="0" lvl="4" indent="0" algn="r">
               <a:lnSpc>
                 <a:spcPct val="100000"/>
               </a:lnSpc>
@@ -5755,7 +5898,7 @@
               <a:buSzPts val="1000"/>
               <a:buFont typeface="Arial"/>
               <a:buNone/>
-              <a:defRPr b="0" i="0" sz="1000" u="none" cap="none" strike="noStrike">
+              <a:defRPr sz="1000" b="0" i="0" u="none" strike="noStrike" cap="none">
                 <a:solidFill>
                   <a:schemeClr val="dk2"/>
                 </a:solidFill>
@@ -5765,7 +5908,7 @@
                 <a:sym typeface="Arial"/>
               </a:defRPr>
             </a:lvl5pPr>
-            <a:lvl6pPr indent="0" lvl="5" marL="0" marR="0" algn="r">
+            <a:lvl6pPr marL="0" marR="0" lvl="5" indent="0" algn="r">
               <a:lnSpc>
                 <a:spcPct val="100000"/>
               </a:lnSpc>
@@ -5781,7 +5924,7 @@
               <a:buSzPts val="1000"/>
               <a:buFont typeface="Arial"/>
               <a:buNone/>
-              <a:defRPr b="0" i="0" sz="1000" u="none" cap="none" strike="noStrike">
+              <a:defRPr sz="1000" b="0" i="0" u="none" strike="noStrike" cap="none">
                 <a:solidFill>
                   <a:schemeClr val="dk2"/>
                 </a:solidFill>
@@ -5791,7 +5934,7 @@
                 <a:sym typeface="Arial"/>
               </a:defRPr>
             </a:lvl6pPr>
-            <a:lvl7pPr indent="0" lvl="6" marL="0" marR="0" algn="r">
+            <a:lvl7pPr marL="0" marR="0" lvl="6" indent="0" algn="r">
               <a:lnSpc>
                 <a:spcPct val="100000"/>
               </a:lnSpc>
@@ -5807,7 +5950,7 @@
               <a:buSzPts val="1000"/>
               <a:buFont typeface="Arial"/>
               <a:buNone/>
-              <a:defRPr b="0" i="0" sz="1000" u="none" cap="none" strike="noStrike">
+              <a:defRPr sz="1000" b="0" i="0" u="none" strike="noStrike" cap="none">
                 <a:solidFill>
                   <a:schemeClr val="dk2"/>
                 </a:solidFill>
@@ -5817,7 +5960,7 @@
                 <a:sym typeface="Arial"/>
               </a:defRPr>
             </a:lvl7pPr>
-            <a:lvl8pPr indent="0" lvl="7" marL="0" marR="0" algn="r">
+            <a:lvl8pPr marL="0" marR="0" lvl="7" indent="0" algn="r">
               <a:lnSpc>
                 <a:spcPct val="100000"/>
               </a:lnSpc>
@@ -5833,7 +5976,7 @@
               <a:buSzPts val="1000"/>
               <a:buFont typeface="Arial"/>
               <a:buNone/>
-              <a:defRPr b="0" i="0" sz="1000" u="none" cap="none" strike="noStrike">
+              <a:defRPr sz="1000" b="0" i="0" u="none" strike="noStrike" cap="none">
                 <a:solidFill>
                   <a:schemeClr val="dk2"/>
                 </a:solidFill>
@@ -5843,7 +5986,7 @@
                 <a:sym typeface="Arial"/>
               </a:defRPr>
             </a:lvl8pPr>
-            <a:lvl9pPr indent="0" lvl="8" marL="0" marR="0" algn="r">
+            <a:lvl9pPr marL="0" marR="0" lvl="8" indent="0" algn="r">
               <a:lnSpc>
                 <a:spcPct val="100000"/>
               </a:lnSpc>
@@ -5859,7 +6002,7 @@
               <a:buSzPts val="1000"/>
               <a:buFont typeface="Arial"/>
               <a:buNone/>
-              <a:defRPr b="0" i="0" sz="1000" u="none" cap="none" strike="noStrike">
+              <a:defRPr sz="1000" b="0" i="0" u="none" strike="noStrike" cap="none">
                 <a:solidFill>
                   <a:schemeClr val="dk2"/>
                 </a:solidFill>
@@ -5871,7 +6014,7 @@
             </a:lvl9pPr>
           </a:lstStyle>
           <a:p>
-            <a:pPr indent="0" lvl="0" marL="0" rtl="0" algn="r">
+            <a:pPr marL="0" lvl="0" indent="0" algn="r" rtl="0">
               <a:spcBef>
                 <a:spcPts val="0"/>
               </a:spcBef>
@@ -5897,11 +6040,11 @@
 </file>
 
 <file path=ppt/slideLayouts/slideLayout4.xml><?xml version="1.0" encoding="utf-8"?>
-<p:sldLayout xmlns:a="http://schemas.openxmlformats.org/drawingml/2006/main" xmlns:r="http://schemas.openxmlformats.org/officeDocument/2006/relationships" xmlns:mc="http://schemas.openxmlformats.org/markup-compatibility/2006" xmlns:mv="urn:schemas-microsoft-com:mac:vml" xmlns:p="http://schemas.openxmlformats.org/presentationml/2006/main" xmlns:c="http://schemas.openxmlformats.org/drawingml/2006/chart" xmlns:dgm="http://schemas.openxmlformats.org/drawingml/2006/diagram" xmlns:o="urn:schemas-microsoft-com:office:office" xmlns:v="urn:schemas-microsoft-com:vml" xmlns:pvml="urn:schemas-microsoft-com:office:powerpoint" xmlns:com="http://schemas.openxmlformats.org/drawingml/2006/compatibility" xmlns:p14="http://schemas.microsoft.com/office/powerpoint/2010/main" xmlns:p15="http://schemas.microsoft.com/office/powerpoint/2012/main" xmlns:ahyp="http://schemas.microsoft.com/office/drawing/2018/hyperlinkcolor" matchingName="Title slide" type="title">
+<p:sldLayout xmlns:a="http://schemas.openxmlformats.org/drawingml/2006/main" xmlns:r="http://schemas.openxmlformats.org/officeDocument/2006/relationships" xmlns:p="http://schemas.openxmlformats.org/presentationml/2006/main" matchingName="Title slide" type="title">
   <p:cSld name="TITLE">
     <p:spTree>
       <p:nvGrpSpPr>
-        <p:cNvPr id="20" name="Shape 20"/>
+        <p:cNvPr id="1" name="Shape 20"/>
         <p:cNvGrpSpPr/>
         <p:nvPr/>
       </p:nvGrpSpPr>
@@ -5916,7 +6059,9 @@
       <p:sp>
         <p:nvSpPr>
           <p:cNvPr id="21" name="Google Shape;21;p19"/>
-          <p:cNvSpPr txBox="1"/>
+          <p:cNvSpPr txBox="1">
+            <a:spLocks noGrp="1"/>
+          </p:cNvSpPr>
           <p:nvPr>
             <p:ph type="ctrTitle"/>
           </p:nvPr>
@@ -5935,7 +6080,7 @@
           </a:ln>
         </p:spPr>
         <p:txBody>
-          <a:bodyPr anchorCtr="0" anchor="b" bIns="91425" lIns="91425" spcFirstLastPara="1" rIns="91425" wrap="square" tIns="91425">
+          <a:bodyPr spcFirstLastPara="1" wrap="square" lIns="91425" tIns="91425" rIns="91425" bIns="91425" anchor="b" anchorCtr="0">
             <a:normAutofit/>
           </a:bodyPr>
           <a:lstStyle>
@@ -6066,15 +6211,19 @@
               <a:defRPr sz="5200"/>
             </a:lvl9pPr>
           </a:lstStyle>
-          <a:p/>
+          <a:p>
+            <a:endParaRPr/>
+          </a:p>
         </p:txBody>
       </p:sp>
       <p:sp>
         <p:nvSpPr>
           <p:cNvPr id="22" name="Google Shape;22;p19"/>
-          <p:cNvSpPr txBox="1"/>
+          <p:cNvSpPr txBox="1">
+            <a:spLocks noGrp="1"/>
+          </p:cNvSpPr>
           <p:nvPr>
-            <p:ph idx="1" type="subTitle"/>
+            <p:ph type="subTitle" idx="1"/>
           </p:nvPr>
         </p:nvSpPr>
         <p:spPr>
@@ -6091,7 +6240,7 @@
           </a:ln>
         </p:spPr>
         <p:txBody>
-          <a:bodyPr anchorCtr="0" anchor="t" bIns="91425" lIns="91425" spcFirstLastPara="1" rIns="91425" wrap="square" tIns="91425">
+          <a:bodyPr spcFirstLastPara="1" wrap="square" lIns="91425" tIns="91425" rIns="91425" bIns="91425" anchor="t" anchorCtr="0">
             <a:normAutofit/>
           </a:bodyPr>
           <a:lstStyle>
@@ -6222,15 +6371,19 @@
               <a:defRPr sz="2800"/>
             </a:lvl9pPr>
           </a:lstStyle>
-          <a:p/>
+          <a:p>
+            <a:endParaRPr/>
+          </a:p>
         </p:txBody>
       </p:sp>
       <p:sp>
         <p:nvSpPr>
           <p:cNvPr id="23" name="Google Shape;23;p19"/>
-          <p:cNvSpPr txBox="1"/>
+          <p:cNvSpPr txBox="1">
+            <a:spLocks noGrp="1"/>
+          </p:cNvSpPr>
           <p:nvPr>
-            <p:ph idx="12" type="sldNum"/>
+            <p:ph type="sldNum" idx="12"/>
           </p:nvPr>
         </p:nvSpPr>
         <p:spPr>
@@ -6247,11 +6400,11 @@
           </a:ln>
         </p:spPr>
         <p:txBody>
-          <a:bodyPr anchorCtr="0" anchor="ctr" bIns="91425" lIns="91425" spcFirstLastPara="1" rIns="91425" wrap="square" tIns="91425">
+          <a:bodyPr spcFirstLastPara="1" wrap="square" lIns="91425" tIns="91425" rIns="91425" bIns="91425" anchor="ctr" anchorCtr="0">
             <a:normAutofit/>
           </a:bodyPr>
           <a:lstStyle>
-            <a:lvl1pPr indent="0" lvl="0" marL="0" marR="0" algn="r">
+            <a:lvl1pPr marL="0" marR="0" lvl="0" indent="0" algn="r">
               <a:lnSpc>
                 <a:spcPct val="100000"/>
               </a:lnSpc>
@@ -6267,7 +6420,7 @@
               <a:buSzPts val="1000"/>
               <a:buFont typeface="Arial"/>
               <a:buNone/>
-              <a:defRPr b="0" i="0" sz="1000" u="none" cap="none" strike="noStrike">
+              <a:defRPr sz="1000" b="0" i="0" u="none" strike="noStrike" cap="none">
                 <a:solidFill>
                   <a:schemeClr val="dk2"/>
                 </a:solidFill>
@@ -6277,7 +6430,7 @@
                 <a:sym typeface="Arial"/>
               </a:defRPr>
             </a:lvl1pPr>
-            <a:lvl2pPr indent="0" lvl="1" marL="0" marR="0" algn="r">
+            <a:lvl2pPr marL="0" marR="0" lvl="1" indent="0" algn="r">
               <a:lnSpc>
                 <a:spcPct val="100000"/>
               </a:lnSpc>
@@ -6293,7 +6446,7 @@
               <a:buSzPts val="1000"/>
               <a:buFont typeface="Arial"/>
               <a:buNone/>
-              <a:defRPr b="0" i="0" sz="1000" u="none" cap="none" strike="noStrike">
+              <a:defRPr sz="1000" b="0" i="0" u="none" strike="noStrike" cap="none">
                 <a:solidFill>
                   <a:schemeClr val="dk2"/>
                 </a:solidFill>
@@ -6303,7 +6456,7 @@
                 <a:sym typeface="Arial"/>
               </a:defRPr>
             </a:lvl2pPr>
-            <a:lvl3pPr indent="0" lvl="2" marL="0" marR="0" algn="r">
+            <a:lvl3pPr marL="0" marR="0" lvl="2" indent="0" algn="r">
               <a:lnSpc>
                 <a:spcPct val="100000"/>
               </a:lnSpc>
@@ -6319,7 +6472,7 @@
               <a:buSzPts val="1000"/>
               <a:buFont typeface="Arial"/>
               <a:buNone/>
-              <a:defRPr b="0" i="0" sz="1000" u="none" cap="none" strike="noStrike">
+              <a:defRPr sz="1000" b="0" i="0" u="none" strike="noStrike" cap="none">
                 <a:solidFill>
                   <a:schemeClr val="dk2"/>
                 </a:solidFill>
@@ -6329,7 +6482,7 @@
                 <a:sym typeface="Arial"/>
               </a:defRPr>
             </a:lvl3pPr>
-            <a:lvl4pPr indent="0" lvl="3" marL="0" marR="0" algn="r">
+            <a:lvl4pPr marL="0" marR="0" lvl="3" indent="0" algn="r">
               <a:lnSpc>
                 <a:spcPct val="100000"/>
               </a:lnSpc>
@@ -6345,7 +6498,7 @@
               <a:buSzPts val="1000"/>
               <a:buFont typeface="Arial"/>
               <a:buNone/>
-              <a:defRPr b="0" i="0" sz="1000" u="none" cap="none" strike="noStrike">
+              <a:defRPr sz="1000" b="0" i="0" u="none" strike="noStrike" cap="none">
                 <a:solidFill>
                   <a:schemeClr val="dk2"/>
                 </a:solidFill>
@@ -6355,7 +6508,7 @@
                 <a:sym typeface="Arial"/>
               </a:defRPr>
             </a:lvl4pPr>
-            <a:lvl5pPr indent="0" lvl="4" marL="0" marR="0" algn="r">
+            <a:lvl5pPr marL="0" marR="0" lvl="4" indent="0" algn="r">
               <a:lnSpc>
                 <a:spcPct val="100000"/>
               </a:lnSpc>
@@ -6371,7 +6524,7 @@
               <a:buSzPts val="1000"/>
               <a:buFont typeface="Arial"/>
               <a:buNone/>
-              <a:defRPr b="0" i="0" sz="1000" u="none" cap="none" strike="noStrike">
+              <a:defRPr sz="1000" b="0" i="0" u="none" strike="noStrike" cap="none">
                 <a:solidFill>
                   <a:schemeClr val="dk2"/>
                 </a:solidFill>
@@ -6381,7 +6534,7 @@
                 <a:sym typeface="Arial"/>
               </a:defRPr>
             </a:lvl5pPr>
-            <a:lvl6pPr indent="0" lvl="5" marL="0" marR="0" algn="r">
+            <a:lvl6pPr marL="0" marR="0" lvl="5" indent="0" algn="r">
               <a:lnSpc>
                 <a:spcPct val="100000"/>
               </a:lnSpc>
@@ -6397,7 +6550,7 @@
               <a:buSzPts val="1000"/>
               <a:buFont typeface="Arial"/>
               <a:buNone/>
-              <a:defRPr b="0" i="0" sz="1000" u="none" cap="none" strike="noStrike">
+              <a:defRPr sz="1000" b="0" i="0" u="none" strike="noStrike" cap="none">
                 <a:solidFill>
                   <a:schemeClr val="dk2"/>
                 </a:solidFill>
@@ -6407,7 +6560,7 @@
                 <a:sym typeface="Arial"/>
               </a:defRPr>
             </a:lvl6pPr>
-            <a:lvl7pPr indent="0" lvl="6" marL="0" marR="0" algn="r">
+            <a:lvl7pPr marL="0" marR="0" lvl="6" indent="0" algn="r">
               <a:lnSpc>
                 <a:spcPct val="100000"/>
               </a:lnSpc>
@@ -6423,7 +6576,7 @@
               <a:buSzPts val="1000"/>
               <a:buFont typeface="Arial"/>
               <a:buNone/>
-              <a:defRPr b="0" i="0" sz="1000" u="none" cap="none" strike="noStrike">
+              <a:defRPr sz="1000" b="0" i="0" u="none" strike="noStrike" cap="none">
                 <a:solidFill>
                   <a:schemeClr val="dk2"/>
                 </a:solidFill>
@@ -6433,7 +6586,7 @@
                 <a:sym typeface="Arial"/>
               </a:defRPr>
             </a:lvl7pPr>
-            <a:lvl8pPr indent="0" lvl="7" marL="0" marR="0" algn="r">
+            <a:lvl8pPr marL="0" marR="0" lvl="7" indent="0" algn="r">
               <a:lnSpc>
                 <a:spcPct val="100000"/>
               </a:lnSpc>
@@ -6449,7 +6602,7 @@
               <a:buSzPts val="1000"/>
               <a:buFont typeface="Arial"/>
               <a:buNone/>
-              <a:defRPr b="0" i="0" sz="1000" u="none" cap="none" strike="noStrike">
+              <a:defRPr sz="1000" b="0" i="0" u="none" strike="noStrike" cap="none">
                 <a:solidFill>
                   <a:schemeClr val="dk2"/>
                 </a:solidFill>
@@ -6459,7 +6612,7 @@
                 <a:sym typeface="Arial"/>
               </a:defRPr>
             </a:lvl8pPr>
-            <a:lvl9pPr indent="0" lvl="8" marL="0" marR="0" algn="r">
+            <a:lvl9pPr marL="0" marR="0" lvl="8" indent="0" algn="r">
               <a:lnSpc>
                 <a:spcPct val="100000"/>
               </a:lnSpc>
@@ -6475,7 +6628,7 @@
               <a:buSzPts val="1000"/>
               <a:buFont typeface="Arial"/>
               <a:buNone/>
-              <a:defRPr b="0" i="0" sz="1000" u="none" cap="none" strike="noStrike">
+              <a:defRPr sz="1000" b="0" i="0" u="none" strike="noStrike" cap="none">
                 <a:solidFill>
                   <a:schemeClr val="dk2"/>
                 </a:solidFill>
@@ -6487,7 +6640,7 @@
             </a:lvl9pPr>
           </a:lstStyle>
           <a:p>
-            <a:pPr indent="0" lvl="0" marL="0" rtl="0" algn="r">
+            <a:pPr marL="0" lvl="0" indent="0" algn="r" rtl="0">
               <a:spcBef>
                 <a:spcPts val="0"/>
               </a:spcBef>
@@ -6513,11 +6666,11 @@
 </file>
 
 <file path=ppt/slideLayouts/slideLayout5.xml><?xml version="1.0" encoding="utf-8"?>
-<p:sldLayout xmlns:a="http://schemas.openxmlformats.org/drawingml/2006/main" xmlns:r="http://schemas.openxmlformats.org/officeDocument/2006/relationships" xmlns:mc="http://schemas.openxmlformats.org/markup-compatibility/2006" xmlns:mv="urn:schemas-microsoft-com:mac:vml" xmlns:p="http://schemas.openxmlformats.org/presentationml/2006/main" xmlns:c="http://schemas.openxmlformats.org/drawingml/2006/chart" xmlns:dgm="http://schemas.openxmlformats.org/drawingml/2006/diagram" xmlns:o="urn:schemas-microsoft-com:office:office" xmlns:v="urn:schemas-microsoft-com:vml" xmlns:pvml="urn:schemas-microsoft-com:office:powerpoint" xmlns:com="http://schemas.openxmlformats.org/drawingml/2006/compatibility" xmlns:p14="http://schemas.microsoft.com/office/powerpoint/2010/main" xmlns:p15="http://schemas.microsoft.com/office/powerpoint/2012/main" xmlns:ahyp="http://schemas.microsoft.com/office/drawing/2018/hyperlinkcolor" matchingName="Section header" type="secHead">
+<p:sldLayout xmlns:a="http://schemas.openxmlformats.org/drawingml/2006/main" xmlns:r="http://schemas.openxmlformats.org/officeDocument/2006/relationships" xmlns:p="http://schemas.openxmlformats.org/presentationml/2006/main" matchingName="Section header" type="secHead">
   <p:cSld name="SECTION_HEADER">
     <p:spTree>
       <p:nvGrpSpPr>
-        <p:cNvPr id="24" name="Shape 24"/>
+        <p:cNvPr id="1" name="Shape 24"/>
         <p:cNvGrpSpPr/>
         <p:nvPr/>
       </p:nvGrpSpPr>
@@ -6532,7 +6685,9 @@
       <p:sp>
         <p:nvSpPr>
           <p:cNvPr id="25" name="Google Shape;25;p20"/>
-          <p:cNvSpPr txBox="1"/>
+          <p:cNvSpPr txBox="1">
+            <a:spLocks noGrp="1"/>
+          </p:cNvSpPr>
           <p:nvPr>
             <p:ph type="title"/>
           </p:nvPr>
@@ -6551,7 +6706,7 @@
           </a:ln>
         </p:spPr>
         <p:txBody>
-          <a:bodyPr anchorCtr="0" anchor="ctr" bIns="91425" lIns="91425" spcFirstLastPara="1" rIns="91425" wrap="square" tIns="91425">
+          <a:bodyPr spcFirstLastPara="1" wrap="square" lIns="91425" tIns="91425" rIns="91425" bIns="91425" anchor="ctr" anchorCtr="0">
             <a:normAutofit/>
           </a:bodyPr>
           <a:lstStyle>
@@ -6682,15 +6837,19 @@
               <a:defRPr sz="3600"/>
             </a:lvl9pPr>
           </a:lstStyle>
-          <a:p/>
+          <a:p>
+            <a:endParaRPr/>
+          </a:p>
         </p:txBody>
       </p:sp>
       <p:sp>
         <p:nvSpPr>
           <p:cNvPr id="26" name="Google Shape;26;p20"/>
-          <p:cNvSpPr txBox="1"/>
+          <p:cNvSpPr txBox="1">
+            <a:spLocks noGrp="1"/>
+          </p:cNvSpPr>
           <p:nvPr>
-            <p:ph idx="12" type="sldNum"/>
+            <p:ph type="sldNum" idx="12"/>
           </p:nvPr>
         </p:nvSpPr>
         <p:spPr>
@@ -6707,11 +6866,11 @@
           </a:ln>
         </p:spPr>
         <p:txBody>
-          <a:bodyPr anchorCtr="0" anchor="ctr" bIns="91425" lIns="91425" spcFirstLastPara="1" rIns="91425" wrap="square" tIns="91425">
+          <a:bodyPr spcFirstLastPara="1" wrap="square" lIns="91425" tIns="91425" rIns="91425" bIns="91425" anchor="ctr" anchorCtr="0">
             <a:normAutofit/>
           </a:bodyPr>
           <a:lstStyle>
-            <a:lvl1pPr indent="0" lvl="0" marL="0" marR="0" algn="r">
+            <a:lvl1pPr marL="0" marR="0" lvl="0" indent="0" algn="r">
               <a:lnSpc>
                 <a:spcPct val="100000"/>
               </a:lnSpc>
@@ -6727,7 +6886,7 @@
               <a:buSzPts val="1000"/>
               <a:buFont typeface="Arial"/>
               <a:buNone/>
-              <a:defRPr b="0" i="0" sz="1000" u="none" cap="none" strike="noStrike">
+              <a:defRPr sz="1000" b="0" i="0" u="none" strike="noStrike" cap="none">
                 <a:solidFill>
                   <a:schemeClr val="dk2"/>
                 </a:solidFill>
@@ -6737,7 +6896,7 @@
                 <a:sym typeface="Arial"/>
               </a:defRPr>
             </a:lvl1pPr>
-            <a:lvl2pPr indent="0" lvl="1" marL="0" marR="0" algn="r">
+            <a:lvl2pPr marL="0" marR="0" lvl="1" indent="0" algn="r">
               <a:lnSpc>
                 <a:spcPct val="100000"/>
               </a:lnSpc>
@@ -6753,7 +6912,7 @@
               <a:buSzPts val="1000"/>
               <a:buFont typeface="Arial"/>
               <a:buNone/>
-              <a:defRPr b="0" i="0" sz="1000" u="none" cap="none" strike="noStrike">
+              <a:defRPr sz="1000" b="0" i="0" u="none" strike="noStrike" cap="none">
                 <a:solidFill>
                   <a:schemeClr val="dk2"/>
                 </a:solidFill>
@@ -6763,7 +6922,7 @@
                 <a:sym typeface="Arial"/>
               </a:defRPr>
             </a:lvl2pPr>
-            <a:lvl3pPr indent="0" lvl="2" marL="0" marR="0" algn="r">
+            <a:lvl3pPr marL="0" marR="0" lvl="2" indent="0" algn="r">
               <a:lnSpc>
                 <a:spcPct val="100000"/>
               </a:lnSpc>
@@ -6779,7 +6938,7 @@
               <a:buSzPts val="1000"/>
               <a:buFont typeface="Arial"/>
               <a:buNone/>
-              <a:defRPr b="0" i="0" sz="1000" u="none" cap="none" strike="noStrike">
+              <a:defRPr sz="1000" b="0" i="0" u="none" strike="noStrike" cap="none">
                 <a:solidFill>
                   <a:schemeClr val="dk2"/>
                 </a:solidFill>
@@ -6789,7 +6948,7 @@
                 <a:sym typeface="Arial"/>
               </a:defRPr>
             </a:lvl3pPr>
-            <a:lvl4pPr indent="0" lvl="3" marL="0" marR="0" algn="r">
+            <a:lvl4pPr marL="0" marR="0" lvl="3" indent="0" algn="r">
               <a:lnSpc>
                 <a:spcPct val="100000"/>
               </a:lnSpc>
@@ -6805,7 +6964,7 @@
               <a:buSzPts val="1000"/>
               <a:buFont typeface="Arial"/>
               <a:buNone/>
-              <a:defRPr b="0" i="0" sz="1000" u="none" cap="none" strike="noStrike">
+              <a:defRPr sz="1000" b="0" i="0" u="none" strike="noStrike" cap="none">
                 <a:solidFill>
                   <a:schemeClr val="dk2"/>
                 </a:solidFill>
@@ -6815,7 +6974,7 @@
                 <a:sym typeface="Arial"/>
               </a:defRPr>
             </a:lvl4pPr>
-            <a:lvl5pPr indent="0" lvl="4" marL="0" marR="0" algn="r">
+            <a:lvl5pPr marL="0" marR="0" lvl="4" indent="0" algn="r">
               <a:lnSpc>
                 <a:spcPct val="100000"/>
               </a:lnSpc>
@@ -6831,7 +6990,7 @@
               <a:buSzPts val="1000"/>
               <a:buFont typeface="Arial"/>
               <a:buNone/>
-              <a:defRPr b="0" i="0" sz="1000" u="none" cap="none" strike="noStrike">
+              <a:defRPr sz="1000" b="0" i="0" u="none" strike="noStrike" cap="none">
                 <a:solidFill>
                   <a:schemeClr val="dk2"/>
                 </a:solidFill>
@@ -6841,7 +7000,7 @@
                 <a:sym typeface="Arial"/>
               </a:defRPr>
             </a:lvl5pPr>
-            <a:lvl6pPr indent="0" lvl="5" marL="0" marR="0" algn="r">
+            <a:lvl6pPr marL="0" marR="0" lvl="5" indent="0" algn="r">
               <a:lnSpc>
                 <a:spcPct val="100000"/>
               </a:lnSpc>
@@ -6857,7 +7016,7 @@
               <a:buSzPts val="1000"/>
               <a:buFont typeface="Arial"/>
               <a:buNone/>
-              <a:defRPr b="0" i="0" sz="1000" u="none" cap="none" strike="noStrike">
+              <a:defRPr sz="1000" b="0" i="0" u="none" strike="noStrike" cap="none">
                 <a:solidFill>
                   <a:schemeClr val="dk2"/>
                 </a:solidFill>
@@ -6867,7 +7026,7 @@
                 <a:sym typeface="Arial"/>
               </a:defRPr>
             </a:lvl6pPr>
-            <a:lvl7pPr indent="0" lvl="6" marL="0" marR="0" algn="r">
+            <a:lvl7pPr marL="0" marR="0" lvl="6" indent="0" algn="r">
               <a:lnSpc>
                 <a:spcPct val="100000"/>
               </a:lnSpc>
@@ -6883,7 +7042,7 @@
               <a:buSzPts val="1000"/>
               <a:buFont typeface="Arial"/>
               <a:buNone/>
-              <a:defRPr b="0" i="0" sz="1000" u="none" cap="none" strike="noStrike">
+              <a:defRPr sz="1000" b="0" i="0" u="none" strike="noStrike" cap="none">
                 <a:solidFill>
                   <a:schemeClr val="dk2"/>
                 </a:solidFill>
@@ -6893,7 +7052,7 @@
                 <a:sym typeface="Arial"/>
               </a:defRPr>
             </a:lvl7pPr>
-            <a:lvl8pPr indent="0" lvl="7" marL="0" marR="0" algn="r">
+            <a:lvl8pPr marL="0" marR="0" lvl="7" indent="0" algn="r">
               <a:lnSpc>
                 <a:spcPct val="100000"/>
               </a:lnSpc>
@@ -6909,7 +7068,7 @@
               <a:buSzPts val="1000"/>
               <a:buFont typeface="Arial"/>
               <a:buNone/>
-              <a:defRPr b="0" i="0" sz="1000" u="none" cap="none" strike="noStrike">
+              <a:defRPr sz="1000" b="0" i="0" u="none" strike="noStrike" cap="none">
                 <a:solidFill>
                   <a:schemeClr val="dk2"/>
                 </a:solidFill>
@@ -6919,7 +7078,7 @@
                 <a:sym typeface="Arial"/>
               </a:defRPr>
             </a:lvl8pPr>
-            <a:lvl9pPr indent="0" lvl="8" marL="0" marR="0" algn="r">
+            <a:lvl9pPr marL="0" marR="0" lvl="8" indent="0" algn="r">
               <a:lnSpc>
                 <a:spcPct val="100000"/>
               </a:lnSpc>
@@ -6935,7 +7094,7 @@
               <a:buSzPts val="1000"/>
               <a:buFont typeface="Arial"/>
               <a:buNone/>
-              <a:defRPr b="0" i="0" sz="1000" u="none" cap="none" strike="noStrike">
+              <a:defRPr sz="1000" b="0" i="0" u="none" strike="noStrike" cap="none">
                 <a:solidFill>
                   <a:schemeClr val="dk2"/>
                 </a:solidFill>
@@ -6947,7 +7106,7 @@
             </a:lvl9pPr>
           </a:lstStyle>
           <a:p>
-            <a:pPr indent="0" lvl="0" marL="0" rtl="0" algn="r">
+            <a:pPr marL="0" lvl="0" indent="0" algn="r" rtl="0">
               <a:spcBef>
                 <a:spcPts val="0"/>
               </a:spcBef>
@@ -6973,11 +7132,11 @@
 </file>
 
 <file path=ppt/slideLayouts/slideLayout6.xml><?xml version="1.0" encoding="utf-8"?>
-<p:sldLayout xmlns:a="http://schemas.openxmlformats.org/drawingml/2006/main" xmlns:r="http://schemas.openxmlformats.org/officeDocument/2006/relationships" xmlns:mc="http://schemas.openxmlformats.org/markup-compatibility/2006" xmlns:mv="urn:schemas-microsoft-com:mac:vml" xmlns:p="http://schemas.openxmlformats.org/presentationml/2006/main" xmlns:c="http://schemas.openxmlformats.org/drawingml/2006/chart" xmlns:dgm="http://schemas.openxmlformats.org/drawingml/2006/diagram" xmlns:o="urn:schemas-microsoft-com:office:office" xmlns:v="urn:schemas-microsoft-com:vml" xmlns:pvml="urn:schemas-microsoft-com:office:powerpoint" xmlns:com="http://schemas.openxmlformats.org/drawingml/2006/compatibility" xmlns:p14="http://schemas.microsoft.com/office/powerpoint/2010/main" xmlns:p15="http://schemas.microsoft.com/office/powerpoint/2012/main" xmlns:ahyp="http://schemas.microsoft.com/office/drawing/2018/hyperlinkcolor" matchingName="Title only" type="titleOnly">
+<p:sldLayout xmlns:a="http://schemas.openxmlformats.org/drawingml/2006/main" xmlns:r="http://schemas.openxmlformats.org/officeDocument/2006/relationships" xmlns:p="http://schemas.openxmlformats.org/presentationml/2006/main" matchingName="Title only" type="titleOnly">
   <p:cSld name="TITLE_ONLY">
     <p:spTree>
       <p:nvGrpSpPr>
-        <p:cNvPr id="27" name="Shape 27"/>
+        <p:cNvPr id="1" name="Shape 27"/>
         <p:cNvGrpSpPr/>
         <p:nvPr/>
       </p:nvGrpSpPr>
@@ -6992,7 +7151,9 @@
       <p:sp>
         <p:nvSpPr>
           <p:cNvPr id="28" name="Google Shape;28;p21"/>
-          <p:cNvSpPr txBox="1"/>
+          <p:cNvSpPr txBox="1">
+            <a:spLocks noGrp="1"/>
+          </p:cNvSpPr>
           <p:nvPr>
             <p:ph type="title"/>
           </p:nvPr>
@@ -7011,7 +7172,7 @@
           </a:ln>
         </p:spPr>
         <p:txBody>
-          <a:bodyPr anchorCtr="0" anchor="t" bIns="91425" lIns="91425" spcFirstLastPara="1" rIns="91425" wrap="square" tIns="91425">
+          <a:bodyPr spcFirstLastPara="1" wrap="square" lIns="91425" tIns="91425" rIns="91425" bIns="91425" anchor="t" anchorCtr="0">
             <a:normAutofit/>
           </a:bodyPr>
           <a:lstStyle>
@@ -7142,15 +7303,19 @@
               <a:defRPr/>
             </a:lvl9pPr>
           </a:lstStyle>
-          <a:p/>
+          <a:p>
+            <a:endParaRPr/>
+          </a:p>
         </p:txBody>
       </p:sp>
       <p:sp>
         <p:nvSpPr>
           <p:cNvPr id="29" name="Google Shape;29;p21"/>
-          <p:cNvSpPr txBox="1"/>
+          <p:cNvSpPr txBox="1">
+            <a:spLocks noGrp="1"/>
+          </p:cNvSpPr>
           <p:nvPr>
-            <p:ph idx="12" type="sldNum"/>
+            <p:ph type="sldNum" idx="12"/>
           </p:nvPr>
         </p:nvSpPr>
         <p:spPr>
@@ -7167,11 +7332,11 @@
           </a:ln>
         </p:spPr>
         <p:txBody>
-          <a:bodyPr anchorCtr="0" anchor="ctr" bIns="91425" lIns="91425" spcFirstLastPara="1" rIns="91425" wrap="square" tIns="91425">
+          <a:bodyPr spcFirstLastPara="1" wrap="square" lIns="91425" tIns="91425" rIns="91425" bIns="91425" anchor="ctr" anchorCtr="0">
             <a:normAutofit/>
           </a:bodyPr>
           <a:lstStyle>
-            <a:lvl1pPr indent="0" lvl="0" marL="0" marR="0" algn="r">
+            <a:lvl1pPr marL="0" marR="0" lvl="0" indent="0" algn="r">
               <a:lnSpc>
                 <a:spcPct val="100000"/>
               </a:lnSpc>
@@ -7187,7 +7352,7 @@
               <a:buSzPts val="1000"/>
               <a:buFont typeface="Arial"/>
               <a:buNone/>
-              <a:defRPr b="0" i="0" sz="1000" u="none" cap="none" strike="noStrike">
+              <a:defRPr sz="1000" b="0" i="0" u="none" strike="noStrike" cap="none">
                 <a:solidFill>
                   <a:schemeClr val="dk2"/>
                 </a:solidFill>
@@ -7197,7 +7362,7 @@
                 <a:sym typeface="Arial"/>
               </a:defRPr>
             </a:lvl1pPr>
-            <a:lvl2pPr indent="0" lvl="1" marL="0" marR="0" algn="r">
+            <a:lvl2pPr marL="0" marR="0" lvl="1" indent="0" algn="r">
               <a:lnSpc>
                 <a:spcPct val="100000"/>
               </a:lnSpc>
@@ -7213,7 +7378,7 @@
               <a:buSzPts val="1000"/>
               <a:buFont typeface="Arial"/>
               <a:buNone/>
-              <a:defRPr b="0" i="0" sz="1000" u="none" cap="none" strike="noStrike">
+              <a:defRPr sz="1000" b="0" i="0" u="none" strike="noStrike" cap="none">
                 <a:solidFill>
                   <a:schemeClr val="dk2"/>
                 </a:solidFill>
@@ -7223,7 +7388,7 @@
                 <a:sym typeface="Arial"/>
               </a:defRPr>
             </a:lvl2pPr>
-            <a:lvl3pPr indent="0" lvl="2" marL="0" marR="0" algn="r">
+            <a:lvl3pPr marL="0" marR="0" lvl="2" indent="0" algn="r">
               <a:lnSpc>
                 <a:spcPct val="100000"/>
               </a:lnSpc>
@@ -7239,7 +7404,7 @@
               <a:buSzPts val="1000"/>
               <a:buFont typeface="Arial"/>
               <a:buNone/>
-              <a:defRPr b="0" i="0" sz="1000" u="none" cap="none" strike="noStrike">
+              <a:defRPr sz="1000" b="0" i="0" u="none" strike="noStrike" cap="none">
                 <a:solidFill>
                   <a:schemeClr val="dk2"/>
                 </a:solidFill>
@@ -7249,7 +7414,7 @@
                 <a:sym typeface="Arial"/>
               </a:defRPr>
             </a:lvl3pPr>
-            <a:lvl4pPr indent="0" lvl="3" marL="0" marR="0" algn="r">
+            <a:lvl4pPr marL="0" marR="0" lvl="3" indent="0" algn="r">
               <a:lnSpc>
                 <a:spcPct val="100000"/>
               </a:lnSpc>
@@ -7265,7 +7430,7 @@
               <a:buSzPts val="1000"/>
               <a:buFont typeface="Arial"/>
               <a:buNone/>
-              <a:defRPr b="0" i="0" sz="1000" u="none" cap="none" strike="noStrike">
+              <a:defRPr sz="1000" b="0" i="0" u="none" strike="noStrike" cap="none">
                 <a:solidFill>
                   <a:schemeClr val="dk2"/>
                 </a:solidFill>
@@ -7275,7 +7440,7 @@
                 <a:sym typeface="Arial"/>
               </a:defRPr>
             </a:lvl4pPr>
-            <a:lvl5pPr indent="0" lvl="4" marL="0" marR="0" algn="r">
+            <a:lvl5pPr marL="0" marR="0" lvl="4" indent="0" algn="r">
               <a:lnSpc>
                 <a:spcPct val="100000"/>
               </a:lnSpc>
@@ -7291,7 +7456,7 @@
               <a:buSzPts val="1000"/>
               <a:buFont typeface="Arial"/>
               <a:buNone/>
-              <a:defRPr b="0" i="0" sz="1000" u="none" cap="none" strike="noStrike">
+              <a:defRPr sz="1000" b="0" i="0" u="none" strike="noStrike" cap="none">
                 <a:solidFill>
                   <a:schemeClr val="dk2"/>
                 </a:solidFill>
@@ -7301,7 +7466,7 @@
                 <a:sym typeface="Arial"/>
               </a:defRPr>
             </a:lvl5pPr>
-            <a:lvl6pPr indent="0" lvl="5" marL="0" marR="0" algn="r">
+            <a:lvl6pPr marL="0" marR="0" lvl="5" indent="0" algn="r">
               <a:lnSpc>
                 <a:spcPct val="100000"/>
               </a:lnSpc>
@@ -7317,7 +7482,7 @@
               <a:buSzPts val="1000"/>
               <a:buFont typeface="Arial"/>
               <a:buNone/>
-              <a:defRPr b="0" i="0" sz="1000" u="none" cap="none" strike="noStrike">
+              <a:defRPr sz="1000" b="0" i="0" u="none" strike="noStrike" cap="none">
                 <a:solidFill>
                   <a:schemeClr val="dk2"/>
                 </a:solidFill>
@@ -7327,7 +7492,7 @@
                 <a:sym typeface="Arial"/>
               </a:defRPr>
             </a:lvl6pPr>
-            <a:lvl7pPr indent="0" lvl="6" marL="0" marR="0" algn="r">
+            <a:lvl7pPr marL="0" marR="0" lvl="6" indent="0" algn="r">
               <a:lnSpc>
                 <a:spcPct val="100000"/>
               </a:lnSpc>
@@ -7343,7 +7508,7 @@
               <a:buSzPts val="1000"/>
               <a:buFont typeface="Arial"/>
               <a:buNone/>
-              <a:defRPr b="0" i="0" sz="1000" u="none" cap="none" strike="noStrike">
+              <a:defRPr sz="1000" b="0" i="0" u="none" strike="noStrike" cap="none">
                 <a:solidFill>
                   <a:schemeClr val="dk2"/>
                 </a:solidFill>
@@ -7353,7 +7518,7 @@
                 <a:sym typeface="Arial"/>
               </a:defRPr>
             </a:lvl7pPr>
-            <a:lvl8pPr indent="0" lvl="7" marL="0" marR="0" algn="r">
+            <a:lvl8pPr marL="0" marR="0" lvl="7" indent="0" algn="r">
               <a:lnSpc>
                 <a:spcPct val="100000"/>
               </a:lnSpc>
@@ -7369,7 +7534,7 @@
               <a:buSzPts val="1000"/>
               <a:buFont typeface="Arial"/>
               <a:buNone/>
-              <a:defRPr b="0" i="0" sz="1000" u="none" cap="none" strike="noStrike">
+              <a:defRPr sz="1000" b="0" i="0" u="none" strike="noStrike" cap="none">
                 <a:solidFill>
                   <a:schemeClr val="dk2"/>
                 </a:solidFill>
@@ -7379,7 +7544,7 @@
                 <a:sym typeface="Arial"/>
               </a:defRPr>
             </a:lvl8pPr>
-            <a:lvl9pPr indent="0" lvl="8" marL="0" marR="0" algn="r">
+            <a:lvl9pPr marL="0" marR="0" lvl="8" indent="0" algn="r">
               <a:lnSpc>
                 <a:spcPct val="100000"/>
               </a:lnSpc>
@@ -7395,7 +7560,7 @@
               <a:buSzPts val="1000"/>
               <a:buFont typeface="Arial"/>
               <a:buNone/>
-              <a:defRPr b="0" i="0" sz="1000" u="none" cap="none" strike="noStrike">
+              <a:defRPr sz="1000" b="0" i="0" u="none" strike="noStrike" cap="none">
                 <a:solidFill>
                   <a:schemeClr val="dk2"/>
                 </a:solidFill>
@@ -7407,7 +7572,7 @@
             </a:lvl9pPr>
           </a:lstStyle>
           <a:p>
-            <a:pPr indent="0" lvl="0" marL="0" rtl="0" algn="r">
+            <a:pPr marL="0" lvl="0" indent="0" algn="r" rtl="0">
               <a:spcBef>
                 <a:spcPts val="0"/>
               </a:spcBef>
@@ -7433,11 +7598,11 @@
 </file>
 
 <file path=ppt/slideLayouts/slideLayout7.xml><?xml version="1.0" encoding="utf-8"?>
-<p:sldLayout xmlns:a="http://schemas.openxmlformats.org/drawingml/2006/main" xmlns:r="http://schemas.openxmlformats.org/officeDocument/2006/relationships" xmlns:mc="http://schemas.openxmlformats.org/markup-compatibility/2006" xmlns:mv="urn:schemas-microsoft-com:mac:vml" xmlns:p="http://schemas.openxmlformats.org/presentationml/2006/main" xmlns:c="http://schemas.openxmlformats.org/drawingml/2006/chart" xmlns:dgm="http://schemas.openxmlformats.org/drawingml/2006/diagram" xmlns:o="urn:schemas-microsoft-com:office:office" xmlns:v="urn:schemas-microsoft-com:vml" xmlns:pvml="urn:schemas-microsoft-com:office:powerpoint" xmlns:com="http://schemas.openxmlformats.org/drawingml/2006/compatibility" xmlns:p14="http://schemas.microsoft.com/office/powerpoint/2010/main" xmlns:p15="http://schemas.microsoft.com/office/powerpoint/2012/main" xmlns:ahyp="http://schemas.microsoft.com/office/drawing/2018/hyperlinkcolor" matchingName="One column text">
+<p:sldLayout xmlns:a="http://schemas.openxmlformats.org/drawingml/2006/main" xmlns:r="http://schemas.openxmlformats.org/officeDocument/2006/relationships" xmlns:p="http://schemas.openxmlformats.org/presentationml/2006/main" matchingName="One column text">
   <p:cSld name="ONE_COLUMN_TEXT">
     <p:spTree>
       <p:nvGrpSpPr>
-        <p:cNvPr id="30" name="Shape 30"/>
+        <p:cNvPr id="1" name="Shape 30"/>
         <p:cNvGrpSpPr/>
         <p:nvPr/>
       </p:nvGrpSpPr>
@@ -7452,7 +7617,9 @@
       <p:sp>
         <p:nvSpPr>
           <p:cNvPr id="31" name="Google Shape;31;p22"/>
-          <p:cNvSpPr txBox="1"/>
+          <p:cNvSpPr txBox="1">
+            <a:spLocks noGrp="1"/>
+          </p:cNvSpPr>
           <p:nvPr>
             <p:ph type="title"/>
           </p:nvPr>
@@ -7471,7 +7638,7 @@
           </a:ln>
         </p:spPr>
         <p:txBody>
-          <a:bodyPr anchorCtr="0" anchor="b" bIns="91425" lIns="91425" spcFirstLastPara="1" rIns="91425" wrap="square" tIns="91425">
+          <a:bodyPr spcFirstLastPara="1" wrap="square" lIns="91425" tIns="91425" rIns="91425" bIns="91425" anchor="b" anchorCtr="0">
             <a:normAutofit/>
           </a:bodyPr>
           <a:lstStyle>
@@ -7602,15 +7769,19 @@
               <a:defRPr sz="2400"/>
             </a:lvl9pPr>
           </a:lstStyle>
-          <a:p/>
+          <a:p>
+            <a:endParaRPr/>
+          </a:p>
         </p:txBody>
       </p:sp>
       <p:sp>
         <p:nvSpPr>
           <p:cNvPr id="32" name="Google Shape;32;p22"/>
-          <p:cNvSpPr txBox="1"/>
+          <p:cNvSpPr txBox="1">
+            <a:spLocks noGrp="1"/>
+          </p:cNvSpPr>
           <p:nvPr>
-            <p:ph idx="1" type="body"/>
+            <p:ph type="body" idx="1"/>
           </p:nvPr>
         </p:nvSpPr>
         <p:spPr>
@@ -7627,11 +7798,11 @@
           </a:ln>
         </p:spPr>
         <p:txBody>
-          <a:bodyPr anchorCtr="0" anchor="t" bIns="91425" lIns="91425" spcFirstLastPara="1" rIns="91425" wrap="square" tIns="91425">
+          <a:bodyPr spcFirstLastPara="1" wrap="square" lIns="91425" tIns="91425" rIns="91425" bIns="91425" anchor="t" anchorCtr="0">
             <a:normAutofit/>
           </a:bodyPr>
           <a:lstStyle>
-            <a:lvl1pPr indent="-304800" lvl="0" marL="457200" algn="l">
+            <a:lvl1pPr marL="457200" lvl="0" indent="-304800" algn="l">
               <a:lnSpc>
                 <a:spcPct val="115000"/>
               </a:lnSpc>
@@ -7645,7 +7816,7 @@
               <a:buChar char="●"/>
               <a:defRPr sz="1200"/>
             </a:lvl1pPr>
-            <a:lvl2pPr indent="-304800" lvl="1" marL="914400" algn="l">
+            <a:lvl2pPr marL="914400" lvl="1" indent="-304800" algn="l">
               <a:lnSpc>
                 <a:spcPct val="115000"/>
               </a:lnSpc>
@@ -7659,7 +7830,7 @@
               <a:buChar char="○"/>
               <a:defRPr sz="1200"/>
             </a:lvl2pPr>
-            <a:lvl3pPr indent="-304800" lvl="2" marL="1371600" algn="l">
+            <a:lvl3pPr marL="1371600" lvl="2" indent="-304800" algn="l">
               <a:lnSpc>
                 <a:spcPct val="115000"/>
               </a:lnSpc>
@@ -7673,7 +7844,7 @@
               <a:buChar char="■"/>
               <a:defRPr sz="1200"/>
             </a:lvl3pPr>
-            <a:lvl4pPr indent="-304800" lvl="3" marL="1828800" algn="l">
+            <a:lvl4pPr marL="1828800" lvl="3" indent="-304800" algn="l">
               <a:lnSpc>
                 <a:spcPct val="115000"/>
               </a:lnSpc>
@@ -7687,7 +7858,7 @@
               <a:buChar char="●"/>
               <a:defRPr sz="1200"/>
             </a:lvl4pPr>
-            <a:lvl5pPr indent="-304800" lvl="4" marL="2286000" algn="l">
+            <a:lvl5pPr marL="2286000" lvl="4" indent="-304800" algn="l">
               <a:lnSpc>
                 <a:spcPct val="115000"/>
               </a:lnSpc>
@@ -7701,7 +7872,7 @@
               <a:buChar char="○"/>
               <a:defRPr sz="1200"/>
             </a:lvl5pPr>
-            <a:lvl6pPr indent="-304800" lvl="5" marL="2743200" algn="l">
+            <a:lvl6pPr marL="2743200" lvl="5" indent="-304800" algn="l">
               <a:lnSpc>
                 <a:spcPct val="115000"/>
               </a:lnSpc>
@@ -7715,7 +7886,7 @@
               <a:buChar char="■"/>
               <a:defRPr sz="1200"/>
             </a:lvl6pPr>
-            <a:lvl7pPr indent="-304800" lvl="6" marL="3200400" algn="l">
+            <a:lvl7pPr marL="3200400" lvl="6" indent="-304800" algn="l">
               <a:lnSpc>
                 <a:spcPct val="115000"/>
               </a:lnSpc>
@@ -7729,7 +7900,7 @@
               <a:buChar char="●"/>
               <a:defRPr sz="1200"/>
             </a:lvl7pPr>
-            <a:lvl8pPr indent="-304800" lvl="7" marL="3657600" algn="l">
+            <a:lvl8pPr marL="3657600" lvl="7" indent="-304800" algn="l">
               <a:lnSpc>
                 <a:spcPct val="115000"/>
               </a:lnSpc>
@@ -7743,7 +7914,7 @@
               <a:buChar char="○"/>
               <a:defRPr sz="1200"/>
             </a:lvl8pPr>
-            <a:lvl9pPr indent="-304800" lvl="8" marL="4114800" algn="l">
+            <a:lvl9pPr marL="4114800" lvl="8" indent="-304800" algn="l">
               <a:lnSpc>
                 <a:spcPct val="115000"/>
               </a:lnSpc>
@@ -7758,15 +7929,19 @@
               <a:defRPr sz="1200"/>
             </a:lvl9pPr>
           </a:lstStyle>
-          <a:p/>
+          <a:p>
+            <a:endParaRPr/>
+          </a:p>
         </p:txBody>
       </p:sp>
       <p:sp>
         <p:nvSpPr>
           <p:cNvPr id="33" name="Google Shape;33;p22"/>
-          <p:cNvSpPr txBox="1"/>
+          <p:cNvSpPr txBox="1">
+            <a:spLocks noGrp="1"/>
+          </p:cNvSpPr>
           <p:nvPr>
-            <p:ph idx="12" type="sldNum"/>
+            <p:ph type="sldNum" idx="12"/>
           </p:nvPr>
         </p:nvSpPr>
         <p:spPr>
@@ -7783,11 +7958,11 @@
           </a:ln>
         </p:spPr>
         <p:txBody>
-          <a:bodyPr anchorCtr="0" anchor="ctr" bIns="91425" lIns="91425" spcFirstLastPara="1" rIns="91425" wrap="square" tIns="91425">
+          <a:bodyPr spcFirstLastPara="1" wrap="square" lIns="91425" tIns="91425" rIns="91425" bIns="91425" anchor="ctr" anchorCtr="0">
             <a:normAutofit/>
           </a:bodyPr>
           <a:lstStyle>
-            <a:lvl1pPr indent="0" lvl="0" marL="0" marR="0" algn="r">
+            <a:lvl1pPr marL="0" marR="0" lvl="0" indent="0" algn="r">
               <a:lnSpc>
                 <a:spcPct val="100000"/>
               </a:lnSpc>
@@ -7803,7 +7978,7 @@
               <a:buSzPts val="1000"/>
               <a:buFont typeface="Arial"/>
               <a:buNone/>
-              <a:defRPr b="0" i="0" sz="1000" u="none" cap="none" strike="noStrike">
+              <a:defRPr sz="1000" b="0" i="0" u="none" strike="noStrike" cap="none">
                 <a:solidFill>
                   <a:schemeClr val="dk2"/>
                 </a:solidFill>
@@ -7813,7 +7988,7 @@
                 <a:sym typeface="Arial"/>
               </a:defRPr>
             </a:lvl1pPr>
-            <a:lvl2pPr indent="0" lvl="1" marL="0" marR="0" algn="r">
+            <a:lvl2pPr marL="0" marR="0" lvl="1" indent="0" algn="r">
               <a:lnSpc>
                 <a:spcPct val="100000"/>
               </a:lnSpc>
@@ -7829,7 +8004,7 @@
               <a:buSzPts val="1000"/>
               <a:buFont typeface="Arial"/>
               <a:buNone/>
-              <a:defRPr b="0" i="0" sz="1000" u="none" cap="none" strike="noStrike">
+              <a:defRPr sz="1000" b="0" i="0" u="none" strike="noStrike" cap="none">
                 <a:solidFill>
                   <a:schemeClr val="dk2"/>
                 </a:solidFill>
@@ -7839,7 +8014,7 @@
                 <a:sym typeface="Arial"/>
               </a:defRPr>
             </a:lvl2pPr>
-            <a:lvl3pPr indent="0" lvl="2" marL="0" marR="0" algn="r">
+            <a:lvl3pPr marL="0" marR="0" lvl="2" indent="0" algn="r">
               <a:lnSpc>
                 <a:spcPct val="100000"/>
               </a:lnSpc>
@@ -7855,7 +8030,7 @@
               <a:buSzPts val="1000"/>
               <a:buFont typeface="Arial"/>
               <a:buNone/>
-              <a:defRPr b="0" i="0" sz="1000" u="none" cap="none" strike="noStrike">
+              <a:defRPr sz="1000" b="0" i="0" u="none" strike="noStrike" cap="none">
                 <a:solidFill>
                   <a:schemeClr val="dk2"/>
                 </a:solidFill>
@@ -7865,7 +8040,7 @@
                 <a:sym typeface="Arial"/>
               </a:defRPr>
             </a:lvl3pPr>
-            <a:lvl4pPr indent="0" lvl="3" marL="0" marR="0" algn="r">
+            <a:lvl4pPr marL="0" marR="0" lvl="3" indent="0" algn="r">
               <a:lnSpc>
                 <a:spcPct val="100000"/>
               </a:lnSpc>
@@ -7881,7 +8056,7 @@
               <a:buSzPts val="1000"/>
               <a:buFont typeface="Arial"/>
               <a:buNone/>
-              <a:defRPr b="0" i="0" sz="1000" u="none" cap="none" strike="noStrike">
+              <a:defRPr sz="1000" b="0" i="0" u="none" strike="noStrike" cap="none">
                 <a:solidFill>
                   <a:schemeClr val="dk2"/>
                 </a:solidFill>
@@ -7891,7 +8066,7 @@
                 <a:sym typeface="Arial"/>
               </a:defRPr>
             </a:lvl4pPr>
-            <a:lvl5pPr indent="0" lvl="4" marL="0" marR="0" algn="r">
+            <a:lvl5pPr marL="0" marR="0" lvl="4" indent="0" algn="r">
               <a:lnSpc>
                 <a:spcPct val="100000"/>
               </a:lnSpc>
@@ -7907,7 +8082,7 @@
               <a:buSzPts val="1000"/>
               <a:buFont typeface="Arial"/>
               <a:buNone/>
-              <a:defRPr b="0" i="0" sz="1000" u="none" cap="none" strike="noStrike">
+              <a:defRPr sz="1000" b="0" i="0" u="none" strike="noStrike" cap="none">
                 <a:solidFill>
                   <a:schemeClr val="dk2"/>
                 </a:solidFill>
@@ -7917,7 +8092,7 @@
                 <a:sym typeface="Arial"/>
               </a:defRPr>
             </a:lvl5pPr>
-            <a:lvl6pPr indent="0" lvl="5" marL="0" marR="0" algn="r">
+            <a:lvl6pPr marL="0" marR="0" lvl="5" indent="0" algn="r">
               <a:lnSpc>
                 <a:spcPct val="100000"/>
               </a:lnSpc>
@@ -7933,7 +8108,7 @@
               <a:buSzPts val="1000"/>
               <a:buFont typeface="Arial"/>
               <a:buNone/>
-              <a:defRPr b="0" i="0" sz="1000" u="none" cap="none" strike="noStrike">
+              <a:defRPr sz="1000" b="0" i="0" u="none" strike="noStrike" cap="none">
                 <a:solidFill>
                   <a:schemeClr val="dk2"/>
                 </a:solidFill>
@@ -7943,7 +8118,7 @@
                 <a:sym typeface="Arial"/>
               </a:defRPr>
             </a:lvl6pPr>
-            <a:lvl7pPr indent="0" lvl="6" marL="0" marR="0" algn="r">
+            <a:lvl7pPr marL="0" marR="0" lvl="6" indent="0" algn="r">
               <a:lnSpc>
                 <a:spcPct val="100000"/>
               </a:lnSpc>
@@ -7959,7 +8134,7 @@
               <a:buSzPts val="1000"/>
               <a:buFont typeface="Arial"/>
               <a:buNone/>
-              <a:defRPr b="0" i="0" sz="1000" u="none" cap="none" strike="noStrike">
+              <a:defRPr sz="1000" b="0" i="0" u="none" strike="noStrike" cap="none">
                 <a:solidFill>
                   <a:schemeClr val="dk2"/>
                 </a:solidFill>
@@ -7969,7 +8144,7 @@
                 <a:sym typeface="Arial"/>
               </a:defRPr>
             </a:lvl7pPr>
-            <a:lvl8pPr indent="0" lvl="7" marL="0" marR="0" algn="r">
+            <a:lvl8pPr marL="0" marR="0" lvl="7" indent="0" algn="r">
               <a:lnSpc>
                 <a:spcPct val="100000"/>
               </a:lnSpc>
@@ -7985,7 +8160,7 @@
               <a:buSzPts val="1000"/>
               <a:buFont typeface="Arial"/>
               <a:buNone/>
-              <a:defRPr b="0" i="0" sz="1000" u="none" cap="none" strike="noStrike">
+              <a:defRPr sz="1000" b="0" i="0" u="none" strike="noStrike" cap="none">
                 <a:solidFill>
                   <a:schemeClr val="dk2"/>
                 </a:solidFill>
@@ -7995,7 +8170,7 @@
                 <a:sym typeface="Arial"/>
               </a:defRPr>
             </a:lvl8pPr>
-            <a:lvl9pPr indent="0" lvl="8" marL="0" marR="0" algn="r">
+            <a:lvl9pPr marL="0" marR="0" lvl="8" indent="0" algn="r">
               <a:lnSpc>
                 <a:spcPct val="100000"/>
               </a:lnSpc>
@@ -8011,7 +8186,7 @@
               <a:buSzPts val="1000"/>
               <a:buFont typeface="Arial"/>
               <a:buNone/>
-              <a:defRPr b="0" i="0" sz="1000" u="none" cap="none" strike="noStrike">
+              <a:defRPr sz="1000" b="0" i="0" u="none" strike="noStrike" cap="none">
                 <a:solidFill>
                   <a:schemeClr val="dk2"/>
                 </a:solidFill>
@@ -8023,7 +8198,7 @@
             </a:lvl9pPr>
           </a:lstStyle>
           <a:p>
-            <a:pPr indent="0" lvl="0" marL="0" rtl="0" algn="r">
+            <a:pPr marL="0" lvl="0" indent="0" algn="r" rtl="0">
               <a:spcBef>
                 <a:spcPts val="0"/>
               </a:spcBef>
@@ -8049,11 +8224,11 @@
 </file>
 
 <file path=ppt/slideLayouts/slideLayout8.xml><?xml version="1.0" encoding="utf-8"?>
-<p:sldLayout xmlns:a="http://schemas.openxmlformats.org/drawingml/2006/main" xmlns:r="http://schemas.openxmlformats.org/officeDocument/2006/relationships" xmlns:mc="http://schemas.openxmlformats.org/markup-compatibility/2006" xmlns:mv="urn:schemas-microsoft-com:mac:vml" xmlns:p="http://schemas.openxmlformats.org/presentationml/2006/main" xmlns:c="http://schemas.openxmlformats.org/drawingml/2006/chart" xmlns:dgm="http://schemas.openxmlformats.org/drawingml/2006/diagram" xmlns:o="urn:schemas-microsoft-com:office:office" xmlns:v="urn:schemas-microsoft-com:vml" xmlns:pvml="urn:schemas-microsoft-com:office:powerpoint" xmlns:com="http://schemas.openxmlformats.org/drawingml/2006/compatibility" xmlns:p14="http://schemas.microsoft.com/office/powerpoint/2010/main" xmlns:p15="http://schemas.microsoft.com/office/powerpoint/2012/main" xmlns:ahyp="http://schemas.microsoft.com/office/drawing/2018/hyperlinkcolor" matchingName="Main point">
+<p:sldLayout xmlns:a="http://schemas.openxmlformats.org/drawingml/2006/main" xmlns:r="http://schemas.openxmlformats.org/officeDocument/2006/relationships" xmlns:p="http://schemas.openxmlformats.org/presentationml/2006/main" matchingName="Main point">
   <p:cSld name="MAIN_POINT">
     <p:spTree>
       <p:nvGrpSpPr>
-        <p:cNvPr id="34" name="Shape 34"/>
+        <p:cNvPr id="1" name="Shape 34"/>
         <p:cNvGrpSpPr/>
         <p:nvPr/>
       </p:nvGrpSpPr>
@@ -8068,7 +8243,9 @@
       <p:sp>
         <p:nvSpPr>
           <p:cNvPr id="35" name="Google Shape;35;p23"/>
-          <p:cNvSpPr txBox="1"/>
+          <p:cNvSpPr txBox="1">
+            <a:spLocks noGrp="1"/>
+          </p:cNvSpPr>
           <p:nvPr>
             <p:ph type="title"/>
           </p:nvPr>
@@ -8087,7 +8264,7 @@
           </a:ln>
         </p:spPr>
         <p:txBody>
-          <a:bodyPr anchorCtr="0" anchor="ctr" bIns="91425" lIns="91425" spcFirstLastPara="1" rIns="91425" wrap="square" tIns="91425">
+          <a:bodyPr spcFirstLastPara="1" wrap="square" lIns="91425" tIns="91425" rIns="91425" bIns="91425" anchor="ctr" anchorCtr="0">
             <a:normAutofit/>
           </a:bodyPr>
           <a:lstStyle>
@@ -8218,15 +8395,19 @@
               <a:defRPr sz="4800"/>
             </a:lvl9pPr>
           </a:lstStyle>
-          <a:p/>
+          <a:p>
+            <a:endParaRPr/>
+          </a:p>
         </p:txBody>
       </p:sp>
       <p:sp>
         <p:nvSpPr>
           <p:cNvPr id="36" name="Google Shape;36;p23"/>
-          <p:cNvSpPr txBox="1"/>
+          <p:cNvSpPr txBox="1">
+            <a:spLocks noGrp="1"/>
+          </p:cNvSpPr>
           <p:nvPr>
-            <p:ph idx="12" type="sldNum"/>
+            <p:ph type="sldNum" idx="12"/>
           </p:nvPr>
         </p:nvSpPr>
         <p:spPr>
@@ -8243,11 +8424,11 @@
           </a:ln>
         </p:spPr>
         <p:txBody>
-          <a:bodyPr anchorCtr="0" anchor="ctr" bIns="91425" lIns="91425" spcFirstLastPara="1" rIns="91425" wrap="square" tIns="91425">
+          <a:bodyPr spcFirstLastPara="1" wrap="square" lIns="91425" tIns="91425" rIns="91425" bIns="91425" anchor="ctr" anchorCtr="0">
             <a:normAutofit/>
           </a:bodyPr>
           <a:lstStyle>
-            <a:lvl1pPr indent="0" lvl="0" marL="0" marR="0" algn="r">
+            <a:lvl1pPr marL="0" marR="0" lvl="0" indent="0" algn="r">
               <a:lnSpc>
                 <a:spcPct val="100000"/>
               </a:lnSpc>
@@ -8263,7 +8444,7 @@
               <a:buSzPts val="1000"/>
               <a:buFont typeface="Arial"/>
               <a:buNone/>
-              <a:defRPr b="0" i="0" sz="1000" u="none" cap="none" strike="noStrike">
+              <a:defRPr sz="1000" b="0" i="0" u="none" strike="noStrike" cap="none">
                 <a:solidFill>
                   <a:schemeClr val="dk2"/>
                 </a:solidFill>
@@ -8273,7 +8454,7 @@
                 <a:sym typeface="Arial"/>
               </a:defRPr>
             </a:lvl1pPr>
-            <a:lvl2pPr indent="0" lvl="1" marL="0" marR="0" algn="r">
+            <a:lvl2pPr marL="0" marR="0" lvl="1" indent="0" algn="r">
               <a:lnSpc>
                 <a:spcPct val="100000"/>
               </a:lnSpc>
@@ -8289,7 +8470,7 @@
               <a:buSzPts val="1000"/>
               <a:buFont typeface="Arial"/>
               <a:buNone/>
-              <a:defRPr b="0" i="0" sz="1000" u="none" cap="none" strike="noStrike">
+              <a:defRPr sz="1000" b="0" i="0" u="none" strike="noStrike" cap="none">
                 <a:solidFill>
                   <a:schemeClr val="dk2"/>
                 </a:solidFill>
@@ -8299,7 +8480,7 @@
                 <a:sym typeface="Arial"/>
               </a:defRPr>
             </a:lvl2pPr>
-            <a:lvl3pPr indent="0" lvl="2" marL="0" marR="0" algn="r">
+            <a:lvl3pPr marL="0" marR="0" lvl="2" indent="0" algn="r">
               <a:lnSpc>
                 <a:spcPct val="100000"/>
               </a:lnSpc>
@@ -8315,7 +8496,7 @@
               <a:buSzPts val="1000"/>
               <a:buFont typeface="Arial"/>
               <a:buNone/>
-              <a:defRPr b="0" i="0" sz="1000" u="none" cap="none" strike="noStrike">
+              <a:defRPr sz="1000" b="0" i="0" u="none" strike="noStrike" cap="none">
                 <a:solidFill>
                   <a:schemeClr val="dk2"/>
                 </a:solidFill>
@@ -8325,7 +8506,7 @@
                 <a:sym typeface="Arial"/>
               </a:defRPr>
             </a:lvl3pPr>
-            <a:lvl4pPr indent="0" lvl="3" marL="0" marR="0" algn="r">
+            <a:lvl4pPr marL="0" marR="0" lvl="3" indent="0" algn="r">
               <a:lnSpc>
                 <a:spcPct val="100000"/>
               </a:lnSpc>
@@ -8341,7 +8522,7 @@
               <a:buSzPts val="1000"/>
               <a:buFont typeface="Arial"/>
               <a:buNone/>
-              <a:defRPr b="0" i="0" sz="1000" u="none" cap="none" strike="noStrike">
+              <a:defRPr sz="1000" b="0" i="0" u="none" strike="noStrike" cap="none">
                 <a:solidFill>
                   <a:schemeClr val="dk2"/>
                 </a:solidFill>
@@ -8351,7 +8532,7 @@
                 <a:sym typeface="Arial"/>
               </a:defRPr>
             </a:lvl4pPr>
-            <a:lvl5pPr indent="0" lvl="4" marL="0" marR="0" algn="r">
+            <a:lvl5pPr marL="0" marR="0" lvl="4" indent="0" algn="r">
               <a:lnSpc>
                 <a:spcPct val="100000"/>
               </a:lnSpc>
@@ -8367,7 +8548,7 @@
               <a:buSzPts val="1000"/>
               <a:buFont typeface="Arial"/>
               <a:buNone/>
-              <a:defRPr b="0" i="0" sz="1000" u="none" cap="none" strike="noStrike">
+              <a:defRPr sz="1000" b="0" i="0" u="none" strike="noStrike" cap="none">
                 <a:solidFill>
                   <a:schemeClr val="dk2"/>
                 </a:solidFill>
@@ -8377,7 +8558,7 @@
                 <a:sym typeface="Arial"/>
               </a:defRPr>
             </a:lvl5pPr>
-            <a:lvl6pPr indent="0" lvl="5" marL="0" marR="0" algn="r">
+            <a:lvl6pPr marL="0" marR="0" lvl="5" indent="0" algn="r">
               <a:lnSpc>
                 <a:spcPct val="100000"/>
               </a:lnSpc>
@@ -8393,7 +8574,7 @@
               <a:buSzPts val="1000"/>
               <a:buFont typeface="Arial"/>
               <a:buNone/>
-              <a:defRPr b="0" i="0" sz="1000" u="none" cap="none" strike="noStrike">
+              <a:defRPr sz="1000" b="0" i="0" u="none" strike="noStrike" cap="none">
                 <a:solidFill>
                   <a:schemeClr val="dk2"/>
                 </a:solidFill>
@@ -8403,7 +8584,7 @@
                 <a:sym typeface="Arial"/>
               </a:defRPr>
             </a:lvl6pPr>
-            <a:lvl7pPr indent="0" lvl="6" marL="0" marR="0" algn="r">
+            <a:lvl7pPr marL="0" marR="0" lvl="6" indent="0" algn="r">
               <a:lnSpc>
                 <a:spcPct val="100000"/>
               </a:lnSpc>
@@ -8419,7 +8600,7 @@
               <a:buSzPts val="1000"/>
               <a:buFont typeface="Arial"/>
               <a:buNone/>
-              <a:defRPr b="0" i="0" sz="1000" u="none" cap="none" strike="noStrike">
+              <a:defRPr sz="1000" b="0" i="0" u="none" strike="noStrike" cap="none">
                 <a:solidFill>
                   <a:schemeClr val="dk2"/>
                 </a:solidFill>
@@ -8429,7 +8610,7 @@
                 <a:sym typeface="Arial"/>
               </a:defRPr>
             </a:lvl7pPr>
-            <a:lvl8pPr indent="0" lvl="7" marL="0" marR="0" algn="r">
+            <a:lvl8pPr marL="0" marR="0" lvl="7" indent="0" algn="r">
               <a:lnSpc>
                 <a:spcPct val="100000"/>
               </a:lnSpc>
@@ -8445,7 +8626,7 @@
               <a:buSzPts val="1000"/>
               <a:buFont typeface="Arial"/>
               <a:buNone/>
-              <a:defRPr b="0" i="0" sz="1000" u="none" cap="none" strike="noStrike">
+              <a:defRPr sz="1000" b="0" i="0" u="none" strike="noStrike" cap="none">
                 <a:solidFill>
                   <a:schemeClr val="dk2"/>
                 </a:solidFill>
@@ -8455,7 +8636,7 @@
                 <a:sym typeface="Arial"/>
               </a:defRPr>
             </a:lvl8pPr>
-            <a:lvl9pPr indent="0" lvl="8" marL="0" marR="0" algn="r">
+            <a:lvl9pPr marL="0" marR="0" lvl="8" indent="0" algn="r">
               <a:lnSpc>
                 <a:spcPct val="100000"/>
               </a:lnSpc>
@@ -8471,7 +8652,7 @@
               <a:buSzPts val="1000"/>
               <a:buFont typeface="Arial"/>
               <a:buNone/>
-              <a:defRPr b="0" i="0" sz="1000" u="none" cap="none" strike="noStrike">
+              <a:defRPr sz="1000" b="0" i="0" u="none" strike="noStrike" cap="none">
                 <a:solidFill>
                   <a:schemeClr val="dk2"/>
                 </a:solidFill>
@@ -8483,7 +8664,7 @@
             </a:lvl9pPr>
           </a:lstStyle>
           <a:p>
-            <a:pPr indent="0" lvl="0" marL="0" rtl="0" algn="r">
+            <a:pPr marL="0" lvl="0" indent="0" algn="r" rtl="0">
               <a:spcBef>
                 <a:spcPts val="0"/>
               </a:spcBef>
@@ -8509,11 +8690,11 @@
 </file>
 
 <file path=ppt/slideLayouts/slideLayout9.xml><?xml version="1.0" encoding="utf-8"?>
-<p:sldLayout xmlns:a="http://schemas.openxmlformats.org/drawingml/2006/main" xmlns:r="http://schemas.openxmlformats.org/officeDocument/2006/relationships" xmlns:mc="http://schemas.openxmlformats.org/markup-compatibility/2006" xmlns:mv="urn:schemas-microsoft-com:mac:vml" xmlns:p="http://schemas.openxmlformats.org/presentationml/2006/main" xmlns:c="http://schemas.openxmlformats.org/drawingml/2006/chart" xmlns:dgm="http://schemas.openxmlformats.org/drawingml/2006/diagram" xmlns:o="urn:schemas-microsoft-com:office:office" xmlns:v="urn:schemas-microsoft-com:vml" xmlns:pvml="urn:schemas-microsoft-com:office:powerpoint" xmlns:com="http://schemas.openxmlformats.org/drawingml/2006/compatibility" xmlns:p14="http://schemas.microsoft.com/office/powerpoint/2010/main" xmlns:p15="http://schemas.microsoft.com/office/powerpoint/2012/main" xmlns:ahyp="http://schemas.microsoft.com/office/drawing/2018/hyperlinkcolor" matchingName="Section title and description">
+<p:sldLayout xmlns:a="http://schemas.openxmlformats.org/drawingml/2006/main" xmlns:r="http://schemas.openxmlformats.org/officeDocument/2006/relationships" xmlns:p="http://schemas.openxmlformats.org/presentationml/2006/main" matchingName="Section title and description">
   <p:cSld name="SECTION_TITLE_AND_DESCRIPTION">
     <p:spTree>
       <p:nvGrpSpPr>
-        <p:cNvPr id="37" name="Shape 37"/>
+        <p:cNvPr id="1" name="Shape 37"/>
         <p:cNvGrpSpPr/>
         <p:nvPr/>
       </p:nvGrpSpPr>
@@ -8547,12 +8728,12 @@
           </a:ln>
         </p:spPr>
         <p:txBody>
-          <a:bodyPr anchorCtr="0" anchor="ctr" bIns="91425" lIns="91425" spcFirstLastPara="1" rIns="91425" wrap="square" tIns="91425">
+          <a:bodyPr spcFirstLastPara="1" wrap="square" lIns="91425" tIns="91425" rIns="91425" bIns="91425" anchor="ctr" anchorCtr="0">
             <a:noAutofit/>
           </a:bodyPr>
           <a:lstStyle/>
           <a:p>
-            <a:pPr indent="0" lvl="0" marL="0" marR="0" rtl="0" algn="l">
+            <a:pPr marL="0" marR="0" lvl="0" indent="0" algn="l" rtl="0">
               <a:lnSpc>
                 <a:spcPct val="100000"/>
               </a:lnSpc>
@@ -8569,10 +8750,7 @@
               <a:buFont typeface="Arial"/>
               <a:buNone/>
             </a:pPr>
-            <a:r>
-              <a:t/>
-            </a:r>
-            <a:endParaRPr b="0" i="0" sz="1400" u="none" cap="none" strike="noStrike">
+            <a:endParaRPr sz="1400" b="0" i="0" u="none" strike="noStrike" cap="none">
               <a:solidFill>
                 <a:srgbClr val="000000"/>
               </a:solidFill>
@@ -8587,7 +8765,9 @@
       <p:sp>
         <p:nvSpPr>
           <p:cNvPr id="39" name="Google Shape;39;p24"/>
-          <p:cNvSpPr txBox="1"/>
+          <p:cNvSpPr txBox="1">
+            <a:spLocks noGrp="1"/>
+          </p:cNvSpPr>
           <p:nvPr>
             <p:ph type="title"/>
           </p:nvPr>
@@ -8606,7 +8786,7 @@
           </a:ln>
         </p:spPr>
         <p:txBody>
-          <a:bodyPr anchorCtr="0" anchor="b" bIns="91425" lIns="91425" spcFirstLastPara="1" rIns="91425" wrap="square" tIns="91425">
+          <a:bodyPr spcFirstLastPara="1" wrap="square" lIns="91425" tIns="91425" rIns="91425" bIns="91425" anchor="b" anchorCtr="0">
             <a:normAutofit/>
           </a:bodyPr>
           <a:lstStyle>
@@ -8737,15 +8917,19 @@
               <a:defRPr sz="4200"/>
             </a:lvl9pPr>
           </a:lstStyle>
-          <a:p/>
+          <a:p>
+            <a:endParaRPr/>
+          </a:p>
         </p:txBody>
       </p:sp>
       <p:sp>
         <p:nvSpPr>
           <p:cNvPr id="40" name="Google Shape;40;p24"/>
-          <p:cNvSpPr txBox="1"/>
+          <p:cNvSpPr txBox="1">
+            <a:spLocks noGrp="1"/>
+          </p:cNvSpPr>
           <p:nvPr>
-            <p:ph idx="1" type="subTitle"/>
+            <p:ph type="subTitle" idx="1"/>
           </p:nvPr>
         </p:nvSpPr>
         <p:spPr>
@@ -8762,7 +8946,7 @@
           </a:ln>
         </p:spPr>
         <p:txBody>
-          <a:bodyPr anchorCtr="0" anchor="t" bIns="91425" lIns="91425" spcFirstLastPara="1" rIns="91425" wrap="square" tIns="91425">
+          <a:bodyPr spcFirstLastPara="1" wrap="square" lIns="91425" tIns="91425" rIns="91425" bIns="91425" anchor="t" anchorCtr="0">
             <a:normAutofit/>
           </a:bodyPr>
           <a:lstStyle>
@@ -8893,15 +9077,19 @@
               <a:defRPr sz="2100"/>
             </a:lvl9pPr>
           </a:lstStyle>
-          <a:p/>
+          <a:p>
+            <a:endParaRPr/>
+          </a:p>
         </p:txBody>
       </p:sp>
       <p:sp>
         <p:nvSpPr>
           <p:cNvPr id="41" name="Google Shape;41;p24"/>
-          <p:cNvSpPr txBox="1"/>
+          <p:cNvSpPr txBox="1">
+            <a:spLocks noGrp="1"/>
+          </p:cNvSpPr>
           <p:nvPr>
-            <p:ph idx="2" type="body"/>
+            <p:ph type="body" idx="2"/>
           </p:nvPr>
         </p:nvSpPr>
         <p:spPr>
@@ -8918,11 +9106,11 @@
           </a:ln>
         </p:spPr>
         <p:txBody>
-          <a:bodyPr anchorCtr="0" anchor="ctr" bIns="91425" lIns="91425" spcFirstLastPara="1" rIns="91425" wrap="square" tIns="91425">
+          <a:bodyPr spcFirstLastPara="1" wrap="square" lIns="91425" tIns="91425" rIns="91425" bIns="91425" anchor="ctr" anchorCtr="0">
             <a:normAutofit/>
           </a:bodyPr>
           <a:lstStyle>
-            <a:lvl1pPr indent="-342900" lvl="0" marL="457200" algn="l">
+            <a:lvl1pPr marL="457200" lvl="0" indent="-342900" algn="l">
               <a:lnSpc>
                 <a:spcPct val="115000"/>
               </a:lnSpc>
@@ -8936,7 +9124,7 @@
               <a:buChar char="●"/>
               <a:defRPr/>
             </a:lvl1pPr>
-            <a:lvl2pPr indent="-317500" lvl="1" marL="914400" algn="l">
+            <a:lvl2pPr marL="914400" lvl="1" indent="-317500" algn="l">
               <a:lnSpc>
                 <a:spcPct val="115000"/>
               </a:lnSpc>
@@ -8950,7 +9138,7 @@
               <a:buChar char="○"/>
               <a:defRPr/>
             </a:lvl2pPr>
-            <a:lvl3pPr indent="-317500" lvl="2" marL="1371600" algn="l">
+            <a:lvl3pPr marL="1371600" lvl="2" indent="-317500" algn="l">
               <a:lnSpc>
                 <a:spcPct val="115000"/>
               </a:lnSpc>
@@ -8964,7 +9152,7 @@
               <a:buChar char="■"/>
               <a:defRPr/>
             </a:lvl3pPr>
-            <a:lvl4pPr indent="-317500" lvl="3" marL="1828800" algn="l">
+            <a:lvl4pPr marL="1828800" lvl="3" indent="-317500" algn="l">
               <a:lnSpc>
                 <a:spcPct val="115000"/>
               </a:lnSpc>
@@ -8978,7 +9166,7 @@
               <a:buChar char="●"/>
               <a:defRPr/>
             </a:lvl4pPr>
-            <a:lvl5pPr indent="-317500" lvl="4" marL="2286000" algn="l">
+            <a:lvl5pPr marL="2286000" lvl="4" indent="-317500" algn="l">
               <a:lnSpc>
                 <a:spcPct val="115000"/>
               </a:lnSpc>
@@ -8992,7 +9180,7 @@
               <a:buChar char="○"/>
               <a:defRPr/>
             </a:lvl5pPr>
-            <a:lvl6pPr indent="-317500" lvl="5" marL="2743200" algn="l">
+            <a:lvl6pPr marL="2743200" lvl="5" indent="-317500" algn="l">
               <a:lnSpc>
                 <a:spcPct val="115000"/>
               </a:lnSpc>
@@ -9006,7 +9194,7 @@
               <a:buChar char="■"/>
               <a:defRPr/>
             </a:lvl6pPr>
-            <a:lvl7pPr indent="-317500" lvl="6" marL="3200400" algn="l">
+            <a:lvl7pPr marL="3200400" lvl="6" indent="-317500" algn="l">
               <a:lnSpc>
                 <a:spcPct val="115000"/>
               </a:lnSpc>
@@ -9020,7 +9208,7 @@
               <a:buChar char="●"/>
               <a:defRPr/>
             </a:lvl7pPr>
-            <a:lvl8pPr indent="-317500" lvl="7" marL="3657600" algn="l">
+            <a:lvl8pPr marL="3657600" lvl="7" indent="-317500" algn="l">
               <a:lnSpc>
                 <a:spcPct val="115000"/>
               </a:lnSpc>
@@ -9034,7 +9222,7 @@
               <a:buChar char="○"/>
               <a:defRPr/>
             </a:lvl8pPr>
-            <a:lvl9pPr indent="-317500" lvl="8" marL="4114800" algn="l">
+            <a:lvl9pPr marL="4114800" lvl="8" indent="-317500" algn="l">
               <a:lnSpc>
                 <a:spcPct val="115000"/>
               </a:lnSpc>
@@ -9049,15 +9237,19 @@
               <a:defRPr/>
             </a:lvl9pPr>
           </a:lstStyle>
-          <a:p/>
+          <a:p>
+            <a:endParaRPr/>
+          </a:p>
         </p:txBody>
       </p:sp>
       <p:sp>
         <p:nvSpPr>
           <p:cNvPr id="42" name="Google Shape;42;p24"/>
-          <p:cNvSpPr txBox="1"/>
+          <p:cNvSpPr txBox="1">
+            <a:spLocks noGrp="1"/>
+          </p:cNvSpPr>
           <p:nvPr>
-            <p:ph idx="12" type="sldNum"/>
+            <p:ph type="sldNum" idx="12"/>
           </p:nvPr>
         </p:nvSpPr>
         <p:spPr>
@@ -9074,11 +9266,11 @@
           </a:ln>
         </p:spPr>
         <p:txBody>
-          <a:bodyPr anchorCtr="0" anchor="ctr" bIns="91425" lIns="91425" spcFirstLastPara="1" rIns="91425" wrap="square" tIns="91425">
+          <a:bodyPr spcFirstLastPara="1" wrap="square" lIns="91425" tIns="91425" rIns="91425" bIns="91425" anchor="ctr" anchorCtr="0">
             <a:normAutofit/>
           </a:bodyPr>
           <a:lstStyle>
-            <a:lvl1pPr indent="0" lvl="0" marL="0" marR="0" algn="r">
+            <a:lvl1pPr marL="0" marR="0" lvl="0" indent="0" algn="r">
               <a:lnSpc>
                 <a:spcPct val="100000"/>
               </a:lnSpc>
@@ -9094,7 +9286,7 @@
               <a:buSzPts val="1000"/>
               <a:buFont typeface="Arial"/>
               <a:buNone/>
-              <a:defRPr b="0" i="0" sz="1000" u="none" cap="none" strike="noStrike">
+              <a:defRPr sz="1000" b="0" i="0" u="none" strike="noStrike" cap="none">
                 <a:solidFill>
                   <a:schemeClr val="dk2"/>
                 </a:solidFill>
@@ -9104,7 +9296,7 @@
                 <a:sym typeface="Arial"/>
               </a:defRPr>
             </a:lvl1pPr>
-            <a:lvl2pPr indent="0" lvl="1" marL="0" marR="0" algn="r">
+            <a:lvl2pPr marL="0" marR="0" lvl="1" indent="0" algn="r">
               <a:lnSpc>
                 <a:spcPct val="100000"/>
               </a:lnSpc>
@@ -9120,7 +9312,7 @@
               <a:buSzPts val="1000"/>
               <a:buFont typeface="Arial"/>
               <a:buNone/>
-              <a:defRPr b="0" i="0" sz="1000" u="none" cap="none" strike="noStrike">
+              <a:defRPr sz="1000" b="0" i="0" u="none" strike="noStrike" cap="none">
                 <a:solidFill>
                   <a:schemeClr val="dk2"/>
                 </a:solidFill>
@@ -9130,7 +9322,7 @@
                 <a:sym typeface="Arial"/>
               </a:defRPr>
             </a:lvl2pPr>
-            <a:lvl3pPr indent="0" lvl="2" marL="0" marR="0" algn="r">
+            <a:lvl3pPr marL="0" marR="0" lvl="2" indent="0" algn="r">
               <a:lnSpc>
                 <a:spcPct val="100000"/>
               </a:lnSpc>
@@ -9146,7 +9338,7 @@
               <a:buSzPts val="1000"/>
               <a:buFont typeface="Arial"/>
               <a:buNone/>
-              <a:defRPr b="0" i="0" sz="1000" u="none" cap="none" strike="noStrike">
+              <a:defRPr sz="1000" b="0" i="0" u="none" strike="noStrike" cap="none">
                 <a:solidFill>
                   <a:schemeClr val="dk2"/>
                 </a:solidFill>
@@ -9156,7 +9348,7 @@
                 <a:sym typeface="Arial"/>
               </a:defRPr>
             </a:lvl3pPr>
-            <a:lvl4pPr indent="0" lvl="3" marL="0" marR="0" algn="r">
+            <a:lvl4pPr marL="0" marR="0" lvl="3" indent="0" algn="r">
               <a:lnSpc>
                 <a:spcPct val="100000"/>
               </a:lnSpc>
@@ -9172,7 +9364,7 @@
               <a:buSzPts val="1000"/>
               <a:buFont typeface="Arial"/>
               <a:buNone/>
-              <a:defRPr b="0" i="0" sz="1000" u="none" cap="none" strike="noStrike">
+              <a:defRPr sz="1000" b="0" i="0" u="none" strike="noStrike" cap="none">
                 <a:solidFill>
                   <a:schemeClr val="dk2"/>
                 </a:solidFill>
@@ -9182,7 +9374,7 @@
                 <a:sym typeface="Arial"/>
               </a:defRPr>
             </a:lvl4pPr>
-            <a:lvl5pPr indent="0" lvl="4" marL="0" marR="0" algn="r">
+            <a:lvl5pPr marL="0" marR="0" lvl="4" indent="0" algn="r">
               <a:lnSpc>
                 <a:spcPct val="100000"/>
               </a:lnSpc>
@@ -9198,7 +9390,7 @@
               <a:buSzPts val="1000"/>
               <a:buFont typeface="Arial"/>
               <a:buNone/>
-              <a:defRPr b="0" i="0" sz="1000" u="none" cap="none" strike="noStrike">
+              <a:defRPr sz="1000" b="0" i="0" u="none" strike="noStrike" cap="none">
                 <a:solidFill>
                   <a:schemeClr val="dk2"/>
                 </a:solidFill>
@@ -9208,7 +9400,7 @@
                 <a:sym typeface="Arial"/>
               </a:defRPr>
             </a:lvl5pPr>
-            <a:lvl6pPr indent="0" lvl="5" marL="0" marR="0" algn="r">
+            <a:lvl6pPr marL="0" marR="0" lvl="5" indent="0" algn="r">
               <a:lnSpc>
                 <a:spcPct val="100000"/>
               </a:lnSpc>
@@ -9224,7 +9416,7 @@
               <a:buSzPts val="1000"/>
               <a:buFont typeface="Arial"/>
               <a:buNone/>
-              <a:defRPr b="0" i="0" sz="1000" u="none" cap="none" strike="noStrike">
+              <a:defRPr sz="1000" b="0" i="0" u="none" strike="noStrike" cap="none">
                 <a:solidFill>
                   <a:schemeClr val="dk2"/>
                 </a:solidFill>
@@ -9234,7 +9426,7 @@
                 <a:sym typeface="Arial"/>
               </a:defRPr>
             </a:lvl6pPr>
-            <a:lvl7pPr indent="0" lvl="6" marL="0" marR="0" algn="r">
+            <a:lvl7pPr marL="0" marR="0" lvl="6" indent="0" algn="r">
               <a:lnSpc>
                 <a:spcPct val="100000"/>
               </a:lnSpc>
@@ -9250,7 +9442,7 @@
               <a:buSzPts val="1000"/>
               <a:buFont typeface="Arial"/>
               <a:buNone/>
-              <a:defRPr b="0" i="0" sz="1000" u="none" cap="none" strike="noStrike">
+              <a:defRPr sz="1000" b="0" i="0" u="none" strike="noStrike" cap="none">
                 <a:solidFill>
                   <a:schemeClr val="dk2"/>
                 </a:solidFill>
@@ -9260,7 +9452,7 @@
                 <a:sym typeface="Arial"/>
               </a:defRPr>
             </a:lvl7pPr>
-            <a:lvl8pPr indent="0" lvl="7" marL="0" marR="0" algn="r">
+            <a:lvl8pPr marL="0" marR="0" lvl="7" indent="0" algn="r">
               <a:lnSpc>
                 <a:spcPct val="100000"/>
               </a:lnSpc>
@@ -9276,7 +9468,7 @@
               <a:buSzPts val="1000"/>
               <a:buFont typeface="Arial"/>
               <a:buNone/>
-              <a:defRPr b="0" i="0" sz="1000" u="none" cap="none" strike="noStrike">
+              <a:defRPr sz="1000" b="0" i="0" u="none" strike="noStrike" cap="none">
                 <a:solidFill>
                   <a:schemeClr val="dk2"/>
                 </a:solidFill>
@@ -9286,7 +9478,7 @@
                 <a:sym typeface="Arial"/>
               </a:defRPr>
             </a:lvl8pPr>
-            <a:lvl9pPr indent="0" lvl="8" marL="0" marR="0" algn="r">
+            <a:lvl9pPr marL="0" marR="0" lvl="8" indent="0" algn="r">
               <a:lnSpc>
                 <a:spcPct val="100000"/>
               </a:lnSpc>
@@ -9302,7 +9494,7 @@
               <a:buSzPts val="1000"/>
               <a:buFont typeface="Arial"/>
               <a:buNone/>
-              <a:defRPr b="0" i="0" sz="1000" u="none" cap="none" strike="noStrike">
+              <a:defRPr sz="1000" b="0" i="0" u="none" strike="noStrike" cap="none">
                 <a:solidFill>
                   <a:schemeClr val="dk2"/>
                 </a:solidFill>
@@ -9314,7 +9506,7 @@
             </a:lvl9pPr>
           </a:lstStyle>
           <a:p>
-            <a:pPr indent="0" lvl="0" marL="0" rtl="0" algn="r">
+            <a:pPr marL="0" lvl="0" indent="0" algn="r" rtl="0">
               <a:spcBef>
                 <a:spcPts val="0"/>
               </a:spcBef>
@@ -9340,18 +9532,19 @@
 </file>
 
 <file path=ppt/slideMasters/slideMaster1.xml><?xml version="1.0" encoding="utf-8"?>
-<p:sldMaster xmlns:a="http://schemas.openxmlformats.org/drawingml/2006/main" xmlns:r="http://schemas.openxmlformats.org/officeDocument/2006/relationships" xmlns:mc="http://schemas.openxmlformats.org/markup-compatibility/2006" xmlns:mv="urn:schemas-microsoft-com:mac:vml" xmlns:p="http://schemas.openxmlformats.org/presentationml/2006/main" xmlns:c="http://schemas.openxmlformats.org/drawingml/2006/chart" xmlns:dgm="http://schemas.openxmlformats.org/drawingml/2006/diagram" xmlns:o="urn:schemas-microsoft-com:office:office" xmlns:v="urn:schemas-microsoft-com:vml" xmlns:pvml="urn:schemas-microsoft-com:office:powerpoint" xmlns:com="http://schemas.openxmlformats.org/drawingml/2006/compatibility" xmlns:p14="http://schemas.microsoft.com/office/powerpoint/2010/main" xmlns:p15="http://schemas.microsoft.com/office/powerpoint/2012/main" xmlns:ahyp="http://schemas.microsoft.com/office/drawing/2018/hyperlinkcolor">
+<p:sldMaster xmlns:a="http://schemas.openxmlformats.org/drawingml/2006/main" xmlns:r="http://schemas.openxmlformats.org/officeDocument/2006/relationships" xmlns:p="http://schemas.openxmlformats.org/presentationml/2006/main">
   <p:cSld name="simple-light-2">
     <p:bg>
       <p:bgPr>
         <a:solidFill>
           <a:schemeClr val="lt1"/>
         </a:solidFill>
+        <a:effectLst/>
       </p:bgPr>
     </p:bg>
     <p:spTree>
       <p:nvGrpSpPr>
-        <p:cNvPr id="5" name="Shape 5"/>
+        <p:cNvPr id="1" name="Shape 5"/>
         <p:cNvGrpSpPr/>
         <p:nvPr/>
       </p:nvGrpSpPr>
@@ -9366,7 +9559,9 @@
       <p:sp>
         <p:nvSpPr>
           <p:cNvPr id="6" name="Google Shape;6;p15"/>
-          <p:cNvSpPr txBox="1"/>
+          <p:cNvSpPr txBox="1">
+            <a:spLocks noGrp="1"/>
+          </p:cNvSpPr>
           <p:nvPr>
             <p:ph type="title"/>
           </p:nvPr>
@@ -9385,11 +9580,11 @@
           </a:ln>
         </p:spPr>
         <p:txBody>
-          <a:bodyPr anchorCtr="0" anchor="t" bIns="91425" lIns="91425" spcFirstLastPara="1" rIns="91425" wrap="square" tIns="91425">
+          <a:bodyPr spcFirstLastPara="1" wrap="square" lIns="91425" tIns="91425" rIns="91425" bIns="91425" anchor="t" anchorCtr="0">
             <a:normAutofit/>
           </a:bodyPr>
           <a:lstStyle>
-            <a:lvl1pPr lvl="0" marR="0" rtl="0" algn="l">
+            <a:lvl1pPr marR="0" lvl="0" algn="l" rtl="0">
               <a:lnSpc>
                 <a:spcPct val="100000"/>
               </a:lnSpc>
@@ -9405,7 +9600,7 @@
               <a:buSzPts val="2800"/>
               <a:buFont typeface="Arial"/>
               <a:buNone/>
-              <a:defRPr b="0" i="0" sz="2800" u="none" cap="none" strike="noStrike">
+              <a:defRPr sz="2800" b="0" i="0" u="none" strike="noStrike" cap="none">
                 <a:solidFill>
                   <a:schemeClr val="dk1"/>
                 </a:solidFill>
@@ -9415,7 +9610,7 @@
                 <a:sym typeface="Arial"/>
               </a:defRPr>
             </a:lvl1pPr>
-            <a:lvl2pPr lvl="1" marR="0" rtl="0" algn="l">
+            <a:lvl2pPr marR="0" lvl="1" algn="l" rtl="0">
               <a:lnSpc>
                 <a:spcPct val="100000"/>
               </a:lnSpc>
@@ -9431,7 +9626,7 @@
               <a:buSzPts val="2800"/>
               <a:buFont typeface="Arial"/>
               <a:buNone/>
-              <a:defRPr b="0" i="0" sz="2800" u="none" cap="none" strike="noStrike">
+              <a:defRPr sz="2800" b="0" i="0" u="none" strike="noStrike" cap="none">
                 <a:solidFill>
                   <a:schemeClr val="dk1"/>
                 </a:solidFill>
@@ -9441,7 +9636,7 @@
                 <a:sym typeface="Arial"/>
               </a:defRPr>
             </a:lvl2pPr>
-            <a:lvl3pPr lvl="2" marR="0" rtl="0" algn="l">
+            <a:lvl3pPr marR="0" lvl="2" algn="l" rtl="0">
               <a:lnSpc>
                 <a:spcPct val="100000"/>
               </a:lnSpc>
@@ -9457,7 +9652,7 @@
               <a:buSzPts val="2800"/>
               <a:buFont typeface="Arial"/>
               <a:buNone/>
-              <a:defRPr b="0" i="0" sz="2800" u="none" cap="none" strike="noStrike">
+              <a:defRPr sz="2800" b="0" i="0" u="none" strike="noStrike" cap="none">
                 <a:solidFill>
                   <a:schemeClr val="dk1"/>
                 </a:solidFill>
@@ -9467,7 +9662,7 @@
                 <a:sym typeface="Arial"/>
               </a:defRPr>
             </a:lvl3pPr>
-            <a:lvl4pPr lvl="3" marR="0" rtl="0" algn="l">
+            <a:lvl4pPr marR="0" lvl="3" algn="l" rtl="0">
               <a:lnSpc>
                 <a:spcPct val="100000"/>
               </a:lnSpc>
@@ -9483,7 +9678,7 @@
               <a:buSzPts val="2800"/>
               <a:buFont typeface="Arial"/>
               <a:buNone/>
-              <a:defRPr b="0" i="0" sz="2800" u="none" cap="none" strike="noStrike">
+              <a:defRPr sz="2800" b="0" i="0" u="none" strike="noStrike" cap="none">
                 <a:solidFill>
                   <a:schemeClr val="dk1"/>
                 </a:solidFill>
@@ -9493,7 +9688,7 @@
                 <a:sym typeface="Arial"/>
               </a:defRPr>
             </a:lvl4pPr>
-            <a:lvl5pPr lvl="4" marR="0" rtl="0" algn="l">
+            <a:lvl5pPr marR="0" lvl="4" algn="l" rtl="0">
               <a:lnSpc>
                 <a:spcPct val="100000"/>
               </a:lnSpc>
@@ -9509,7 +9704,7 @@
               <a:buSzPts val="2800"/>
               <a:buFont typeface="Arial"/>
               <a:buNone/>
-              <a:defRPr b="0" i="0" sz="2800" u="none" cap="none" strike="noStrike">
+              <a:defRPr sz="2800" b="0" i="0" u="none" strike="noStrike" cap="none">
                 <a:solidFill>
                   <a:schemeClr val="dk1"/>
                 </a:solidFill>
@@ -9519,7 +9714,7 @@
                 <a:sym typeface="Arial"/>
               </a:defRPr>
             </a:lvl5pPr>
-            <a:lvl6pPr lvl="5" marR="0" rtl="0" algn="l">
+            <a:lvl6pPr marR="0" lvl="5" algn="l" rtl="0">
               <a:lnSpc>
                 <a:spcPct val="100000"/>
               </a:lnSpc>
@@ -9535,7 +9730,7 @@
               <a:buSzPts val="2800"/>
               <a:buFont typeface="Arial"/>
               <a:buNone/>
-              <a:defRPr b="0" i="0" sz="2800" u="none" cap="none" strike="noStrike">
+              <a:defRPr sz="2800" b="0" i="0" u="none" strike="noStrike" cap="none">
                 <a:solidFill>
                   <a:schemeClr val="dk1"/>
                 </a:solidFill>
@@ -9545,7 +9740,7 @@
                 <a:sym typeface="Arial"/>
               </a:defRPr>
             </a:lvl6pPr>
-            <a:lvl7pPr lvl="6" marR="0" rtl="0" algn="l">
+            <a:lvl7pPr marR="0" lvl="6" algn="l" rtl="0">
               <a:lnSpc>
                 <a:spcPct val="100000"/>
               </a:lnSpc>
@@ -9561,7 +9756,7 @@
               <a:buSzPts val="2800"/>
               <a:buFont typeface="Arial"/>
               <a:buNone/>
-              <a:defRPr b="0" i="0" sz="2800" u="none" cap="none" strike="noStrike">
+              <a:defRPr sz="2800" b="0" i="0" u="none" strike="noStrike" cap="none">
                 <a:solidFill>
                   <a:schemeClr val="dk1"/>
                 </a:solidFill>
@@ -9571,7 +9766,7 @@
                 <a:sym typeface="Arial"/>
               </a:defRPr>
             </a:lvl7pPr>
-            <a:lvl8pPr lvl="7" marR="0" rtl="0" algn="l">
+            <a:lvl8pPr marR="0" lvl="7" algn="l" rtl="0">
               <a:lnSpc>
                 <a:spcPct val="100000"/>
               </a:lnSpc>
@@ -9587,7 +9782,7 @@
               <a:buSzPts val="2800"/>
               <a:buFont typeface="Arial"/>
               <a:buNone/>
-              <a:defRPr b="0" i="0" sz="2800" u="none" cap="none" strike="noStrike">
+              <a:defRPr sz="2800" b="0" i="0" u="none" strike="noStrike" cap="none">
                 <a:solidFill>
                   <a:schemeClr val="dk1"/>
                 </a:solidFill>
@@ -9597,7 +9792,7 @@
                 <a:sym typeface="Arial"/>
               </a:defRPr>
             </a:lvl8pPr>
-            <a:lvl9pPr lvl="8" marR="0" rtl="0" algn="l">
+            <a:lvl9pPr marR="0" lvl="8" algn="l" rtl="0">
               <a:lnSpc>
                 <a:spcPct val="100000"/>
               </a:lnSpc>
@@ -9613,7 +9808,7 @@
               <a:buSzPts val="2800"/>
               <a:buFont typeface="Arial"/>
               <a:buNone/>
-              <a:defRPr b="0" i="0" sz="2800" u="none" cap="none" strike="noStrike">
+              <a:defRPr sz="2800" b="0" i="0" u="none" strike="noStrike" cap="none">
                 <a:solidFill>
                   <a:schemeClr val="dk1"/>
                 </a:solidFill>
@@ -9624,15 +9819,19 @@
               </a:defRPr>
             </a:lvl9pPr>
           </a:lstStyle>
-          <a:p/>
+          <a:p>
+            <a:endParaRPr/>
+          </a:p>
         </p:txBody>
       </p:sp>
       <p:sp>
         <p:nvSpPr>
           <p:cNvPr id="7" name="Google Shape;7;p15"/>
-          <p:cNvSpPr txBox="1"/>
+          <p:cNvSpPr txBox="1">
+            <a:spLocks noGrp="1"/>
+          </p:cNvSpPr>
           <p:nvPr>
-            <p:ph idx="1" type="body"/>
+            <p:ph type="body" idx="1"/>
           </p:nvPr>
         </p:nvSpPr>
         <p:spPr>
@@ -9649,11 +9848,11 @@
           </a:ln>
         </p:spPr>
         <p:txBody>
-          <a:bodyPr anchorCtr="0" anchor="t" bIns="91425" lIns="91425" spcFirstLastPara="1" rIns="91425" wrap="square" tIns="91425">
+          <a:bodyPr spcFirstLastPara="1" wrap="square" lIns="91425" tIns="91425" rIns="91425" bIns="91425" anchor="t" anchorCtr="0">
             <a:normAutofit/>
           </a:bodyPr>
           <a:lstStyle>
-            <a:lvl1pPr indent="-342900" lvl="0" marL="457200" marR="0" rtl="0" algn="l">
+            <a:lvl1pPr marL="457200" marR="0" lvl="0" indent="-342900" algn="l" rtl="0">
               <a:lnSpc>
                 <a:spcPct val="115000"/>
               </a:lnSpc>
@@ -9669,7 +9868,7 @@
               <a:buSzPts val="1800"/>
               <a:buFont typeface="Arial"/>
               <a:buChar char="●"/>
-              <a:defRPr b="0" i="0" sz="1800" u="none" cap="none" strike="noStrike">
+              <a:defRPr sz="1800" b="0" i="0" u="none" strike="noStrike" cap="none">
                 <a:solidFill>
                   <a:schemeClr val="dk2"/>
                 </a:solidFill>
@@ -9679,7 +9878,7 @@
                 <a:sym typeface="Arial"/>
               </a:defRPr>
             </a:lvl1pPr>
-            <a:lvl2pPr indent="-317500" lvl="1" marL="914400" marR="0" rtl="0" algn="l">
+            <a:lvl2pPr marL="914400" marR="0" lvl="1" indent="-317500" algn="l" rtl="0">
               <a:lnSpc>
                 <a:spcPct val="115000"/>
               </a:lnSpc>
@@ -9695,7 +9894,7 @@
               <a:buSzPts val="1400"/>
               <a:buFont typeface="Arial"/>
               <a:buChar char="○"/>
-              <a:defRPr b="0" i="0" sz="1400" u="none" cap="none" strike="noStrike">
+              <a:defRPr sz="1400" b="0" i="0" u="none" strike="noStrike" cap="none">
                 <a:solidFill>
                   <a:schemeClr val="dk2"/>
                 </a:solidFill>
@@ -9705,7 +9904,7 @@
                 <a:sym typeface="Arial"/>
               </a:defRPr>
             </a:lvl2pPr>
-            <a:lvl3pPr indent="-317500" lvl="2" marL="1371600" marR="0" rtl="0" algn="l">
+            <a:lvl3pPr marL="1371600" marR="0" lvl="2" indent="-317500" algn="l" rtl="0">
               <a:lnSpc>
                 <a:spcPct val="115000"/>
               </a:lnSpc>
@@ -9721,7 +9920,7 @@
               <a:buSzPts val="1400"/>
               <a:buFont typeface="Arial"/>
               <a:buChar char="■"/>
-              <a:defRPr b="0" i="0" sz="1400" u="none" cap="none" strike="noStrike">
+              <a:defRPr sz="1400" b="0" i="0" u="none" strike="noStrike" cap="none">
                 <a:solidFill>
                   <a:schemeClr val="dk2"/>
                 </a:solidFill>
@@ -9731,7 +9930,7 @@
                 <a:sym typeface="Arial"/>
               </a:defRPr>
             </a:lvl3pPr>
-            <a:lvl4pPr indent="-317500" lvl="3" marL="1828800" marR="0" rtl="0" algn="l">
+            <a:lvl4pPr marL="1828800" marR="0" lvl="3" indent="-317500" algn="l" rtl="0">
               <a:lnSpc>
                 <a:spcPct val="115000"/>
               </a:lnSpc>
@@ -9747,7 +9946,7 @@
               <a:buSzPts val="1400"/>
               <a:buFont typeface="Arial"/>
               <a:buChar char="●"/>
-              <a:defRPr b="0" i="0" sz="1400" u="none" cap="none" strike="noStrike">
+              <a:defRPr sz="1400" b="0" i="0" u="none" strike="noStrike" cap="none">
                 <a:solidFill>
                   <a:schemeClr val="dk2"/>
                 </a:solidFill>
@@ -9757,7 +9956,7 @@
                 <a:sym typeface="Arial"/>
               </a:defRPr>
             </a:lvl4pPr>
-            <a:lvl5pPr indent="-317500" lvl="4" marL="2286000" marR="0" rtl="0" algn="l">
+            <a:lvl5pPr marL="2286000" marR="0" lvl="4" indent="-317500" algn="l" rtl="0">
               <a:lnSpc>
                 <a:spcPct val="115000"/>
               </a:lnSpc>
@@ -9773,7 +9972,7 @@
               <a:buSzPts val="1400"/>
               <a:buFont typeface="Arial"/>
               <a:buChar char="○"/>
-              <a:defRPr b="0" i="0" sz="1400" u="none" cap="none" strike="noStrike">
+              <a:defRPr sz="1400" b="0" i="0" u="none" strike="noStrike" cap="none">
                 <a:solidFill>
                   <a:schemeClr val="dk2"/>
                 </a:solidFill>
@@ -9783,7 +9982,7 @@
                 <a:sym typeface="Arial"/>
               </a:defRPr>
             </a:lvl5pPr>
-            <a:lvl6pPr indent="-317500" lvl="5" marL="2743200" marR="0" rtl="0" algn="l">
+            <a:lvl6pPr marL="2743200" marR="0" lvl="5" indent="-317500" algn="l" rtl="0">
               <a:lnSpc>
                 <a:spcPct val="115000"/>
               </a:lnSpc>
@@ -9799,7 +9998,7 @@
               <a:buSzPts val="1400"/>
               <a:buFont typeface="Arial"/>
               <a:buChar char="■"/>
-              <a:defRPr b="0" i="0" sz="1400" u="none" cap="none" strike="noStrike">
+              <a:defRPr sz="1400" b="0" i="0" u="none" strike="noStrike" cap="none">
                 <a:solidFill>
                   <a:schemeClr val="dk2"/>
                 </a:solidFill>
@@ -9809,7 +10008,7 @@
                 <a:sym typeface="Arial"/>
               </a:defRPr>
             </a:lvl6pPr>
-            <a:lvl7pPr indent="-317500" lvl="6" marL="3200400" marR="0" rtl="0" algn="l">
+            <a:lvl7pPr marL="3200400" marR="0" lvl="6" indent="-317500" algn="l" rtl="0">
               <a:lnSpc>
                 <a:spcPct val="115000"/>
               </a:lnSpc>
@@ -9825,7 +10024,7 @@
               <a:buSzPts val="1400"/>
               <a:buFont typeface="Arial"/>
               <a:buChar char="●"/>
-              <a:defRPr b="0" i="0" sz="1400" u="none" cap="none" strike="noStrike">
+              <a:defRPr sz="1400" b="0" i="0" u="none" strike="noStrike" cap="none">
                 <a:solidFill>
                   <a:schemeClr val="dk2"/>
                 </a:solidFill>
@@ -9835,7 +10034,7 @@
                 <a:sym typeface="Arial"/>
               </a:defRPr>
             </a:lvl7pPr>
-            <a:lvl8pPr indent="-317500" lvl="7" marL="3657600" marR="0" rtl="0" algn="l">
+            <a:lvl8pPr marL="3657600" marR="0" lvl="7" indent="-317500" algn="l" rtl="0">
               <a:lnSpc>
                 <a:spcPct val="115000"/>
               </a:lnSpc>
@@ -9851,7 +10050,7 @@
               <a:buSzPts val="1400"/>
               <a:buFont typeface="Arial"/>
               <a:buChar char="○"/>
-              <a:defRPr b="0" i="0" sz="1400" u="none" cap="none" strike="noStrike">
+              <a:defRPr sz="1400" b="0" i="0" u="none" strike="noStrike" cap="none">
                 <a:solidFill>
                   <a:schemeClr val="dk2"/>
                 </a:solidFill>
@@ -9861,7 +10060,7 @@
                 <a:sym typeface="Arial"/>
               </a:defRPr>
             </a:lvl8pPr>
-            <a:lvl9pPr indent="-317500" lvl="8" marL="4114800" marR="0" rtl="0" algn="l">
+            <a:lvl9pPr marL="4114800" marR="0" lvl="8" indent="-317500" algn="l" rtl="0">
               <a:lnSpc>
                 <a:spcPct val="115000"/>
               </a:lnSpc>
@@ -9877,7 +10076,7 @@
               <a:buSzPts val="1400"/>
               <a:buFont typeface="Arial"/>
               <a:buChar char="■"/>
-              <a:defRPr b="0" i="0" sz="1400" u="none" cap="none" strike="noStrike">
+              <a:defRPr sz="1400" b="0" i="0" u="none" strike="noStrike" cap="none">
                 <a:solidFill>
                   <a:schemeClr val="dk2"/>
                 </a:solidFill>
@@ -9888,15 +10087,19 @@
               </a:defRPr>
             </a:lvl9pPr>
           </a:lstStyle>
-          <a:p/>
+          <a:p>
+            <a:endParaRPr/>
+          </a:p>
         </p:txBody>
       </p:sp>
       <p:sp>
         <p:nvSpPr>
           <p:cNvPr id="8" name="Google Shape;8;p15"/>
-          <p:cNvSpPr txBox="1"/>
+          <p:cNvSpPr txBox="1">
+            <a:spLocks noGrp="1"/>
+          </p:cNvSpPr>
           <p:nvPr>
-            <p:ph idx="12" type="sldNum"/>
+            <p:ph type="sldNum" idx="12"/>
           </p:nvPr>
         </p:nvSpPr>
         <p:spPr>
@@ -9913,11 +10116,11 @@
           </a:ln>
         </p:spPr>
         <p:txBody>
-          <a:bodyPr anchorCtr="0" anchor="ctr" bIns="91425" lIns="91425" spcFirstLastPara="1" rIns="91425" wrap="square" tIns="91425">
+          <a:bodyPr spcFirstLastPara="1" wrap="square" lIns="91425" tIns="91425" rIns="91425" bIns="91425" anchor="ctr" anchorCtr="0">
             <a:normAutofit/>
           </a:bodyPr>
           <a:lstStyle>
-            <a:lvl1pPr indent="0" lvl="0" marL="0" marR="0" rtl="0" algn="r">
+            <a:lvl1pPr marL="0" marR="0" lvl="0" indent="0" algn="r" rtl="0">
               <a:lnSpc>
                 <a:spcPct val="100000"/>
               </a:lnSpc>
@@ -9933,7 +10136,7 @@
               <a:buSzPts val="1000"/>
               <a:buFont typeface="Arial"/>
               <a:buNone/>
-              <a:defRPr b="0" i="0" sz="1000" u="none" cap="none" strike="noStrike">
+              <a:defRPr sz="1000" b="0" i="0" u="none" strike="noStrike" cap="none">
                 <a:solidFill>
                   <a:schemeClr val="dk2"/>
                 </a:solidFill>
@@ -9943,7 +10146,7 @@
                 <a:sym typeface="Arial"/>
               </a:defRPr>
             </a:lvl1pPr>
-            <a:lvl2pPr indent="0" lvl="1" marL="0" marR="0" rtl="0" algn="r">
+            <a:lvl2pPr marL="0" marR="0" lvl="1" indent="0" algn="r" rtl="0">
               <a:lnSpc>
                 <a:spcPct val="100000"/>
               </a:lnSpc>
@@ -9959,7 +10162,7 @@
               <a:buSzPts val="1000"/>
               <a:buFont typeface="Arial"/>
               <a:buNone/>
-              <a:defRPr b="0" i="0" sz="1000" u="none" cap="none" strike="noStrike">
+              <a:defRPr sz="1000" b="0" i="0" u="none" strike="noStrike" cap="none">
                 <a:solidFill>
                   <a:schemeClr val="dk2"/>
                 </a:solidFill>
@@ -9969,7 +10172,7 @@
                 <a:sym typeface="Arial"/>
               </a:defRPr>
             </a:lvl2pPr>
-            <a:lvl3pPr indent="0" lvl="2" marL="0" marR="0" rtl="0" algn="r">
+            <a:lvl3pPr marL="0" marR="0" lvl="2" indent="0" algn="r" rtl="0">
               <a:lnSpc>
                 <a:spcPct val="100000"/>
               </a:lnSpc>
@@ -9985,7 +10188,7 @@
               <a:buSzPts val="1000"/>
               <a:buFont typeface="Arial"/>
               <a:buNone/>
-              <a:defRPr b="0" i="0" sz="1000" u="none" cap="none" strike="noStrike">
+              <a:defRPr sz="1000" b="0" i="0" u="none" strike="noStrike" cap="none">
                 <a:solidFill>
                   <a:schemeClr val="dk2"/>
                 </a:solidFill>
@@ -9995,7 +10198,7 @@
                 <a:sym typeface="Arial"/>
               </a:defRPr>
             </a:lvl3pPr>
-            <a:lvl4pPr indent="0" lvl="3" marL="0" marR="0" rtl="0" algn="r">
+            <a:lvl4pPr marL="0" marR="0" lvl="3" indent="0" algn="r" rtl="0">
               <a:lnSpc>
                 <a:spcPct val="100000"/>
               </a:lnSpc>
@@ -10011,7 +10214,7 @@
               <a:buSzPts val="1000"/>
               <a:buFont typeface="Arial"/>
               <a:buNone/>
-              <a:defRPr b="0" i="0" sz="1000" u="none" cap="none" strike="noStrike">
+              <a:defRPr sz="1000" b="0" i="0" u="none" strike="noStrike" cap="none">
                 <a:solidFill>
                   <a:schemeClr val="dk2"/>
                 </a:solidFill>
@@ -10021,7 +10224,7 @@
                 <a:sym typeface="Arial"/>
               </a:defRPr>
             </a:lvl4pPr>
-            <a:lvl5pPr indent="0" lvl="4" marL="0" marR="0" rtl="0" algn="r">
+            <a:lvl5pPr marL="0" marR="0" lvl="4" indent="0" algn="r" rtl="0">
               <a:lnSpc>
                 <a:spcPct val="100000"/>
               </a:lnSpc>
@@ -10037,7 +10240,7 @@
               <a:buSzPts val="1000"/>
               <a:buFont typeface="Arial"/>
               <a:buNone/>
-              <a:defRPr b="0" i="0" sz="1000" u="none" cap="none" strike="noStrike">
+              <a:defRPr sz="1000" b="0" i="0" u="none" strike="noStrike" cap="none">
                 <a:solidFill>
                   <a:schemeClr val="dk2"/>
                 </a:solidFill>
@@ -10047,7 +10250,7 @@
                 <a:sym typeface="Arial"/>
               </a:defRPr>
             </a:lvl5pPr>
-            <a:lvl6pPr indent="0" lvl="5" marL="0" marR="0" rtl="0" algn="r">
+            <a:lvl6pPr marL="0" marR="0" lvl="5" indent="0" algn="r" rtl="0">
               <a:lnSpc>
                 <a:spcPct val="100000"/>
               </a:lnSpc>
@@ -10063,7 +10266,7 @@
               <a:buSzPts val="1000"/>
               <a:buFont typeface="Arial"/>
               <a:buNone/>
-              <a:defRPr b="0" i="0" sz="1000" u="none" cap="none" strike="noStrike">
+              <a:defRPr sz="1000" b="0" i="0" u="none" strike="noStrike" cap="none">
                 <a:solidFill>
                   <a:schemeClr val="dk2"/>
                 </a:solidFill>
@@ -10073,7 +10276,7 @@
                 <a:sym typeface="Arial"/>
               </a:defRPr>
             </a:lvl6pPr>
-            <a:lvl7pPr indent="0" lvl="6" marL="0" marR="0" rtl="0" algn="r">
+            <a:lvl7pPr marL="0" marR="0" lvl="6" indent="0" algn="r" rtl="0">
               <a:lnSpc>
                 <a:spcPct val="100000"/>
               </a:lnSpc>
@@ -10089,7 +10292,7 @@
               <a:buSzPts val="1000"/>
               <a:buFont typeface="Arial"/>
               <a:buNone/>
-              <a:defRPr b="0" i="0" sz="1000" u="none" cap="none" strike="noStrike">
+              <a:defRPr sz="1000" b="0" i="0" u="none" strike="noStrike" cap="none">
                 <a:solidFill>
                   <a:schemeClr val="dk2"/>
                 </a:solidFill>
@@ -10099,7 +10302,7 @@
                 <a:sym typeface="Arial"/>
               </a:defRPr>
             </a:lvl7pPr>
-            <a:lvl8pPr indent="0" lvl="7" marL="0" marR="0" rtl="0" algn="r">
+            <a:lvl8pPr marL="0" marR="0" lvl="7" indent="0" algn="r" rtl="0">
               <a:lnSpc>
                 <a:spcPct val="100000"/>
               </a:lnSpc>
@@ -10115,7 +10318,7 @@
               <a:buSzPts val="1000"/>
               <a:buFont typeface="Arial"/>
               <a:buNone/>
-              <a:defRPr b="0" i="0" sz="1000" u="none" cap="none" strike="noStrike">
+              <a:defRPr sz="1000" b="0" i="0" u="none" strike="noStrike" cap="none">
                 <a:solidFill>
                   <a:schemeClr val="dk2"/>
                 </a:solidFill>
@@ -10125,7 +10328,7 @@
                 <a:sym typeface="Arial"/>
               </a:defRPr>
             </a:lvl8pPr>
-            <a:lvl9pPr indent="0" lvl="8" marL="0" marR="0" rtl="0" algn="r">
+            <a:lvl9pPr marL="0" marR="0" lvl="8" indent="0" algn="r" rtl="0">
               <a:lnSpc>
                 <a:spcPct val="100000"/>
               </a:lnSpc>
@@ -10141,7 +10344,7 @@
               <a:buSzPts val="1000"/>
               <a:buFont typeface="Arial"/>
               <a:buNone/>
-              <a:defRPr b="0" i="0" sz="1000" u="none" cap="none" strike="noStrike">
+              <a:defRPr sz="1000" b="0" i="0" u="none" strike="noStrike" cap="none">
                 <a:solidFill>
                   <a:schemeClr val="dk2"/>
                 </a:solidFill>
@@ -10153,7 +10356,7 @@
             </a:lvl9pPr>
           </a:lstStyle>
           <a:p>
-            <a:pPr indent="0" lvl="0" marL="0" rtl="0" algn="r">
+            <a:pPr marL="0" lvl="0" indent="0" algn="r" rtl="0">
               <a:spcBef>
                 <a:spcPts val="0"/>
               </a:spcBef>
@@ -10172,7 +10375,7 @@
       </p:sp>
     </p:spTree>
   </p:cSld>
-  <p:clrMap accent1="accent1" accent2="accent2" accent3="accent3" accent4="accent4" accent5="accent5" accent6="accent6" bg1="lt1" bg2="dk2" tx1="dk1" tx2="lt2" folHlink="folHlink" hlink="hlink"/>
+  <p:clrMap bg1="lt1" tx1="dk1" bg2="dk2" tx2="lt2" accent1="accent1" accent2="accent2" accent3="accent3" accent4="accent4" accent5="accent5" accent6="accent6" hlink="hlink" folHlink="folHlink"/>
   <p:sldLayoutIdLst>
     <p:sldLayoutId id="2147483649" r:id="rId1"/>
     <p:sldLayoutId id="2147483650" r:id="rId2"/>
@@ -10187,10 +10390,10 @@
     <p:sldLayoutId id="2147483659" r:id="rId11"/>
     <p:sldLayoutId id="2147483660" r:id="rId12"/>
   </p:sldLayoutIdLst>
-  <p:hf dt="0" ftr="0" hdr="0" sldNum="0"/>
+  <p:hf sldNum="0" hdr="0" ftr="0" dt="0"/>
   <p:txStyles>
     <p:titleStyle>
-      <a:defPPr lvl="0" marR="0" rtl="0" algn="l">
+      <a:defPPr marR="0" lvl="0" algn="l" rtl="0">
         <a:lnSpc>
           <a:spcPct val="100000"/>
         </a:lnSpc>
@@ -10201,7 +10404,7 @@
           <a:spcPts val="0"/>
         </a:spcAft>
       </a:defPPr>
-      <a:lvl1pPr lvl="0" marR="0" rtl="0" algn="l">
+      <a:lvl1pPr marR="0" lvl="0" algn="l" rtl="0">
         <a:lnSpc>
           <a:spcPct val="100000"/>
         </a:lnSpc>
@@ -10215,7 +10418,7 @@
           <a:srgbClr val="000000"/>
         </a:buClr>
         <a:buFont typeface="Arial"/>
-        <a:defRPr b="0" i="0" sz="1400" u="none" cap="none" strike="noStrike">
+        <a:defRPr sz="1400" b="0" i="0" u="none" strike="noStrike" cap="none">
           <a:solidFill>
             <a:srgbClr val="000000"/>
           </a:solidFill>
@@ -10225,7 +10428,7 @@
           <a:sym typeface="Arial"/>
         </a:defRPr>
       </a:lvl1pPr>
-      <a:lvl2pPr lvl="1" marR="0" rtl="0" algn="l">
+      <a:lvl2pPr marR="0" lvl="1" algn="l" rtl="0">
         <a:lnSpc>
           <a:spcPct val="100000"/>
         </a:lnSpc>
@@ -10239,7 +10442,7 @@
           <a:srgbClr val="000000"/>
         </a:buClr>
         <a:buFont typeface="Arial"/>
-        <a:defRPr b="0" i="0" sz="1400" u="none" cap="none" strike="noStrike">
+        <a:defRPr sz="1400" b="0" i="0" u="none" strike="noStrike" cap="none">
           <a:solidFill>
             <a:srgbClr val="000000"/>
           </a:solidFill>
@@ -10249,7 +10452,7 @@
           <a:sym typeface="Arial"/>
         </a:defRPr>
       </a:lvl2pPr>
-      <a:lvl3pPr lvl="2" marR="0" rtl="0" algn="l">
+      <a:lvl3pPr marR="0" lvl="2" algn="l" rtl="0">
         <a:lnSpc>
           <a:spcPct val="100000"/>
         </a:lnSpc>
@@ -10263,7 +10466,7 @@
           <a:srgbClr val="000000"/>
         </a:buClr>
         <a:buFont typeface="Arial"/>
-        <a:defRPr b="0" i="0" sz="1400" u="none" cap="none" strike="noStrike">
+        <a:defRPr sz="1400" b="0" i="0" u="none" strike="noStrike" cap="none">
           <a:solidFill>
             <a:srgbClr val="000000"/>
           </a:solidFill>
@@ -10273,7 +10476,7 @@
           <a:sym typeface="Arial"/>
         </a:defRPr>
       </a:lvl3pPr>
-      <a:lvl4pPr lvl="3" marR="0" rtl="0" algn="l">
+      <a:lvl4pPr marR="0" lvl="3" algn="l" rtl="0">
         <a:lnSpc>
           <a:spcPct val="100000"/>
         </a:lnSpc>
@@ -10287,7 +10490,7 @@
           <a:srgbClr val="000000"/>
         </a:buClr>
         <a:buFont typeface="Arial"/>
-        <a:defRPr b="0" i="0" sz="1400" u="none" cap="none" strike="noStrike">
+        <a:defRPr sz="1400" b="0" i="0" u="none" strike="noStrike" cap="none">
           <a:solidFill>
             <a:srgbClr val="000000"/>
           </a:solidFill>
@@ -10297,7 +10500,7 @@
           <a:sym typeface="Arial"/>
         </a:defRPr>
       </a:lvl4pPr>
-      <a:lvl5pPr lvl="4" marR="0" rtl="0" algn="l">
+      <a:lvl5pPr marR="0" lvl="4" algn="l" rtl="0">
         <a:lnSpc>
           <a:spcPct val="100000"/>
         </a:lnSpc>
@@ -10311,7 +10514,7 @@
           <a:srgbClr val="000000"/>
         </a:buClr>
         <a:buFont typeface="Arial"/>
-        <a:defRPr b="0" i="0" sz="1400" u="none" cap="none" strike="noStrike">
+        <a:defRPr sz="1400" b="0" i="0" u="none" strike="noStrike" cap="none">
           <a:solidFill>
             <a:srgbClr val="000000"/>
           </a:solidFill>
@@ -10321,7 +10524,7 @@
           <a:sym typeface="Arial"/>
         </a:defRPr>
       </a:lvl5pPr>
-      <a:lvl6pPr lvl="5" marR="0" rtl="0" algn="l">
+      <a:lvl6pPr marR="0" lvl="5" algn="l" rtl="0">
         <a:lnSpc>
           <a:spcPct val="100000"/>
         </a:lnSpc>
@@ -10335,7 +10538,7 @@
           <a:srgbClr val="000000"/>
         </a:buClr>
         <a:buFont typeface="Arial"/>
-        <a:defRPr b="0" i="0" sz="1400" u="none" cap="none" strike="noStrike">
+        <a:defRPr sz="1400" b="0" i="0" u="none" strike="noStrike" cap="none">
           <a:solidFill>
             <a:srgbClr val="000000"/>
           </a:solidFill>
@@ -10345,7 +10548,7 @@
           <a:sym typeface="Arial"/>
         </a:defRPr>
       </a:lvl6pPr>
-      <a:lvl7pPr lvl="6" marR="0" rtl="0" algn="l">
+      <a:lvl7pPr marR="0" lvl="6" algn="l" rtl="0">
         <a:lnSpc>
           <a:spcPct val="100000"/>
         </a:lnSpc>
@@ -10359,7 +10562,7 @@
           <a:srgbClr val="000000"/>
         </a:buClr>
         <a:buFont typeface="Arial"/>
-        <a:defRPr b="0" i="0" sz="1400" u="none" cap="none" strike="noStrike">
+        <a:defRPr sz="1400" b="0" i="0" u="none" strike="noStrike" cap="none">
           <a:solidFill>
             <a:srgbClr val="000000"/>
           </a:solidFill>
@@ -10369,7 +10572,7 @@
           <a:sym typeface="Arial"/>
         </a:defRPr>
       </a:lvl7pPr>
-      <a:lvl8pPr lvl="7" marR="0" rtl="0" algn="l">
+      <a:lvl8pPr marR="0" lvl="7" algn="l" rtl="0">
         <a:lnSpc>
           <a:spcPct val="100000"/>
         </a:lnSpc>
@@ -10383,7 +10586,7 @@
           <a:srgbClr val="000000"/>
         </a:buClr>
         <a:buFont typeface="Arial"/>
-        <a:defRPr b="0" i="0" sz="1400" u="none" cap="none" strike="noStrike">
+        <a:defRPr sz="1400" b="0" i="0" u="none" strike="noStrike" cap="none">
           <a:solidFill>
             <a:srgbClr val="000000"/>
           </a:solidFill>
@@ -10393,7 +10596,7 @@
           <a:sym typeface="Arial"/>
         </a:defRPr>
       </a:lvl8pPr>
-      <a:lvl9pPr lvl="8" marR="0" rtl="0" algn="l">
+      <a:lvl9pPr marR="0" lvl="8" algn="l" rtl="0">
         <a:lnSpc>
           <a:spcPct val="100000"/>
         </a:lnSpc>
@@ -10407,7 +10610,7 @@
           <a:srgbClr val="000000"/>
         </a:buClr>
         <a:buFont typeface="Arial"/>
-        <a:defRPr b="0" i="0" sz="1400" u="none" cap="none" strike="noStrike">
+        <a:defRPr sz="1400" b="0" i="0" u="none" strike="noStrike" cap="none">
           <a:solidFill>
             <a:srgbClr val="000000"/>
           </a:solidFill>
@@ -10419,7 +10622,7 @@
       </a:lvl9pPr>
     </p:titleStyle>
     <p:bodyStyle>
-      <a:defPPr lvl="0" marR="0" rtl="0" algn="l">
+      <a:defPPr marR="0" lvl="0" algn="l" rtl="0">
         <a:lnSpc>
           <a:spcPct val="100000"/>
         </a:lnSpc>
@@ -10430,7 +10633,7 @@
           <a:spcPts val="0"/>
         </a:spcAft>
       </a:defPPr>
-      <a:lvl1pPr lvl="0" marR="0" rtl="0" algn="l">
+      <a:lvl1pPr marR="0" lvl="0" algn="l" rtl="0">
         <a:lnSpc>
           <a:spcPct val="100000"/>
         </a:lnSpc>
@@ -10444,7 +10647,7 @@
           <a:srgbClr val="000000"/>
         </a:buClr>
         <a:buFont typeface="Arial"/>
-        <a:defRPr b="0" i="0" sz="1400" u="none" cap="none" strike="noStrike">
+        <a:defRPr sz="1400" b="0" i="0" u="none" strike="noStrike" cap="none">
           <a:solidFill>
             <a:srgbClr val="000000"/>
           </a:solidFill>
@@ -10454,7 +10657,7 @@
           <a:sym typeface="Arial"/>
         </a:defRPr>
       </a:lvl1pPr>
-      <a:lvl2pPr lvl="1" marR="0" rtl="0" algn="l">
+      <a:lvl2pPr marR="0" lvl="1" algn="l" rtl="0">
         <a:lnSpc>
           <a:spcPct val="100000"/>
         </a:lnSpc>
@@ -10468,7 +10671,7 @@
           <a:srgbClr val="000000"/>
         </a:buClr>
         <a:buFont typeface="Arial"/>
-        <a:defRPr b="0" i="0" sz="1400" u="none" cap="none" strike="noStrike">
+        <a:defRPr sz="1400" b="0" i="0" u="none" strike="noStrike" cap="none">
           <a:solidFill>
             <a:srgbClr val="000000"/>
           </a:solidFill>
@@ -10478,7 +10681,7 @@
           <a:sym typeface="Arial"/>
         </a:defRPr>
       </a:lvl2pPr>
-      <a:lvl3pPr lvl="2" marR="0" rtl="0" algn="l">
+      <a:lvl3pPr marR="0" lvl="2" algn="l" rtl="0">
         <a:lnSpc>
           <a:spcPct val="100000"/>
         </a:lnSpc>
@@ -10492,7 +10695,7 @@
           <a:srgbClr val="000000"/>
         </a:buClr>
         <a:buFont typeface="Arial"/>
-        <a:defRPr b="0" i="0" sz="1400" u="none" cap="none" strike="noStrike">
+        <a:defRPr sz="1400" b="0" i="0" u="none" strike="noStrike" cap="none">
           <a:solidFill>
             <a:srgbClr val="000000"/>
           </a:solidFill>
@@ -10502,7 +10705,7 @@
           <a:sym typeface="Arial"/>
         </a:defRPr>
       </a:lvl3pPr>
-      <a:lvl4pPr lvl="3" marR="0" rtl="0" algn="l">
+      <a:lvl4pPr marR="0" lvl="3" algn="l" rtl="0">
         <a:lnSpc>
           <a:spcPct val="100000"/>
         </a:lnSpc>
@@ -10516,7 +10719,7 @@
           <a:srgbClr val="000000"/>
         </a:buClr>
         <a:buFont typeface="Arial"/>
-        <a:defRPr b="0" i="0" sz="1400" u="none" cap="none" strike="noStrike">
+        <a:defRPr sz="1400" b="0" i="0" u="none" strike="noStrike" cap="none">
           <a:solidFill>
             <a:srgbClr val="000000"/>
           </a:solidFill>
@@ -10526,7 +10729,7 @@
           <a:sym typeface="Arial"/>
         </a:defRPr>
       </a:lvl4pPr>
-      <a:lvl5pPr lvl="4" marR="0" rtl="0" algn="l">
+      <a:lvl5pPr marR="0" lvl="4" algn="l" rtl="0">
         <a:lnSpc>
           <a:spcPct val="100000"/>
         </a:lnSpc>
@@ -10540,7 +10743,7 @@
           <a:srgbClr val="000000"/>
         </a:buClr>
         <a:buFont typeface="Arial"/>
-        <a:defRPr b="0" i="0" sz="1400" u="none" cap="none" strike="noStrike">
+        <a:defRPr sz="1400" b="0" i="0" u="none" strike="noStrike" cap="none">
           <a:solidFill>
             <a:srgbClr val="000000"/>
           </a:solidFill>
@@ -10550,7 +10753,7 @@
           <a:sym typeface="Arial"/>
         </a:defRPr>
       </a:lvl5pPr>
-      <a:lvl6pPr lvl="5" marR="0" rtl="0" algn="l">
+      <a:lvl6pPr marR="0" lvl="5" algn="l" rtl="0">
         <a:lnSpc>
           <a:spcPct val="100000"/>
         </a:lnSpc>
@@ -10564,7 +10767,7 @@
           <a:srgbClr val="000000"/>
         </a:buClr>
         <a:buFont typeface="Arial"/>
-        <a:defRPr b="0" i="0" sz="1400" u="none" cap="none" strike="noStrike">
+        <a:defRPr sz="1400" b="0" i="0" u="none" strike="noStrike" cap="none">
           <a:solidFill>
             <a:srgbClr val="000000"/>
           </a:solidFill>
@@ -10574,7 +10777,7 @@
           <a:sym typeface="Arial"/>
         </a:defRPr>
       </a:lvl6pPr>
-      <a:lvl7pPr lvl="6" marR="0" rtl="0" algn="l">
+      <a:lvl7pPr marR="0" lvl="6" algn="l" rtl="0">
         <a:lnSpc>
           <a:spcPct val="100000"/>
         </a:lnSpc>
@@ -10588,7 +10791,7 @@
           <a:srgbClr val="000000"/>
         </a:buClr>
         <a:buFont typeface="Arial"/>
-        <a:defRPr b="0" i="0" sz="1400" u="none" cap="none" strike="noStrike">
+        <a:defRPr sz="1400" b="0" i="0" u="none" strike="noStrike" cap="none">
           <a:solidFill>
             <a:srgbClr val="000000"/>
           </a:solidFill>
@@ -10598,7 +10801,7 @@
           <a:sym typeface="Arial"/>
         </a:defRPr>
       </a:lvl7pPr>
-      <a:lvl8pPr lvl="7" marR="0" rtl="0" algn="l">
+      <a:lvl8pPr marR="0" lvl="7" algn="l" rtl="0">
         <a:lnSpc>
           <a:spcPct val="100000"/>
         </a:lnSpc>
@@ -10612,7 +10815,7 @@
           <a:srgbClr val="000000"/>
         </a:buClr>
         <a:buFont typeface="Arial"/>
-        <a:defRPr b="0" i="0" sz="1400" u="none" cap="none" strike="noStrike">
+        <a:defRPr sz="1400" b="0" i="0" u="none" strike="noStrike" cap="none">
           <a:solidFill>
             <a:srgbClr val="000000"/>
           </a:solidFill>
@@ -10622,7 +10825,7 @@
           <a:sym typeface="Arial"/>
         </a:defRPr>
       </a:lvl8pPr>
-      <a:lvl9pPr lvl="8" marR="0" rtl="0" algn="l">
+      <a:lvl9pPr marR="0" lvl="8" algn="l" rtl="0">
         <a:lnSpc>
           <a:spcPct val="100000"/>
         </a:lnSpc>
@@ -10636,7 +10839,7 @@
           <a:srgbClr val="000000"/>
         </a:buClr>
         <a:buFont typeface="Arial"/>
-        <a:defRPr b="0" i="0" sz="1400" u="none" cap="none" strike="noStrike">
+        <a:defRPr sz="1400" b="0" i="0" u="none" strike="noStrike" cap="none">
           <a:solidFill>
             <a:srgbClr val="000000"/>
           </a:solidFill>
@@ -10648,7 +10851,7 @@
       </a:lvl9pPr>
     </p:bodyStyle>
     <p:otherStyle>
-      <a:defPPr lvl="0" marR="0" rtl="0" algn="l">
+      <a:defPPr marR="0" lvl="0" algn="l" rtl="0">
         <a:lnSpc>
           <a:spcPct val="100000"/>
         </a:lnSpc>
@@ -10659,7 +10862,7 @@
           <a:spcPts val="0"/>
         </a:spcAft>
       </a:defPPr>
-      <a:lvl1pPr lvl="0" marR="0" rtl="0" algn="l">
+      <a:lvl1pPr marR="0" lvl="0" algn="l" rtl="0">
         <a:lnSpc>
           <a:spcPct val="100000"/>
         </a:lnSpc>
@@ -10673,7 +10876,7 @@
           <a:srgbClr val="000000"/>
         </a:buClr>
         <a:buFont typeface="Arial"/>
-        <a:defRPr b="0" i="0" sz="1400" u="none" cap="none" strike="noStrike">
+        <a:defRPr sz="1400" b="0" i="0" u="none" strike="noStrike" cap="none">
           <a:solidFill>
             <a:srgbClr val="000000"/>
           </a:solidFill>
@@ -10683,7 +10886,7 @@
           <a:sym typeface="Arial"/>
         </a:defRPr>
       </a:lvl1pPr>
-      <a:lvl2pPr lvl="1" marR="0" rtl="0" algn="l">
+      <a:lvl2pPr marR="0" lvl="1" algn="l" rtl="0">
         <a:lnSpc>
           <a:spcPct val="100000"/>
         </a:lnSpc>
@@ -10697,7 +10900,7 @@
           <a:srgbClr val="000000"/>
         </a:buClr>
         <a:buFont typeface="Arial"/>
-        <a:defRPr b="0" i="0" sz="1400" u="none" cap="none" strike="noStrike">
+        <a:defRPr sz="1400" b="0" i="0" u="none" strike="noStrike" cap="none">
           <a:solidFill>
             <a:srgbClr val="000000"/>
           </a:solidFill>
@@ -10707,7 +10910,7 @@
           <a:sym typeface="Arial"/>
         </a:defRPr>
       </a:lvl2pPr>
-      <a:lvl3pPr lvl="2" marR="0" rtl="0" algn="l">
+      <a:lvl3pPr marR="0" lvl="2" algn="l" rtl="0">
         <a:lnSpc>
           <a:spcPct val="100000"/>
         </a:lnSpc>
@@ -10721,7 +10924,7 @@
           <a:srgbClr val="000000"/>
         </a:buClr>
         <a:buFont typeface="Arial"/>
-        <a:defRPr b="0" i="0" sz="1400" u="none" cap="none" strike="noStrike">
+        <a:defRPr sz="1400" b="0" i="0" u="none" strike="noStrike" cap="none">
           <a:solidFill>
             <a:srgbClr val="000000"/>
           </a:solidFill>
@@ -10731,7 +10934,7 @@
           <a:sym typeface="Arial"/>
         </a:defRPr>
       </a:lvl3pPr>
-      <a:lvl4pPr lvl="3" marR="0" rtl="0" algn="l">
+      <a:lvl4pPr marR="0" lvl="3" algn="l" rtl="0">
         <a:lnSpc>
           <a:spcPct val="100000"/>
         </a:lnSpc>
@@ -10745,7 +10948,7 @@
           <a:srgbClr val="000000"/>
         </a:buClr>
         <a:buFont typeface="Arial"/>
-        <a:defRPr b="0" i="0" sz="1400" u="none" cap="none" strike="noStrike">
+        <a:defRPr sz="1400" b="0" i="0" u="none" strike="noStrike" cap="none">
           <a:solidFill>
             <a:srgbClr val="000000"/>
           </a:solidFill>
@@ -10755,7 +10958,7 @@
           <a:sym typeface="Arial"/>
         </a:defRPr>
       </a:lvl4pPr>
-      <a:lvl5pPr lvl="4" marR="0" rtl="0" algn="l">
+      <a:lvl5pPr marR="0" lvl="4" algn="l" rtl="0">
         <a:lnSpc>
           <a:spcPct val="100000"/>
         </a:lnSpc>
@@ -10769,7 +10972,7 @@
           <a:srgbClr val="000000"/>
         </a:buClr>
         <a:buFont typeface="Arial"/>
-        <a:defRPr b="0" i="0" sz="1400" u="none" cap="none" strike="noStrike">
+        <a:defRPr sz="1400" b="0" i="0" u="none" strike="noStrike" cap="none">
           <a:solidFill>
             <a:srgbClr val="000000"/>
           </a:solidFill>
@@ -10779,7 +10982,7 @@
           <a:sym typeface="Arial"/>
         </a:defRPr>
       </a:lvl5pPr>
-      <a:lvl6pPr lvl="5" marR="0" rtl="0" algn="l">
+      <a:lvl6pPr marR="0" lvl="5" algn="l" rtl="0">
         <a:lnSpc>
           <a:spcPct val="100000"/>
         </a:lnSpc>
@@ -10793,7 +10996,7 @@
           <a:srgbClr val="000000"/>
         </a:buClr>
         <a:buFont typeface="Arial"/>
-        <a:defRPr b="0" i="0" sz="1400" u="none" cap="none" strike="noStrike">
+        <a:defRPr sz="1400" b="0" i="0" u="none" strike="noStrike" cap="none">
           <a:solidFill>
             <a:srgbClr val="000000"/>
           </a:solidFill>
@@ -10803,7 +11006,7 @@
           <a:sym typeface="Arial"/>
         </a:defRPr>
       </a:lvl6pPr>
-      <a:lvl7pPr lvl="6" marR="0" rtl="0" algn="l">
+      <a:lvl7pPr marR="0" lvl="6" algn="l" rtl="0">
         <a:lnSpc>
           <a:spcPct val="100000"/>
         </a:lnSpc>
@@ -10817,7 +11020,7 @@
           <a:srgbClr val="000000"/>
         </a:buClr>
         <a:buFont typeface="Arial"/>
-        <a:defRPr b="0" i="0" sz="1400" u="none" cap="none" strike="noStrike">
+        <a:defRPr sz="1400" b="0" i="0" u="none" strike="noStrike" cap="none">
           <a:solidFill>
             <a:srgbClr val="000000"/>
           </a:solidFill>
@@ -10827,7 +11030,7 @@
           <a:sym typeface="Arial"/>
         </a:defRPr>
       </a:lvl7pPr>
-      <a:lvl8pPr lvl="7" marR="0" rtl="0" algn="l">
+      <a:lvl8pPr marR="0" lvl="7" algn="l" rtl="0">
         <a:lnSpc>
           <a:spcPct val="100000"/>
         </a:lnSpc>
@@ -10841,7 +11044,7 @@
           <a:srgbClr val="000000"/>
         </a:buClr>
         <a:buFont typeface="Arial"/>
-        <a:defRPr b="0" i="0" sz="1400" u="none" cap="none" strike="noStrike">
+        <a:defRPr sz="1400" b="0" i="0" u="none" strike="noStrike" cap="none">
           <a:solidFill>
             <a:srgbClr val="000000"/>
           </a:solidFill>
@@ -10851,7 +11054,7 @@
           <a:sym typeface="Arial"/>
         </a:defRPr>
       </a:lvl8pPr>
-      <a:lvl9pPr lvl="8" marR="0" rtl="0" algn="l">
+      <a:lvl9pPr marR="0" lvl="8" algn="l" rtl="0">
         <a:lnSpc>
           <a:spcPct val="100000"/>
         </a:lnSpc>
@@ -10865,7 +11068,7 @@
           <a:srgbClr val="000000"/>
         </a:buClr>
         <a:buFont typeface="Arial"/>
-        <a:defRPr b="0" i="0" sz="1400" u="none" cap="none" strike="noStrike">
+        <a:defRPr sz="1400" b="0" i="0" u="none" strike="noStrike" cap="none">
           <a:solidFill>
             <a:srgbClr val="000000"/>
           </a:solidFill>
@@ -10881,11 +11084,11 @@
 </file>
 
 <file path=ppt/slides/slide1.xml><?xml version="1.0" encoding="utf-8"?>
-<p:sld xmlns:a="http://schemas.openxmlformats.org/drawingml/2006/main" xmlns:r="http://schemas.openxmlformats.org/officeDocument/2006/relationships" xmlns:mc="http://schemas.openxmlformats.org/markup-compatibility/2006" xmlns:mv="urn:schemas-microsoft-com:mac:vml" xmlns:p="http://schemas.openxmlformats.org/presentationml/2006/main" xmlns:c="http://schemas.openxmlformats.org/drawingml/2006/chart" xmlns:dgm="http://schemas.openxmlformats.org/drawingml/2006/diagram" xmlns:o="urn:schemas-microsoft-com:office:office" xmlns:v="urn:schemas-microsoft-com:vml" xmlns:pvml="urn:schemas-microsoft-com:office:powerpoint" xmlns:com="http://schemas.openxmlformats.org/drawingml/2006/compatibility" xmlns:p14="http://schemas.microsoft.com/office/powerpoint/2010/main" xmlns:p15="http://schemas.microsoft.com/office/powerpoint/2012/main" xmlns:ahyp="http://schemas.microsoft.com/office/drawing/2018/hyperlinkcolor">
+<p:sld xmlns:a="http://schemas.openxmlformats.org/drawingml/2006/main" xmlns:r="http://schemas.openxmlformats.org/officeDocument/2006/relationships" xmlns:p="http://schemas.openxmlformats.org/presentationml/2006/main">
   <p:cSld>
     <p:spTree>
       <p:nvGrpSpPr>
-        <p:cNvPr id="57" name="Shape 57"/>
+        <p:cNvPr id="1" name="Shape 57"/>
         <p:cNvGrpSpPr/>
         <p:nvPr/>
       </p:nvGrpSpPr>
@@ -10917,12 +11120,12 @@
           </a:ln>
         </p:spPr>
         <p:txBody>
-          <a:bodyPr anchorCtr="0" anchor="b" bIns="91425" lIns="90000" spcFirstLastPara="1" rIns="90000" wrap="square" tIns="91425">
+          <a:bodyPr spcFirstLastPara="1" wrap="square" lIns="90000" tIns="91425" rIns="90000" bIns="91425" anchor="b" anchorCtr="0">
             <a:noAutofit/>
           </a:bodyPr>
           <a:lstStyle/>
           <a:p>
-            <a:pPr indent="0" lvl="0" marL="0" marR="0" rtl="0" algn="ctr">
+            <a:pPr marL="0" marR="0" lvl="0" indent="0" algn="ctr" rtl="0">
               <a:lnSpc>
                 <a:spcPct val="100000"/>
               </a:lnSpc>
@@ -10940,7 +11143,7 @@
               <a:buNone/>
             </a:pPr>
             <a:r>
-              <a:rPr b="0" i="0" lang="en" sz="5200" u="none" cap="none" strike="noStrike">
+              <a:rPr lang="en" sz="5200" b="0" i="0" u="none" strike="noStrike" cap="none">
                 <a:solidFill>
                   <a:srgbClr val="000000"/>
                 </a:solidFill>
@@ -10951,7 +11154,7 @@
               </a:rPr>
               <a:t>CS 4476/6476 Project 3</a:t>
             </a:r>
-            <a:endParaRPr b="0" i="0" sz="5200" u="none" cap="none" strike="noStrike">
+            <a:endParaRPr sz="5200" b="0" i="0" u="none" strike="noStrike" cap="none">
               <a:solidFill>
                 <a:schemeClr val="dk1"/>
               </a:solidFill>
@@ -10983,12 +11186,12 @@
           </a:ln>
         </p:spPr>
         <p:txBody>
-          <a:bodyPr anchorCtr="0" anchor="t" bIns="91425" lIns="90000" spcFirstLastPara="1" rIns="90000" wrap="square" tIns="91425">
+          <a:bodyPr spcFirstLastPara="1" wrap="square" lIns="90000" tIns="91425" rIns="90000" bIns="91425" anchor="t" anchorCtr="0">
             <a:noAutofit/>
           </a:bodyPr>
           <a:lstStyle/>
           <a:p>
-            <a:pPr indent="0" lvl="0" marL="0" marR="0" rtl="0" algn="ctr">
+            <a:pPr marL="0" marR="0" lvl="0" indent="0" algn="ctr" rtl="0">
               <a:lnSpc>
                 <a:spcPct val="100000"/>
               </a:lnSpc>
@@ -11006,7 +11209,7 @@
               <a:buNone/>
             </a:pPr>
             <a:r>
-              <a:rPr b="0" i="0" lang="en" sz="2800" u="none" cap="none" strike="noStrike">
+              <a:rPr lang="en" sz="2800" b="0" i="0" u="none" strike="noStrike" cap="none">
                 <a:solidFill>
                   <a:srgbClr val="595959"/>
                 </a:solidFill>
@@ -11017,7 +11220,7 @@
               </a:rPr>
               <a:t>[name]</a:t>
             </a:r>
-            <a:endParaRPr b="0" i="0" sz="2800" u="none" cap="none" strike="noStrike">
+            <a:endParaRPr sz="2800" b="0" i="0" u="none" strike="noStrike" cap="none">
               <a:solidFill>
                 <a:schemeClr val="dk1"/>
               </a:solidFill>
@@ -11028,7 +11231,7 @@
             </a:endParaRPr>
           </a:p>
           <a:p>
-            <a:pPr indent="0" lvl="0" marL="0" marR="0" rtl="0" algn="ctr">
+            <a:pPr marL="0" marR="0" lvl="0" indent="0" algn="ctr" rtl="0">
               <a:lnSpc>
                 <a:spcPct val="100000"/>
               </a:lnSpc>
@@ -11046,7 +11249,7 @@
               <a:buNone/>
             </a:pPr>
             <a:r>
-              <a:rPr b="0" i="0" lang="en" sz="2800" u="none" cap="none" strike="noStrike">
+              <a:rPr lang="en" sz="2800" b="0" i="0" u="none" strike="noStrike" cap="none">
                 <a:solidFill>
                   <a:srgbClr val="595959"/>
                 </a:solidFill>
@@ -11057,7 +11260,7 @@
               </a:rPr>
               <a:t>[GT email]</a:t>
             </a:r>
-            <a:endParaRPr b="0" i="0" sz="2800" u="none" cap="none" strike="noStrike">
+            <a:endParaRPr sz="2800" b="0" i="0" u="none" strike="noStrike" cap="none">
               <a:solidFill>
                 <a:srgbClr val="595959"/>
               </a:solidFill>
@@ -11068,7 +11271,7 @@
             </a:endParaRPr>
           </a:p>
           <a:p>
-            <a:pPr indent="0" lvl="0" marL="0" marR="0" rtl="0" algn="ctr">
+            <a:pPr marL="0" marR="0" lvl="0" indent="0" algn="ctr" rtl="0">
               <a:lnSpc>
                 <a:spcPct val="100000"/>
               </a:lnSpc>
@@ -11086,7 +11289,7 @@
               <a:buNone/>
             </a:pPr>
             <a:r>
-              <a:rPr b="0" i="0" lang="en" sz="2800" u="none" cap="none" strike="noStrike">
+              <a:rPr lang="en" sz="2800" b="0" i="0" u="none" strike="noStrike" cap="none">
                 <a:solidFill>
                   <a:srgbClr val="595959"/>
                 </a:solidFill>
@@ -11097,7 +11300,7 @@
               </a:rPr>
               <a:t>[GT username]</a:t>
             </a:r>
-            <a:endParaRPr b="0" i="0" sz="2800" u="none" cap="none" strike="noStrike">
+            <a:endParaRPr sz="2800" b="0" i="0" u="none" strike="noStrike" cap="none">
               <a:solidFill>
                 <a:srgbClr val="595959"/>
               </a:solidFill>
@@ -11108,7 +11311,7 @@
             </a:endParaRPr>
           </a:p>
           <a:p>
-            <a:pPr indent="0" lvl="0" marL="0" marR="0" rtl="0" algn="ctr">
+            <a:pPr marL="0" marR="0" lvl="0" indent="0" algn="ctr" rtl="0">
               <a:lnSpc>
                 <a:spcPct val="100000"/>
               </a:lnSpc>
@@ -11126,7 +11329,7 @@
               <a:buNone/>
             </a:pPr>
             <a:r>
-              <a:rPr b="0" i="0" lang="en" sz="2800" u="none" cap="none" strike="noStrike">
+              <a:rPr lang="en" sz="2800" b="0" i="0" u="none" strike="noStrike" cap="none">
                 <a:solidFill>
                   <a:srgbClr val="595959"/>
                 </a:solidFill>
@@ -11137,7 +11340,7 @@
               </a:rPr>
               <a:t>[GTID]</a:t>
             </a:r>
-            <a:endParaRPr b="0" i="0" sz="2800" u="none" cap="none" strike="noStrike">
+            <a:endParaRPr sz="2800" b="0" i="0" u="none" strike="noStrike" cap="none">
               <a:solidFill>
                 <a:schemeClr val="dk1"/>
               </a:solidFill>
@@ -11158,11 +11361,11 @@
 </file>
 
 <file path=ppt/slides/slide10.xml><?xml version="1.0" encoding="utf-8"?>
-<p:sld xmlns:a="http://schemas.openxmlformats.org/drawingml/2006/main" xmlns:r="http://schemas.openxmlformats.org/officeDocument/2006/relationships" xmlns:mc="http://schemas.openxmlformats.org/markup-compatibility/2006" xmlns:mv="urn:schemas-microsoft-com:mac:vml" xmlns:p="http://schemas.openxmlformats.org/presentationml/2006/main" xmlns:c="http://schemas.openxmlformats.org/drawingml/2006/chart" xmlns:dgm="http://schemas.openxmlformats.org/drawingml/2006/diagram" xmlns:o="urn:schemas-microsoft-com:office:office" xmlns:v="urn:schemas-microsoft-com:vml" xmlns:pvml="urn:schemas-microsoft-com:office:powerpoint" xmlns:com="http://schemas.openxmlformats.org/drawingml/2006/compatibility" xmlns:p14="http://schemas.microsoft.com/office/powerpoint/2010/main" xmlns:p15="http://schemas.microsoft.com/office/powerpoint/2012/main" xmlns:ahyp="http://schemas.microsoft.com/office/drawing/2018/hyperlinkcolor">
+<p:sld xmlns:a="http://schemas.openxmlformats.org/drawingml/2006/main" xmlns:r="http://schemas.openxmlformats.org/officeDocument/2006/relationships" xmlns:p="http://schemas.openxmlformats.org/presentationml/2006/main">
   <p:cSld>
     <p:spTree>
       <p:nvGrpSpPr>
-        <p:cNvPr id="116" name="Shape 116"/>
+        <p:cNvPr id="1" name="Shape 116"/>
         <p:cNvGrpSpPr/>
         <p:nvPr/>
       </p:nvGrpSpPr>
@@ -11177,7 +11380,9 @@
       <p:sp>
         <p:nvSpPr>
           <p:cNvPr id="117" name="Google Shape;117;p10"/>
-          <p:cNvSpPr txBox="1"/>
+          <p:cNvSpPr txBox="1">
+            <a:spLocks noGrp="1"/>
+          </p:cNvSpPr>
           <p:nvPr>
             <p:ph type="title"/>
           </p:nvPr>
@@ -11196,12 +11401,12 @@
           </a:ln>
         </p:spPr>
         <p:txBody>
-          <a:bodyPr anchorCtr="0" anchor="t" bIns="91425" lIns="91425" spcFirstLastPara="1" rIns="91425" wrap="square" tIns="91425">
+          <a:bodyPr spcFirstLastPara="1" wrap="square" lIns="91425" tIns="91425" rIns="91425" bIns="91425" anchor="t" anchorCtr="0">
             <a:normAutofit fontScale="90000"/>
           </a:bodyPr>
           <a:lstStyle/>
           <a:p>
-            <a:pPr indent="0" lvl="0" marL="0" rtl="0" algn="l">
+            <a:pPr marL="0" lvl="0" indent="0" algn="l" rtl="0">
               <a:lnSpc>
                 <a:spcPct val="100000"/>
               </a:lnSpc>
@@ -11225,9 +11430,11 @@
       <p:sp>
         <p:nvSpPr>
           <p:cNvPr id="118" name="Google Shape;118;p10"/>
-          <p:cNvSpPr txBox="1"/>
+          <p:cNvSpPr txBox="1">
+            <a:spLocks noGrp="1"/>
+          </p:cNvSpPr>
           <p:nvPr>
-            <p:ph idx="1" type="body"/>
+            <p:ph type="body" idx="1"/>
           </p:nvPr>
         </p:nvSpPr>
         <p:spPr>
@@ -11244,12 +11451,12 @@
           </a:ln>
         </p:spPr>
         <p:txBody>
-          <a:bodyPr anchorCtr="0" anchor="t" bIns="91425" lIns="91425" spcFirstLastPara="1" rIns="91425" wrap="square" tIns="91425">
-            <a:normAutofit/>
+          <a:bodyPr spcFirstLastPara="1" wrap="square" lIns="91425" tIns="91425" rIns="91425" bIns="91425" anchor="t" anchorCtr="0">
+            <a:normAutofit fontScale="92500"/>
           </a:bodyPr>
           <a:lstStyle/>
           <a:p>
-            <a:pPr indent="0" lvl="0" marL="0" rtl="0" algn="l">
+            <a:pPr marL="0" lvl="0" indent="0" algn="l" rtl="0">
               <a:lnSpc>
                 <a:spcPct val="115000"/>
               </a:lnSpc>
@@ -11263,13 +11470,17 @@
               <a:buNone/>
             </a:pPr>
             <a:r>
+              <a:rPr lang="en" dirty="0"/>
+              <a:t>[How many RANSAC iterations would we need to find the fundamental matrix with 99.9% certainty from your Mt. Rushmore and Notre Dame SIFT results assuming that they had a 90% point correspondence accuracy </a:t>
+            </a:r>
+            <a:r>
               <a:rPr lang="en"/>
-              <a:t>[How many RANSAC iterations would we need to find the fundamental matrix with 99.9% certainty from your Mt. Rushmore and Notre Dame SIFT results assuming that they had a 90% point correspondence accuracy?]</a:t>
+              <a:t>if there are 9 points?] </a:t>
             </a:r>
-            <a:endParaRPr/>
+            <a:endParaRPr dirty="0"/>
           </a:p>
           <a:p>
-            <a:pPr indent="0" lvl="0" marL="0" rtl="0" algn="l">
+            <a:pPr marL="0" lvl="0" indent="0" algn="l" rtl="0">
               <a:lnSpc>
                 <a:spcPct val="115000"/>
               </a:lnSpc>
@@ -11278,43 +11489,42 @@
               </a:spcBef>
               <a:spcAft>
                 <a:spcPts val="0"/>
+              </a:spcAft>
+              <a:buSzPts val="1400"/>
+              <a:buNone/>
+            </a:pPr>
+            <a:endParaRPr dirty="0"/>
+          </a:p>
+          <a:p>
+            <a:pPr marL="0" lvl="0" indent="0" algn="l" rtl="0">
+              <a:lnSpc>
+                <a:spcPct val="115000"/>
+              </a:lnSpc>
+              <a:spcBef>
+                <a:spcPts val="1200"/>
+              </a:spcBef>
+              <a:spcAft>
+                <a:spcPts val="1200"/>
               </a:spcAft>
               <a:buSzPts val="1400"/>
               <a:buNone/>
             </a:pPr>
             <a:r>
-              <a:t/>
-            </a:r>
-            <a:endParaRPr/>
-          </a:p>
-          <a:p>
-            <a:pPr indent="0" lvl="0" marL="0" rtl="0" algn="l">
-              <a:lnSpc>
-                <a:spcPct val="115000"/>
-              </a:lnSpc>
-              <a:spcBef>
-                <a:spcPts val="1200"/>
-              </a:spcBef>
-              <a:spcAft>
-                <a:spcPts val="1200"/>
-              </a:spcAft>
-              <a:buSzPts val="1400"/>
-              <a:buNone/>
-            </a:pPr>
-            <a:r>
-              <a:rPr lang="en"/>
+              <a:rPr lang="en" dirty="0"/>
               <a:t>[One might imagine that if we had more than 9 point correspondences, it would be better to use more of them to solve for the fundamental matrix. Investigate this by finding the # of RANSAC iterations you would need to run with 18 points.]</a:t>
             </a:r>
-            <a:endParaRPr/>
+            <a:endParaRPr dirty="0"/>
           </a:p>
         </p:txBody>
       </p:sp>
       <p:sp>
         <p:nvSpPr>
           <p:cNvPr id="119" name="Google Shape;119;p10"/>
-          <p:cNvSpPr txBox="1"/>
+          <p:cNvSpPr txBox="1">
+            <a:spLocks noGrp="1"/>
+          </p:cNvSpPr>
           <p:nvPr>
-            <p:ph idx="2" type="body"/>
+            <p:ph type="body" idx="2"/>
           </p:nvPr>
         </p:nvSpPr>
         <p:spPr>
@@ -11331,12 +11541,12 @@
           </a:ln>
         </p:spPr>
         <p:txBody>
-          <a:bodyPr anchorCtr="0" anchor="t" bIns="91425" lIns="91425" spcFirstLastPara="1" rIns="91425" wrap="square" tIns="91425">
+          <a:bodyPr spcFirstLastPara="1" wrap="square" lIns="91425" tIns="91425" rIns="91425" bIns="91425" anchor="t" anchorCtr="0">
             <a:normAutofit/>
           </a:bodyPr>
           <a:lstStyle/>
           <a:p>
-            <a:pPr indent="0" lvl="0" marL="0" rtl="0" algn="l">
+            <a:pPr marL="0" lvl="0" indent="0" algn="l" rtl="0">
               <a:lnSpc>
                 <a:spcPct val="115000"/>
               </a:lnSpc>
@@ -11366,11 +11576,11 @@
 </file>
 
 <file path=ppt/slides/slide11.xml><?xml version="1.0" encoding="utf-8"?>
-<p:sld xmlns:a="http://schemas.openxmlformats.org/drawingml/2006/main" xmlns:r="http://schemas.openxmlformats.org/officeDocument/2006/relationships" xmlns:mc="http://schemas.openxmlformats.org/markup-compatibility/2006" xmlns:mv="urn:schemas-microsoft-com:mac:vml" xmlns:p="http://schemas.openxmlformats.org/presentationml/2006/main" xmlns:c="http://schemas.openxmlformats.org/drawingml/2006/chart" xmlns:dgm="http://schemas.openxmlformats.org/drawingml/2006/diagram" xmlns:o="urn:schemas-microsoft-com:office:office" xmlns:v="urn:schemas-microsoft-com:vml" xmlns:pvml="urn:schemas-microsoft-com:office:powerpoint" xmlns:com="http://schemas.openxmlformats.org/drawingml/2006/compatibility" xmlns:p14="http://schemas.microsoft.com/office/powerpoint/2010/main" xmlns:p15="http://schemas.microsoft.com/office/powerpoint/2012/main" xmlns:ahyp="http://schemas.microsoft.com/office/drawing/2018/hyperlinkcolor">
+<p:sld xmlns:a="http://schemas.openxmlformats.org/drawingml/2006/main" xmlns:r="http://schemas.openxmlformats.org/officeDocument/2006/relationships" xmlns:p="http://schemas.openxmlformats.org/presentationml/2006/main">
   <p:cSld>
     <p:spTree>
       <p:nvGrpSpPr>
-        <p:cNvPr id="123" name="Shape 123"/>
+        <p:cNvPr id="1" name="Shape 123"/>
         <p:cNvGrpSpPr/>
         <p:nvPr/>
       </p:nvGrpSpPr>
@@ -11385,7 +11595,9 @@
       <p:sp>
         <p:nvSpPr>
           <p:cNvPr id="124" name="Google Shape;124;p11"/>
-          <p:cNvSpPr txBox="1"/>
+          <p:cNvSpPr txBox="1">
+            <a:spLocks noGrp="1"/>
+          </p:cNvSpPr>
           <p:nvPr>
             <p:ph type="title"/>
           </p:nvPr>
@@ -11404,12 +11616,12 @@
           </a:ln>
         </p:spPr>
         <p:txBody>
-          <a:bodyPr anchorCtr="0" anchor="t" bIns="91425" lIns="91425" spcFirstLastPara="1" rIns="91425" wrap="square" tIns="91425">
+          <a:bodyPr spcFirstLastPara="1" wrap="square" lIns="91425" tIns="91425" rIns="91425" bIns="91425" anchor="t" anchorCtr="0">
             <a:normAutofit fontScale="90000"/>
           </a:bodyPr>
           <a:lstStyle/>
           <a:p>
-            <a:pPr indent="0" lvl="0" marL="0" rtl="0" algn="l">
+            <a:pPr marL="0" lvl="0" indent="0" algn="l" rtl="0">
               <a:lnSpc>
                 <a:spcPct val="100000"/>
               </a:lnSpc>
@@ -11433,9 +11645,11 @@
       <p:sp>
         <p:nvSpPr>
           <p:cNvPr id="125" name="Google Shape;125;p11"/>
-          <p:cNvSpPr txBox="1"/>
+          <p:cNvSpPr txBox="1">
+            <a:spLocks noGrp="1"/>
+          </p:cNvSpPr>
           <p:nvPr>
-            <p:ph idx="1" type="body"/>
+            <p:ph type="body" idx="1"/>
           </p:nvPr>
         </p:nvSpPr>
         <p:spPr>
@@ -11452,12 +11666,12 @@
           </a:ln>
         </p:spPr>
         <p:txBody>
-          <a:bodyPr anchorCtr="0" anchor="t" bIns="91425" lIns="91425" spcFirstLastPara="1" rIns="91425" wrap="square" tIns="91425">
+          <a:bodyPr spcFirstLastPara="1" wrap="square" lIns="91425" tIns="91425" rIns="91425" bIns="91425" anchor="t" anchorCtr="0">
             <a:normAutofit/>
           </a:bodyPr>
           <a:lstStyle/>
           <a:p>
-            <a:pPr indent="0" lvl="0" marL="0" rtl="0" algn="l">
+            <a:pPr marL="0" lvl="0" indent="0" algn="l" rtl="0">
               <a:lnSpc>
                 <a:spcPct val="115000"/>
               </a:lnSpc>
@@ -11481,9 +11695,11 @@
       <p:sp>
         <p:nvSpPr>
           <p:cNvPr id="126" name="Google Shape;126;p11"/>
-          <p:cNvSpPr txBox="1"/>
+          <p:cNvSpPr txBox="1">
+            <a:spLocks noGrp="1"/>
+          </p:cNvSpPr>
           <p:nvPr>
-            <p:ph idx="2" type="body"/>
+            <p:ph type="body" idx="2"/>
           </p:nvPr>
         </p:nvSpPr>
         <p:spPr>
@@ -11500,12 +11716,12 @@
           </a:ln>
         </p:spPr>
         <p:txBody>
-          <a:bodyPr anchorCtr="0" anchor="t" bIns="91425" lIns="91425" spcFirstLastPara="1" rIns="91425" wrap="square" tIns="91425">
+          <a:bodyPr spcFirstLastPara="1" wrap="square" lIns="91425" tIns="91425" rIns="91425" bIns="91425" anchor="t" anchorCtr="0">
             <a:normAutofit/>
           </a:bodyPr>
           <a:lstStyle/>
           <a:p>
-            <a:pPr indent="0" lvl="0" marL="0" rtl="0" algn="l">
+            <a:pPr marL="0" lvl="0" indent="0" algn="l" rtl="0">
               <a:lnSpc>
                 <a:spcPct val="115000"/>
               </a:lnSpc>
@@ -11535,11 +11751,11 @@
 </file>
 
 <file path=ppt/slides/slide12.xml><?xml version="1.0" encoding="utf-8"?>
-<p:sld xmlns:a="http://schemas.openxmlformats.org/drawingml/2006/main" xmlns:r="http://schemas.openxmlformats.org/officeDocument/2006/relationships" xmlns:mc="http://schemas.openxmlformats.org/markup-compatibility/2006" xmlns:mv="urn:schemas-microsoft-com:mac:vml" xmlns:p="http://schemas.openxmlformats.org/presentationml/2006/main" xmlns:c="http://schemas.openxmlformats.org/drawingml/2006/chart" xmlns:dgm="http://schemas.openxmlformats.org/drawingml/2006/diagram" xmlns:o="urn:schemas-microsoft-com:office:office" xmlns:v="urn:schemas-microsoft-com:vml" xmlns:pvml="urn:schemas-microsoft-com:office:powerpoint" xmlns:com="http://schemas.openxmlformats.org/drawingml/2006/compatibility" xmlns:p14="http://schemas.microsoft.com/office/powerpoint/2010/main" xmlns:p15="http://schemas.microsoft.com/office/powerpoint/2012/main" xmlns:ahyp="http://schemas.microsoft.com/office/drawing/2018/hyperlinkcolor">
+<p:sld xmlns:a="http://schemas.openxmlformats.org/drawingml/2006/main" xmlns:r="http://schemas.openxmlformats.org/officeDocument/2006/relationships" xmlns:p="http://schemas.openxmlformats.org/presentationml/2006/main">
   <p:cSld>
     <p:spTree>
       <p:nvGrpSpPr>
-        <p:cNvPr id="130" name="Shape 130"/>
+        <p:cNvPr id="1" name="Shape 130"/>
         <p:cNvGrpSpPr/>
         <p:nvPr/>
       </p:nvGrpSpPr>
@@ -11554,7 +11770,9 @@
       <p:sp>
         <p:nvSpPr>
           <p:cNvPr id="131" name="Google Shape;131;p12"/>
-          <p:cNvSpPr txBox="1"/>
+          <p:cNvSpPr txBox="1">
+            <a:spLocks noGrp="1"/>
+          </p:cNvSpPr>
           <p:nvPr>
             <p:ph type="title"/>
           </p:nvPr>
@@ -11573,12 +11791,12 @@
           </a:ln>
         </p:spPr>
         <p:txBody>
-          <a:bodyPr anchorCtr="0" anchor="t" bIns="91425" lIns="91425" spcFirstLastPara="1" rIns="91425" wrap="square" tIns="91425">
+          <a:bodyPr spcFirstLastPara="1" wrap="square" lIns="91425" tIns="91425" rIns="91425" bIns="91425" anchor="t" anchorCtr="0">
             <a:normAutofit fontScale="90000"/>
           </a:bodyPr>
           <a:lstStyle/>
           <a:p>
-            <a:pPr indent="0" lvl="0" marL="0" rtl="0" algn="l">
+            <a:pPr marL="0" lvl="0" indent="0" algn="l" rtl="0">
               <a:lnSpc>
                 <a:spcPct val="100000"/>
               </a:lnSpc>
@@ -11602,9 +11820,11 @@
       <p:sp>
         <p:nvSpPr>
           <p:cNvPr id="132" name="Google Shape;132;p12"/>
-          <p:cNvSpPr txBox="1"/>
+          <p:cNvSpPr txBox="1">
+            <a:spLocks noGrp="1"/>
+          </p:cNvSpPr>
           <p:nvPr>
-            <p:ph idx="1" type="body"/>
+            <p:ph type="body" idx="1"/>
           </p:nvPr>
         </p:nvSpPr>
         <p:spPr>
@@ -11621,12 +11841,12 @@
           </a:ln>
         </p:spPr>
         <p:txBody>
-          <a:bodyPr anchorCtr="0" anchor="t" bIns="91425" lIns="91425" spcFirstLastPara="1" rIns="91425" wrap="square" tIns="91425">
+          <a:bodyPr spcFirstLastPara="1" wrap="square" lIns="91425" tIns="91425" rIns="91425" bIns="91425" anchor="t" anchorCtr="0">
             <a:normAutofit/>
           </a:bodyPr>
           <a:lstStyle/>
           <a:p>
-            <a:pPr indent="0" lvl="0" marL="0" rtl="0" algn="l">
+            <a:pPr marL="0" lvl="0" indent="0" algn="l" rtl="0">
               <a:lnSpc>
                 <a:spcPct val="115000"/>
               </a:lnSpc>
@@ -11646,7 +11866,7 @@
             <a:endParaRPr/>
           </a:p>
           <a:p>
-            <a:pPr indent="0" lvl="0" marL="0" rtl="0" algn="l">
+            <a:pPr marL="0" lvl="0" indent="0" algn="l" rtl="0">
               <a:lnSpc>
                 <a:spcPct val="115000"/>
               </a:lnSpc>
@@ -11659,13 +11879,10 @@
               <a:buSzPts val="1400"/>
               <a:buNone/>
             </a:pPr>
-            <a:r>
-              <a:t/>
-            </a:r>
             <a:endParaRPr/>
           </a:p>
           <a:p>
-            <a:pPr indent="0" lvl="0" marL="0" rtl="0" algn="l">
+            <a:pPr marL="0" lvl="0" indent="0" algn="l" rtl="0">
               <a:lnSpc>
                 <a:spcPct val="115000"/>
               </a:lnSpc>
@@ -11678,13 +11895,10 @@
               <a:buSzPts val="1400"/>
               <a:buNone/>
             </a:pPr>
-            <a:r>
-              <a:t/>
-            </a:r>
             <a:endParaRPr/>
           </a:p>
           <a:p>
-            <a:pPr indent="0" lvl="0" marL="0" rtl="0" algn="l">
+            <a:pPr marL="0" lvl="0" indent="0" algn="l" rtl="0">
               <a:lnSpc>
                 <a:spcPct val="115000"/>
               </a:lnSpc>
@@ -11697,13 +11911,10 @@
               <a:buSzPts val="1400"/>
               <a:buNone/>
             </a:pPr>
-            <a:r>
-              <a:t/>
-            </a:r>
             <a:endParaRPr/>
           </a:p>
           <a:p>
-            <a:pPr indent="0" lvl="0" marL="0" rtl="0" algn="l">
+            <a:pPr marL="0" lvl="0" indent="0" algn="l" rtl="0">
               <a:lnSpc>
                 <a:spcPct val="115000"/>
               </a:lnSpc>
@@ -11723,7 +11934,7 @@
             <a:endParaRPr/>
           </a:p>
           <a:p>
-            <a:pPr indent="0" lvl="0" marL="0" rtl="0" algn="l">
+            <a:pPr marL="0" lvl="0" indent="0" algn="l" rtl="0">
               <a:lnSpc>
                 <a:spcPct val="115000"/>
               </a:lnSpc>
@@ -11736,9 +11947,6 @@
               <a:buSzPts val="1400"/>
               <a:buNone/>
             </a:pPr>
-            <a:r>
-              <a:t/>
-            </a:r>
             <a:endParaRPr/>
           </a:p>
         </p:txBody>
@@ -11746,9 +11954,11 @@
       <p:sp>
         <p:nvSpPr>
           <p:cNvPr id="133" name="Google Shape;133;p12"/>
-          <p:cNvSpPr txBox="1"/>
+          <p:cNvSpPr txBox="1">
+            <a:spLocks noGrp="1"/>
+          </p:cNvSpPr>
           <p:nvPr>
-            <p:ph idx="2" type="body"/>
+            <p:ph type="body" idx="2"/>
           </p:nvPr>
         </p:nvSpPr>
         <p:spPr>
@@ -11765,12 +11975,12 @@
           </a:ln>
         </p:spPr>
         <p:txBody>
-          <a:bodyPr anchorCtr="0" anchor="t" bIns="91425" lIns="91425" spcFirstLastPara="1" rIns="91425" wrap="square" tIns="91425">
+          <a:bodyPr spcFirstLastPara="1" wrap="square" lIns="91425" tIns="91425" rIns="91425" bIns="91425" anchor="t" anchorCtr="0">
             <a:normAutofit/>
           </a:bodyPr>
           <a:lstStyle/>
           <a:p>
-            <a:pPr indent="0" lvl="0" marL="0" rtl="0" algn="l">
+            <a:pPr marL="0" lvl="0" indent="0" algn="l" rtl="0">
               <a:lnSpc>
                 <a:spcPct val="115000"/>
               </a:lnSpc>
@@ -11800,11 +12010,11 @@
 </file>
 
 <file path=ppt/slides/slide13.xml><?xml version="1.0" encoding="utf-8"?>
-<p:sld xmlns:a="http://schemas.openxmlformats.org/drawingml/2006/main" xmlns:r="http://schemas.openxmlformats.org/officeDocument/2006/relationships" xmlns:mc="http://schemas.openxmlformats.org/markup-compatibility/2006" xmlns:mv="urn:schemas-microsoft-com:mac:vml" xmlns:p="http://schemas.openxmlformats.org/presentationml/2006/main" xmlns:c="http://schemas.openxmlformats.org/drawingml/2006/chart" xmlns:dgm="http://schemas.openxmlformats.org/drawingml/2006/diagram" xmlns:o="urn:schemas-microsoft-com:office:office" xmlns:v="urn:schemas-microsoft-com:vml" xmlns:pvml="urn:schemas-microsoft-com:office:powerpoint" xmlns:com="http://schemas.openxmlformats.org/drawingml/2006/compatibility" xmlns:p14="http://schemas.microsoft.com/office/powerpoint/2010/main" xmlns:p15="http://schemas.microsoft.com/office/powerpoint/2012/main" xmlns:ahyp="http://schemas.microsoft.com/office/drawing/2018/hyperlinkcolor">
+<p:sld xmlns:a="http://schemas.openxmlformats.org/drawingml/2006/main" xmlns:r="http://schemas.openxmlformats.org/officeDocument/2006/relationships" xmlns:p="http://schemas.openxmlformats.org/presentationml/2006/main">
   <p:cSld>
     <p:spTree>
       <p:nvGrpSpPr>
-        <p:cNvPr id="137" name="Shape 137"/>
+        <p:cNvPr id="1" name="Shape 137"/>
         <p:cNvGrpSpPr/>
         <p:nvPr/>
       </p:nvGrpSpPr>
@@ -11836,12 +12046,12 @@
           </a:ln>
         </p:spPr>
         <p:txBody>
-          <a:bodyPr anchorCtr="0" anchor="t" bIns="91425" lIns="90000" spcFirstLastPara="1" rIns="90000" wrap="square" tIns="91425">
+          <a:bodyPr spcFirstLastPara="1" wrap="square" lIns="90000" tIns="91425" rIns="90000" bIns="91425" anchor="t" anchorCtr="0">
             <a:noAutofit/>
           </a:bodyPr>
           <a:lstStyle/>
           <a:p>
-            <a:pPr indent="0" lvl="0" marL="0" marR="0" rtl="0" algn="l">
+            <a:pPr marL="0" marR="0" lvl="0" indent="0" algn="l" rtl="0">
               <a:lnSpc>
                 <a:spcPct val="100000"/>
               </a:lnSpc>
@@ -11859,7 +12069,7 @@
               <a:buNone/>
             </a:pPr>
             <a:r>
-              <a:rPr b="0" i="0" lang="en" sz="2800" u="none" cap="none" strike="noStrike">
+              <a:rPr lang="en" sz="2800" b="0" i="0" u="none" strike="noStrike" cap="none">
                 <a:solidFill>
                   <a:schemeClr val="dk1"/>
                 </a:solidFill>
@@ -11870,7 +12080,7 @@
               </a:rPr>
               <a:t>Part 5: Visual odometry</a:t>
             </a:r>
-            <a:endParaRPr b="0" i="0" sz="2800" u="none" cap="none" strike="noStrike">
+            <a:endParaRPr sz="2800" b="0" i="0" u="none" strike="noStrike" cap="none">
               <a:solidFill>
                 <a:schemeClr val="dk1"/>
               </a:solidFill>
@@ -11881,7 +12091,7 @@
             </a:endParaRPr>
           </a:p>
           <a:p>
-            <a:pPr indent="0" lvl="0" marL="0" marR="0" rtl="0" algn="l">
+            <a:pPr marL="0" marR="0" lvl="0" indent="0" algn="l" rtl="0">
               <a:lnSpc>
                 <a:spcPct val="100000"/>
               </a:lnSpc>
@@ -11898,10 +12108,7 @@
               <a:buFont typeface="Arial"/>
               <a:buNone/>
             </a:pPr>
-            <a:r>
-              <a:t/>
-            </a:r>
-            <a:endParaRPr b="0" i="0" sz="2800" u="none" cap="none" strike="noStrike">
+            <a:endParaRPr sz="2800" b="0" i="0" u="none" strike="noStrike" cap="none">
               <a:solidFill>
                 <a:srgbClr val="000000"/>
               </a:solidFill>
@@ -11933,12 +12140,12 @@
           </a:ln>
         </p:spPr>
         <p:txBody>
-          <a:bodyPr anchorCtr="0" anchor="t" bIns="91425" lIns="90000" spcFirstLastPara="1" rIns="90000" wrap="square" tIns="91425">
+          <a:bodyPr spcFirstLastPara="1" wrap="square" lIns="90000" tIns="91425" rIns="90000" bIns="91425" anchor="t" anchorCtr="0">
             <a:noAutofit/>
           </a:bodyPr>
           <a:lstStyle/>
           <a:p>
-            <a:pPr indent="0" lvl="0" marL="0" marR="0" rtl="0" algn="l">
+            <a:pPr marL="0" marR="0" lvl="0" indent="0" algn="l" rtl="0">
               <a:lnSpc>
                 <a:spcPct val="115000"/>
               </a:lnSpc>
@@ -11956,7 +12163,7 @@
               <a:buNone/>
             </a:pPr>
             <a:r>
-              <a:rPr b="0" i="0" lang="en" sz="1400" u="none" cap="none" strike="noStrike">
+              <a:rPr lang="en" sz="1400" b="0" i="0" u="none" strike="noStrike" cap="none">
                 <a:solidFill>
                   <a:schemeClr val="dk2"/>
                 </a:solidFill>
@@ -11967,7 +12174,7 @@
               </a:rPr>
               <a:t>[How can we use our code from part 2 and part 3 to determine the “ego-motion” of a camera attached to a robot (i.e., motion of the robot)?]</a:t>
             </a:r>
-            <a:endParaRPr b="0" i="0" sz="1400" u="none" cap="none" strike="noStrike">
+            <a:endParaRPr sz="1400" b="0" i="0" u="none" strike="noStrike" cap="none">
               <a:solidFill>
                 <a:schemeClr val="dk2"/>
               </a:solidFill>
@@ -11978,7 +12185,7 @@
             </a:endParaRPr>
           </a:p>
           <a:p>
-            <a:pPr indent="0" lvl="0" marL="0" marR="0" rtl="0" algn="l">
+            <a:pPr marL="0" marR="0" lvl="0" indent="0" algn="l" rtl="0">
               <a:lnSpc>
                 <a:spcPct val="115000"/>
               </a:lnSpc>
@@ -11995,10 +12202,7 @@
               <a:buFont typeface="Arial"/>
               <a:buNone/>
             </a:pPr>
-            <a:r>
-              <a:t/>
-            </a:r>
-            <a:endParaRPr b="0" i="0" sz="1400" u="none" cap="none" strike="noStrike">
+            <a:endParaRPr sz="1400" b="0" i="0" u="none" strike="noStrike" cap="none">
               <a:solidFill>
                 <a:schemeClr val="dk2"/>
               </a:solidFill>
@@ -12009,7 +12213,7 @@
             </a:endParaRPr>
           </a:p>
           <a:p>
-            <a:pPr indent="0" lvl="0" marL="0" marR="0" rtl="0" algn="l">
+            <a:pPr marL="0" marR="0" lvl="0" indent="0" algn="l" rtl="0">
               <a:lnSpc>
                 <a:spcPct val="115000"/>
               </a:lnSpc>
@@ -12026,10 +12230,7 @@
               <a:buFont typeface="Arial"/>
               <a:buNone/>
             </a:pPr>
-            <a:r>
-              <a:t/>
-            </a:r>
-            <a:endParaRPr b="0" i="0" sz="1400" u="none" cap="none" strike="noStrike">
+            <a:endParaRPr sz="1400" b="0" i="0" u="none" strike="noStrike" cap="none">
               <a:solidFill>
                 <a:schemeClr val="dk2"/>
               </a:solidFill>
@@ -12040,7 +12241,7 @@
             </a:endParaRPr>
           </a:p>
           <a:p>
-            <a:pPr indent="0" lvl="0" marL="0" marR="0" rtl="0" algn="l">
+            <a:pPr marL="0" marR="0" lvl="0" indent="0" algn="l" rtl="0">
               <a:lnSpc>
                 <a:spcPct val="115000"/>
               </a:lnSpc>
@@ -12058,7 +12259,7 @@
               <a:buNone/>
             </a:pPr>
             <a:r>
-              <a:rPr b="0" i="0" lang="en" sz="1400" u="none" cap="none" strike="noStrike">
+              <a:rPr lang="en" sz="1400" b="0" i="0" u="none" strike="noStrike" cap="none">
                 <a:solidFill>
                   <a:schemeClr val="dk2"/>
                 </a:solidFill>
@@ -12069,7 +12270,7 @@
               </a:rPr>
               <a:t>[In addition to the fundamental matrix, what additional camera information is required to recover the ego-motion?]</a:t>
             </a:r>
-            <a:endParaRPr b="0" i="0" sz="1400" u="none" cap="none" strike="noStrike">
+            <a:endParaRPr sz="1400" b="0" i="0" u="none" strike="noStrike" cap="none">
               <a:solidFill>
                 <a:schemeClr val="dk2"/>
               </a:solidFill>
@@ -12080,7 +12281,7 @@
             </a:endParaRPr>
           </a:p>
           <a:p>
-            <a:pPr indent="0" lvl="0" marL="0" marR="0" rtl="0" algn="l">
+            <a:pPr marL="0" marR="0" lvl="0" indent="0" algn="l" rtl="0">
               <a:lnSpc>
                 <a:spcPct val="115000"/>
               </a:lnSpc>
@@ -12097,10 +12298,7 @@
               <a:buFont typeface="Arial"/>
               <a:buNone/>
             </a:pPr>
-            <a:r>
-              <a:t/>
-            </a:r>
-            <a:endParaRPr b="0" i="0" sz="1400" u="none" cap="none" strike="noStrike">
+            <a:endParaRPr sz="1400" b="0" i="0" u="none" strike="noStrike" cap="none">
               <a:solidFill>
                 <a:schemeClr val="dk2"/>
               </a:solidFill>
@@ -12111,7 +12309,7 @@
             </a:endParaRPr>
           </a:p>
           <a:p>
-            <a:pPr indent="0" lvl="0" marL="0" marR="0" rtl="0" algn="l">
+            <a:pPr marL="0" marR="0" lvl="0" indent="0" algn="l" rtl="0">
               <a:lnSpc>
                 <a:spcPct val="115000"/>
               </a:lnSpc>
@@ -12128,10 +12326,7 @@
               <a:buFont typeface="Arial"/>
               <a:buNone/>
             </a:pPr>
-            <a:r>
-              <a:t/>
-            </a:r>
-            <a:endParaRPr b="0" i="0" sz="1400" u="none" cap="none" strike="noStrike">
+            <a:endParaRPr sz="1400" b="0" i="0" u="none" strike="noStrike" cap="none">
               <a:solidFill>
                 <a:schemeClr val="dk2"/>
               </a:solidFill>
@@ -12142,7 +12337,7 @@
             </a:endParaRPr>
           </a:p>
           <a:p>
-            <a:pPr indent="0" lvl="0" marL="0" marR="0" rtl="0" algn="l">
+            <a:pPr marL="0" marR="0" lvl="0" indent="0" algn="l" rtl="0">
               <a:lnSpc>
                 <a:spcPct val="115000"/>
               </a:lnSpc>
@@ -12159,10 +12354,7 @@
               <a:buFont typeface="Arial"/>
               <a:buNone/>
             </a:pPr>
-            <a:r>
-              <a:t/>
-            </a:r>
-            <a:endParaRPr b="0" i="0" sz="1400" u="none" cap="none" strike="noStrike">
+            <a:endParaRPr sz="1400" b="0" i="0" u="none" strike="noStrike" cap="none">
               <a:solidFill>
                 <a:schemeClr val="dk2"/>
               </a:solidFill>
@@ -12173,7 +12365,7 @@
             </a:endParaRPr>
           </a:p>
           <a:p>
-            <a:pPr indent="0" lvl="0" marL="0" marR="0" rtl="0" algn="l">
+            <a:pPr marL="0" marR="0" lvl="0" indent="0" algn="l" rtl="0">
               <a:lnSpc>
                 <a:spcPct val="115000"/>
               </a:lnSpc>
@@ -12190,10 +12382,7 @@
               <a:buFont typeface="Arial"/>
               <a:buNone/>
             </a:pPr>
-            <a:r>
-              <a:t/>
-            </a:r>
-            <a:endParaRPr b="0" i="0" sz="1400" u="none" cap="none" strike="noStrike">
+            <a:endParaRPr sz="1400" b="0" i="0" u="none" strike="noStrike" cap="none">
               <a:solidFill>
                 <a:schemeClr val="dk2"/>
               </a:solidFill>
@@ -12214,11 +12403,11 @@
 </file>
 
 <file path=ppt/slides/slide14.xml><?xml version="1.0" encoding="utf-8"?>
-<p:sld xmlns:a="http://schemas.openxmlformats.org/drawingml/2006/main" xmlns:r="http://schemas.openxmlformats.org/officeDocument/2006/relationships" xmlns:mc="http://schemas.openxmlformats.org/markup-compatibility/2006" xmlns:mv="urn:schemas-microsoft-com:mac:vml" xmlns:p="http://schemas.openxmlformats.org/presentationml/2006/main" xmlns:c="http://schemas.openxmlformats.org/drawingml/2006/chart" xmlns:dgm="http://schemas.openxmlformats.org/drawingml/2006/diagram" xmlns:o="urn:schemas-microsoft-com:office:office" xmlns:v="urn:schemas-microsoft-com:vml" xmlns:pvml="urn:schemas-microsoft-com:office:powerpoint" xmlns:com="http://schemas.openxmlformats.org/drawingml/2006/compatibility" xmlns:p14="http://schemas.microsoft.com/office/powerpoint/2010/main" xmlns:p15="http://schemas.microsoft.com/office/powerpoint/2012/main" xmlns:ahyp="http://schemas.microsoft.com/office/drawing/2018/hyperlinkcolor">
+<p:sld xmlns:a="http://schemas.openxmlformats.org/drawingml/2006/main" xmlns:r="http://schemas.openxmlformats.org/officeDocument/2006/relationships" xmlns:p="http://schemas.openxmlformats.org/presentationml/2006/main">
   <p:cSld>
     <p:spTree>
       <p:nvGrpSpPr>
-        <p:cNvPr id="143" name="Shape 143"/>
+        <p:cNvPr id="1" name="Shape 143"/>
         <p:cNvGrpSpPr/>
         <p:nvPr/>
       </p:nvGrpSpPr>
@@ -12250,12 +12439,12 @@
           </a:ln>
         </p:spPr>
         <p:txBody>
-          <a:bodyPr anchorCtr="0" anchor="t" bIns="91425" lIns="90000" spcFirstLastPara="1" rIns="90000" wrap="square" tIns="91425">
+          <a:bodyPr spcFirstLastPara="1" wrap="square" lIns="90000" tIns="91425" rIns="90000" bIns="91425" anchor="t" anchorCtr="0">
             <a:noAutofit/>
           </a:bodyPr>
           <a:lstStyle/>
           <a:p>
-            <a:pPr indent="0" lvl="0" marL="0" marR="0" rtl="0" algn="l">
+            <a:pPr marL="0" marR="0" lvl="0" indent="0" algn="l" rtl="0">
               <a:lnSpc>
                 <a:spcPct val="100000"/>
               </a:lnSpc>
@@ -12273,7 +12462,7 @@
               <a:buNone/>
             </a:pPr>
             <a:r>
-              <a:rPr b="0" i="0" lang="en" sz="2800" u="none" cap="none" strike="noStrike">
+              <a:rPr lang="en" sz="2800" b="0" i="0" u="none" strike="noStrike" cap="none">
                 <a:solidFill>
                   <a:schemeClr val="dk1"/>
                 </a:solidFill>
@@ -12284,7 +12473,7 @@
               </a:rPr>
               <a:t>Part 5: Visual odometry</a:t>
             </a:r>
-            <a:endParaRPr b="0" i="0" sz="2800" u="none" cap="none" strike="noStrike">
+            <a:endParaRPr sz="2800" b="0" i="0" u="none" strike="noStrike" cap="none">
               <a:solidFill>
                 <a:schemeClr val="dk1"/>
               </a:solidFill>
@@ -12295,7 +12484,7 @@
             </a:endParaRPr>
           </a:p>
           <a:p>
-            <a:pPr indent="0" lvl="0" marL="0" marR="0" rtl="0" algn="l">
+            <a:pPr marL="0" marR="0" lvl="0" indent="0" algn="l" rtl="0">
               <a:lnSpc>
                 <a:spcPct val="100000"/>
               </a:lnSpc>
@@ -12312,10 +12501,7 @@
               <a:buFont typeface="Arial"/>
               <a:buNone/>
             </a:pPr>
-            <a:r>
-              <a:t/>
-            </a:r>
-            <a:endParaRPr b="0" i="0" sz="2800" u="none" cap="none" strike="noStrike">
+            <a:endParaRPr sz="2800" b="0" i="0" u="none" strike="noStrike" cap="none">
               <a:solidFill>
                 <a:srgbClr val="000000"/>
               </a:solidFill>
@@ -12347,12 +12533,12 @@
           </a:ln>
         </p:spPr>
         <p:txBody>
-          <a:bodyPr anchorCtr="0" anchor="t" bIns="91425" lIns="90000" spcFirstLastPara="1" rIns="90000" wrap="square" tIns="91425">
+          <a:bodyPr spcFirstLastPara="1" wrap="square" lIns="90000" tIns="91425" rIns="90000" bIns="91425" anchor="t" anchorCtr="0">
             <a:noAutofit/>
           </a:bodyPr>
           <a:lstStyle/>
           <a:p>
-            <a:pPr indent="0" lvl="0" marL="0" marR="0" rtl="0" algn="l">
+            <a:pPr marL="0" marR="0" lvl="0" indent="0" algn="l" rtl="0">
               <a:lnSpc>
                 <a:spcPct val="115000"/>
               </a:lnSpc>
@@ -12370,7 +12556,7 @@
               <a:buNone/>
             </a:pPr>
             <a:r>
-              <a:rPr b="0" i="0" lang="en" sz="1400" u="none" cap="none" strike="noStrike">
+              <a:rPr lang="en" sz="1400" b="0" i="0" u="none" strike="noStrike" cap="none">
                 <a:solidFill>
                   <a:schemeClr val="dk2"/>
                 </a:solidFill>
@@ -12381,7 +12567,7 @@
               </a:rPr>
               <a:t>[Attach a plot of the camera’s trajectory through time]</a:t>
             </a:r>
-            <a:endParaRPr b="0" i="0" sz="1400" u="none" cap="none" strike="noStrike">
+            <a:endParaRPr sz="1400" b="0" i="0" u="none" strike="noStrike" cap="none">
               <a:solidFill>
                 <a:schemeClr val="dk2"/>
               </a:solidFill>
@@ -12392,7 +12578,7 @@
             </a:endParaRPr>
           </a:p>
           <a:p>
-            <a:pPr indent="0" lvl="0" marL="0" marR="0" rtl="0" algn="l">
+            <a:pPr marL="0" marR="0" lvl="0" indent="0" algn="l" rtl="0">
               <a:lnSpc>
                 <a:spcPct val="115000"/>
               </a:lnSpc>
@@ -12409,10 +12595,7 @@
               <a:buFont typeface="Arial"/>
               <a:buNone/>
             </a:pPr>
-            <a:r>
-              <a:t/>
-            </a:r>
-            <a:endParaRPr b="0" i="0" sz="1400" u="none" cap="none" strike="noStrike">
+            <a:endParaRPr sz="1400" b="0" i="0" u="none" strike="noStrike" cap="none">
               <a:solidFill>
                 <a:schemeClr val="dk2"/>
               </a:solidFill>
@@ -12423,7 +12606,7 @@
             </a:endParaRPr>
           </a:p>
           <a:p>
-            <a:pPr indent="0" lvl="0" marL="0" marR="0" rtl="0" algn="l">
+            <a:pPr marL="0" marR="0" lvl="0" indent="0" algn="l" rtl="0">
               <a:lnSpc>
                 <a:spcPct val="115000"/>
               </a:lnSpc>
@@ -12440,10 +12623,7 @@
               <a:buFont typeface="Arial"/>
               <a:buNone/>
             </a:pPr>
-            <a:r>
-              <a:t/>
-            </a:r>
-            <a:endParaRPr b="0" i="0" sz="1400" u="none" cap="none" strike="noStrike">
+            <a:endParaRPr sz="1400" b="0" i="0" u="none" strike="noStrike" cap="none">
               <a:solidFill>
                 <a:schemeClr val="dk2"/>
               </a:solidFill>
@@ -12454,7 +12634,7 @@
             </a:endParaRPr>
           </a:p>
           <a:p>
-            <a:pPr indent="0" lvl="0" marL="0" marR="0" rtl="0" algn="l">
+            <a:pPr marL="0" marR="0" lvl="0" indent="0" algn="l" rtl="0">
               <a:lnSpc>
                 <a:spcPct val="115000"/>
               </a:lnSpc>
@@ -12471,10 +12651,7 @@
               <a:buFont typeface="Arial"/>
               <a:buNone/>
             </a:pPr>
-            <a:r>
-              <a:t/>
-            </a:r>
-            <a:endParaRPr b="0" i="0" sz="1400" u="none" cap="none" strike="noStrike">
+            <a:endParaRPr sz="1400" b="0" i="0" u="none" strike="noStrike" cap="none">
               <a:solidFill>
                 <a:schemeClr val="dk2"/>
               </a:solidFill>
@@ -12485,7 +12662,7 @@
             </a:endParaRPr>
           </a:p>
           <a:p>
-            <a:pPr indent="0" lvl="0" marL="0" marR="0" rtl="0" algn="l">
+            <a:pPr marL="0" marR="0" lvl="0" indent="0" algn="l" rtl="0">
               <a:lnSpc>
                 <a:spcPct val="115000"/>
               </a:lnSpc>
@@ -12502,10 +12679,7 @@
               <a:buFont typeface="Arial"/>
               <a:buNone/>
             </a:pPr>
-            <a:r>
-              <a:t/>
-            </a:r>
-            <a:endParaRPr b="0" i="0" sz="1400" u="none" cap="none" strike="noStrike">
+            <a:endParaRPr sz="1400" b="0" i="0" u="none" strike="noStrike" cap="none">
               <a:solidFill>
                 <a:schemeClr val="dk2"/>
               </a:solidFill>
@@ -12526,11 +12700,11 @@
 </file>
 
 <file path=ppt/slides/slide15.xml><?xml version="1.0" encoding="utf-8"?>
-<p:sld xmlns:a="http://schemas.openxmlformats.org/drawingml/2006/main" xmlns:r="http://schemas.openxmlformats.org/officeDocument/2006/relationships" xmlns:mc="http://schemas.openxmlformats.org/markup-compatibility/2006" xmlns:mv="urn:schemas-microsoft-com:mac:vml" xmlns:p="http://schemas.openxmlformats.org/presentationml/2006/main" xmlns:c="http://schemas.openxmlformats.org/drawingml/2006/chart" xmlns:dgm="http://schemas.openxmlformats.org/drawingml/2006/diagram" xmlns:o="urn:schemas-microsoft-com:office:office" xmlns:v="urn:schemas-microsoft-com:vml" xmlns:pvml="urn:schemas-microsoft-com:office:powerpoint" xmlns:com="http://schemas.openxmlformats.org/drawingml/2006/compatibility" xmlns:p14="http://schemas.microsoft.com/office/powerpoint/2010/main" xmlns:p15="http://schemas.microsoft.com/office/powerpoint/2012/main" xmlns:ahyp="http://schemas.microsoft.com/office/drawing/2018/hyperlinkcolor">
+<p:sld xmlns:a="http://schemas.openxmlformats.org/drawingml/2006/main" xmlns:r="http://schemas.openxmlformats.org/officeDocument/2006/relationships" xmlns:p="http://schemas.openxmlformats.org/presentationml/2006/main">
   <p:cSld>
     <p:spTree>
       <p:nvGrpSpPr>
-        <p:cNvPr id="149" name="Shape 149"/>
+        <p:cNvPr id="1" name="Shape 149"/>
         <p:cNvGrpSpPr/>
         <p:nvPr/>
       </p:nvGrpSpPr>
@@ -12545,7 +12719,9 @@
       <p:sp>
         <p:nvSpPr>
           <p:cNvPr id="150" name="Google Shape;150;g1174d7d1715_0_0"/>
-          <p:cNvSpPr txBox="1"/>
+          <p:cNvSpPr txBox="1">
+            <a:spLocks noGrp="1"/>
+          </p:cNvSpPr>
           <p:nvPr>
             <p:ph type="title"/>
           </p:nvPr>
@@ -12560,12 +12736,12 @@
           </a:prstGeom>
         </p:spPr>
         <p:txBody>
-          <a:bodyPr anchorCtr="0" anchor="t" bIns="91425" lIns="91425" spcFirstLastPara="1" rIns="91425" wrap="square" tIns="91425">
+          <a:bodyPr spcFirstLastPara="1" wrap="square" lIns="91425" tIns="91425" rIns="91425" bIns="91425" anchor="t" anchorCtr="0">
             <a:normAutofit fontScale="90000"/>
           </a:bodyPr>
           <a:lstStyle/>
           <a:p>
-            <a:pPr indent="0" lvl="0" marL="0" rtl="0" algn="l">
+            <a:pPr marL="0" lvl="0" indent="0" algn="l" rtl="0">
               <a:spcBef>
                 <a:spcPts val="0"/>
               </a:spcBef>
@@ -12585,9 +12761,11 @@
       <p:sp>
         <p:nvSpPr>
           <p:cNvPr id="151" name="Google Shape;151;g1174d7d1715_0_0"/>
-          <p:cNvSpPr txBox="1"/>
+          <p:cNvSpPr txBox="1">
+            <a:spLocks noGrp="1"/>
+          </p:cNvSpPr>
           <p:nvPr>
-            <p:ph idx="1" type="body"/>
+            <p:ph type="body" idx="1"/>
           </p:nvPr>
         </p:nvSpPr>
         <p:spPr>
@@ -12600,12 +12778,12 @@
           </a:prstGeom>
         </p:spPr>
         <p:txBody>
-          <a:bodyPr anchorCtr="0" anchor="t" bIns="91425" lIns="91425" spcFirstLastPara="1" rIns="91425" wrap="square" tIns="91425">
+          <a:bodyPr spcFirstLastPara="1" wrap="square" lIns="91425" tIns="91425" rIns="91425" bIns="91425" anchor="t" anchorCtr="0">
             <a:normAutofit/>
           </a:bodyPr>
           <a:lstStyle/>
           <a:p>
-            <a:pPr indent="0" lvl="0" marL="0" rtl="0" algn="l">
+            <a:pPr marL="0" lvl="0" indent="0" algn="l" rtl="0">
               <a:spcBef>
                 <a:spcPts val="0"/>
               </a:spcBef>
@@ -12616,15 +12794,7 @@
             </a:pPr>
             <a:r>
               <a:rPr lang="en"/>
-              <a:t>[Please add a README style documentation here for your implementation of panorama stitching with: description of what you implemented, instructions on how to replicate the results in clear steps that can be followed by course staff. Failure to replicate results by </a:t>
-            </a:r>
-            <a:r>
-              <a:rPr lang="en"/>
-              <a:t>following</a:t>
-            </a:r>
-            <a:r>
-              <a:rPr lang="en"/>
-              <a:t> this documentation will result in point penalties on this question of the assignment.] </a:t>
+              <a:t>[Please add a README style documentation here for your implementation of panorama stitching with: description of what you implemented, instructions on how to replicate the results in clear steps that can be followed by course staff. Failure to replicate results by following this documentation will result in point penalties on this question of the assignment.] </a:t>
             </a:r>
             <a:endParaRPr/>
           </a:p>
@@ -12639,11 +12809,11 @@
 </file>
 
 <file path=ppt/slides/slide16.xml><?xml version="1.0" encoding="utf-8"?>
-<p:sld xmlns:a="http://schemas.openxmlformats.org/drawingml/2006/main" xmlns:r="http://schemas.openxmlformats.org/officeDocument/2006/relationships" xmlns:mc="http://schemas.openxmlformats.org/markup-compatibility/2006" xmlns:mv="urn:schemas-microsoft-com:mac:vml" xmlns:p="http://schemas.openxmlformats.org/presentationml/2006/main" xmlns:c="http://schemas.openxmlformats.org/drawingml/2006/chart" xmlns:dgm="http://schemas.openxmlformats.org/drawingml/2006/diagram" xmlns:o="urn:schemas-microsoft-com:office:office" xmlns:v="urn:schemas-microsoft-com:vml" xmlns:pvml="urn:schemas-microsoft-com:office:powerpoint" xmlns:com="http://schemas.openxmlformats.org/drawingml/2006/compatibility" xmlns:p14="http://schemas.microsoft.com/office/powerpoint/2010/main" xmlns:p15="http://schemas.microsoft.com/office/powerpoint/2012/main" xmlns:ahyp="http://schemas.microsoft.com/office/drawing/2018/hyperlinkcolor">
+<p:sld xmlns:a="http://schemas.openxmlformats.org/drawingml/2006/main" xmlns:r="http://schemas.openxmlformats.org/officeDocument/2006/relationships" xmlns:p="http://schemas.openxmlformats.org/presentationml/2006/main">
   <p:cSld>
     <p:spTree>
       <p:nvGrpSpPr>
-        <p:cNvPr id="155" name="Shape 155"/>
+        <p:cNvPr id="1" name="Shape 155"/>
         <p:cNvGrpSpPr/>
         <p:nvPr/>
       </p:nvGrpSpPr>
@@ -12658,7 +12828,9 @@
       <p:sp>
         <p:nvSpPr>
           <p:cNvPr id="156" name="Google Shape;156;g1174d7d1715_0_5"/>
-          <p:cNvSpPr txBox="1"/>
+          <p:cNvSpPr txBox="1">
+            <a:spLocks noGrp="1"/>
+          </p:cNvSpPr>
           <p:nvPr>
             <p:ph type="title"/>
           </p:nvPr>
@@ -12673,12 +12845,12 @@
           </a:prstGeom>
         </p:spPr>
         <p:txBody>
-          <a:bodyPr anchorCtr="0" anchor="t" bIns="91425" lIns="91425" spcFirstLastPara="1" rIns="91425" wrap="square" tIns="91425">
+          <a:bodyPr spcFirstLastPara="1" wrap="square" lIns="91425" tIns="91425" rIns="91425" bIns="91425" anchor="t" anchorCtr="0">
             <a:normAutofit fontScale="90000"/>
           </a:bodyPr>
           <a:lstStyle/>
           <a:p>
-            <a:pPr indent="0" lvl="0" marL="0" rtl="0" algn="l">
+            <a:pPr marL="0" lvl="0" indent="0" algn="l" rtl="0">
               <a:spcBef>
                 <a:spcPts val="0"/>
               </a:spcBef>
@@ -12698,9 +12870,11 @@
       <p:sp>
         <p:nvSpPr>
           <p:cNvPr id="157" name="Google Shape;157;g1174d7d1715_0_5"/>
-          <p:cNvSpPr txBox="1"/>
+          <p:cNvSpPr txBox="1">
+            <a:spLocks noGrp="1"/>
+          </p:cNvSpPr>
           <p:nvPr>
-            <p:ph idx="1" type="body"/>
+            <p:ph type="body" idx="1"/>
           </p:nvPr>
         </p:nvSpPr>
         <p:spPr>
@@ -12713,12 +12887,12 @@
           </a:prstGeom>
         </p:spPr>
         <p:txBody>
-          <a:bodyPr anchorCtr="0" anchor="t" bIns="91425" lIns="91425" spcFirstLastPara="1" rIns="91425" wrap="square" tIns="91425">
+          <a:bodyPr spcFirstLastPara="1" wrap="square" lIns="91425" tIns="91425" rIns="91425" bIns="91425" anchor="t" anchorCtr="0">
             <a:normAutofit/>
           </a:bodyPr>
           <a:lstStyle/>
           <a:p>
-            <a:pPr indent="0" lvl="0" marL="0" rtl="0" algn="l">
+            <a:pPr marL="0" lvl="0" indent="0" algn="l" rtl="0">
               <a:spcBef>
                 <a:spcPts val="0"/>
               </a:spcBef>
@@ -12732,7 +12906,7 @@
               <a:t>[Insert visualizations of your stitched panorama here along with the 2 images you used to stitch this panorama (</a:t>
             </a:r>
             <a:r>
-              <a:rPr b="1" lang="en"/>
+              <a:rPr lang="en" b="1"/>
               <a:t>there should be 3 images in this slide</a:t>
             </a:r>
             <a:r>
@@ -12752,11 +12926,11 @@
 </file>
 
 <file path=ppt/slides/slide2.xml><?xml version="1.0" encoding="utf-8"?>
-<p:sld xmlns:a="http://schemas.openxmlformats.org/drawingml/2006/main" xmlns:r="http://schemas.openxmlformats.org/officeDocument/2006/relationships" xmlns:mc="http://schemas.openxmlformats.org/markup-compatibility/2006" xmlns:mv="urn:schemas-microsoft-com:mac:vml" xmlns:p="http://schemas.openxmlformats.org/presentationml/2006/main" xmlns:c="http://schemas.openxmlformats.org/drawingml/2006/chart" xmlns:dgm="http://schemas.openxmlformats.org/drawingml/2006/diagram" xmlns:o="urn:schemas-microsoft-com:office:office" xmlns:v="urn:schemas-microsoft-com:vml" xmlns:pvml="urn:schemas-microsoft-com:office:powerpoint" xmlns:com="http://schemas.openxmlformats.org/drawingml/2006/compatibility" xmlns:p14="http://schemas.microsoft.com/office/powerpoint/2010/main" xmlns:p15="http://schemas.microsoft.com/office/powerpoint/2012/main" xmlns:ahyp="http://schemas.microsoft.com/office/drawing/2018/hyperlinkcolor">
+<p:sld xmlns:a="http://schemas.openxmlformats.org/drawingml/2006/main" xmlns:r="http://schemas.openxmlformats.org/officeDocument/2006/relationships" xmlns:p="http://schemas.openxmlformats.org/presentationml/2006/main">
   <p:cSld>
     <p:spTree>
       <p:nvGrpSpPr>
-        <p:cNvPr id="63" name="Shape 63"/>
+        <p:cNvPr id="1" name="Shape 63"/>
         <p:cNvGrpSpPr/>
         <p:nvPr/>
       </p:nvGrpSpPr>
@@ -12771,7 +12945,9 @@
       <p:sp>
         <p:nvSpPr>
           <p:cNvPr id="64" name="Google Shape;64;p2"/>
-          <p:cNvSpPr txBox="1"/>
+          <p:cNvSpPr txBox="1">
+            <a:spLocks noGrp="1"/>
+          </p:cNvSpPr>
           <p:nvPr>
             <p:ph type="title"/>
           </p:nvPr>
@@ -12790,12 +12966,12 @@
           </a:ln>
         </p:spPr>
         <p:txBody>
-          <a:bodyPr anchorCtr="0" anchor="t" bIns="91425" lIns="91425" spcFirstLastPara="1" rIns="91425" wrap="square" tIns="91425">
+          <a:bodyPr spcFirstLastPara="1" wrap="square" lIns="91425" tIns="91425" rIns="91425" bIns="91425" anchor="t" anchorCtr="0">
             <a:normAutofit fontScale="90000"/>
           </a:bodyPr>
           <a:lstStyle/>
           <a:p>
-            <a:pPr indent="0" lvl="0" marL="0" rtl="0" algn="l">
+            <a:pPr marL="0" lvl="0" indent="0" algn="l" rtl="0">
               <a:lnSpc>
                 <a:spcPct val="100000"/>
               </a:lnSpc>
@@ -12819,9 +12995,11 @@
       <p:sp>
         <p:nvSpPr>
           <p:cNvPr id="65" name="Google Shape;65;p2"/>
-          <p:cNvSpPr txBox="1"/>
+          <p:cNvSpPr txBox="1">
+            <a:spLocks noGrp="1"/>
+          </p:cNvSpPr>
           <p:nvPr>
-            <p:ph idx="1" type="body"/>
+            <p:ph type="body" idx="1"/>
           </p:nvPr>
         </p:nvSpPr>
         <p:spPr>
@@ -12838,12 +13016,12 @@
           </a:ln>
         </p:spPr>
         <p:txBody>
-          <a:bodyPr anchorCtr="0" anchor="t" bIns="91425" lIns="91425" spcFirstLastPara="1" rIns="91425" wrap="square" tIns="91425">
+          <a:bodyPr spcFirstLastPara="1" wrap="square" lIns="91425" tIns="91425" rIns="91425" bIns="91425" anchor="t" anchorCtr="0">
             <a:normAutofit/>
           </a:bodyPr>
           <a:lstStyle/>
           <a:p>
-            <a:pPr indent="0" lvl="0" marL="0" rtl="0" algn="l">
+            <a:pPr marL="0" lvl="0" indent="0" algn="l" rtl="0">
               <a:lnSpc>
                 <a:spcPct val="115000"/>
               </a:lnSpc>
@@ -12867,9 +13045,11 @@
       <p:sp>
         <p:nvSpPr>
           <p:cNvPr id="66" name="Google Shape;66;p2"/>
-          <p:cNvSpPr txBox="1"/>
+          <p:cNvSpPr txBox="1">
+            <a:spLocks noGrp="1"/>
+          </p:cNvSpPr>
           <p:nvPr>
-            <p:ph idx="2" type="body"/>
+            <p:ph type="body" idx="2"/>
           </p:nvPr>
         </p:nvSpPr>
         <p:spPr>
@@ -12886,12 +13066,12 @@
           </a:ln>
         </p:spPr>
         <p:txBody>
-          <a:bodyPr anchorCtr="0" anchor="t" bIns="91425" lIns="91425" spcFirstLastPara="1" rIns="91425" wrap="square" tIns="91425">
+          <a:bodyPr spcFirstLastPara="1" wrap="square" lIns="91425" tIns="91425" rIns="91425" bIns="91425" anchor="t" anchorCtr="0">
             <a:normAutofit/>
           </a:bodyPr>
           <a:lstStyle/>
           <a:p>
-            <a:pPr indent="0" lvl="0" marL="0" rtl="0" algn="l">
+            <a:pPr marL="0" lvl="0" indent="0" algn="l" rtl="0">
               <a:lnSpc>
                 <a:spcPct val="115000"/>
               </a:lnSpc>
@@ -12921,11 +13101,11 @@
 </file>
 
 <file path=ppt/slides/slide3.xml><?xml version="1.0" encoding="utf-8"?>
-<p:sld xmlns:a="http://schemas.openxmlformats.org/drawingml/2006/main" xmlns:r="http://schemas.openxmlformats.org/officeDocument/2006/relationships" xmlns:mc="http://schemas.openxmlformats.org/markup-compatibility/2006" xmlns:mv="urn:schemas-microsoft-com:mac:vml" xmlns:p="http://schemas.openxmlformats.org/presentationml/2006/main" xmlns:c="http://schemas.openxmlformats.org/drawingml/2006/chart" xmlns:dgm="http://schemas.openxmlformats.org/drawingml/2006/diagram" xmlns:o="urn:schemas-microsoft-com:office:office" xmlns:v="urn:schemas-microsoft-com:vml" xmlns:pvml="urn:schemas-microsoft-com:office:powerpoint" xmlns:com="http://schemas.openxmlformats.org/drawingml/2006/compatibility" xmlns:p14="http://schemas.microsoft.com/office/powerpoint/2010/main" xmlns:p15="http://schemas.microsoft.com/office/powerpoint/2012/main" xmlns:ahyp="http://schemas.microsoft.com/office/drawing/2018/hyperlinkcolor">
+<p:sld xmlns:a="http://schemas.openxmlformats.org/drawingml/2006/main" xmlns:r="http://schemas.openxmlformats.org/officeDocument/2006/relationships" xmlns:p="http://schemas.openxmlformats.org/presentationml/2006/main">
   <p:cSld>
     <p:spTree>
       <p:nvGrpSpPr>
-        <p:cNvPr id="70" name="Shape 70"/>
+        <p:cNvPr id="1" name="Shape 70"/>
         <p:cNvGrpSpPr/>
         <p:nvPr/>
       </p:nvGrpSpPr>
@@ -12940,7 +13120,9 @@
       <p:sp>
         <p:nvSpPr>
           <p:cNvPr id="71" name="Google Shape;71;p3"/>
-          <p:cNvSpPr txBox="1"/>
+          <p:cNvSpPr txBox="1">
+            <a:spLocks noGrp="1"/>
+          </p:cNvSpPr>
           <p:nvPr>
             <p:ph type="title"/>
           </p:nvPr>
@@ -12959,12 +13141,12 @@
           </a:ln>
         </p:spPr>
         <p:txBody>
-          <a:bodyPr anchorCtr="0" anchor="t" bIns="91425" lIns="91425" spcFirstLastPara="1" rIns="91425" wrap="square" tIns="91425">
+          <a:bodyPr spcFirstLastPara="1" wrap="square" lIns="91425" tIns="91425" rIns="91425" bIns="91425" anchor="t" anchorCtr="0">
             <a:normAutofit fontScale="90000"/>
           </a:bodyPr>
           <a:lstStyle/>
           <a:p>
-            <a:pPr indent="0" lvl="0" marL="0" rtl="0" algn="l">
+            <a:pPr marL="0" lvl="0" indent="0" algn="l" rtl="0">
               <a:lnSpc>
                 <a:spcPct val="100000"/>
               </a:lnSpc>
@@ -12988,9 +13170,11 @@
       <p:sp>
         <p:nvSpPr>
           <p:cNvPr id="72" name="Google Shape;72;p3"/>
-          <p:cNvSpPr txBox="1"/>
+          <p:cNvSpPr txBox="1">
+            <a:spLocks noGrp="1"/>
+          </p:cNvSpPr>
           <p:nvPr>
-            <p:ph idx="1" type="body"/>
+            <p:ph type="body" idx="1"/>
           </p:nvPr>
         </p:nvSpPr>
         <p:spPr>
@@ -13007,12 +13191,12 @@
           </a:ln>
         </p:spPr>
         <p:txBody>
-          <a:bodyPr anchorCtr="0" anchor="t" bIns="91425" lIns="91425" spcFirstLastPara="1" rIns="91425" wrap="square" tIns="91425">
+          <a:bodyPr spcFirstLastPara="1" wrap="square" lIns="91425" tIns="91425" rIns="91425" bIns="91425" anchor="t" anchorCtr="0">
             <a:normAutofit/>
           </a:bodyPr>
           <a:lstStyle/>
           <a:p>
-            <a:pPr indent="0" lvl="0" marL="0" rtl="0" algn="l">
+            <a:pPr marL="0" lvl="0" indent="0" algn="l" rtl="0">
               <a:lnSpc>
                 <a:spcPct val="115000"/>
               </a:lnSpc>
@@ -13036,9 +13220,11 @@
       <p:sp>
         <p:nvSpPr>
           <p:cNvPr id="73" name="Google Shape;73;p3"/>
-          <p:cNvSpPr txBox="1"/>
+          <p:cNvSpPr txBox="1">
+            <a:spLocks noGrp="1"/>
+          </p:cNvSpPr>
           <p:nvPr>
-            <p:ph idx="2" type="body"/>
+            <p:ph type="body" idx="2"/>
           </p:nvPr>
         </p:nvSpPr>
         <p:spPr>
@@ -13055,12 +13241,12 @@
           </a:ln>
         </p:spPr>
         <p:txBody>
-          <a:bodyPr anchorCtr="0" anchor="t" bIns="91425" lIns="91425" spcFirstLastPara="1" rIns="91425" wrap="square" tIns="91425">
+          <a:bodyPr spcFirstLastPara="1" wrap="square" lIns="91425" tIns="91425" rIns="91425" bIns="91425" anchor="t" anchorCtr="0">
             <a:normAutofit/>
           </a:bodyPr>
           <a:lstStyle/>
           <a:p>
-            <a:pPr indent="0" lvl="0" marL="0" rtl="0" algn="l">
+            <a:pPr marL="0" lvl="0" indent="0" algn="l" rtl="0">
               <a:lnSpc>
                 <a:spcPct val="115000"/>
               </a:lnSpc>
@@ -13090,11 +13276,11 @@
 </file>
 
 <file path=ppt/slides/slide4.xml><?xml version="1.0" encoding="utf-8"?>
-<p:sld xmlns:a="http://schemas.openxmlformats.org/drawingml/2006/main" xmlns:r="http://schemas.openxmlformats.org/officeDocument/2006/relationships" xmlns:mc="http://schemas.openxmlformats.org/markup-compatibility/2006" xmlns:mv="urn:schemas-microsoft-com:mac:vml" xmlns:p="http://schemas.openxmlformats.org/presentationml/2006/main" xmlns:c="http://schemas.openxmlformats.org/drawingml/2006/chart" xmlns:dgm="http://schemas.openxmlformats.org/drawingml/2006/diagram" xmlns:o="urn:schemas-microsoft-com:office:office" xmlns:v="urn:schemas-microsoft-com:vml" xmlns:pvml="urn:schemas-microsoft-com:office:powerpoint" xmlns:com="http://schemas.openxmlformats.org/drawingml/2006/compatibility" xmlns:p14="http://schemas.microsoft.com/office/powerpoint/2010/main" xmlns:p15="http://schemas.microsoft.com/office/powerpoint/2012/main" xmlns:ahyp="http://schemas.microsoft.com/office/drawing/2018/hyperlinkcolor">
+<p:sld xmlns:a="http://schemas.openxmlformats.org/drawingml/2006/main" xmlns:r="http://schemas.openxmlformats.org/officeDocument/2006/relationships" xmlns:p="http://schemas.openxmlformats.org/presentationml/2006/main">
   <p:cSld>
     <p:spTree>
       <p:nvGrpSpPr>
-        <p:cNvPr id="77" name="Shape 77"/>
+        <p:cNvPr id="1" name="Shape 77"/>
         <p:cNvGrpSpPr/>
         <p:nvPr/>
       </p:nvGrpSpPr>
@@ -13109,7 +13295,9 @@
       <p:sp>
         <p:nvSpPr>
           <p:cNvPr id="78" name="Google Shape;78;p4"/>
-          <p:cNvSpPr txBox="1"/>
+          <p:cNvSpPr txBox="1">
+            <a:spLocks noGrp="1"/>
+          </p:cNvSpPr>
           <p:nvPr>
             <p:ph type="title"/>
           </p:nvPr>
@@ -13128,12 +13316,12 @@
           </a:ln>
         </p:spPr>
         <p:txBody>
-          <a:bodyPr anchorCtr="0" anchor="t" bIns="91425" lIns="91425" spcFirstLastPara="1" rIns="91425" wrap="square" tIns="91425">
+          <a:bodyPr spcFirstLastPara="1" wrap="square" lIns="91425" tIns="91425" rIns="91425" bIns="91425" anchor="t" anchorCtr="0">
             <a:normAutofit fontScale="90000"/>
           </a:bodyPr>
           <a:lstStyle/>
           <a:p>
-            <a:pPr indent="0" lvl="0" marL="0" rtl="0" algn="l">
+            <a:pPr marL="0" lvl="0" indent="0" algn="l" rtl="0">
               <a:lnSpc>
                 <a:spcPct val="100000"/>
               </a:lnSpc>
@@ -13157,9 +13345,11 @@
       <p:sp>
         <p:nvSpPr>
           <p:cNvPr id="79" name="Google Shape;79;p4"/>
-          <p:cNvSpPr txBox="1"/>
+          <p:cNvSpPr txBox="1">
+            <a:spLocks noGrp="1"/>
+          </p:cNvSpPr>
           <p:nvPr>
-            <p:ph idx="1" type="body"/>
+            <p:ph type="body" idx="1"/>
           </p:nvPr>
         </p:nvSpPr>
         <p:spPr>
@@ -13176,12 +13366,12 @@
           </a:ln>
         </p:spPr>
         <p:txBody>
-          <a:bodyPr anchorCtr="0" anchor="t" bIns="91425" lIns="91425" spcFirstLastPara="1" rIns="91425" wrap="square" tIns="91425">
+          <a:bodyPr spcFirstLastPara="1" wrap="square" lIns="91425" tIns="91425" rIns="91425" bIns="91425" anchor="t" anchorCtr="0">
             <a:normAutofit/>
           </a:bodyPr>
           <a:lstStyle/>
           <a:p>
-            <a:pPr indent="0" lvl="0" marL="0" rtl="0" algn="l">
+            <a:pPr marL="0" lvl="0" indent="0" algn="l" rtl="0">
               <a:lnSpc>
                 <a:spcPct val="115000"/>
               </a:lnSpc>
@@ -13201,7 +13391,7 @@
             <a:endParaRPr/>
           </a:p>
           <a:p>
-            <a:pPr indent="0" lvl="0" marL="0" rtl="0" algn="l">
+            <a:pPr marL="0" lvl="0" indent="0" algn="l" rtl="0">
               <a:lnSpc>
                 <a:spcPct val="115000"/>
               </a:lnSpc>
@@ -13214,13 +13404,10 @@
               <a:buSzPts val="1400"/>
               <a:buNone/>
             </a:pPr>
-            <a:r>
-              <a:t/>
-            </a:r>
             <a:endParaRPr/>
           </a:p>
           <a:p>
-            <a:pPr indent="0" lvl="0" marL="0" rtl="0" algn="l">
+            <a:pPr marL="0" lvl="0" indent="0" algn="l" rtl="0">
               <a:lnSpc>
                 <a:spcPct val="115000"/>
               </a:lnSpc>
@@ -13233,13 +13420,10 @@
               <a:buSzPts val="1400"/>
               <a:buNone/>
             </a:pPr>
-            <a:r>
-              <a:t/>
-            </a:r>
             <a:endParaRPr/>
           </a:p>
           <a:p>
-            <a:pPr indent="0" lvl="0" marL="0" rtl="0" algn="l">
+            <a:pPr marL="0" lvl="0" indent="0" algn="l" rtl="0">
               <a:lnSpc>
                 <a:spcPct val="115000"/>
               </a:lnSpc>
@@ -13263,9 +13447,11 @@
       <p:sp>
         <p:nvSpPr>
           <p:cNvPr id="80" name="Google Shape;80;p4"/>
-          <p:cNvSpPr txBox="1"/>
+          <p:cNvSpPr txBox="1">
+            <a:spLocks noGrp="1"/>
+          </p:cNvSpPr>
           <p:nvPr>
-            <p:ph idx="2" type="body"/>
+            <p:ph type="body" idx="2"/>
           </p:nvPr>
         </p:nvSpPr>
         <p:spPr>
@@ -13282,12 +13468,12 @@
           </a:ln>
         </p:spPr>
         <p:txBody>
-          <a:bodyPr anchorCtr="0" anchor="t" bIns="91425" lIns="91425" spcFirstLastPara="1" rIns="91425" wrap="square" tIns="91425">
+          <a:bodyPr spcFirstLastPara="1" wrap="square" lIns="91425" tIns="91425" rIns="91425" bIns="91425" anchor="t" anchorCtr="0">
             <a:normAutofit/>
           </a:bodyPr>
           <a:lstStyle/>
           <a:p>
-            <a:pPr indent="0" lvl="0" marL="0" rtl="0" algn="l">
+            <a:pPr marL="0" lvl="0" indent="0" algn="l" rtl="0">
               <a:lnSpc>
                 <a:spcPct val="115000"/>
               </a:lnSpc>
@@ -13317,11 +13503,11 @@
 </file>
 
 <file path=ppt/slides/slide5.xml><?xml version="1.0" encoding="utf-8"?>
-<p:sld xmlns:a="http://schemas.openxmlformats.org/drawingml/2006/main" xmlns:r="http://schemas.openxmlformats.org/officeDocument/2006/relationships" xmlns:mc="http://schemas.openxmlformats.org/markup-compatibility/2006" xmlns:mv="urn:schemas-microsoft-com:mac:vml" xmlns:p="http://schemas.openxmlformats.org/presentationml/2006/main" xmlns:c="http://schemas.openxmlformats.org/drawingml/2006/chart" xmlns:dgm="http://schemas.openxmlformats.org/drawingml/2006/diagram" xmlns:o="urn:schemas-microsoft-com:office:office" xmlns:v="urn:schemas-microsoft-com:vml" xmlns:pvml="urn:schemas-microsoft-com:office:powerpoint" xmlns:com="http://schemas.openxmlformats.org/drawingml/2006/compatibility" xmlns:p14="http://schemas.microsoft.com/office/powerpoint/2010/main" xmlns:p15="http://schemas.microsoft.com/office/powerpoint/2012/main" xmlns:ahyp="http://schemas.microsoft.com/office/drawing/2018/hyperlinkcolor">
+<p:sld xmlns:a="http://schemas.openxmlformats.org/drawingml/2006/main" xmlns:r="http://schemas.openxmlformats.org/officeDocument/2006/relationships" xmlns:p="http://schemas.openxmlformats.org/presentationml/2006/main">
   <p:cSld>
     <p:spTree>
       <p:nvGrpSpPr>
-        <p:cNvPr id="84" name="Shape 84"/>
+        <p:cNvPr id="1" name="Shape 84"/>
         <p:cNvGrpSpPr/>
         <p:nvPr/>
       </p:nvGrpSpPr>
@@ -13336,7 +13522,9 @@
       <p:sp>
         <p:nvSpPr>
           <p:cNvPr id="85" name="Google Shape;85;p5"/>
-          <p:cNvSpPr txBox="1"/>
+          <p:cNvSpPr txBox="1">
+            <a:spLocks noGrp="1"/>
+          </p:cNvSpPr>
           <p:nvPr>
             <p:ph type="title"/>
           </p:nvPr>
@@ -13355,12 +13543,12 @@
           </a:ln>
         </p:spPr>
         <p:txBody>
-          <a:bodyPr anchorCtr="0" anchor="t" bIns="91425" lIns="91425" spcFirstLastPara="1" rIns="91425" wrap="square" tIns="91425">
+          <a:bodyPr spcFirstLastPara="1" wrap="square" lIns="91425" tIns="91425" rIns="91425" bIns="91425" anchor="t" anchorCtr="0">
             <a:normAutofit fontScale="90000"/>
           </a:bodyPr>
           <a:lstStyle/>
           <a:p>
-            <a:pPr indent="0" lvl="0" marL="0" rtl="0" algn="l">
+            <a:pPr marL="0" lvl="0" indent="0" algn="l" rtl="0">
               <a:lnSpc>
                 <a:spcPct val="100000"/>
               </a:lnSpc>
@@ -13384,9 +13572,11 @@
       <p:sp>
         <p:nvSpPr>
           <p:cNvPr id="86" name="Google Shape;86;p5"/>
-          <p:cNvSpPr txBox="1"/>
+          <p:cNvSpPr txBox="1">
+            <a:spLocks noGrp="1"/>
+          </p:cNvSpPr>
           <p:nvPr>
-            <p:ph idx="1" type="body"/>
+            <p:ph type="body" idx="1"/>
           </p:nvPr>
         </p:nvSpPr>
         <p:spPr>
@@ -13403,12 +13593,12 @@
           </a:ln>
         </p:spPr>
         <p:txBody>
-          <a:bodyPr anchorCtr="0" anchor="t" bIns="91425" lIns="91425" spcFirstLastPara="1" rIns="91425" wrap="square" tIns="91425">
+          <a:bodyPr spcFirstLastPara="1" wrap="square" lIns="91425" tIns="91425" rIns="91425" bIns="91425" anchor="t" anchorCtr="0">
             <a:normAutofit/>
           </a:bodyPr>
           <a:lstStyle/>
           <a:p>
-            <a:pPr indent="0" lvl="0" marL="0" rtl="0" algn="l">
+            <a:pPr marL="0" lvl="0" indent="0" algn="l" rtl="0">
               <a:lnSpc>
                 <a:spcPct val="115000"/>
               </a:lnSpc>
@@ -13438,11 +13628,11 @@
 </file>
 
 <file path=ppt/slides/slide6.xml><?xml version="1.0" encoding="utf-8"?>
-<p:sld xmlns:a="http://schemas.openxmlformats.org/drawingml/2006/main" xmlns:r="http://schemas.openxmlformats.org/officeDocument/2006/relationships" xmlns:mc="http://schemas.openxmlformats.org/markup-compatibility/2006" xmlns:mv="urn:schemas-microsoft-com:mac:vml" xmlns:p="http://schemas.openxmlformats.org/presentationml/2006/main" xmlns:c="http://schemas.openxmlformats.org/drawingml/2006/chart" xmlns:dgm="http://schemas.openxmlformats.org/drawingml/2006/diagram" xmlns:o="urn:schemas-microsoft-com:office:office" xmlns:v="urn:schemas-microsoft-com:vml" xmlns:pvml="urn:schemas-microsoft-com:office:powerpoint" xmlns:com="http://schemas.openxmlformats.org/drawingml/2006/compatibility" xmlns:p14="http://schemas.microsoft.com/office/powerpoint/2010/main" xmlns:p15="http://schemas.microsoft.com/office/powerpoint/2012/main" xmlns:ahyp="http://schemas.microsoft.com/office/drawing/2018/hyperlinkcolor">
+<p:sld xmlns:a="http://schemas.openxmlformats.org/drawingml/2006/main" xmlns:r="http://schemas.openxmlformats.org/officeDocument/2006/relationships" xmlns:p="http://schemas.openxmlformats.org/presentationml/2006/main">
   <p:cSld>
     <p:spTree>
       <p:nvGrpSpPr>
-        <p:cNvPr id="90" name="Shape 90"/>
+        <p:cNvPr id="1" name="Shape 90"/>
         <p:cNvGrpSpPr/>
         <p:nvPr/>
       </p:nvGrpSpPr>
@@ -13457,7 +13647,9 @@
       <p:sp>
         <p:nvSpPr>
           <p:cNvPr id="91" name="Google Shape;91;p6"/>
-          <p:cNvSpPr txBox="1"/>
+          <p:cNvSpPr txBox="1">
+            <a:spLocks noGrp="1"/>
+          </p:cNvSpPr>
           <p:nvPr>
             <p:ph type="title"/>
           </p:nvPr>
@@ -13476,12 +13668,12 @@
           </a:ln>
         </p:spPr>
         <p:txBody>
-          <a:bodyPr anchorCtr="0" anchor="t" bIns="91425" lIns="91425" spcFirstLastPara="1" rIns="91425" wrap="square" tIns="91425">
+          <a:bodyPr spcFirstLastPara="1" wrap="square" lIns="91425" tIns="91425" rIns="91425" bIns="91425" anchor="t" anchorCtr="0">
             <a:normAutofit fontScale="90000"/>
           </a:bodyPr>
           <a:lstStyle/>
           <a:p>
-            <a:pPr indent="0" lvl="0" marL="0" rtl="0" algn="l">
+            <a:pPr marL="0" lvl="0" indent="0" algn="l" rtl="0">
               <a:lnSpc>
                 <a:spcPct val="100000"/>
               </a:lnSpc>
@@ -13505,9 +13697,11 @@
       <p:sp>
         <p:nvSpPr>
           <p:cNvPr id="92" name="Google Shape;92;p6"/>
-          <p:cNvSpPr txBox="1"/>
+          <p:cNvSpPr txBox="1">
+            <a:spLocks noGrp="1"/>
+          </p:cNvSpPr>
           <p:nvPr>
-            <p:ph idx="1" type="body"/>
+            <p:ph type="body" idx="1"/>
           </p:nvPr>
         </p:nvSpPr>
         <p:spPr>
@@ -13524,12 +13718,12 @@
           </a:ln>
         </p:spPr>
         <p:txBody>
-          <a:bodyPr anchorCtr="0" anchor="t" bIns="91425" lIns="91425" spcFirstLastPara="1" rIns="91425" wrap="square" tIns="91425">
+          <a:bodyPr spcFirstLastPara="1" wrap="square" lIns="91425" tIns="91425" rIns="91425" bIns="91425" anchor="t" anchorCtr="0">
             <a:normAutofit/>
           </a:bodyPr>
           <a:lstStyle/>
           <a:p>
-            <a:pPr indent="0" lvl="0" marL="0" rtl="0" algn="l">
+            <a:pPr marL="0" lvl="0" indent="0" algn="l" rtl="0">
               <a:lnSpc>
                 <a:spcPct val="115000"/>
               </a:lnSpc>
@@ -13553,9 +13747,11 @@
       <p:sp>
         <p:nvSpPr>
           <p:cNvPr id="93" name="Google Shape;93;p6"/>
-          <p:cNvSpPr txBox="1"/>
+          <p:cNvSpPr txBox="1">
+            <a:spLocks noGrp="1"/>
+          </p:cNvSpPr>
           <p:nvPr>
-            <p:ph idx="2" type="body"/>
+            <p:ph type="body" idx="2"/>
           </p:nvPr>
         </p:nvSpPr>
         <p:spPr>
@@ -13572,12 +13768,12 @@
           </a:ln>
         </p:spPr>
         <p:txBody>
-          <a:bodyPr anchorCtr="0" anchor="t" bIns="91425" lIns="91425" spcFirstLastPara="1" rIns="91425" wrap="square" tIns="91425">
+          <a:bodyPr spcFirstLastPara="1" wrap="square" lIns="91425" tIns="91425" rIns="91425" bIns="91425" anchor="t" anchorCtr="0">
             <a:normAutofit/>
           </a:bodyPr>
           <a:lstStyle/>
           <a:p>
-            <a:pPr indent="0" lvl="0" marL="0" rtl="0" algn="l">
+            <a:pPr marL="0" lvl="0" indent="0" algn="l" rtl="0">
               <a:lnSpc>
                 <a:spcPct val="115000"/>
               </a:lnSpc>
@@ -13611,11 +13807,11 @@
 </file>
 
 <file path=ppt/slides/slide7.xml><?xml version="1.0" encoding="utf-8"?>
-<p:sld xmlns:a="http://schemas.openxmlformats.org/drawingml/2006/main" xmlns:r="http://schemas.openxmlformats.org/officeDocument/2006/relationships" xmlns:mc="http://schemas.openxmlformats.org/markup-compatibility/2006" xmlns:mv="urn:schemas-microsoft-com:mac:vml" xmlns:p="http://schemas.openxmlformats.org/presentationml/2006/main" xmlns:c="http://schemas.openxmlformats.org/drawingml/2006/chart" xmlns:dgm="http://schemas.openxmlformats.org/drawingml/2006/diagram" xmlns:o="urn:schemas-microsoft-com:office:office" xmlns:v="urn:schemas-microsoft-com:vml" xmlns:pvml="urn:schemas-microsoft-com:office:powerpoint" xmlns:com="http://schemas.openxmlformats.org/drawingml/2006/compatibility" xmlns:p14="http://schemas.microsoft.com/office/powerpoint/2010/main" xmlns:p15="http://schemas.microsoft.com/office/powerpoint/2012/main" xmlns:ahyp="http://schemas.microsoft.com/office/drawing/2018/hyperlinkcolor">
+<p:sld xmlns:a="http://schemas.openxmlformats.org/drawingml/2006/main" xmlns:r="http://schemas.openxmlformats.org/officeDocument/2006/relationships" xmlns:p="http://schemas.openxmlformats.org/presentationml/2006/main">
   <p:cSld>
     <p:spTree>
       <p:nvGrpSpPr>
-        <p:cNvPr id="97" name="Shape 97"/>
+        <p:cNvPr id="1" name="Shape 97"/>
         <p:cNvGrpSpPr/>
         <p:nvPr/>
       </p:nvGrpSpPr>
@@ -13630,7 +13826,9 @@
       <p:sp>
         <p:nvSpPr>
           <p:cNvPr id="98" name="Google Shape;98;p7"/>
-          <p:cNvSpPr txBox="1"/>
+          <p:cNvSpPr txBox="1">
+            <a:spLocks noGrp="1"/>
+          </p:cNvSpPr>
           <p:nvPr>
             <p:ph type="title"/>
           </p:nvPr>
@@ -13649,12 +13847,12 @@
           </a:ln>
         </p:spPr>
         <p:txBody>
-          <a:bodyPr anchorCtr="0" anchor="t" bIns="91425" lIns="91425" spcFirstLastPara="1" rIns="91425" wrap="square" tIns="91425">
+          <a:bodyPr spcFirstLastPara="1" wrap="square" lIns="91425" tIns="91425" rIns="91425" bIns="91425" anchor="t" anchorCtr="0">
             <a:normAutofit fontScale="90000"/>
           </a:bodyPr>
           <a:lstStyle/>
           <a:p>
-            <a:pPr indent="0" lvl="0" marL="0" rtl="0" algn="l">
+            <a:pPr marL="0" lvl="0" indent="0" algn="l" rtl="0">
               <a:lnSpc>
                 <a:spcPct val="100000"/>
               </a:lnSpc>
@@ -13678,9 +13876,11 @@
       <p:sp>
         <p:nvSpPr>
           <p:cNvPr id="99" name="Google Shape;99;p7"/>
-          <p:cNvSpPr txBox="1"/>
+          <p:cNvSpPr txBox="1">
+            <a:spLocks noGrp="1"/>
+          </p:cNvSpPr>
           <p:nvPr>
-            <p:ph idx="1" type="body"/>
+            <p:ph type="body" idx="1"/>
           </p:nvPr>
         </p:nvSpPr>
         <p:spPr>
@@ -13697,12 +13897,12 @@
           </a:ln>
         </p:spPr>
         <p:txBody>
-          <a:bodyPr anchorCtr="0" anchor="t" bIns="91425" lIns="91425" spcFirstLastPara="1" rIns="91425" wrap="square" tIns="91425">
+          <a:bodyPr spcFirstLastPara="1" wrap="square" lIns="91425" tIns="91425" rIns="91425" bIns="91425" anchor="t" anchorCtr="0">
             <a:normAutofit/>
           </a:bodyPr>
           <a:lstStyle/>
           <a:p>
-            <a:pPr indent="0" lvl="0" marL="0" rtl="0" algn="l">
+            <a:pPr marL="0" lvl="0" indent="0" algn="l" rtl="0">
               <a:lnSpc>
                 <a:spcPct val="115000"/>
               </a:lnSpc>
@@ -13726,7 +13926,7 @@
             <a:endParaRPr/>
           </a:p>
           <a:p>
-            <a:pPr indent="0" lvl="0" marL="0" rtl="0" algn="l">
+            <a:pPr marL="0" lvl="0" indent="0" algn="l" rtl="0">
               <a:lnSpc>
                 <a:spcPct val="115000"/>
               </a:lnSpc>
@@ -13743,13 +13943,10 @@
               <a:buFont typeface="Arial"/>
               <a:buNone/>
             </a:pPr>
-            <a:r>
-              <a:t/>
-            </a:r>
             <a:endParaRPr/>
           </a:p>
           <a:p>
-            <a:pPr indent="0" lvl="0" marL="0" rtl="0" algn="l">
+            <a:pPr marL="0" lvl="0" indent="0" algn="l" rtl="0">
               <a:lnSpc>
                 <a:spcPct val="115000"/>
               </a:lnSpc>
@@ -13766,13 +13963,10 @@
               <a:buFont typeface="Arial"/>
               <a:buNone/>
             </a:pPr>
-            <a:r>
-              <a:t/>
-            </a:r>
             <a:endParaRPr/>
           </a:p>
           <a:p>
-            <a:pPr indent="0" lvl="0" marL="0" rtl="0" algn="l">
+            <a:pPr marL="0" lvl="0" indent="0" algn="l" rtl="0">
               <a:lnSpc>
                 <a:spcPct val="115000"/>
               </a:lnSpc>
@@ -13789,13 +13983,10 @@
               <a:buFont typeface="Arial"/>
               <a:buNone/>
             </a:pPr>
-            <a:r>
-              <a:t/>
-            </a:r>
             <a:endParaRPr/>
           </a:p>
           <a:p>
-            <a:pPr indent="0" lvl="0" marL="0" rtl="0" algn="l">
+            <a:pPr marL="0" lvl="0" indent="0" algn="l" rtl="0">
               <a:lnSpc>
                 <a:spcPct val="115000"/>
               </a:lnSpc>
@@ -13819,7 +14010,7 @@
             <a:endParaRPr/>
           </a:p>
           <a:p>
-            <a:pPr indent="0" lvl="0" marL="0" rtl="0" algn="l">
+            <a:pPr marL="0" lvl="0" indent="0" algn="l" rtl="0">
               <a:lnSpc>
                 <a:spcPct val="115000"/>
               </a:lnSpc>
@@ -13832,9 +14023,6 @@
               <a:buSzPts val="1400"/>
               <a:buNone/>
             </a:pPr>
-            <a:r>
-              <a:t/>
-            </a:r>
             <a:endParaRPr/>
           </a:p>
         </p:txBody>
@@ -13842,9 +14030,11 @@
       <p:sp>
         <p:nvSpPr>
           <p:cNvPr id="100" name="Google Shape;100;p7"/>
-          <p:cNvSpPr txBox="1"/>
+          <p:cNvSpPr txBox="1">
+            <a:spLocks noGrp="1"/>
+          </p:cNvSpPr>
           <p:nvPr>
-            <p:ph idx="2" type="body"/>
+            <p:ph type="body" idx="2"/>
           </p:nvPr>
         </p:nvSpPr>
         <p:spPr>
@@ -13861,12 +14051,12 @@
           </a:ln>
         </p:spPr>
         <p:txBody>
-          <a:bodyPr anchorCtr="0" anchor="t" bIns="91425" lIns="91425" spcFirstLastPara="1" rIns="91425" wrap="square" tIns="91425">
+          <a:bodyPr spcFirstLastPara="1" wrap="square" lIns="91425" tIns="91425" rIns="91425" bIns="91425" anchor="t" anchorCtr="0">
             <a:normAutofit/>
           </a:bodyPr>
           <a:lstStyle/>
           <a:p>
-            <a:pPr indent="0" lvl="0" marL="0" rtl="0" algn="l">
+            <a:pPr marL="0" lvl="0" indent="0" algn="l" rtl="0">
               <a:lnSpc>
                 <a:spcPct val="115000"/>
               </a:lnSpc>
@@ -13896,11 +14086,11 @@
 </file>
 
 <file path=ppt/slides/slide8.xml><?xml version="1.0" encoding="utf-8"?>
-<p:sld xmlns:a="http://schemas.openxmlformats.org/drawingml/2006/main" xmlns:r="http://schemas.openxmlformats.org/officeDocument/2006/relationships" xmlns:mc="http://schemas.openxmlformats.org/markup-compatibility/2006" xmlns:mv="urn:schemas-microsoft-com:mac:vml" xmlns:p="http://schemas.openxmlformats.org/presentationml/2006/main" xmlns:c="http://schemas.openxmlformats.org/drawingml/2006/chart" xmlns:dgm="http://schemas.openxmlformats.org/drawingml/2006/diagram" xmlns:o="urn:schemas-microsoft-com:office:office" xmlns:v="urn:schemas-microsoft-com:vml" xmlns:pvml="urn:schemas-microsoft-com:office:powerpoint" xmlns:com="http://schemas.openxmlformats.org/drawingml/2006/compatibility" xmlns:p14="http://schemas.microsoft.com/office/powerpoint/2010/main" xmlns:p15="http://schemas.microsoft.com/office/powerpoint/2012/main" xmlns:ahyp="http://schemas.microsoft.com/office/drawing/2018/hyperlinkcolor">
+<p:sld xmlns:a="http://schemas.openxmlformats.org/drawingml/2006/main" xmlns:r="http://schemas.openxmlformats.org/officeDocument/2006/relationships" xmlns:p="http://schemas.openxmlformats.org/presentationml/2006/main">
   <p:cSld>
     <p:spTree>
       <p:nvGrpSpPr>
-        <p:cNvPr id="104" name="Shape 104"/>
+        <p:cNvPr id="1" name="Shape 104"/>
         <p:cNvGrpSpPr/>
         <p:nvPr/>
       </p:nvGrpSpPr>
@@ -13915,7 +14105,9 @@
       <p:sp>
         <p:nvSpPr>
           <p:cNvPr id="105" name="Google Shape;105;p8"/>
-          <p:cNvSpPr txBox="1"/>
+          <p:cNvSpPr txBox="1">
+            <a:spLocks noGrp="1"/>
+          </p:cNvSpPr>
           <p:nvPr>
             <p:ph type="title"/>
           </p:nvPr>
@@ -13934,12 +14126,12 @@
           </a:ln>
         </p:spPr>
         <p:txBody>
-          <a:bodyPr anchorCtr="0" anchor="t" bIns="91425" lIns="91425" spcFirstLastPara="1" rIns="91425" wrap="square" tIns="91425">
+          <a:bodyPr spcFirstLastPara="1" wrap="square" lIns="91425" tIns="91425" rIns="91425" bIns="91425" anchor="t" anchorCtr="0">
             <a:normAutofit fontScale="90000"/>
           </a:bodyPr>
           <a:lstStyle/>
           <a:p>
-            <a:pPr indent="0" lvl="0" marL="0" rtl="0" algn="l">
+            <a:pPr marL="0" lvl="0" indent="0" algn="l" rtl="0">
               <a:lnSpc>
                 <a:spcPct val="100000"/>
               </a:lnSpc>
@@ -13963,9 +14155,11 @@
       <p:sp>
         <p:nvSpPr>
           <p:cNvPr id="106" name="Google Shape;106;p8"/>
-          <p:cNvSpPr txBox="1"/>
+          <p:cNvSpPr txBox="1">
+            <a:spLocks noGrp="1"/>
+          </p:cNvSpPr>
           <p:nvPr>
-            <p:ph idx="1" type="body"/>
+            <p:ph type="body" idx="1"/>
           </p:nvPr>
         </p:nvSpPr>
         <p:spPr>
@@ -13982,12 +14176,12 @@
           </a:ln>
         </p:spPr>
         <p:txBody>
-          <a:bodyPr anchorCtr="0" anchor="t" bIns="91425" lIns="91425" spcFirstLastPara="1" rIns="91425" wrap="square" tIns="91425">
+          <a:bodyPr spcFirstLastPara="1" wrap="square" lIns="91425" tIns="91425" rIns="91425" bIns="91425" anchor="t" anchorCtr="0">
             <a:normAutofit/>
           </a:bodyPr>
           <a:lstStyle/>
           <a:p>
-            <a:pPr indent="0" lvl="0" marL="0" rtl="0" algn="l">
+            <a:pPr marL="0" lvl="0" indent="0" algn="l" rtl="0">
               <a:lnSpc>
                 <a:spcPct val="115000"/>
               </a:lnSpc>
@@ -14017,11 +14211,11 @@
 </file>
 
 <file path=ppt/slides/slide9.xml><?xml version="1.0" encoding="utf-8"?>
-<p:sld xmlns:a="http://schemas.openxmlformats.org/drawingml/2006/main" xmlns:r="http://schemas.openxmlformats.org/officeDocument/2006/relationships" xmlns:mc="http://schemas.openxmlformats.org/markup-compatibility/2006" xmlns:mv="urn:schemas-microsoft-com:mac:vml" xmlns:p="http://schemas.openxmlformats.org/presentationml/2006/main" xmlns:c="http://schemas.openxmlformats.org/drawingml/2006/chart" xmlns:dgm="http://schemas.openxmlformats.org/drawingml/2006/diagram" xmlns:o="urn:schemas-microsoft-com:office:office" xmlns:v="urn:schemas-microsoft-com:vml" xmlns:pvml="urn:schemas-microsoft-com:office:powerpoint" xmlns:com="http://schemas.openxmlformats.org/drawingml/2006/compatibility" xmlns:p14="http://schemas.microsoft.com/office/powerpoint/2010/main" xmlns:p15="http://schemas.microsoft.com/office/powerpoint/2012/main" xmlns:ahyp="http://schemas.microsoft.com/office/drawing/2018/hyperlinkcolor">
+<p:sld xmlns:a="http://schemas.openxmlformats.org/drawingml/2006/main" xmlns:r="http://schemas.openxmlformats.org/officeDocument/2006/relationships" xmlns:p="http://schemas.openxmlformats.org/presentationml/2006/main">
   <p:cSld>
     <p:spTree>
       <p:nvGrpSpPr>
-        <p:cNvPr id="110" name="Shape 110"/>
+        <p:cNvPr id="1" name="Shape 110"/>
         <p:cNvGrpSpPr/>
         <p:nvPr/>
       </p:nvGrpSpPr>
@@ -14036,7 +14230,9 @@
       <p:sp>
         <p:nvSpPr>
           <p:cNvPr id="111" name="Google Shape;111;p9"/>
-          <p:cNvSpPr txBox="1"/>
+          <p:cNvSpPr txBox="1">
+            <a:spLocks noGrp="1"/>
+          </p:cNvSpPr>
           <p:nvPr>
             <p:ph type="title"/>
           </p:nvPr>
@@ -14055,12 +14251,12 @@
           </a:ln>
         </p:spPr>
         <p:txBody>
-          <a:bodyPr anchorCtr="0" anchor="t" bIns="91425" lIns="91425" spcFirstLastPara="1" rIns="91425" wrap="square" tIns="91425">
+          <a:bodyPr spcFirstLastPara="1" wrap="square" lIns="91425" tIns="91425" rIns="91425" bIns="91425" anchor="t" anchorCtr="0">
             <a:normAutofit fontScale="90000"/>
           </a:bodyPr>
           <a:lstStyle/>
           <a:p>
-            <a:pPr indent="0" lvl="0" marL="0" rtl="0" algn="l">
+            <a:pPr marL="0" lvl="0" indent="0" algn="l" rtl="0">
               <a:lnSpc>
                 <a:spcPct val="100000"/>
               </a:lnSpc>
@@ -14084,9 +14280,11 @@
       <p:sp>
         <p:nvSpPr>
           <p:cNvPr id="112" name="Google Shape;112;p9"/>
-          <p:cNvSpPr txBox="1"/>
+          <p:cNvSpPr txBox="1">
+            <a:spLocks noGrp="1"/>
+          </p:cNvSpPr>
           <p:nvPr>
-            <p:ph idx="1" type="body"/>
+            <p:ph type="body" idx="1"/>
           </p:nvPr>
         </p:nvSpPr>
         <p:spPr>
@@ -14103,12 +14301,12 @@
           </a:ln>
         </p:spPr>
         <p:txBody>
-          <a:bodyPr anchorCtr="0" anchor="t" bIns="91425" lIns="91425" spcFirstLastPara="1" rIns="91425" wrap="square" tIns="91425">
+          <a:bodyPr spcFirstLastPara="1" wrap="square" lIns="91425" tIns="91425" rIns="91425" bIns="91425" anchor="t" anchorCtr="0">
             <a:normAutofit/>
           </a:bodyPr>
           <a:lstStyle/>
           <a:p>
-            <a:pPr indent="0" lvl="0" marL="0" rtl="0" algn="l">
+            <a:pPr marL="0" lvl="0" indent="0" algn="l" rtl="0">
               <a:lnSpc>
                 <a:spcPct val="115000"/>
               </a:lnSpc>
@@ -14138,7 +14336,288 @@
 </file>
 
 <file path=ppt/theme/theme1.xml><?xml version="1.0" encoding="utf-8"?>
-<a:theme xmlns:a="http://schemas.openxmlformats.org/drawingml/2006/main" xmlns:r="http://schemas.openxmlformats.org/officeDocument/2006/relationships">
+<a:theme xmlns:a="http://schemas.openxmlformats.org/drawingml/2006/main" name="Simple Light">
+  <a:themeElements>
+    <a:clrScheme name="Simple Light">
+      <a:dk1>
+        <a:srgbClr val="000000"/>
+      </a:dk1>
+      <a:lt1>
+        <a:srgbClr val="FFFFFF"/>
+      </a:lt1>
+      <a:dk2>
+        <a:srgbClr val="595959"/>
+      </a:dk2>
+      <a:lt2>
+        <a:srgbClr val="EEEEEE"/>
+      </a:lt2>
+      <a:accent1>
+        <a:srgbClr val="4285F4"/>
+      </a:accent1>
+      <a:accent2>
+        <a:srgbClr val="212121"/>
+      </a:accent2>
+      <a:accent3>
+        <a:srgbClr val="78909C"/>
+      </a:accent3>
+      <a:accent4>
+        <a:srgbClr val="FFAB40"/>
+      </a:accent4>
+      <a:accent5>
+        <a:srgbClr val="0097A7"/>
+      </a:accent5>
+      <a:accent6>
+        <a:srgbClr val="EEFF41"/>
+      </a:accent6>
+      <a:hlink>
+        <a:srgbClr val="0097A7"/>
+      </a:hlink>
+      <a:folHlink>
+        <a:srgbClr val="0097A7"/>
+      </a:folHlink>
+    </a:clrScheme>
+    <a:fontScheme name="Office">
+      <a:majorFont>
+        <a:latin typeface="Arial"/>
+        <a:ea typeface=""/>
+        <a:cs typeface=""/>
+        <a:font script="Jpan" typeface="ＭＳ Ｐゴシック"/>
+        <a:font script="Hang" typeface="맑은 고딕"/>
+        <a:font script="Hans" typeface="宋体"/>
+        <a:font script="Hant" typeface="新細明體"/>
+        <a:font script="Arab" typeface="Times New Roman"/>
+        <a:font script="Hebr" typeface="Times New Roman"/>
+        <a:font script="Thai" typeface="Angsana New"/>
+        <a:font script="Ethi" typeface="Nyala"/>
+        <a:font script="Beng" typeface="Vrinda"/>
+        <a:font script="Gujr" typeface="Shruti"/>
+        <a:font script="Khmr" typeface="MoolBoran"/>
+        <a:font script="Knda" typeface="Tunga"/>
+        <a:font script="Guru" typeface="Raavi"/>
+        <a:font script="Cans" typeface="Euphemia"/>
+        <a:font script="Cher" typeface="Plantagenet Cherokee"/>
+        <a:font script="Yiii" typeface="Microsoft Yi Baiti"/>
+        <a:font script="Tibt" typeface="Microsoft Himalaya"/>
+        <a:font script="Thaa" typeface="MV Boli"/>
+        <a:font script="Deva" typeface="Mangal"/>
+        <a:font script="Telu" typeface="Gautami"/>
+        <a:font script="Taml" typeface="Latha"/>
+        <a:font script="Syrc" typeface="Estrangelo Edessa"/>
+        <a:font script="Orya" typeface="Kalinga"/>
+        <a:font script="Mlym" typeface="Kartika"/>
+        <a:font script="Laoo" typeface="DokChampa"/>
+        <a:font script="Sinh" typeface="Iskoola Pota"/>
+        <a:font script="Mong" typeface="Mongolian Baiti"/>
+        <a:font script="Viet" typeface="Times New Roman"/>
+        <a:font script="Uigh" typeface="Microsoft Uighur"/>
+        <a:font script="Geor" typeface="Sylfaen"/>
+      </a:majorFont>
+      <a:minorFont>
+        <a:latin typeface="Arial"/>
+        <a:ea typeface=""/>
+        <a:cs typeface=""/>
+        <a:font script="Jpan" typeface="ＭＳ Ｐゴシック"/>
+        <a:font script="Hang" typeface="맑은 고딕"/>
+        <a:font script="Hans" typeface="宋体"/>
+        <a:font script="Hant" typeface="新細明體"/>
+        <a:font script="Arab" typeface="Arial"/>
+        <a:font script="Hebr" typeface="Arial"/>
+        <a:font script="Thai" typeface="Cordia New"/>
+        <a:font script="Ethi" typeface="Nyala"/>
+        <a:font script="Beng" typeface="Vrinda"/>
+        <a:font script="Gujr" typeface="Shruti"/>
+        <a:font script="Khmr" typeface="DaunPenh"/>
+        <a:font script="Knda" typeface="Tunga"/>
+        <a:font script="Guru" typeface="Raavi"/>
+        <a:font script="Cans" typeface="Euphemia"/>
+        <a:font script="Cher" typeface="Plantagenet Cherokee"/>
+        <a:font script="Yiii" typeface="Microsoft Yi Baiti"/>
+        <a:font script="Tibt" typeface="Microsoft Himalaya"/>
+        <a:font script="Thaa" typeface="MV Boli"/>
+        <a:font script="Deva" typeface="Mangal"/>
+        <a:font script="Telu" typeface="Gautami"/>
+        <a:font script="Taml" typeface="Latha"/>
+        <a:font script="Syrc" typeface="Estrangelo Edessa"/>
+        <a:font script="Orya" typeface="Kalinga"/>
+        <a:font script="Mlym" typeface="Kartika"/>
+        <a:font script="Laoo" typeface="DokChampa"/>
+        <a:font script="Sinh" typeface="Iskoola Pota"/>
+        <a:font script="Mong" typeface="Mongolian Baiti"/>
+        <a:font script="Viet" typeface="Arial"/>
+        <a:font script="Uigh" typeface="Microsoft Uighur"/>
+        <a:font script="Geor" typeface="Sylfaen"/>
+      </a:minorFont>
+    </a:fontScheme>
+    <a:fmtScheme name="Office">
+      <a:fillStyleLst>
+        <a:solidFill>
+          <a:schemeClr val="phClr"/>
+        </a:solidFill>
+        <a:gradFill rotWithShape="1">
+          <a:gsLst>
+            <a:gs pos="0">
+              <a:schemeClr val="phClr">
+                <a:tint val="50000"/>
+                <a:satMod val="300000"/>
+              </a:schemeClr>
+            </a:gs>
+            <a:gs pos="35000">
+              <a:schemeClr val="phClr">
+                <a:tint val="37000"/>
+                <a:satMod val="300000"/>
+              </a:schemeClr>
+            </a:gs>
+            <a:gs pos="100000">
+              <a:schemeClr val="phClr">
+                <a:tint val="15000"/>
+                <a:satMod val="350000"/>
+              </a:schemeClr>
+            </a:gs>
+          </a:gsLst>
+          <a:lin ang="16200000" scaled="1"/>
+        </a:gradFill>
+        <a:gradFill rotWithShape="1">
+          <a:gsLst>
+            <a:gs pos="0">
+              <a:schemeClr val="phClr">
+                <a:tint val="100000"/>
+                <a:shade val="100000"/>
+                <a:satMod val="130000"/>
+              </a:schemeClr>
+            </a:gs>
+            <a:gs pos="100000">
+              <a:schemeClr val="phClr">
+                <a:tint val="50000"/>
+                <a:shade val="100000"/>
+                <a:satMod val="350000"/>
+              </a:schemeClr>
+            </a:gs>
+          </a:gsLst>
+          <a:lin ang="16200000" scaled="0"/>
+        </a:gradFill>
+      </a:fillStyleLst>
+      <a:lnStyleLst>
+        <a:ln w="9525" cap="flat" cmpd="sng" algn="ctr">
+          <a:solidFill>
+            <a:schemeClr val="phClr">
+              <a:shade val="95000"/>
+              <a:satMod val="105000"/>
+            </a:schemeClr>
+          </a:solidFill>
+          <a:prstDash val="solid"/>
+        </a:ln>
+        <a:ln w="25400" cap="flat" cmpd="sng" algn="ctr">
+          <a:solidFill>
+            <a:schemeClr val="phClr"/>
+          </a:solidFill>
+          <a:prstDash val="solid"/>
+        </a:ln>
+        <a:ln w="38100" cap="flat" cmpd="sng" algn="ctr">
+          <a:solidFill>
+            <a:schemeClr val="phClr"/>
+          </a:solidFill>
+          <a:prstDash val="solid"/>
+        </a:ln>
+      </a:lnStyleLst>
+      <a:effectStyleLst>
+        <a:effectStyle>
+          <a:effectLst>
+            <a:outerShdw blurRad="40000" dist="20000" dir="5400000" rotWithShape="0">
+              <a:srgbClr val="000000">
+                <a:alpha val="38000"/>
+              </a:srgbClr>
+            </a:outerShdw>
+          </a:effectLst>
+        </a:effectStyle>
+        <a:effectStyle>
+          <a:effectLst>
+            <a:outerShdw blurRad="40000" dist="23000" dir="5400000" rotWithShape="0">
+              <a:srgbClr val="000000">
+                <a:alpha val="35000"/>
+              </a:srgbClr>
+            </a:outerShdw>
+          </a:effectLst>
+        </a:effectStyle>
+        <a:effectStyle>
+          <a:effectLst>
+            <a:outerShdw blurRad="40000" dist="23000" dir="5400000" rotWithShape="0">
+              <a:srgbClr val="000000">
+                <a:alpha val="35000"/>
+              </a:srgbClr>
+            </a:outerShdw>
+          </a:effectLst>
+          <a:scene3d>
+            <a:camera prst="orthographicFront">
+              <a:rot lat="0" lon="0" rev="0"/>
+            </a:camera>
+            <a:lightRig rig="threePt" dir="t">
+              <a:rot lat="0" lon="0" rev="1200000"/>
+            </a:lightRig>
+          </a:scene3d>
+          <a:sp3d>
+            <a:bevelT w="63500" h="25400"/>
+          </a:sp3d>
+        </a:effectStyle>
+      </a:effectStyleLst>
+      <a:bgFillStyleLst>
+        <a:solidFill>
+          <a:schemeClr val="phClr"/>
+        </a:solidFill>
+        <a:gradFill rotWithShape="1">
+          <a:gsLst>
+            <a:gs pos="0">
+              <a:schemeClr val="phClr">
+                <a:tint val="40000"/>
+                <a:satMod val="350000"/>
+              </a:schemeClr>
+            </a:gs>
+            <a:gs pos="40000">
+              <a:schemeClr val="phClr">
+                <a:tint val="45000"/>
+                <a:shade val="99000"/>
+                <a:satMod val="350000"/>
+              </a:schemeClr>
+            </a:gs>
+            <a:gs pos="100000">
+              <a:schemeClr val="phClr">
+                <a:shade val="20000"/>
+                <a:satMod val="255000"/>
+              </a:schemeClr>
+            </a:gs>
+          </a:gsLst>
+          <a:path path="circle">
+            <a:fillToRect l="50000" t="-80000" r="50000" b="180000"/>
+          </a:path>
+        </a:gradFill>
+        <a:gradFill rotWithShape="1">
+          <a:gsLst>
+            <a:gs pos="0">
+              <a:schemeClr val="phClr">
+                <a:tint val="80000"/>
+                <a:satMod val="300000"/>
+              </a:schemeClr>
+            </a:gs>
+            <a:gs pos="100000">
+              <a:schemeClr val="phClr">
+                <a:shade val="30000"/>
+                <a:satMod val="200000"/>
+              </a:schemeClr>
+            </a:gs>
+          </a:gsLst>
+          <a:path path="circle">
+            <a:fillToRect l="50000" t="50000" r="50000" b="50000"/>
+          </a:path>
+        </a:gradFill>
+      </a:bgFillStyleLst>
+    </a:fmtScheme>
+  </a:themeElements>
+  <a:objectDefaults/>
+  <a:extraClrSchemeLst/>
+</a:theme>
+</file>
+
+<file path=ppt/theme/theme2.xml><?xml version="1.0" encoding="utf-8"?>
+<a:theme xmlns:a="http://schemas.openxmlformats.org/drawingml/2006/main">
   <a:themeElements>
     <a:clrScheme name="Default">
       <a:dk1>
@@ -14413,284 +14892,7 @@
       </a:bgFillStyleLst>
     </a:fmtScheme>
   </a:themeElements>
-</a:theme>
-</file>
-
-<file path=ppt/theme/theme2.xml><?xml version="1.0" encoding="utf-8"?>
-<a:theme xmlns:a="http://schemas.openxmlformats.org/drawingml/2006/main" xmlns:r="http://schemas.openxmlformats.org/officeDocument/2006/relationships" name="Simple Light">
-  <a:themeElements>
-    <a:clrScheme name="Simple Light">
-      <a:dk1>
-        <a:srgbClr val="000000"/>
-      </a:dk1>
-      <a:lt1>
-        <a:srgbClr val="FFFFFF"/>
-      </a:lt1>
-      <a:dk2>
-        <a:srgbClr val="595959"/>
-      </a:dk2>
-      <a:lt2>
-        <a:srgbClr val="EEEEEE"/>
-      </a:lt2>
-      <a:accent1>
-        <a:srgbClr val="4285F4"/>
-      </a:accent1>
-      <a:accent2>
-        <a:srgbClr val="212121"/>
-      </a:accent2>
-      <a:accent3>
-        <a:srgbClr val="78909C"/>
-      </a:accent3>
-      <a:accent4>
-        <a:srgbClr val="FFAB40"/>
-      </a:accent4>
-      <a:accent5>
-        <a:srgbClr val="0097A7"/>
-      </a:accent5>
-      <a:accent6>
-        <a:srgbClr val="EEFF41"/>
-      </a:accent6>
-      <a:hlink>
-        <a:srgbClr val="0097A7"/>
-      </a:hlink>
-      <a:folHlink>
-        <a:srgbClr val="0097A7"/>
-      </a:folHlink>
-    </a:clrScheme>
-    <a:fontScheme name="Office">
-      <a:majorFont>
-        <a:latin typeface="Arial"/>
-        <a:ea typeface=""/>
-        <a:cs typeface=""/>
-        <a:font script="Jpan" typeface="ＭＳ Ｐゴシック"/>
-        <a:font script="Hang" typeface="맑은 고딕"/>
-        <a:font script="Hans" typeface="宋体"/>
-        <a:font script="Hant" typeface="新細明體"/>
-        <a:font script="Arab" typeface="Times New Roman"/>
-        <a:font script="Hebr" typeface="Times New Roman"/>
-        <a:font script="Thai" typeface="Angsana New"/>
-        <a:font script="Ethi" typeface="Nyala"/>
-        <a:font script="Beng" typeface="Vrinda"/>
-        <a:font script="Gujr" typeface="Shruti"/>
-        <a:font script="Khmr" typeface="MoolBoran"/>
-        <a:font script="Knda" typeface="Tunga"/>
-        <a:font script="Guru" typeface="Raavi"/>
-        <a:font script="Cans" typeface="Euphemia"/>
-        <a:font script="Cher" typeface="Plantagenet Cherokee"/>
-        <a:font script="Yiii" typeface="Microsoft Yi Baiti"/>
-        <a:font script="Tibt" typeface="Microsoft Himalaya"/>
-        <a:font script="Thaa" typeface="MV Boli"/>
-        <a:font script="Deva" typeface="Mangal"/>
-        <a:font script="Telu" typeface="Gautami"/>
-        <a:font script="Taml" typeface="Latha"/>
-        <a:font script="Syrc" typeface="Estrangelo Edessa"/>
-        <a:font script="Orya" typeface="Kalinga"/>
-        <a:font script="Mlym" typeface="Kartika"/>
-        <a:font script="Laoo" typeface="DokChampa"/>
-        <a:font script="Sinh" typeface="Iskoola Pota"/>
-        <a:font script="Mong" typeface="Mongolian Baiti"/>
-        <a:font script="Viet" typeface="Times New Roman"/>
-        <a:font script="Uigh" typeface="Microsoft Uighur"/>
-        <a:font script="Geor" typeface="Sylfaen"/>
-      </a:majorFont>
-      <a:minorFont>
-        <a:latin typeface="Arial"/>
-        <a:ea typeface=""/>
-        <a:cs typeface=""/>
-        <a:font script="Jpan" typeface="ＭＳ Ｐゴシック"/>
-        <a:font script="Hang" typeface="맑은 고딕"/>
-        <a:font script="Hans" typeface="宋体"/>
-        <a:font script="Hant" typeface="新細明體"/>
-        <a:font script="Arab" typeface="Arial"/>
-        <a:font script="Hebr" typeface="Arial"/>
-        <a:font script="Thai" typeface="Cordia New"/>
-        <a:font script="Ethi" typeface="Nyala"/>
-        <a:font script="Beng" typeface="Vrinda"/>
-        <a:font script="Gujr" typeface="Shruti"/>
-        <a:font script="Khmr" typeface="DaunPenh"/>
-        <a:font script="Knda" typeface="Tunga"/>
-        <a:font script="Guru" typeface="Raavi"/>
-        <a:font script="Cans" typeface="Euphemia"/>
-        <a:font script="Cher" typeface="Plantagenet Cherokee"/>
-        <a:font script="Yiii" typeface="Microsoft Yi Baiti"/>
-        <a:font script="Tibt" typeface="Microsoft Himalaya"/>
-        <a:font script="Thaa" typeface="MV Boli"/>
-        <a:font script="Deva" typeface="Mangal"/>
-        <a:font script="Telu" typeface="Gautami"/>
-        <a:font script="Taml" typeface="Latha"/>
-        <a:font script="Syrc" typeface="Estrangelo Edessa"/>
-        <a:font script="Orya" typeface="Kalinga"/>
-        <a:font script="Mlym" typeface="Kartika"/>
-        <a:font script="Laoo" typeface="DokChampa"/>
-        <a:font script="Sinh" typeface="Iskoola Pota"/>
-        <a:font script="Mong" typeface="Mongolian Baiti"/>
-        <a:font script="Viet" typeface="Arial"/>
-        <a:font script="Uigh" typeface="Microsoft Uighur"/>
-        <a:font script="Geor" typeface="Sylfaen"/>
-      </a:minorFont>
-    </a:fontScheme>
-    <a:fmtScheme name="Office">
-      <a:fillStyleLst>
-        <a:solidFill>
-          <a:schemeClr val="phClr"/>
-        </a:solidFill>
-        <a:gradFill rotWithShape="1">
-          <a:gsLst>
-            <a:gs pos="0">
-              <a:schemeClr val="phClr">
-                <a:tint val="50000"/>
-                <a:satMod val="300000"/>
-              </a:schemeClr>
-            </a:gs>
-            <a:gs pos="35000">
-              <a:schemeClr val="phClr">
-                <a:tint val="37000"/>
-                <a:satMod val="300000"/>
-              </a:schemeClr>
-            </a:gs>
-            <a:gs pos="100000">
-              <a:schemeClr val="phClr">
-                <a:tint val="15000"/>
-                <a:satMod val="350000"/>
-              </a:schemeClr>
-            </a:gs>
-          </a:gsLst>
-          <a:lin ang="16200000" scaled="1"/>
-        </a:gradFill>
-        <a:gradFill rotWithShape="1">
-          <a:gsLst>
-            <a:gs pos="0">
-              <a:schemeClr val="phClr">
-                <a:tint val="100000"/>
-                <a:shade val="100000"/>
-                <a:satMod val="130000"/>
-              </a:schemeClr>
-            </a:gs>
-            <a:gs pos="100000">
-              <a:schemeClr val="phClr">
-                <a:tint val="50000"/>
-                <a:shade val="100000"/>
-                <a:satMod val="350000"/>
-              </a:schemeClr>
-            </a:gs>
-          </a:gsLst>
-          <a:lin ang="16200000" scaled="0"/>
-        </a:gradFill>
-      </a:fillStyleLst>
-      <a:lnStyleLst>
-        <a:ln w="9525" cap="flat" cmpd="sng" algn="ctr">
-          <a:solidFill>
-            <a:schemeClr val="phClr">
-              <a:shade val="95000"/>
-              <a:satMod val="105000"/>
-            </a:schemeClr>
-          </a:solidFill>
-          <a:prstDash val="solid"/>
-        </a:ln>
-        <a:ln w="25400" cap="flat" cmpd="sng" algn="ctr">
-          <a:solidFill>
-            <a:schemeClr val="phClr"/>
-          </a:solidFill>
-          <a:prstDash val="solid"/>
-        </a:ln>
-        <a:ln w="38100" cap="flat" cmpd="sng" algn="ctr">
-          <a:solidFill>
-            <a:schemeClr val="phClr"/>
-          </a:solidFill>
-          <a:prstDash val="solid"/>
-        </a:ln>
-      </a:lnStyleLst>
-      <a:effectStyleLst>
-        <a:effectStyle>
-          <a:effectLst>
-            <a:outerShdw blurRad="40000" dist="20000" dir="5400000" rotWithShape="0">
-              <a:srgbClr val="000000">
-                <a:alpha val="38000"/>
-              </a:srgbClr>
-            </a:outerShdw>
-          </a:effectLst>
-        </a:effectStyle>
-        <a:effectStyle>
-          <a:effectLst>
-            <a:outerShdw blurRad="40000" dist="23000" dir="5400000" rotWithShape="0">
-              <a:srgbClr val="000000">
-                <a:alpha val="35000"/>
-              </a:srgbClr>
-            </a:outerShdw>
-          </a:effectLst>
-        </a:effectStyle>
-        <a:effectStyle>
-          <a:effectLst>
-            <a:outerShdw blurRad="40000" dist="23000" dir="5400000" rotWithShape="0">
-              <a:srgbClr val="000000">
-                <a:alpha val="35000"/>
-              </a:srgbClr>
-            </a:outerShdw>
-          </a:effectLst>
-          <a:scene3d>
-            <a:camera prst="orthographicFront">
-              <a:rot lat="0" lon="0" rev="0"/>
-            </a:camera>
-            <a:lightRig rig="threePt" dir="t">
-              <a:rot lat="0" lon="0" rev="1200000"/>
-            </a:lightRig>
-          </a:scene3d>
-          <a:sp3d>
-            <a:bevelT w="63500" h="25400"/>
-          </a:sp3d>
-        </a:effectStyle>
-      </a:effectStyleLst>
-      <a:bgFillStyleLst>
-        <a:solidFill>
-          <a:schemeClr val="phClr"/>
-        </a:solidFill>
-        <a:gradFill rotWithShape="1">
-          <a:gsLst>
-            <a:gs pos="0">
-              <a:schemeClr val="phClr">
-                <a:tint val="40000"/>
-                <a:satMod val="350000"/>
-              </a:schemeClr>
-            </a:gs>
-            <a:gs pos="40000">
-              <a:schemeClr val="phClr">
-                <a:tint val="45000"/>
-                <a:shade val="99000"/>
-                <a:satMod val="350000"/>
-              </a:schemeClr>
-            </a:gs>
-            <a:gs pos="100000">
-              <a:schemeClr val="phClr">
-                <a:shade val="20000"/>
-                <a:satMod val="255000"/>
-              </a:schemeClr>
-            </a:gs>
-          </a:gsLst>
-          <a:path path="circle">
-            <a:fillToRect l="50000" t="-80000" r="50000" b="180000"/>
-          </a:path>
-        </a:gradFill>
-        <a:gradFill rotWithShape="1">
-          <a:gsLst>
-            <a:gs pos="0">
-              <a:schemeClr val="phClr">
-                <a:tint val="80000"/>
-                <a:satMod val="300000"/>
-              </a:schemeClr>
-            </a:gs>
-            <a:gs pos="100000">
-              <a:schemeClr val="phClr">
-                <a:shade val="30000"/>
-                <a:satMod val="200000"/>
-              </a:schemeClr>
-            </a:gs>
-          </a:gsLst>
-          <a:path path="circle">
-            <a:fillToRect l="50000" t="50000" r="50000" b="50000"/>
-          </a:path>
-        </a:gradFill>
-      </a:bgFillStyleLst>
-    </a:fmtScheme>
-  </a:themeElements>
+  <a:objectDefaults/>
+  <a:extraClrSchemeLst/>
 </a:theme>
 </file>
--- a/docs/proj3_template.pptx
+++ b/docs/proj3_template.pptx
@@ -272,10 +272,100 @@
       </p15:sldGuideLst>
     </p:ext>
     <p:ext uri="http://customooxmlschemas.google.com/">
-      <go:slidesCustomData xmlns:go="http://customooxmlschemas.google.com/" xmlns:ahyp="http://schemas.microsoft.com/office/drawing/2018/hyperlinkcolor" xmlns:p15="http://schemas.microsoft.com/office/powerpoint/2012/main" xmlns:p14="http://schemas.microsoft.com/office/powerpoint/2010/main" xmlns:com="http://schemas.openxmlformats.org/drawingml/2006/compatibility" xmlns:pvml="urn:schemas-microsoft-com:office:powerpoint" xmlns:v="urn:schemas-microsoft-com:vml" xmlns:o="urn:schemas-microsoft-com:office:office" xmlns:dgm="http://schemas.openxmlformats.org/drawingml/2006/diagram" xmlns:c="http://schemas.openxmlformats.org/drawingml/2006/chart" xmlns:mv="urn:schemas-microsoft-com:mac:vml" xmlns:mc="http://schemas.openxmlformats.org/markup-compatibility/2006" xmlns="" r:id="rId22" roundtripDataSignature="AMtx7mil/KIhr3QggQAe0TlUnjNvitrpZQ=="/>
+      <go:slidesCustomData xmlns="" xmlns:mc="http://schemas.openxmlformats.org/markup-compatibility/2006" xmlns:mv="urn:schemas-microsoft-com:mac:vml" xmlns:c="http://schemas.openxmlformats.org/drawingml/2006/chart" xmlns:dgm="http://schemas.openxmlformats.org/drawingml/2006/diagram" xmlns:o="urn:schemas-microsoft-com:office:office" xmlns:v="urn:schemas-microsoft-com:vml" xmlns:pvml="urn:schemas-microsoft-com:office:powerpoint" xmlns:com="http://schemas.openxmlformats.org/drawingml/2006/compatibility" xmlns:p14="http://schemas.microsoft.com/office/powerpoint/2010/main" xmlns:p15="http://schemas.microsoft.com/office/powerpoint/2012/main" xmlns:ahyp="http://schemas.microsoft.com/office/drawing/2018/hyperlinkcolor" xmlns:go="http://customooxmlschemas.google.com/" r:id="rId22" roundtripDataSignature="AMtx7mil/KIhr3QggQAe0TlUnjNvitrpZQ=="/>
     </p:ext>
   </p:extLst>
 </p:presentation>
+</file>
+
+<file path=ppt/changesInfos/changesInfo1.xml><?xml version="1.0" encoding="utf-8"?>
+<pc:chgInfo xmlns:a="http://schemas.openxmlformats.org/drawingml/2006/main" xmlns:r="http://schemas.openxmlformats.org/officeDocument/2006/relationships" xmlns:ac="http://schemas.microsoft.com/office/drawing/2013/main/command" xmlns:pc="http://schemas.microsoft.com/office/powerpoint/2013/main/command">
+  <pc:docChgLst>
+    <pc:chgData name="Newaz, Shuvo" userId="4c2373e7-346f-4797-94d1-ef2a1d69f094" providerId="ADAL" clId="{E920C5FD-7FC8-4324-BE0B-9DD060AF2D41}"/>
+    <pc:docChg chg="custSel modSld">
+      <pc:chgData name="Newaz, Shuvo" userId="4c2373e7-346f-4797-94d1-ef2a1d69f094" providerId="ADAL" clId="{E920C5FD-7FC8-4324-BE0B-9DD060AF2D41}" dt="2022-10-05T21:04:07.591" v="92" actId="14100"/>
+      <pc:docMkLst>
+        <pc:docMk/>
+      </pc:docMkLst>
+      <pc:sldChg chg="modSp mod">
+        <pc:chgData name="Newaz, Shuvo" userId="4c2373e7-346f-4797-94d1-ef2a1d69f094" providerId="ADAL" clId="{E920C5FD-7FC8-4324-BE0B-9DD060AF2D41}" dt="2022-10-05T20:43:44.728" v="53" actId="2711"/>
+        <pc:sldMkLst>
+          <pc:docMk/>
+          <pc:sldMk cId="0" sldId="256"/>
+        </pc:sldMkLst>
+        <pc:spChg chg="mod">
+          <ac:chgData name="Newaz, Shuvo" userId="4c2373e7-346f-4797-94d1-ef2a1d69f094" providerId="ADAL" clId="{E920C5FD-7FC8-4324-BE0B-9DD060AF2D41}" dt="2022-10-05T20:43:44.728" v="53" actId="2711"/>
+          <ac:spMkLst>
+            <pc:docMk/>
+            <pc:sldMk cId="0" sldId="256"/>
+            <ac:spMk id="59" creationId="{00000000-0000-0000-0000-000000000000}"/>
+          </ac:spMkLst>
+        </pc:spChg>
+      </pc:sldChg>
+      <pc:sldChg chg="addSp modSp mod">
+        <pc:chgData name="Newaz, Shuvo" userId="4c2373e7-346f-4797-94d1-ef2a1d69f094" providerId="ADAL" clId="{E920C5FD-7FC8-4324-BE0B-9DD060AF2D41}" dt="2022-10-05T21:04:07.591" v="92" actId="14100"/>
+        <pc:sldMkLst>
+          <pc:docMk/>
+          <pc:sldMk cId="0" sldId="257"/>
+        </pc:sldMkLst>
+        <pc:picChg chg="add mod">
+          <ac:chgData name="Newaz, Shuvo" userId="4c2373e7-346f-4797-94d1-ef2a1d69f094" providerId="ADAL" clId="{E920C5FD-7FC8-4324-BE0B-9DD060AF2D41}" dt="2022-10-05T20:47:41.250" v="87" actId="1076"/>
+          <ac:picMkLst>
+            <pc:docMk/>
+            <pc:sldMk cId="0" sldId="257"/>
+            <ac:picMk id="3" creationId="{E6339B32-7E61-E8B1-C4F7-172BB9D872A0}"/>
+          </ac:picMkLst>
+        </pc:picChg>
+        <pc:picChg chg="add mod">
+          <ac:chgData name="Newaz, Shuvo" userId="4c2373e7-346f-4797-94d1-ef2a1d69f094" providerId="ADAL" clId="{E920C5FD-7FC8-4324-BE0B-9DD060AF2D41}" dt="2022-10-05T21:04:07.591" v="92" actId="14100"/>
+          <ac:picMkLst>
+            <pc:docMk/>
+            <pc:sldMk cId="0" sldId="257"/>
+            <ac:picMk id="5" creationId="{7C36088E-6E1C-461E-E7D6-8A438DC52718}"/>
+          </ac:picMkLst>
+        </pc:picChg>
+      </pc:sldChg>
+      <pc:sldChg chg="addSp modSp mod">
+        <pc:chgData name="Newaz, Shuvo" userId="4c2373e7-346f-4797-94d1-ef2a1d69f094" providerId="ADAL" clId="{E920C5FD-7FC8-4324-BE0B-9DD060AF2D41}" dt="2022-10-05T20:47:33.372" v="84" actId="1076"/>
+        <pc:sldMkLst>
+          <pc:docMk/>
+          <pc:sldMk cId="0" sldId="258"/>
+        </pc:sldMkLst>
+        <pc:picChg chg="add mod">
+          <ac:chgData name="Newaz, Shuvo" userId="4c2373e7-346f-4797-94d1-ef2a1d69f094" providerId="ADAL" clId="{E920C5FD-7FC8-4324-BE0B-9DD060AF2D41}" dt="2022-10-05T20:47:30.292" v="83" actId="1076"/>
+          <ac:picMkLst>
+            <pc:docMk/>
+            <pc:sldMk cId="0" sldId="258"/>
+            <ac:picMk id="3" creationId="{7A2495DF-373A-C63C-498B-CA9EB0885A11}"/>
+          </ac:picMkLst>
+        </pc:picChg>
+        <pc:picChg chg="add mod">
+          <ac:chgData name="Newaz, Shuvo" userId="4c2373e7-346f-4797-94d1-ef2a1d69f094" providerId="ADAL" clId="{E920C5FD-7FC8-4324-BE0B-9DD060AF2D41}" dt="2022-10-05T20:47:33.372" v="84" actId="1076"/>
+          <ac:picMkLst>
+            <pc:docMk/>
+            <pc:sldMk cId="0" sldId="258"/>
+            <ac:picMk id="5" creationId="{F30DA1CF-EE66-DBFB-60BB-17C3AAF8E234}"/>
+          </ac:picMkLst>
+        </pc:picChg>
+      </pc:sldChg>
+      <pc:sldChg chg="addSp modSp mod">
+        <pc:chgData name="Newaz, Shuvo" userId="4c2373e7-346f-4797-94d1-ef2a1d69f094" providerId="ADAL" clId="{E920C5FD-7FC8-4324-BE0B-9DD060AF2D41}" dt="2022-10-05T20:50:40.188" v="91" actId="1076"/>
+        <pc:sldMkLst>
+          <pc:docMk/>
+          <pc:sldMk cId="0" sldId="260"/>
+        </pc:sldMkLst>
+        <pc:picChg chg="add mod">
+          <ac:chgData name="Newaz, Shuvo" userId="4c2373e7-346f-4797-94d1-ef2a1d69f094" providerId="ADAL" clId="{E920C5FD-7FC8-4324-BE0B-9DD060AF2D41}" dt="2022-10-05T20:50:40.188" v="91" actId="1076"/>
+          <ac:picMkLst>
+            <pc:docMk/>
+            <pc:sldMk cId="0" sldId="260"/>
+            <ac:picMk id="3" creationId="{0EC51568-6949-9EFF-EF8E-B51258717A10}"/>
+          </ac:picMkLst>
+        </pc:picChg>
+      </pc:sldChg>
+    </pc:docChg>
+  </pc:docChgLst>
+</pc:chgInfo>
 </file>
 
 <file path=ppt/notesMasters/notesMaster1.xml><?xml version="1.0" encoding="utf-8"?>
@@ -1830,7 +1920,7 @@
         </p:nvSpPr>
         <p:spPr>
           <a:xfrm>
-            <a:off x="381300" y="685800"/>
+            <a:off x="381000" y="685800"/>
             <a:ext cx="6096000" cy="3429000"/>
           </a:xfrm>
           <a:custGeom>
@@ -1952,7 +2042,7 @@
         </p:nvSpPr>
         <p:spPr>
           <a:xfrm>
-            <a:off x="381300" y="685800"/>
+            <a:off x="381000" y="685800"/>
             <a:ext cx="6096000" cy="3429000"/>
           </a:xfrm>
           <a:custGeom>
@@ -2196,7 +2286,7 @@
         </p:nvSpPr>
         <p:spPr>
           <a:xfrm>
-            <a:off x="381300" y="685800"/>
+            <a:off x="381000" y="685800"/>
             <a:ext cx="6096000" cy="3429000"/>
           </a:xfrm>
           <a:custGeom>
@@ -11209,24 +11299,22 @@
               <a:buNone/>
             </a:pPr>
             <a:r>
-              <a:rPr lang="en" sz="2800" b="0" i="0" u="none" strike="noStrike" cap="none">
+              <a:rPr lang="en-US" sz="2800" b="0" i="0" u="none" strike="noStrike" cap="none" dirty="0">
                 <a:solidFill>
                   <a:srgbClr val="595959"/>
                 </a:solidFill>
-                <a:latin typeface="Arial"/>
-                <a:ea typeface="Arial"/>
-                <a:cs typeface="Arial"/>
+                <a:latin typeface="Cambria" panose="02040503050406030204" pitchFamily="18" charset="0"/>
+                <a:ea typeface="Cambria" panose="02040503050406030204" pitchFamily="18" charset="0"/>
                 <a:sym typeface="Arial"/>
               </a:rPr>
-              <a:t>[name]</a:t>
+              <a:t>Shuvo Newaz</a:t>
             </a:r>
-            <a:endParaRPr sz="2800" b="0" i="0" u="none" strike="noStrike" cap="none">
+            <a:endParaRPr sz="2800" b="0" i="0" u="none" strike="noStrike" cap="none" dirty="0">
               <a:solidFill>
                 <a:schemeClr val="dk1"/>
               </a:solidFill>
-              <a:latin typeface="Arial"/>
-              <a:ea typeface="Arial"/>
-              <a:cs typeface="Arial"/>
+              <a:latin typeface="Cambria" panose="02040503050406030204" pitchFamily="18" charset="0"/>
+              <a:ea typeface="Cambria" panose="02040503050406030204" pitchFamily="18" charset="0"/>
               <a:sym typeface="Arial"/>
             </a:endParaRPr>
           </a:p>
@@ -11249,24 +11337,22 @@
               <a:buNone/>
             </a:pPr>
             <a:r>
-              <a:rPr lang="en" sz="2800" b="0" i="0" u="none" strike="noStrike" cap="none">
+              <a:rPr lang="en-US" sz="2800" b="0" i="0" u="none" strike="noStrike" cap="none" dirty="0">
                 <a:solidFill>
                   <a:srgbClr val="595959"/>
                 </a:solidFill>
-                <a:latin typeface="Arial"/>
-                <a:ea typeface="Arial"/>
-                <a:cs typeface="Arial"/>
+                <a:latin typeface="Cambria" panose="02040503050406030204" pitchFamily="18" charset="0"/>
+                <a:ea typeface="Cambria" panose="02040503050406030204" pitchFamily="18" charset="0"/>
                 <a:sym typeface="Arial"/>
               </a:rPr>
-              <a:t>[GT email]</a:t>
+              <a:t>shuvo.newaz@gatech.edu</a:t>
             </a:r>
-            <a:endParaRPr sz="2800" b="0" i="0" u="none" strike="noStrike" cap="none">
+            <a:endParaRPr sz="2800" b="0" i="0" u="none" strike="noStrike" cap="none" dirty="0">
               <a:solidFill>
                 <a:srgbClr val="595959"/>
               </a:solidFill>
-              <a:latin typeface="Arial"/>
-              <a:ea typeface="Arial"/>
-              <a:cs typeface="Arial"/>
+              <a:latin typeface="Cambria" panose="02040503050406030204" pitchFamily="18" charset="0"/>
+              <a:ea typeface="Cambria" panose="02040503050406030204" pitchFamily="18" charset="0"/>
               <a:sym typeface="Arial"/>
             </a:endParaRPr>
           </a:p>
@@ -11289,24 +11375,22 @@
               <a:buNone/>
             </a:pPr>
             <a:r>
-              <a:rPr lang="en" sz="2800" b="0" i="0" u="none" strike="noStrike" cap="none">
+              <a:rPr lang="en" sz="2800" b="0" i="0" u="none" strike="noStrike" cap="none" dirty="0">
                 <a:solidFill>
                   <a:srgbClr val="595959"/>
                 </a:solidFill>
-                <a:latin typeface="Arial"/>
-                <a:ea typeface="Arial"/>
-                <a:cs typeface="Arial"/>
+                <a:latin typeface="Cambria" panose="02040503050406030204" pitchFamily="18" charset="0"/>
+                <a:ea typeface="Cambria" panose="02040503050406030204" pitchFamily="18" charset="0"/>
                 <a:sym typeface="Arial"/>
               </a:rPr>
-              <a:t>[GT username]</a:t>
+              <a:t>snewaz3</a:t>
             </a:r>
-            <a:endParaRPr sz="2800" b="0" i="0" u="none" strike="noStrike" cap="none">
+            <a:endParaRPr sz="2800" b="0" i="0" u="none" strike="noStrike" cap="none" dirty="0">
               <a:solidFill>
                 <a:srgbClr val="595959"/>
               </a:solidFill>
-              <a:latin typeface="Arial"/>
-              <a:ea typeface="Arial"/>
-              <a:cs typeface="Arial"/>
+              <a:latin typeface="Cambria" panose="02040503050406030204" pitchFamily="18" charset="0"/>
+              <a:ea typeface="Cambria" panose="02040503050406030204" pitchFamily="18" charset="0"/>
               <a:sym typeface="Arial"/>
             </a:endParaRPr>
           </a:p>
@@ -11329,24 +11413,22 @@
               <a:buNone/>
             </a:pPr>
             <a:r>
-              <a:rPr lang="en" sz="2800" b="0" i="0" u="none" strike="noStrike" cap="none">
+              <a:rPr lang="en" sz="2800" b="0" i="0" u="none" strike="noStrike" cap="none" dirty="0">
                 <a:solidFill>
                   <a:srgbClr val="595959"/>
                 </a:solidFill>
-                <a:latin typeface="Arial"/>
-                <a:ea typeface="Arial"/>
-                <a:cs typeface="Arial"/>
+                <a:latin typeface="Cambria" panose="02040503050406030204" pitchFamily="18" charset="0"/>
+                <a:ea typeface="Cambria" panose="02040503050406030204" pitchFamily="18" charset="0"/>
                 <a:sym typeface="Arial"/>
               </a:rPr>
-              <a:t>[GTID]</a:t>
+              <a:t>903614132</a:t>
             </a:r>
-            <a:endParaRPr sz="2800" b="0" i="0" u="none" strike="noStrike" cap="none">
+            <a:endParaRPr sz="2800" b="0" i="0" u="none" strike="noStrike" cap="none" dirty="0">
               <a:solidFill>
                 <a:schemeClr val="dk1"/>
               </a:solidFill>
-              <a:latin typeface="Arial"/>
-              <a:ea typeface="Arial"/>
-              <a:cs typeface="Arial"/>
+              <a:latin typeface="Cambria" panose="02040503050406030204" pitchFamily="18" charset="0"/>
+              <a:ea typeface="Cambria" panose="02040503050406030204" pitchFamily="18" charset="0"/>
               <a:sym typeface="Arial"/>
             </a:endParaRPr>
           </a:p>
@@ -13092,6 +13174,66 @@
           </a:p>
         </p:txBody>
       </p:sp>
+      <p:pic>
+        <p:nvPicPr>
+          <p:cNvPr id="3" name="Picture 2">
+            <a:extLst>
+              <a:ext uri="{FF2B5EF4-FFF2-40B4-BE49-F238E27FC236}">
+                <a16:creationId xmlns:a16="http://schemas.microsoft.com/office/drawing/2014/main" id="{E6339B32-7E61-E8B1-C4F7-172BB9D872A0}"/>
+              </a:ext>
+            </a:extLst>
+          </p:cNvPr>
+          <p:cNvPicPr>
+            <a:picLocks noChangeAspect="1"/>
+          </p:cNvPicPr>
+          <p:nvPr/>
+        </p:nvPicPr>
+        <p:blipFill>
+          <a:blip r:embed="rId3"/>
+          <a:stretch>
+            <a:fillRect/>
+          </a:stretch>
+        </p:blipFill>
+        <p:spPr>
+          <a:xfrm>
+            <a:off x="567899" y="2035128"/>
+            <a:ext cx="3193827" cy="3108372"/>
+          </a:xfrm>
+          <a:prstGeom prst="rect">
+            <a:avLst/>
+          </a:prstGeom>
+        </p:spPr>
+      </p:pic>
+      <p:pic>
+        <p:nvPicPr>
+          <p:cNvPr id="5" name="Picture 4">
+            <a:extLst>
+              <a:ext uri="{FF2B5EF4-FFF2-40B4-BE49-F238E27FC236}">
+                <a16:creationId xmlns:a16="http://schemas.microsoft.com/office/drawing/2014/main" id="{7C36088E-6E1C-461E-E7D6-8A438DC52718}"/>
+              </a:ext>
+            </a:extLst>
+          </p:cNvPr>
+          <p:cNvPicPr>
+            <a:picLocks noChangeAspect="1"/>
+          </p:cNvPicPr>
+          <p:nvPr/>
+        </p:nvPicPr>
+        <p:blipFill>
+          <a:blip r:embed="rId4"/>
+          <a:stretch>
+            <a:fillRect/>
+          </a:stretch>
+        </p:blipFill>
+        <p:spPr>
+          <a:xfrm>
+            <a:off x="5189838" y="1757237"/>
+            <a:ext cx="3386263" cy="3386263"/>
+          </a:xfrm>
+          <a:prstGeom prst="rect">
+            <a:avLst/>
+          </a:prstGeom>
+        </p:spPr>
+      </p:pic>
     </p:spTree>
   </p:cSld>
   <p:clrMapOvr>
@@ -13267,6 +13409,66 @@
           </a:p>
         </p:txBody>
       </p:sp>
+      <p:pic>
+        <p:nvPicPr>
+          <p:cNvPr id="3" name="Picture 2">
+            <a:extLst>
+              <a:ext uri="{FF2B5EF4-FFF2-40B4-BE49-F238E27FC236}">
+                <a16:creationId xmlns:a16="http://schemas.microsoft.com/office/drawing/2014/main" id="{7A2495DF-373A-C63C-498B-CA9EB0885A11}"/>
+              </a:ext>
+            </a:extLst>
+          </p:cNvPr>
+          <p:cNvPicPr>
+            <a:picLocks noChangeAspect="1"/>
+          </p:cNvPicPr>
+          <p:nvPr/>
+        </p:nvPicPr>
+        <p:blipFill>
+          <a:blip r:embed="rId3"/>
+          <a:stretch>
+            <a:fillRect/>
+          </a:stretch>
+        </p:blipFill>
+        <p:spPr>
+          <a:xfrm>
+            <a:off x="550394" y="2047513"/>
+            <a:ext cx="3303450" cy="3095987"/>
+          </a:xfrm>
+          <a:prstGeom prst="rect">
+            <a:avLst/>
+          </a:prstGeom>
+        </p:spPr>
+      </p:pic>
+      <p:pic>
+        <p:nvPicPr>
+          <p:cNvPr id="5" name="Picture 4">
+            <a:extLst>
+              <a:ext uri="{FF2B5EF4-FFF2-40B4-BE49-F238E27FC236}">
+                <a16:creationId xmlns:a16="http://schemas.microsoft.com/office/drawing/2014/main" id="{F30DA1CF-EE66-DBFB-60BB-17C3AAF8E234}"/>
+              </a:ext>
+            </a:extLst>
+          </p:cNvPr>
+          <p:cNvPicPr>
+            <a:picLocks noChangeAspect="1"/>
+          </p:cNvPicPr>
+          <p:nvPr/>
+        </p:nvPicPr>
+        <p:blipFill>
+          <a:blip r:embed="rId4"/>
+          <a:stretch>
+            <a:fillRect/>
+          </a:stretch>
+        </p:blipFill>
+        <p:spPr>
+          <a:xfrm>
+            <a:off x="5386611" y="1863301"/>
+            <a:ext cx="3280199" cy="3280199"/>
+          </a:xfrm>
+          <a:prstGeom prst="rect">
+            <a:avLst/>
+          </a:prstGeom>
+        </p:spPr>
+      </p:pic>
     </p:spTree>
   </p:cSld>
   <p:clrMapOvr>
@@ -13619,6 +13821,36 @@
           </a:p>
         </p:txBody>
       </p:sp>
+      <p:pic>
+        <p:nvPicPr>
+          <p:cNvPr id="3" name="Picture 2">
+            <a:extLst>
+              <a:ext uri="{FF2B5EF4-FFF2-40B4-BE49-F238E27FC236}">
+                <a16:creationId xmlns:a16="http://schemas.microsoft.com/office/drawing/2014/main" id="{0EC51568-6949-9EFF-EF8E-B51258717A10}"/>
+              </a:ext>
+            </a:extLst>
+          </p:cNvPr>
+          <p:cNvPicPr>
+            <a:picLocks noChangeAspect="1"/>
+          </p:cNvPicPr>
+          <p:nvPr/>
+        </p:nvPicPr>
+        <p:blipFill>
+          <a:blip r:embed="rId3"/>
+          <a:stretch>
+            <a:fillRect/>
+          </a:stretch>
+        </p:blipFill>
+        <p:spPr>
+          <a:xfrm>
+            <a:off x="0" y="1869030"/>
+            <a:ext cx="9144000" cy="3036531"/>
+          </a:xfrm>
+          <a:prstGeom prst="rect">
+            <a:avLst/>
+          </a:prstGeom>
+        </p:spPr>
+      </p:pic>
     </p:spTree>
   </p:cSld>
   <p:clrMapOvr>
